--- a/swift.pptx
+++ b/swift.pptx
@@ -6,6 +6,14 @@
   </p:sldMasterIdLst>
   <p:sldIdLst>
     <p:sldId id="256" r:id="rId2"/>
+    <p:sldId id="259" r:id="rId3"/>
+    <p:sldId id="260" r:id="rId4"/>
+    <p:sldId id="258" r:id="rId5"/>
+    <p:sldId id="262" r:id="rId6"/>
+    <p:sldId id="261" r:id="rId7"/>
+    <p:sldId id="263" r:id="rId8"/>
+    <p:sldId id="264" r:id="rId9"/>
+    <p:sldId id="257" r:id="rId10"/>
   </p:sldIdLst>
   <p:sldSz cx="9144000" cy="6858000" type="screen4x3"/>
   <p:notesSz cx="6858000" cy="9144000"/>
@@ -3152,12 +3160,12 @@
       </p:grpSpPr>
       <p:sp>
         <p:nvSpPr>
-          <p:cNvPr id="2" name="标题 1"/>
-          <p:cNvSpPr>
-            <a:spLocks noGrp="1"/>
-          </p:cNvSpPr>
-          <p:nvPr>
-            <p:ph type="ctrTitle"/>
+          <p:cNvPr id="3" name="副标题 2"/>
+          <p:cNvSpPr>
+            <a:spLocks noGrp="1"/>
+          </p:cNvSpPr>
+          <p:nvPr>
+            <p:ph type="subTitle" idx="1"/>
           </p:nvPr>
         </p:nvSpPr>
         <p:spPr/>
@@ -3165,29 +3173,61 @@
           <a:bodyPr/>
           <a:lstStyle/>
           <a:p>
-            <a:endParaRPr kumimoji="1" lang="zh-CN" altLang="en-US"/>
-          </a:p>
-        </p:txBody>
-      </p:sp>
-      <p:sp>
-        <p:nvSpPr>
-          <p:cNvPr id="3" name="副标题 2"/>
-          <p:cNvSpPr>
-            <a:spLocks noGrp="1"/>
-          </p:cNvSpPr>
-          <p:nvPr>
-            <p:ph type="subTitle" idx="1"/>
-          </p:nvPr>
-        </p:nvSpPr>
-        <p:spPr/>
-        <p:txBody>
-          <a:bodyPr/>
-          <a:lstStyle/>
-          <a:p>
-            <a:endParaRPr kumimoji="1" lang="zh-CN" altLang="en-US"/>
-          </a:p>
-        </p:txBody>
-      </p:sp>
+            <a:r>
+              <a:rPr kumimoji="1" lang="en-US" altLang="zh-CN" dirty="0" smtClean="0"/>
+              <a:t>Swift</a:t>
+            </a:r>
+            <a:r>
+              <a:rPr kumimoji="1" lang="zh-CN" altLang="en-US" dirty="0" smtClean="0"/>
+              <a:t> 简介</a:t>
+            </a:r>
+            <a:endParaRPr kumimoji="1" lang="en-US" altLang="zh-CN" dirty="0" smtClean="0"/>
+          </a:p>
+          <a:p>
+            <a:r>
+              <a:rPr kumimoji="1" lang="zh-CN" altLang="en-US" dirty="0"/>
+              <a:t> </a:t>
+            </a:r>
+            <a:r>
+              <a:rPr kumimoji="1" lang="zh-CN" altLang="en-US" dirty="0" smtClean="0"/>
+              <a:t>                    </a:t>
+            </a:r>
+            <a:r>
+              <a:rPr kumimoji="1" lang="en-US" altLang="zh-CN" dirty="0" smtClean="0"/>
+              <a:t>			--</a:t>
+            </a:r>
+            <a:r>
+              <a:rPr kumimoji="1" lang="zh-CN" altLang="en-US" dirty="0" smtClean="0"/>
+              <a:t>王玄奥</a:t>
+            </a:r>
+            <a:endParaRPr kumimoji="1" lang="en-US" altLang="zh-CN" dirty="0"/>
+          </a:p>
+        </p:txBody>
+      </p:sp>
+      <p:pic>
+        <p:nvPicPr>
+          <p:cNvPr id="4" name="图片 3"/>
+          <p:cNvPicPr>
+            <a:picLocks noChangeAspect="1"/>
+          </p:cNvPicPr>
+          <p:nvPr/>
+        </p:nvPicPr>
+        <p:blipFill>
+          <a:blip r:embed="rId2"/>
+          <a:stretch>
+            <a:fillRect/>
+          </a:stretch>
+        </p:blipFill>
+        <p:spPr>
+          <a:xfrm>
+            <a:off x="4020659" y="1626313"/>
+            <a:ext cx="1091206" cy="1091206"/>
+          </a:xfrm>
+          <a:prstGeom prst="rect">
+            <a:avLst/>
+          </a:prstGeom>
+        </p:spPr>
+      </p:pic>
     </p:spTree>
     <p:extLst>
       <p:ext uri="{BB962C8B-B14F-4D97-AF65-F5344CB8AC3E}">
@@ -3198,6 +3238,2620 @@
   <p:clrMapOvr>
     <a:masterClrMapping/>
   </p:clrMapOvr>
+</p:sld>
+</file>
+
+<file path=ppt/slides/slide2.xml><?xml version="1.0" encoding="utf-8"?>
+<p:sld xmlns:a="http://schemas.openxmlformats.org/drawingml/2006/main" xmlns:r="http://schemas.openxmlformats.org/officeDocument/2006/relationships" xmlns:p="http://schemas.openxmlformats.org/presentationml/2006/main">
+  <p:cSld>
+    <p:spTree>
+      <p:nvGrpSpPr>
+        <p:cNvPr id="1" name=""/>
+        <p:cNvGrpSpPr/>
+        <p:nvPr/>
+      </p:nvGrpSpPr>
+      <p:grpSpPr>
+        <a:xfrm>
+          <a:off x="0" y="0"/>
+          <a:ext cx="0" cy="0"/>
+          <a:chOff x="0" y="0"/>
+          <a:chExt cx="0" cy="0"/>
+        </a:xfrm>
+      </p:grpSpPr>
+      <p:sp>
+        <p:nvSpPr>
+          <p:cNvPr id="2" name="标题 1"/>
+          <p:cNvSpPr>
+            <a:spLocks noGrp="1"/>
+          </p:cNvSpPr>
+          <p:nvPr>
+            <p:ph type="title"/>
+          </p:nvPr>
+        </p:nvSpPr>
+        <p:spPr/>
+        <p:txBody>
+          <a:bodyPr/>
+          <a:lstStyle/>
+          <a:p>
+            <a:r>
+              <a:rPr kumimoji="1" lang="zh-CN" altLang="en-US" dirty="0" smtClean="0"/>
+              <a:t>关于</a:t>
+            </a:r>
+            <a:r>
+              <a:rPr kumimoji="1" lang="en-US" altLang="zh-CN" dirty="0" smtClean="0"/>
+              <a:t>Swift</a:t>
+            </a:r>
+            <a:endParaRPr kumimoji="1" lang="zh-CN" altLang="en-US" dirty="0"/>
+          </a:p>
+        </p:txBody>
+      </p:sp>
+      <p:sp>
+        <p:nvSpPr>
+          <p:cNvPr id="3" name="内容占位符 2"/>
+          <p:cNvSpPr>
+            <a:spLocks noGrp="1"/>
+          </p:cNvSpPr>
+          <p:nvPr>
+            <p:ph idx="1"/>
+          </p:nvPr>
+        </p:nvSpPr>
+        <p:spPr/>
+        <p:txBody>
+          <a:bodyPr>
+            <a:normAutofit fontScale="92500" lnSpcReduction="20000"/>
+          </a:bodyPr>
+          <a:lstStyle/>
+          <a:p>
+            <a:pPr marL="0" indent="0">
+              <a:buNone/>
+            </a:pPr>
+            <a:r>
+              <a:rPr lang="zh-CN" altLang="en-US" dirty="0" smtClean="0"/>
+              <a:t>         </a:t>
+            </a:r>
+            <a:r>
+              <a:rPr lang="en-US" altLang="zh-CN" dirty="0" smtClean="0"/>
+              <a:t>Swift </a:t>
+            </a:r>
+            <a:r>
+              <a:rPr lang="zh-CN" altLang="en-US" dirty="0" smtClean="0"/>
+              <a:t>是一种</a:t>
+            </a:r>
+            <a:r>
+              <a:rPr lang="zh-CN" altLang="en-US" dirty="0" smtClean="0"/>
+              <a:t>全</a:t>
+            </a:r>
+            <a:r>
+              <a:rPr lang="zh-CN" altLang="en-US" dirty="0" smtClean="0"/>
+              <a:t>新的编程语</a:t>
+            </a:r>
+            <a:r>
+              <a:rPr lang="zh-CN" altLang="en-US" dirty="0"/>
+              <a:t>言，用于编写 </a:t>
+            </a:r>
+            <a:r>
+              <a:rPr lang="en-US" altLang="zh-CN" dirty="0" err="1"/>
+              <a:t>iOS</a:t>
+            </a:r>
+            <a:r>
+              <a:rPr lang="zh-CN" altLang="en-US" dirty="0"/>
+              <a:t>，</a:t>
+            </a:r>
+            <a:r>
+              <a:rPr lang="en-US" altLang="zh-CN" dirty="0"/>
+              <a:t>OS X </a:t>
+            </a:r>
+            <a:r>
+              <a:rPr lang="zh-CN" altLang="en-US" dirty="0"/>
+              <a:t>和 </a:t>
+            </a:r>
+            <a:r>
+              <a:rPr lang="en-US" altLang="zh-CN" dirty="0" err="1"/>
+              <a:t>watchOS</a:t>
+            </a:r>
+            <a:r>
+              <a:rPr lang="zh-CN" altLang="en-US" dirty="0"/>
+              <a:t>应用程序。</a:t>
+            </a:r>
+            <a:r>
+              <a:rPr lang="en-US" altLang="zh-CN" dirty="0"/>
+              <a:t>Swift </a:t>
+            </a:r>
+            <a:r>
+              <a:rPr lang="zh-CN" altLang="en-US" dirty="0"/>
+              <a:t>结合了 </a:t>
+            </a:r>
+            <a:r>
+              <a:rPr lang="en-US" altLang="zh-CN" dirty="0"/>
+              <a:t>C </a:t>
+            </a:r>
+            <a:r>
+              <a:rPr lang="zh-CN" altLang="en-US" dirty="0"/>
+              <a:t>和 </a:t>
+            </a:r>
+            <a:r>
+              <a:rPr lang="en-US" altLang="zh-CN" dirty="0"/>
+              <a:t>Objective-C </a:t>
+            </a:r>
+            <a:r>
+              <a:rPr lang="zh-CN" altLang="en-US" dirty="0"/>
+              <a:t>的优点并且不受 </a:t>
+            </a:r>
+            <a:r>
+              <a:rPr lang="en-US" altLang="zh-CN" dirty="0"/>
+              <a:t>C </a:t>
+            </a:r>
+            <a:r>
+              <a:rPr lang="zh-CN" altLang="en-US" dirty="0"/>
+              <a:t>兼容性的限制。</a:t>
+            </a:r>
+            <a:r>
+              <a:rPr lang="en-US" altLang="zh-CN" dirty="0"/>
+              <a:t>Swift </a:t>
+            </a:r>
+            <a:r>
+              <a:rPr lang="zh-CN" altLang="en-US" dirty="0"/>
+              <a:t>采用安全的编程模式并添加了很多新特性，这将使编程更简单，更灵活，也更有趣</a:t>
+            </a:r>
+            <a:r>
+              <a:rPr lang="zh-CN" altLang="en-US" dirty="0" smtClean="0"/>
+              <a:t>。</a:t>
+            </a:r>
+            <a:r>
+              <a:rPr lang="en-US" altLang="zh-CN" dirty="0" smtClean="0"/>
+              <a:t>Swift </a:t>
+            </a:r>
+            <a:r>
+              <a:rPr lang="zh-CN" altLang="en-US" dirty="0" smtClean="0"/>
+              <a:t>基于</a:t>
+            </a:r>
+            <a:r>
+              <a:rPr lang="zh-CN" altLang="en-US" dirty="0" smtClean="0"/>
+              <a:t> </a:t>
+            </a:r>
+            <a:r>
+              <a:rPr lang="en-US" altLang="zh-CN" dirty="0" smtClean="0"/>
+              <a:t>Cocoa </a:t>
+            </a:r>
+            <a:r>
+              <a:rPr lang="zh-CN" altLang="en-US" dirty="0"/>
+              <a:t>和 </a:t>
+            </a:r>
+            <a:r>
+              <a:rPr lang="en-US" altLang="zh-CN" dirty="0"/>
+              <a:t>Cocoa Touch </a:t>
+            </a:r>
+            <a:r>
+              <a:rPr lang="zh-CN" altLang="en-US" dirty="0"/>
+              <a:t>框架，它的降临将重新定义软件开发。</a:t>
+            </a:r>
+            <a:endParaRPr kumimoji="1" lang="zh-CN" altLang="en-US" dirty="0"/>
+          </a:p>
+        </p:txBody>
+      </p:sp>
+    </p:spTree>
+    <p:extLst>
+      <p:ext uri="{BB962C8B-B14F-4D97-AF65-F5344CB8AC3E}">
+        <p14:creationId xmlns:p14="http://schemas.microsoft.com/office/powerpoint/2010/main" val="598059018"/>
+      </p:ext>
+    </p:extLst>
+  </p:cSld>
+  <p:clrMapOvr>
+    <a:masterClrMapping/>
+  </p:clrMapOvr>
+</p:sld>
+</file>
+
+<file path=ppt/slides/slide3.xml><?xml version="1.0" encoding="utf-8"?>
+<p:sld xmlns:a="http://schemas.openxmlformats.org/drawingml/2006/main" xmlns:r="http://schemas.openxmlformats.org/officeDocument/2006/relationships" xmlns:p="http://schemas.openxmlformats.org/presentationml/2006/main">
+  <p:cSld>
+    <p:spTree>
+      <p:nvGrpSpPr>
+        <p:cNvPr id="1" name=""/>
+        <p:cNvGrpSpPr/>
+        <p:nvPr/>
+      </p:nvGrpSpPr>
+      <p:grpSpPr>
+        <a:xfrm>
+          <a:off x="0" y="0"/>
+          <a:ext cx="0" cy="0"/>
+          <a:chOff x="0" y="0"/>
+          <a:chExt cx="0" cy="0"/>
+        </a:xfrm>
+      </p:grpSpPr>
+      <p:sp>
+        <p:nvSpPr>
+          <p:cNvPr id="2" name="标题 1"/>
+          <p:cNvSpPr>
+            <a:spLocks noGrp="1"/>
+          </p:cNvSpPr>
+          <p:nvPr>
+            <p:ph type="title"/>
+          </p:nvPr>
+        </p:nvSpPr>
+        <p:spPr/>
+        <p:txBody>
+          <a:bodyPr/>
+          <a:lstStyle/>
+          <a:p>
+            <a:r>
+              <a:rPr lang="en-US" altLang="zh-CN" dirty="0"/>
+              <a:t>Swift</a:t>
+            </a:r>
+            <a:r>
+              <a:rPr lang="zh-CN" altLang="en-US" dirty="0" smtClean="0"/>
+              <a:t>创造者</a:t>
+            </a:r>
+            <a:r>
+              <a:rPr lang="zh-CN" altLang="en-US" dirty="0" smtClean="0"/>
+              <a:t>  </a:t>
+            </a:r>
+            <a:r>
+              <a:rPr lang="zh-CN" altLang="en-US" dirty="0" smtClean="0"/>
+              <a:t>克里斯</a:t>
+            </a:r>
+            <a:r>
+              <a:rPr lang="en-US" altLang="zh-CN" dirty="0"/>
+              <a:t>·</a:t>
+            </a:r>
+            <a:r>
+              <a:rPr lang="zh-CN" altLang="en-US" dirty="0"/>
+              <a:t>拉特纳</a:t>
+            </a:r>
+            <a:endParaRPr kumimoji="1" lang="zh-CN" altLang="en-US" dirty="0"/>
+          </a:p>
+        </p:txBody>
+      </p:sp>
+      <p:sp>
+        <p:nvSpPr>
+          <p:cNvPr id="3" name="内容占位符 2"/>
+          <p:cNvSpPr>
+            <a:spLocks noGrp="1"/>
+          </p:cNvSpPr>
+          <p:nvPr>
+            <p:ph idx="1"/>
+          </p:nvPr>
+        </p:nvSpPr>
+        <p:spPr>
+          <a:xfrm>
+            <a:off x="457200" y="4594568"/>
+            <a:ext cx="8229600" cy="1531595"/>
+          </a:xfrm>
+        </p:spPr>
+        <p:txBody>
+          <a:bodyPr>
+            <a:normAutofit fontScale="55000" lnSpcReduction="20000"/>
+          </a:bodyPr>
+          <a:lstStyle/>
+          <a:p>
+            <a:r>
+              <a:rPr lang="en-US" altLang="zh-CN" dirty="0"/>
+              <a:t>Swift</a:t>
+            </a:r>
+            <a:r>
+              <a:rPr lang="zh-CN" altLang="en-US" dirty="0"/>
+              <a:t>语言开发工作是从</a:t>
+            </a:r>
+            <a:r>
+              <a:rPr lang="en-US" altLang="zh-CN" dirty="0"/>
+              <a:t>2010</a:t>
+            </a:r>
+            <a:r>
+              <a:rPr lang="zh-CN" altLang="en-US" dirty="0"/>
+              <a:t>年</a:t>
+            </a:r>
+            <a:r>
+              <a:rPr lang="en-US" altLang="zh-CN" dirty="0"/>
+              <a:t>7</a:t>
+            </a:r>
+            <a:r>
+              <a:rPr lang="zh-CN" altLang="en-US" dirty="0"/>
+              <a:t>月开始，但直到</a:t>
+            </a:r>
+            <a:r>
+              <a:rPr lang="en-US" altLang="zh-CN" dirty="0"/>
+              <a:t>2013</a:t>
+            </a:r>
+            <a:r>
+              <a:rPr lang="zh-CN" altLang="en-US" dirty="0"/>
+              <a:t>年才获得了苹果开发者工具部门的重视。拉特纳表示，大多数早期架构的开发是由其个人独自完成的，但到了</a:t>
+            </a:r>
+            <a:r>
+              <a:rPr lang="en-US" altLang="zh-CN" dirty="0"/>
+              <a:t>2011</a:t>
+            </a:r>
+            <a:r>
+              <a:rPr lang="zh-CN" altLang="en-US" dirty="0"/>
+              <a:t>年末，一些非常优秀的工程师开始为该项目提供贡献，这才使得</a:t>
+            </a:r>
+            <a:r>
+              <a:rPr lang="en-US" altLang="zh-CN" dirty="0"/>
+              <a:t>Swift</a:t>
+            </a:r>
+            <a:r>
+              <a:rPr lang="zh-CN" altLang="en-US" dirty="0"/>
+              <a:t>获得了部门的重视。</a:t>
+            </a:r>
+            <a:endParaRPr kumimoji="1" lang="zh-CN" altLang="en-US" dirty="0"/>
+          </a:p>
+        </p:txBody>
+      </p:sp>
+      <p:pic>
+        <p:nvPicPr>
+          <p:cNvPr id="4" name="图片 3"/>
+          <p:cNvPicPr>
+            <a:picLocks noChangeAspect="1"/>
+          </p:cNvPicPr>
+          <p:nvPr/>
+        </p:nvPicPr>
+        <p:blipFill>
+          <a:blip r:embed="rId2"/>
+          <a:stretch>
+            <a:fillRect/>
+          </a:stretch>
+        </p:blipFill>
+        <p:spPr>
+          <a:xfrm>
+            <a:off x="2539871" y="1692987"/>
+            <a:ext cx="3510998" cy="2622057"/>
+          </a:xfrm>
+          <a:prstGeom prst="rect">
+            <a:avLst/>
+          </a:prstGeom>
+        </p:spPr>
+      </p:pic>
+    </p:spTree>
+    <p:extLst>
+      <p:ext uri="{BB962C8B-B14F-4D97-AF65-F5344CB8AC3E}">
+        <p14:creationId xmlns:p14="http://schemas.microsoft.com/office/powerpoint/2010/main" val="3220811060"/>
+      </p:ext>
+    </p:extLst>
+  </p:cSld>
+  <p:clrMapOvr>
+    <a:masterClrMapping/>
+  </p:clrMapOvr>
+</p:sld>
+</file>
+
+<file path=ppt/slides/slide4.xml><?xml version="1.0" encoding="utf-8"?>
+<p:sld xmlns:a="http://schemas.openxmlformats.org/drawingml/2006/main" xmlns:r="http://schemas.openxmlformats.org/officeDocument/2006/relationships" xmlns:p="http://schemas.openxmlformats.org/presentationml/2006/main">
+  <p:cSld>
+    <p:spTree>
+      <p:nvGrpSpPr>
+        <p:cNvPr id="1" name=""/>
+        <p:cNvGrpSpPr/>
+        <p:nvPr/>
+      </p:nvGrpSpPr>
+      <p:grpSpPr>
+        <a:xfrm>
+          <a:off x="0" y="0"/>
+          <a:ext cx="0" cy="0"/>
+          <a:chOff x="0" y="0"/>
+          <a:chExt cx="0" cy="0"/>
+        </a:xfrm>
+      </p:grpSpPr>
+      <p:sp>
+        <p:nvSpPr>
+          <p:cNvPr id="2" name="标题 1"/>
+          <p:cNvSpPr>
+            <a:spLocks noGrp="1"/>
+          </p:cNvSpPr>
+          <p:nvPr>
+            <p:ph type="title"/>
+          </p:nvPr>
+        </p:nvSpPr>
+        <p:spPr/>
+        <p:txBody>
+          <a:bodyPr/>
+          <a:lstStyle/>
+          <a:p>
+            <a:r>
+              <a:rPr kumimoji="1" lang="en-US" altLang="zh-CN" dirty="0" smtClean="0"/>
+              <a:t>Swift</a:t>
+            </a:r>
+            <a:r>
+              <a:rPr kumimoji="1" lang="zh-CN" altLang="en-US" dirty="0" smtClean="0"/>
+              <a:t>一路走来</a:t>
+            </a:r>
+            <a:endParaRPr kumimoji="1" lang="zh-CN" altLang="en-US" dirty="0"/>
+          </a:p>
+        </p:txBody>
+      </p:sp>
+      <p:sp>
+        <p:nvSpPr>
+          <p:cNvPr id="3" name="内容占位符 2"/>
+          <p:cNvSpPr>
+            <a:spLocks noGrp="1"/>
+          </p:cNvSpPr>
+          <p:nvPr>
+            <p:ph idx="1"/>
+          </p:nvPr>
+        </p:nvSpPr>
+        <p:spPr>
+          <a:xfrm>
+            <a:off x="457200" y="1805658"/>
+            <a:ext cx="3763467" cy="4703323"/>
+          </a:xfrm>
+        </p:spPr>
+        <p:txBody>
+          <a:bodyPr>
+            <a:noAutofit/>
+          </a:bodyPr>
+          <a:lstStyle/>
+          <a:p>
+            <a:pPr>
+              <a:lnSpc>
+                <a:spcPts val="1840"/>
+              </a:lnSpc>
+            </a:pPr>
+            <a:r>
+              <a:rPr lang="en-US" altLang="zh-TW" sz="1200" dirty="0"/>
+              <a:t>XCode6.4 Beta </a:t>
+            </a:r>
+            <a:r>
+              <a:rPr lang="en-US" altLang="zh-TW" sz="1200" dirty="0" smtClean="0"/>
+              <a:t>  </a:t>
+            </a:r>
+            <a:r>
+              <a:rPr lang="zh-CN" altLang="en-US" sz="1200" dirty="0" smtClean="0"/>
+              <a:t>   </a:t>
+            </a:r>
+            <a:r>
+              <a:rPr lang="en-US" altLang="zh-CN" sz="1200" dirty="0" smtClean="0"/>
+              <a:t>2015</a:t>
+            </a:r>
+            <a:r>
+              <a:rPr lang="en-US" altLang="zh-CN" sz="1200" dirty="0"/>
+              <a:t>-04-13</a:t>
+            </a:r>
+            <a:endParaRPr lang="zh-TW" altLang="en-US" sz="1200" dirty="0"/>
+          </a:p>
+          <a:p>
+            <a:pPr>
+              <a:lnSpc>
+                <a:spcPts val="1840"/>
+              </a:lnSpc>
+            </a:pPr>
+            <a:r>
+              <a:rPr lang="en-US" altLang="zh-TW" sz="1200" dirty="0" smtClean="0"/>
+              <a:t>XCode6.3</a:t>
+            </a:r>
+            <a:r>
+              <a:rPr lang="zh-TW" altLang="en-US" sz="1200" dirty="0"/>
+              <a:t> </a:t>
+            </a:r>
+            <a:r>
+              <a:rPr lang="zh-TW" altLang="en-US" sz="1200" dirty="0" smtClean="0"/>
+              <a:t>         </a:t>
+            </a:r>
+            <a:r>
+              <a:rPr lang="zh-TW" altLang="en-US" sz="1200" dirty="0" smtClean="0"/>
+              <a:t>   </a:t>
+            </a:r>
+            <a:r>
+              <a:rPr lang="en-US" altLang="zh-CN" sz="1200" dirty="0"/>
+              <a:t>2015-4-8</a:t>
+            </a:r>
+            <a:endParaRPr lang="zh-TW" altLang="en-US" sz="1200" dirty="0"/>
+          </a:p>
+          <a:p>
+            <a:pPr>
+              <a:lnSpc>
+                <a:spcPts val="1840"/>
+              </a:lnSpc>
+            </a:pPr>
+            <a:r>
+              <a:rPr lang="en-US" altLang="zh-TW" sz="1200" dirty="0" smtClean="0"/>
+              <a:t>XCode6.2</a:t>
+            </a:r>
+            <a:r>
+              <a:rPr lang="zh-TW" altLang="en-US" sz="1200" dirty="0"/>
+              <a:t> </a:t>
+            </a:r>
+            <a:r>
+              <a:rPr lang="zh-TW" altLang="en-US" sz="1200" dirty="0" smtClean="0"/>
+              <a:t>          </a:t>
+            </a:r>
+            <a:r>
+              <a:rPr lang="zh-TW" altLang="en-US" sz="1200" dirty="0" smtClean="0"/>
+              <a:t>  </a:t>
+            </a:r>
+            <a:r>
+              <a:rPr lang="en-US" altLang="zh-CN" sz="1200" dirty="0"/>
+              <a:t>2015-02-09</a:t>
+            </a:r>
+            <a:r>
+              <a:rPr lang="zh-TW" altLang="en-US" sz="1200" dirty="0" smtClean="0"/>
+              <a:t> </a:t>
+            </a:r>
+            <a:endParaRPr lang="zh-TW" altLang="en-US" sz="1200" dirty="0"/>
+          </a:p>
+          <a:p>
+            <a:pPr>
+              <a:lnSpc>
+                <a:spcPts val="1840"/>
+              </a:lnSpc>
+            </a:pPr>
+            <a:r>
+              <a:rPr lang="en-US" altLang="zh-TW" sz="1200" dirty="0"/>
+              <a:t>XCode6.2 Beta3 </a:t>
+            </a:r>
+            <a:r>
+              <a:rPr lang="zh-CN" altLang="en-US" sz="1200" dirty="0" smtClean="0"/>
+              <a:t> </a:t>
+            </a:r>
+            <a:r>
+              <a:rPr lang="en-US" altLang="zh-TW" sz="1200" dirty="0" smtClean="0"/>
+              <a:t>  </a:t>
+            </a:r>
+            <a:r>
+              <a:rPr lang="en-US" altLang="zh-CN" sz="1200" dirty="0"/>
+              <a:t>2014-12-19</a:t>
+            </a:r>
+            <a:endParaRPr lang="zh-TW" altLang="en-US" sz="1200" dirty="0"/>
+          </a:p>
+          <a:p>
+            <a:pPr>
+              <a:lnSpc>
+                <a:spcPts val="1840"/>
+              </a:lnSpc>
+            </a:pPr>
+            <a:r>
+              <a:rPr lang="en-US" altLang="zh-TW" sz="1200" dirty="0"/>
+              <a:t>XCode6.2 Beta2 </a:t>
+            </a:r>
+            <a:r>
+              <a:rPr lang="zh-CN" altLang="en-US" sz="1200" dirty="0" smtClean="0"/>
+              <a:t> </a:t>
+            </a:r>
+            <a:r>
+              <a:rPr lang="en-US" altLang="zh-TW" sz="1200" dirty="0" smtClean="0"/>
+              <a:t>  </a:t>
+            </a:r>
+            <a:r>
+              <a:rPr lang="en-US" altLang="zh-CN" sz="1200" dirty="0"/>
+              <a:t>2014-12-10</a:t>
+            </a:r>
+            <a:endParaRPr lang="zh-TW" altLang="en-US" sz="1200" dirty="0"/>
+          </a:p>
+          <a:p>
+            <a:pPr>
+              <a:lnSpc>
+                <a:spcPts val="1840"/>
+              </a:lnSpc>
+            </a:pPr>
+            <a:r>
+              <a:rPr lang="en-US" altLang="zh-TW" sz="1200" dirty="0"/>
+              <a:t>XCode6.2 Beta1 </a:t>
+            </a:r>
+            <a:r>
+              <a:rPr lang="zh-CN" altLang="en-US" sz="1200" dirty="0" smtClean="0"/>
+              <a:t> </a:t>
+            </a:r>
+            <a:r>
+              <a:rPr lang="en-US" altLang="zh-TW" sz="1200" dirty="0" smtClean="0"/>
+              <a:t>  </a:t>
+            </a:r>
+            <a:r>
+              <a:rPr lang="en-US" altLang="zh-CN" sz="1200" dirty="0"/>
+              <a:t>2014-11-28</a:t>
+            </a:r>
+            <a:endParaRPr lang="zh-TW" altLang="en-US" sz="1200" dirty="0"/>
+          </a:p>
+          <a:p>
+            <a:pPr>
+              <a:lnSpc>
+                <a:spcPts val="1840"/>
+              </a:lnSpc>
+            </a:pPr>
+            <a:r>
+              <a:rPr lang="en-US" altLang="zh-TW" sz="1200" dirty="0" smtClean="0"/>
+              <a:t>XCode6.1.1</a:t>
+            </a:r>
+            <a:r>
+              <a:rPr lang="zh-TW" altLang="en-US" sz="1200" dirty="0"/>
+              <a:t> </a:t>
+            </a:r>
+            <a:r>
+              <a:rPr lang="zh-TW" altLang="en-US" sz="1200" dirty="0" smtClean="0"/>
+              <a:t>     </a:t>
+            </a:r>
+            <a:r>
+              <a:rPr lang="zh-TW" altLang="en-US" sz="1200" dirty="0" smtClean="0"/>
+              <a:t>  </a:t>
+            </a:r>
+            <a:r>
+              <a:rPr lang="zh-TW" altLang="en-US" sz="1200" dirty="0" smtClean="0"/>
+              <a:t>   </a:t>
+            </a:r>
+            <a:r>
+              <a:rPr lang="en-US" altLang="zh-CN" sz="1200" dirty="0" smtClean="0"/>
+              <a:t>2014</a:t>
+            </a:r>
+            <a:r>
+              <a:rPr lang="en-US" altLang="zh-CN" sz="1200" dirty="0"/>
+              <a:t>-12-2</a:t>
+            </a:r>
+            <a:endParaRPr lang="zh-TW" altLang="en-US" sz="1200" dirty="0"/>
+          </a:p>
+          <a:p>
+            <a:pPr>
+              <a:lnSpc>
+                <a:spcPts val="1840"/>
+              </a:lnSpc>
+            </a:pPr>
+            <a:r>
+              <a:rPr lang="en-US" altLang="zh-TW" sz="1200" dirty="0"/>
+              <a:t>XCode6.1 </a:t>
+            </a:r>
+            <a:r>
+              <a:rPr lang="en-US" altLang="zh-TW" sz="1200" dirty="0" smtClean="0"/>
+              <a:t> </a:t>
+            </a:r>
+            <a:r>
+              <a:rPr lang="zh-CN" altLang="en-US" sz="1200" dirty="0" smtClean="0"/>
+              <a:t>            </a:t>
+            </a:r>
+            <a:r>
+              <a:rPr lang="en-US" altLang="zh-TW" sz="1200" dirty="0" smtClean="0"/>
+              <a:t> </a:t>
+            </a:r>
+            <a:r>
+              <a:rPr lang="zh-CN" altLang="en-US" sz="1200" dirty="0" smtClean="0"/>
+              <a:t> </a:t>
+            </a:r>
+            <a:r>
+              <a:rPr lang="en-US" altLang="zh-CN" sz="1200" dirty="0" smtClean="0"/>
+              <a:t>2014</a:t>
+            </a:r>
+            <a:r>
+              <a:rPr lang="en-US" altLang="zh-CN" sz="1200" dirty="0"/>
+              <a:t>-10-16</a:t>
+            </a:r>
+            <a:endParaRPr lang="zh-TW" altLang="en-US" sz="1200" dirty="0"/>
+          </a:p>
+          <a:p>
+            <a:pPr>
+              <a:lnSpc>
+                <a:spcPts val="1840"/>
+              </a:lnSpc>
+            </a:pPr>
+            <a:r>
+              <a:rPr lang="en-US" altLang="zh-TW" sz="1200" dirty="0"/>
+              <a:t>XCode6.1 Beta2 </a:t>
+            </a:r>
+            <a:r>
+              <a:rPr lang="en-US" altLang="zh-TW" sz="1200" dirty="0" smtClean="0"/>
+              <a:t>  </a:t>
+            </a:r>
+            <a:r>
+              <a:rPr lang="en-US" altLang="zh-CN" sz="1200" dirty="0"/>
+              <a:t>2014-09-15</a:t>
+            </a:r>
+            <a:endParaRPr lang="zh-TW" altLang="en-US" sz="1200" dirty="0"/>
+          </a:p>
+          <a:p>
+            <a:pPr>
+              <a:lnSpc>
+                <a:spcPts val="1840"/>
+              </a:lnSpc>
+            </a:pPr>
+            <a:r>
+              <a:rPr lang="en-US" altLang="zh-TW" sz="1200" dirty="0"/>
+              <a:t>XCode6.1 Beta1 </a:t>
+            </a:r>
+            <a:r>
+              <a:rPr lang="en-US" altLang="zh-TW" sz="1200" dirty="0" smtClean="0"/>
+              <a:t>  </a:t>
+            </a:r>
+            <a:r>
+              <a:rPr lang="en-US" altLang="zh-CN" sz="1200" dirty="0"/>
+              <a:t>2014-09-09</a:t>
+            </a:r>
+            <a:endParaRPr lang="zh-TW" altLang="en-US" sz="1200" dirty="0"/>
+          </a:p>
+          <a:p>
+            <a:pPr>
+              <a:lnSpc>
+                <a:spcPts val="1840"/>
+              </a:lnSpc>
+            </a:pPr>
+            <a:r>
+              <a:rPr lang="en-US" altLang="zh-TW" sz="1200" dirty="0"/>
+              <a:t>XCode6 Beta7 </a:t>
+            </a:r>
+            <a:r>
+              <a:rPr lang="en-US" altLang="zh-TW" sz="1200" dirty="0" smtClean="0"/>
+              <a:t>  </a:t>
+            </a:r>
+            <a:r>
+              <a:rPr lang="zh-CN" altLang="en-US" sz="1200" dirty="0" smtClean="0"/>
+              <a:t>   </a:t>
+            </a:r>
+            <a:r>
+              <a:rPr lang="en-US" altLang="zh-CN" sz="1200" dirty="0" smtClean="0"/>
+              <a:t>2014</a:t>
+            </a:r>
+            <a:r>
+              <a:rPr lang="en-US" altLang="zh-CN" sz="1200" dirty="0"/>
+              <a:t>-09-03</a:t>
+            </a:r>
+            <a:endParaRPr lang="zh-TW" altLang="en-US" sz="1200" dirty="0"/>
+          </a:p>
+          <a:p>
+            <a:pPr>
+              <a:lnSpc>
+                <a:spcPts val="1840"/>
+              </a:lnSpc>
+            </a:pPr>
+            <a:r>
+              <a:rPr lang="en-US" altLang="zh-TW" sz="1200" dirty="0"/>
+              <a:t>XCode6 Beta6 </a:t>
+            </a:r>
+            <a:r>
+              <a:rPr lang="en-US" altLang="zh-TW" sz="1200" dirty="0" smtClean="0"/>
+              <a:t>  </a:t>
+            </a:r>
+            <a:r>
+              <a:rPr lang="zh-CN" altLang="en-US" sz="1200" dirty="0" smtClean="0"/>
+              <a:t>   </a:t>
+            </a:r>
+            <a:r>
+              <a:rPr lang="en-US" altLang="zh-CN" sz="1200" dirty="0" smtClean="0"/>
+              <a:t>2014</a:t>
+            </a:r>
+            <a:r>
+              <a:rPr lang="en-US" altLang="zh-CN" sz="1200" dirty="0"/>
+              <a:t>-08-18</a:t>
+            </a:r>
+            <a:endParaRPr lang="zh-TW" altLang="en-US" sz="1200" dirty="0"/>
+          </a:p>
+          <a:p>
+            <a:pPr>
+              <a:lnSpc>
+                <a:spcPts val="1840"/>
+              </a:lnSpc>
+            </a:pPr>
+            <a:r>
+              <a:rPr lang="en-US" altLang="zh-TW" sz="1200" dirty="0"/>
+              <a:t>XCode6 Beta5 </a:t>
+            </a:r>
+            <a:r>
+              <a:rPr lang="en-US" altLang="zh-TW" sz="1200" dirty="0" smtClean="0"/>
+              <a:t>  </a:t>
+            </a:r>
+            <a:r>
+              <a:rPr lang="zh-CN" altLang="en-US" sz="1200" dirty="0" smtClean="0"/>
+              <a:t>   </a:t>
+            </a:r>
+            <a:r>
+              <a:rPr lang="en-US" altLang="zh-CN" sz="1200" dirty="0" smtClean="0"/>
+              <a:t>2014</a:t>
+            </a:r>
+            <a:r>
+              <a:rPr lang="en-US" altLang="zh-CN" sz="1200" dirty="0"/>
+              <a:t>-08-04</a:t>
+            </a:r>
+            <a:endParaRPr lang="zh-TW" altLang="en-US" sz="1200" dirty="0"/>
+          </a:p>
+          <a:p>
+            <a:pPr>
+              <a:lnSpc>
+                <a:spcPts val="1840"/>
+              </a:lnSpc>
+            </a:pPr>
+            <a:r>
+              <a:rPr lang="en-US" altLang="zh-TW" sz="1200" dirty="0"/>
+              <a:t>XCode6 Beta4 </a:t>
+            </a:r>
+            <a:r>
+              <a:rPr lang="en-US" altLang="zh-TW" sz="1200" dirty="0" smtClean="0"/>
+              <a:t>  </a:t>
+            </a:r>
+            <a:r>
+              <a:rPr lang="zh-CN" altLang="en-US" sz="1200" dirty="0" smtClean="0"/>
+              <a:t>   </a:t>
+            </a:r>
+            <a:r>
+              <a:rPr lang="en-US" altLang="zh-CN" sz="1200" dirty="0" smtClean="0"/>
+              <a:t>2014</a:t>
+            </a:r>
+            <a:r>
+              <a:rPr lang="en-US" altLang="zh-CN" sz="1200" dirty="0"/>
+              <a:t>-07-</a:t>
+            </a:r>
+            <a:r>
+              <a:rPr lang="en-US" altLang="zh-CN" sz="1200" dirty="0" smtClean="0"/>
+              <a:t>21</a:t>
+            </a:r>
+          </a:p>
+          <a:p>
+            <a:pPr>
+              <a:lnSpc>
+                <a:spcPts val="1840"/>
+              </a:lnSpc>
+            </a:pPr>
+            <a:r>
+              <a:rPr lang="en-US" altLang="zh-TW" sz="1200" dirty="0" smtClean="0"/>
+              <a:t>XCode6 </a:t>
+            </a:r>
+            <a:r>
+              <a:rPr lang="en-US" altLang="zh-TW" sz="1200" dirty="0"/>
+              <a:t>Beta3 </a:t>
+            </a:r>
+            <a:r>
+              <a:rPr lang="en-US" altLang="zh-TW" sz="1200" dirty="0" smtClean="0"/>
+              <a:t>  </a:t>
+            </a:r>
+            <a:r>
+              <a:rPr lang="zh-CN" altLang="en-US" sz="1200" dirty="0" smtClean="0"/>
+              <a:t>   </a:t>
+            </a:r>
+            <a:r>
+              <a:rPr lang="en-US" altLang="zh-CN" sz="1200" dirty="0" smtClean="0"/>
+              <a:t>2014</a:t>
+            </a:r>
+            <a:r>
+              <a:rPr lang="en-US" altLang="zh-CN" sz="1200" dirty="0"/>
+              <a:t>-07-7</a:t>
+            </a:r>
+            <a:endParaRPr lang="zh-TW" altLang="en-US" sz="1200" dirty="0"/>
+          </a:p>
+          <a:p>
+            <a:pPr>
+              <a:lnSpc>
+                <a:spcPts val="1840"/>
+              </a:lnSpc>
+            </a:pPr>
+            <a:r>
+              <a:rPr lang="en-US" altLang="zh-TW" sz="1200" dirty="0" smtClean="0"/>
+              <a:t>XCode6 </a:t>
+            </a:r>
+            <a:r>
+              <a:rPr lang="en-US" altLang="zh-TW" sz="1200" dirty="0"/>
+              <a:t>Beta2 </a:t>
+            </a:r>
+            <a:r>
+              <a:rPr lang="zh-CN" altLang="zh-TW" sz="1200" dirty="0"/>
+              <a:t> </a:t>
+            </a:r>
+            <a:r>
+              <a:rPr lang="zh-CN" altLang="en-US" sz="1200" dirty="0" smtClean="0"/>
+              <a:t>   </a:t>
+            </a:r>
+            <a:r>
+              <a:rPr lang="en-US" altLang="zh-CN" sz="1200" dirty="0" smtClean="0"/>
+              <a:t>2014</a:t>
+            </a:r>
+            <a:r>
+              <a:rPr lang="en-US" altLang="zh-CN" sz="1200" dirty="0"/>
+              <a:t>-07-</a:t>
+            </a:r>
+            <a:r>
+              <a:rPr lang="en-US" altLang="zh-CN" sz="1200" dirty="0" smtClean="0"/>
+              <a:t>7</a:t>
+            </a:r>
+          </a:p>
+          <a:p>
+            <a:pPr>
+              <a:lnSpc>
+                <a:spcPts val="1840"/>
+              </a:lnSpc>
+            </a:pPr>
+            <a:r>
+              <a:rPr lang="en-US" altLang="zh-TW" sz="1200" dirty="0" smtClean="0"/>
+              <a:t>XCode6 Beta1</a:t>
+            </a:r>
+            <a:r>
+              <a:rPr lang="zh-CN" altLang="en-US" sz="1200" dirty="0" smtClean="0"/>
+              <a:t>      </a:t>
+            </a:r>
+            <a:r>
+              <a:rPr lang="en-US" altLang="zh-CN" sz="1200" dirty="0" smtClean="0"/>
+              <a:t>2014</a:t>
+            </a:r>
+            <a:r>
+              <a:rPr lang="en-US" altLang="zh-CN" sz="1200" dirty="0"/>
+              <a:t>-06-3</a:t>
+            </a:r>
+            <a:endParaRPr kumimoji="1" lang="zh-CN" altLang="en-US" sz="1200" dirty="0"/>
+          </a:p>
+        </p:txBody>
+      </p:sp>
+      <p:sp>
+        <p:nvSpPr>
+          <p:cNvPr id="10" name="内容占位符 2"/>
+          <p:cNvSpPr txBox="1">
+            <a:spLocks/>
+          </p:cNvSpPr>
+          <p:nvPr/>
+        </p:nvSpPr>
+        <p:spPr>
+          <a:xfrm>
+            <a:off x="4634174" y="3259155"/>
+            <a:ext cx="3763467" cy="1905065"/>
+          </a:xfrm>
+          <a:prstGeom prst="rect">
+            <a:avLst/>
+          </a:prstGeom>
+        </p:spPr>
+        <p:txBody>
+          <a:bodyPr vert="horz" lIns="91440" tIns="45720" rIns="91440" bIns="45720" rtlCol="0" anchor="ctr">
+            <a:noAutofit/>
+          </a:bodyPr>
+          <a:lstStyle>
+            <a:lvl1pPr marL="342900" indent="-342900" algn="l" defTabSz="914400" rtl="0" eaLnBrk="1" latinLnBrk="0" hangingPunct="1">
+              <a:lnSpc>
+                <a:spcPct val="150000"/>
+              </a:lnSpc>
+              <a:spcBef>
+                <a:spcPct val="20000"/>
+              </a:spcBef>
+              <a:buFont typeface="Arial" pitchFamily="34" charset="0"/>
+              <a:buChar char="•"/>
+              <a:defRPr sz="3200" kern="1200">
+                <a:solidFill>
+                  <a:schemeClr val="tx1"/>
+                </a:solidFill>
+                <a:latin typeface="+mn-lt"/>
+                <a:ea typeface="+mn-ea"/>
+                <a:cs typeface="+mn-cs"/>
+              </a:defRPr>
+            </a:lvl1pPr>
+            <a:lvl2pPr marL="742950" indent="-285750" algn="l" defTabSz="914400" rtl="0" eaLnBrk="1" latinLnBrk="0" hangingPunct="1">
+              <a:lnSpc>
+                <a:spcPct val="150000"/>
+              </a:lnSpc>
+              <a:spcBef>
+                <a:spcPct val="20000"/>
+              </a:spcBef>
+              <a:buFont typeface="Arial" pitchFamily="34" charset="0"/>
+              <a:buChar char="–"/>
+              <a:defRPr sz="2800" kern="1200">
+                <a:solidFill>
+                  <a:schemeClr val="tx1"/>
+                </a:solidFill>
+                <a:latin typeface="+mn-lt"/>
+                <a:ea typeface="+mn-ea"/>
+                <a:cs typeface="+mn-cs"/>
+              </a:defRPr>
+            </a:lvl2pPr>
+            <a:lvl3pPr marL="1143000" indent="-228600" algn="l" defTabSz="914400" rtl="0" eaLnBrk="1" latinLnBrk="0" hangingPunct="1">
+              <a:lnSpc>
+                <a:spcPct val="150000"/>
+              </a:lnSpc>
+              <a:spcBef>
+                <a:spcPct val="20000"/>
+              </a:spcBef>
+              <a:buFont typeface="Arial" pitchFamily="34" charset="0"/>
+              <a:buChar char="•"/>
+              <a:defRPr sz="2400" kern="1200">
+                <a:solidFill>
+                  <a:schemeClr val="tx1"/>
+                </a:solidFill>
+                <a:latin typeface="+mn-lt"/>
+                <a:ea typeface="+mn-ea"/>
+                <a:cs typeface="+mn-cs"/>
+              </a:defRPr>
+            </a:lvl3pPr>
+            <a:lvl4pPr marL="1600200" indent="-228600" algn="l" defTabSz="914400" rtl="0" eaLnBrk="1" latinLnBrk="0" hangingPunct="1">
+              <a:lnSpc>
+                <a:spcPct val="150000"/>
+              </a:lnSpc>
+              <a:spcBef>
+                <a:spcPct val="20000"/>
+              </a:spcBef>
+              <a:buFont typeface="Arial" pitchFamily="34" charset="0"/>
+              <a:buChar char="–"/>
+              <a:defRPr sz="2000" kern="1200">
+                <a:solidFill>
+                  <a:schemeClr val="tx1"/>
+                </a:solidFill>
+                <a:latin typeface="+mn-lt"/>
+                <a:ea typeface="+mn-ea"/>
+                <a:cs typeface="+mn-cs"/>
+              </a:defRPr>
+            </a:lvl4pPr>
+            <a:lvl5pPr marL="2057400" indent="-228600" algn="l" defTabSz="914400" rtl="0" eaLnBrk="1" latinLnBrk="0" hangingPunct="1">
+              <a:lnSpc>
+                <a:spcPct val="150000"/>
+              </a:lnSpc>
+              <a:spcBef>
+                <a:spcPct val="20000"/>
+              </a:spcBef>
+              <a:buFont typeface="Arial" pitchFamily="34" charset="0"/>
+              <a:buChar char="»"/>
+              <a:defRPr sz="2000" kern="1200">
+                <a:solidFill>
+                  <a:schemeClr val="tx1"/>
+                </a:solidFill>
+                <a:latin typeface="+mn-lt"/>
+                <a:ea typeface="+mn-ea"/>
+                <a:cs typeface="+mn-cs"/>
+              </a:defRPr>
+            </a:lvl5pPr>
+            <a:lvl6pPr marL="2514600" indent="-228600" algn="l" defTabSz="914400" rtl="0" eaLnBrk="1" latinLnBrk="0" hangingPunct="1">
+              <a:spcBef>
+                <a:spcPct val="20000"/>
+              </a:spcBef>
+              <a:buFont typeface="Arial" pitchFamily="34" charset="0"/>
+              <a:buChar char="•"/>
+              <a:defRPr sz="2000" kern="1200">
+                <a:solidFill>
+                  <a:schemeClr val="tx1"/>
+                </a:solidFill>
+                <a:latin typeface="+mn-lt"/>
+                <a:ea typeface="+mn-ea"/>
+                <a:cs typeface="+mn-cs"/>
+              </a:defRPr>
+            </a:lvl6pPr>
+            <a:lvl7pPr marL="2971800" indent="-228600" algn="l" defTabSz="914400" rtl="0" eaLnBrk="1" latinLnBrk="0" hangingPunct="1">
+              <a:spcBef>
+                <a:spcPct val="20000"/>
+              </a:spcBef>
+              <a:buFont typeface="Arial" pitchFamily="34" charset="0"/>
+              <a:buChar char="•"/>
+              <a:defRPr sz="2000" kern="1200">
+                <a:solidFill>
+                  <a:schemeClr val="tx1"/>
+                </a:solidFill>
+                <a:latin typeface="+mn-lt"/>
+                <a:ea typeface="+mn-ea"/>
+                <a:cs typeface="+mn-cs"/>
+              </a:defRPr>
+            </a:lvl7pPr>
+            <a:lvl8pPr marL="3429000" indent="-228600" algn="l" defTabSz="914400" rtl="0" eaLnBrk="1" latinLnBrk="0" hangingPunct="1">
+              <a:spcBef>
+                <a:spcPct val="20000"/>
+              </a:spcBef>
+              <a:buFont typeface="Arial" pitchFamily="34" charset="0"/>
+              <a:buChar char="•"/>
+              <a:defRPr sz="2000" kern="1200">
+                <a:solidFill>
+                  <a:schemeClr val="tx1"/>
+                </a:solidFill>
+                <a:latin typeface="+mn-lt"/>
+                <a:ea typeface="+mn-ea"/>
+                <a:cs typeface="+mn-cs"/>
+              </a:defRPr>
+            </a:lvl8pPr>
+            <a:lvl9pPr marL="3886200" indent="-228600" algn="l" defTabSz="914400" rtl="0" eaLnBrk="1" latinLnBrk="0" hangingPunct="1">
+              <a:spcBef>
+                <a:spcPct val="20000"/>
+              </a:spcBef>
+              <a:buFont typeface="Arial" pitchFamily="34" charset="0"/>
+              <a:buChar char="•"/>
+              <a:defRPr sz="2000" kern="1200">
+                <a:solidFill>
+                  <a:schemeClr val="tx1"/>
+                </a:solidFill>
+                <a:latin typeface="+mn-lt"/>
+                <a:ea typeface="+mn-ea"/>
+                <a:cs typeface="+mn-cs"/>
+              </a:defRPr>
+            </a:lvl9pPr>
+          </a:lstStyle>
+          <a:p>
+            <a:r>
+              <a:rPr lang="en-US" altLang="zh-CN" sz="1200" dirty="0" smtClean="0"/>
+              <a:t>XCode</a:t>
+            </a:r>
+            <a:r>
+              <a:rPr lang="en-US" altLang="zh-CN" sz="1200" dirty="0" smtClean="0"/>
+              <a:t>7</a:t>
+            </a:r>
+            <a:r>
+              <a:rPr lang="zh-CN" altLang="en-US" sz="1200" dirty="0" smtClean="0"/>
+              <a:t> </a:t>
+            </a:r>
+            <a:r>
+              <a:rPr lang="en-US" altLang="zh-CN" sz="1200" dirty="0" smtClean="0"/>
+              <a:t>Beta</a:t>
+            </a:r>
+            <a:r>
+              <a:rPr lang="en-US" altLang="zh-CN" sz="1200" dirty="0" smtClean="0"/>
+              <a:t>6</a:t>
+            </a:r>
+            <a:r>
+              <a:rPr lang="zh-CN" altLang="en-US" sz="1200" dirty="0" smtClean="0"/>
+              <a:t>    </a:t>
+            </a:r>
+            <a:r>
+              <a:rPr lang="zh-TW" altLang="en-US" sz="1200" dirty="0" smtClean="0"/>
+              <a:t> </a:t>
+            </a:r>
+            <a:r>
+              <a:rPr lang="en-US" altLang="zh-CN" sz="1200" dirty="0" smtClean="0"/>
+              <a:t>2015</a:t>
+            </a:r>
+            <a:r>
+              <a:rPr lang="en-US" altLang="zh-CN" sz="1200" dirty="0"/>
+              <a:t>-08-24</a:t>
+            </a:r>
+            <a:endParaRPr lang="en-US" altLang="zh-TW" sz="1200" dirty="0" smtClean="0"/>
+          </a:p>
+          <a:p>
+            <a:r>
+              <a:rPr lang="en-US" altLang="zh-TW" sz="1200" dirty="0" smtClean="0"/>
+              <a:t>XCode</a:t>
+            </a:r>
+            <a:r>
+              <a:rPr lang="en-US" altLang="zh-CN" sz="1200" dirty="0"/>
+              <a:t>7</a:t>
+            </a:r>
+            <a:r>
+              <a:rPr lang="zh-CN" altLang="en-US" sz="1200" dirty="0"/>
+              <a:t> </a:t>
+            </a:r>
+            <a:r>
+              <a:rPr lang="en-US" altLang="zh-CN" sz="1200" dirty="0" smtClean="0"/>
+              <a:t>Beta</a:t>
+            </a:r>
+            <a:r>
+              <a:rPr lang="en-US" altLang="zh-CN" sz="1200" dirty="0" smtClean="0"/>
+              <a:t>5</a:t>
+            </a:r>
+            <a:r>
+              <a:rPr lang="en-US" altLang="zh-TW" sz="1200" dirty="0" smtClean="0"/>
+              <a:t>   </a:t>
+            </a:r>
+            <a:r>
+              <a:rPr lang="zh-CN" altLang="en-US" sz="1200" dirty="0" smtClean="0"/>
+              <a:t>   </a:t>
+            </a:r>
+            <a:r>
+              <a:rPr lang="en-US" altLang="zh-CN" sz="1200" dirty="0"/>
+              <a:t>2015-08-06</a:t>
+            </a:r>
+            <a:endParaRPr lang="zh-TW" altLang="en-US" sz="1200" dirty="0" smtClean="0"/>
+          </a:p>
+          <a:p>
+            <a:r>
+              <a:rPr lang="en-US" altLang="zh-TW" sz="1200" dirty="0" smtClean="0"/>
+              <a:t>XCode</a:t>
+            </a:r>
+            <a:r>
+              <a:rPr lang="en-US" altLang="zh-CN" sz="1200" dirty="0" smtClean="0"/>
+              <a:t>7</a:t>
+            </a:r>
+            <a:r>
+              <a:rPr lang="zh-CN" altLang="en-US" sz="1200" dirty="0" smtClean="0"/>
+              <a:t> </a:t>
+            </a:r>
+            <a:r>
+              <a:rPr lang="en-US" altLang="zh-CN" sz="1200" dirty="0" smtClean="0"/>
+              <a:t>Beta4</a:t>
+            </a:r>
+            <a:r>
+              <a:rPr lang="zh-TW" altLang="en-US" sz="1200" dirty="0" smtClean="0"/>
+              <a:t>      </a:t>
+            </a:r>
+            <a:r>
+              <a:rPr lang="en-US" altLang="zh-CN" sz="1200" dirty="0" smtClean="0"/>
+              <a:t>2015-07-21</a:t>
+            </a:r>
+          </a:p>
+          <a:p>
+            <a:r>
+              <a:rPr lang="en-US" altLang="zh-TW" sz="1200" dirty="0" smtClean="0"/>
+              <a:t>XCode</a:t>
+            </a:r>
+            <a:r>
+              <a:rPr lang="en-US" altLang="zh-CN" sz="1200" dirty="0" smtClean="0"/>
+              <a:t>7</a:t>
+            </a:r>
+            <a:r>
+              <a:rPr lang="zh-CN" altLang="en-US" sz="1200" dirty="0" smtClean="0"/>
+              <a:t> </a:t>
+            </a:r>
+            <a:r>
+              <a:rPr lang="en-US" altLang="zh-CN" sz="1200" dirty="0" smtClean="0"/>
+              <a:t>Beta1</a:t>
+            </a:r>
+            <a:r>
+              <a:rPr lang="zh-TW" altLang="en-US" sz="1200" dirty="0" smtClean="0"/>
+              <a:t>      </a:t>
+            </a:r>
+            <a:r>
+              <a:rPr lang="en-US" altLang="zh-CN" sz="1200" dirty="0" smtClean="0"/>
+              <a:t>2015</a:t>
+            </a:r>
+            <a:r>
+              <a:rPr lang="en-US" altLang="zh-CN" sz="1200" dirty="0"/>
+              <a:t>-06-08</a:t>
+            </a:r>
+            <a:endParaRPr lang="zh-TW" altLang="en-US" sz="1200" dirty="0" smtClean="0"/>
+          </a:p>
+        </p:txBody>
+      </p:sp>
+      <p:sp>
+        <p:nvSpPr>
+          <p:cNvPr id="12" name="文本框 11"/>
+          <p:cNvSpPr txBox="1"/>
+          <p:nvPr/>
+        </p:nvSpPr>
+        <p:spPr>
+          <a:xfrm>
+            <a:off x="5322522" y="3058835"/>
+            <a:ext cx="1027069" cy="369332"/>
+          </a:xfrm>
+          <a:prstGeom prst="rect">
+            <a:avLst/>
+          </a:prstGeom>
+          <a:noFill/>
+        </p:spPr>
+        <p:txBody>
+          <a:bodyPr wrap="none" rtlCol="0">
+            <a:spAutoFit/>
+          </a:bodyPr>
+          <a:lstStyle/>
+          <a:p>
+            <a:r>
+              <a:rPr kumimoji="1" lang="en-US" altLang="zh-CN" dirty="0" smtClean="0"/>
+              <a:t>Swift</a:t>
+            </a:r>
+            <a:r>
+              <a:rPr kumimoji="1" lang="zh-CN" altLang="en-US" dirty="0" smtClean="0"/>
+              <a:t> </a:t>
+            </a:r>
+            <a:r>
+              <a:rPr kumimoji="1" lang="en-US" altLang="zh-CN" dirty="0" smtClean="0"/>
+              <a:t>2.0</a:t>
+            </a:r>
+          </a:p>
+        </p:txBody>
+      </p:sp>
+      <p:sp>
+        <p:nvSpPr>
+          <p:cNvPr id="13" name="文本框 12"/>
+          <p:cNvSpPr txBox="1"/>
+          <p:nvPr/>
+        </p:nvSpPr>
+        <p:spPr>
+          <a:xfrm>
+            <a:off x="1185894" y="1314631"/>
+            <a:ext cx="1148545" cy="369332"/>
+          </a:xfrm>
+          <a:prstGeom prst="rect">
+            <a:avLst/>
+          </a:prstGeom>
+          <a:noFill/>
+        </p:spPr>
+        <p:txBody>
+          <a:bodyPr wrap="square" rtlCol="0">
+            <a:spAutoFit/>
+          </a:bodyPr>
+          <a:lstStyle/>
+          <a:p>
+            <a:r>
+              <a:rPr kumimoji="1" lang="en-US" altLang="zh-CN" dirty="0" smtClean="0"/>
+              <a:t>Swift</a:t>
+            </a:r>
+            <a:r>
+              <a:rPr kumimoji="1" lang="zh-CN" altLang="en-US" dirty="0" smtClean="0"/>
+              <a:t> </a:t>
+            </a:r>
+            <a:r>
+              <a:rPr kumimoji="1" lang="en-US" altLang="zh-CN" dirty="0" smtClean="0"/>
+              <a:t>1.2</a:t>
+            </a:r>
+            <a:endParaRPr kumimoji="1" lang="zh-CN" altLang="en-US" dirty="0"/>
+          </a:p>
+        </p:txBody>
+      </p:sp>
+    </p:spTree>
+    <p:extLst>
+      <p:ext uri="{BB962C8B-B14F-4D97-AF65-F5344CB8AC3E}">
+        <p14:creationId xmlns:p14="http://schemas.microsoft.com/office/powerpoint/2010/main" val="707148458"/>
+      </p:ext>
+    </p:extLst>
+  </p:cSld>
+  <p:clrMapOvr>
+    <a:masterClrMapping/>
+  </p:clrMapOvr>
+</p:sld>
+</file>
+
+<file path=ppt/slides/slide5.xml><?xml version="1.0" encoding="utf-8"?>
+<p:sld xmlns:a="http://schemas.openxmlformats.org/drawingml/2006/main" xmlns:r="http://schemas.openxmlformats.org/officeDocument/2006/relationships" xmlns:p="http://schemas.openxmlformats.org/presentationml/2006/main">
+  <p:cSld>
+    <p:spTree>
+      <p:nvGrpSpPr>
+        <p:cNvPr id="1" name=""/>
+        <p:cNvGrpSpPr/>
+        <p:nvPr/>
+      </p:nvGrpSpPr>
+      <p:grpSpPr>
+        <a:xfrm>
+          <a:off x="0" y="0"/>
+          <a:ext cx="0" cy="0"/>
+          <a:chOff x="0" y="0"/>
+          <a:chExt cx="0" cy="0"/>
+        </a:xfrm>
+      </p:grpSpPr>
+      <p:sp>
+        <p:nvSpPr>
+          <p:cNvPr id="2" name="标题 1"/>
+          <p:cNvSpPr>
+            <a:spLocks noGrp="1"/>
+          </p:cNvSpPr>
+          <p:nvPr>
+            <p:ph type="title"/>
+          </p:nvPr>
+        </p:nvSpPr>
+        <p:spPr/>
+        <p:txBody>
+          <a:bodyPr/>
+          <a:lstStyle/>
+          <a:p>
+            <a:r>
+              <a:rPr kumimoji="1" lang="en-US" altLang="zh-CN" dirty="0" smtClean="0"/>
+              <a:t>Swift</a:t>
+            </a:r>
+            <a:r>
+              <a:rPr kumimoji="1" lang="zh-CN" altLang="en-US" dirty="0" smtClean="0"/>
+              <a:t>语法</a:t>
+            </a:r>
+            <a:endParaRPr kumimoji="1" lang="zh-CN" altLang="en-US" dirty="0"/>
+          </a:p>
+        </p:txBody>
+      </p:sp>
+      <p:sp>
+        <p:nvSpPr>
+          <p:cNvPr id="3" name="内容占位符 2"/>
+          <p:cNvSpPr>
+            <a:spLocks noGrp="1"/>
+          </p:cNvSpPr>
+          <p:nvPr>
+            <p:ph sz="half" idx="1"/>
+          </p:nvPr>
+        </p:nvSpPr>
+        <p:spPr>
+          <a:xfrm>
+            <a:off x="756008" y="1600200"/>
+            <a:ext cx="3586049" cy="4525963"/>
+          </a:xfrm>
+        </p:spPr>
+        <p:txBody>
+          <a:bodyPr>
+            <a:normAutofit fontScale="47500" lnSpcReduction="20000"/>
+          </a:bodyPr>
+          <a:lstStyle/>
+          <a:p>
+            <a:r>
+              <a:rPr kumimoji="1" lang="zh-CN" altLang="en-US" dirty="0"/>
+              <a:t>基础部分</a:t>
+            </a:r>
+          </a:p>
+          <a:p>
+            <a:r>
+              <a:rPr kumimoji="1" lang="zh-CN" altLang="en-US" dirty="0"/>
+              <a:t>基本运算符</a:t>
+            </a:r>
+          </a:p>
+          <a:p>
+            <a:r>
+              <a:rPr kumimoji="1" lang="zh-CN" altLang="en-US" dirty="0"/>
+              <a:t>字符串和字符</a:t>
+            </a:r>
+          </a:p>
+          <a:p>
+            <a:r>
+              <a:rPr kumimoji="1" lang="zh-CN" altLang="en-US" dirty="0"/>
+              <a:t>集合类型</a:t>
+            </a:r>
+          </a:p>
+          <a:p>
+            <a:r>
+              <a:rPr kumimoji="1" lang="zh-CN" altLang="en-US" dirty="0"/>
+              <a:t>控制流</a:t>
+            </a:r>
+          </a:p>
+          <a:p>
+            <a:r>
+              <a:rPr kumimoji="1" lang="zh-CN" altLang="en-US" dirty="0"/>
+              <a:t>函数</a:t>
+            </a:r>
+          </a:p>
+          <a:p>
+            <a:r>
+              <a:rPr kumimoji="1" lang="zh-CN" altLang="en-US" dirty="0"/>
+              <a:t>闭包</a:t>
+            </a:r>
+          </a:p>
+          <a:p>
+            <a:r>
+              <a:rPr kumimoji="1" lang="zh-CN" altLang="en-US" dirty="0"/>
+              <a:t>枚举</a:t>
+            </a:r>
+          </a:p>
+          <a:p>
+            <a:r>
+              <a:rPr kumimoji="1" lang="zh-CN" altLang="en-US" dirty="0"/>
+              <a:t>类和结构体</a:t>
+            </a:r>
+          </a:p>
+          <a:p>
+            <a:r>
+              <a:rPr kumimoji="1" lang="zh-CN" altLang="en-US" dirty="0"/>
+              <a:t>属性</a:t>
+            </a:r>
+          </a:p>
+          <a:p>
+            <a:r>
+              <a:rPr kumimoji="1" lang="zh-CN" altLang="en-US" dirty="0"/>
+              <a:t>方法</a:t>
+            </a:r>
+          </a:p>
+          <a:p>
+            <a:r>
+              <a:rPr kumimoji="1" lang="zh-CN" altLang="en-US" dirty="0"/>
+              <a:t>下标脚本</a:t>
+            </a:r>
+          </a:p>
+          <a:p>
+            <a:r>
+              <a:rPr kumimoji="1" lang="zh-CN" altLang="en-US" dirty="0" smtClean="0"/>
+              <a:t>继承</a:t>
+            </a:r>
+            <a:endParaRPr kumimoji="1" lang="en-US" altLang="zh-CN" dirty="0" smtClean="0"/>
+          </a:p>
+          <a:p>
+            <a:r>
+              <a:rPr kumimoji="1" lang="zh-CN" altLang="en-US" dirty="0"/>
+              <a:t>基础部分</a:t>
+            </a:r>
+          </a:p>
+          <a:p>
+            <a:r>
+              <a:rPr kumimoji="1" lang="zh-CN" altLang="en-US" dirty="0"/>
+              <a:t>基本运算</a:t>
+            </a:r>
+            <a:r>
+              <a:rPr kumimoji="1" lang="zh-CN" altLang="en-US" dirty="0" smtClean="0"/>
+              <a:t>符</a:t>
+            </a:r>
+            <a:endParaRPr kumimoji="1" lang="zh-CN" altLang="en-US" dirty="0"/>
+          </a:p>
+        </p:txBody>
+      </p:sp>
+      <p:sp>
+        <p:nvSpPr>
+          <p:cNvPr id="4" name="内容占位符 3"/>
+          <p:cNvSpPr>
+            <a:spLocks noGrp="1"/>
+          </p:cNvSpPr>
+          <p:nvPr>
+            <p:ph sz="half" idx="2"/>
+          </p:nvPr>
+        </p:nvSpPr>
+        <p:spPr/>
+        <p:txBody>
+          <a:bodyPr>
+            <a:normAutofit fontScale="47500" lnSpcReduction="20000"/>
+          </a:bodyPr>
+          <a:lstStyle/>
+          <a:p>
+            <a:r>
+              <a:rPr kumimoji="1" lang="zh-CN" altLang="en-US" dirty="0" smtClean="0"/>
+              <a:t>字</a:t>
+            </a:r>
+            <a:r>
+              <a:rPr kumimoji="1" lang="zh-CN" altLang="en-US" dirty="0"/>
+              <a:t>符串和字符</a:t>
+            </a:r>
+          </a:p>
+          <a:p>
+            <a:r>
+              <a:rPr kumimoji="1" lang="zh-CN" altLang="en-US" dirty="0"/>
+              <a:t>集合类型</a:t>
+            </a:r>
+          </a:p>
+          <a:p>
+            <a:r>
+              <a:rPr kumimoji="1" lang="zh-CN" altLang="en-US" dirty="0" smtClean="0"/>
+              <a:t>控制流</a:t>
+            </a:r>
+            <a:r>
+              <a:rPr kumimoji="1" lang="zh-CN" altLang="en-US" dirty="0"/>
+              <a:t>构造过程</a:t>
+            </a:r>
+          </a:p>
+          <a:p>
+            <a:r>
+              <a:rPr kumimoji="1" lang="zh-CN" altLang="en-US" dirty="0"/>
+              <a:t>析构过程</a:t>
+            </a:r>
+          </a:p>
+          <a:p>
+            <a:r>
+              <a:rPr kumimoji="1" lang="zh-CN" altLang="en-US" dirty="0"/>
+              <a:t>自动引用计数</a:t>
+            </a:r>
+          </a:p>
+          <a:p>
+            <a:r>
+              <a:rPr kumimoji="1" lang="zh-CN" altLang="en-US" dirty="0"/>
+              <a:t>可选链</a:t>
+            </a:r>
+          </a:p>
+          <a:p>
+            <a:r>
+              <a:rPr kumimoji="1" lang="zh-CN" altLang="en-US" dirty="0"/>
+              <a:t>错误处理</a:t>
+            </a:r>
+          </a:p>
+          <a:p>
+            <a:r>
+              <a:rPr kumimoji="1" lang="zh-CN" altLang="en-US" dirty="0"/>
+              <a:t>类型转换</a:t>
+            </a:r>
+          </a:p>
+          <a:p>
+            <a:r>
+              <a:rPr kumimoji="1" lang="zh-CN" altLang="en-US" dirty="0"/>
+              <a:t>嵌套类型</a:t>
+            </a:r>
+          </a:p>
+          <a:p>
+            <a:r>
+              <a:rPr kumimoji="1" lang="zh-CN" altLang="en-US" dirty="0"/>
+              <a:t>扩展</a:t>
+            </a:r>
+          </a:p>
+          <a:p>
+            <a:r>
+              <a:rPr kumimoji="1" lang="zh-CN" altLang="en-US" dirty="0"/>
+              <a:t>协议</a:t>
+            </a:r>
+          </a:p>
+          <a:p>
+            <a:r>
+              <a:rPr kumimoji="1" lang="zh-CN" altLang="en-US" dirty="0"/>
+              <a:t>泛型</a:t>
+            </a:r>
+          </a:p>
+          <a:p>
+            <a:r>
+              <a:rPr kumimoji="1" lang="zh-CN" altLang="en-US" dirty="0"/>
+              <a:t>权限控制</a:t>
+            </a:r>
+          </a:p>
+          <a:p>
+            <a:r>
+              <a:rPr kumimoji="1" lang="zh-CN" altLang="en-US" dirty="0"/>
+              <a:t>高级操作符</a:t>
+            </a:r>
+            <a:endParaRPr kumimoji="1" lang="zh-CN" altLang="en-US" dirty="0"/>
+          </a:p>
+        </p:txBody>
+      </p:sp>
+    </p:spTree>
+    <p:extLst>
+      <p:ext uri="{BB962C8B-B14F-4D97-AF65-F5344CB8AC3E}">
+        <p14:creationId xmlns:p14="http://schemas.microsoft.com/office/powerpoint/2010/main" val="2313874492"/>
+      </p:ext>
+    </p:extLst>
+  </p:cSld>
+  <p:clrMapOvr>
+    <a:masterClrMapping/>
+  </p:clrMapOvr>
+  <p:timing>
+    <p:tnLst>
+      <p:par>
+        <p:cTn xmlns:p14="http://schemas.microsoft.com/office/powerpoint/2010/main" id="1" dur="indefinite" restart="never" nodeType="tmRoot"/>
+      </p:par>
+    </p:tnLst>
+  </p:timing>
+</p:sld>
+</file>
+
+<file path=ppt/slides/slide6.xml><?xml version="1.0" encoding="utf-8"?>
+<p:sld xmlns:a="http://schemas.openxmlformats.org/drawingml/2006/main" xmlns:r="http://schemas.openxmlformats.org/officeDocument/2006/relationships" xmlns:p="http://schemas.openxmlformats.org/presentationml/2006/main">
+  <p:cSld>
+    <p:spTree>
+      <p:nvGrpSpPr>
+        <p:cNvPr id="1" name=""/>
+        <p:cNvGrpSpPr/>
+        <p:nvPr/>
+      </p:nvGrpSpPr>
+      <p:grpSpPr>
+        <a:xfrm>
+          <a:off x="0" y="0"/>
+          <a:ext cx="0" cy="0"/>
+          <a:chOff x="0" y="0"/>
+          <a:chExt cx="0" cy="0"/>
+        </a:xfrm>
+      </p:grpSpPr>
+      <p:sp>
+        <p:nvSpPr>
+          <p:cNvPr id="2" name="标题 1"/>
+          <p:cNvSpPr>
+            <a:spLocks noGrp="1"/>
+          </p:cNvSpPr>
+          <p:nvPr>
+            <p:ph type="title"/>
+          </p:nvPr>
+        </p:nvSpPr>
+        <p:spPr/>
+        <p:txBody>
+          <a:bodyPr/>
+          <a:lstStyle/>
+          <a:p>
+            <a:r>
+              <a:rPr lang="en-US" altLang="zh-CN" dirty="0"/>
+              <a:t>Hello, </a:t>
+            </a:r>
+            <a:r>
+              <a:rPr lang="en-US" altLang="zh-CN" dirty="0" smtClean="0"/>
+              <a:t>world</a:t>
+            </a:r>
+            <a:r>
+              <a:rPr lang="zh-CN" altLang="en-US" dirty="0" smtClean="0"/>
+              <a:t>！</a:t>
+            </a:r>
+            <a:endParaRPr kumimoji="1" lang="zh-CN" altLang="en-US" dirty="0"/>
+          </a:p>
+        </p:txBody>
+      </p:sp>
+      <p:sp>
+        <p:nvSpPr>
+          <p:cNvPr id="3" name="内容占位符 2"/>
+          <p:cNvSpPr>
+            <a:spLocks noGrp="1"/>
+          </p:cNvSpPr>
+          <p:nvPr>
+            <p:ph idx="1"/>
+          </p:nvPr>
+        </p:nvSpPr>
+        <p:spPr/>
+        <p:txBody>
+          <a:bodyPr/>
+          <a:lstStyle/>
+          <a:p>
+            <a:pPr marL="0" indent="0">
+              <a:buNone/>
+            </a:pPr>
+            <a:r>
+              <a:rPr lang="zh-CN" altLang="en-US" b="1" dirty="0" smtClean="0"/>
+              <a:t>  </a:t>
+            </a:r>
+            <a:r>
+              <a:rPr lang="en-US" altLang="zh-CN" b="1" dirty="0" smtClean="0"/>
+              <a:t>print</a:t>
+            </a:r>
+            <a:r>
+              <a:rPr lang="en-US" altLang="zh-CN" dirty="0" smtClean="0"/>
+              <a:t>(“Hello</a:t>
+            </a:r>
+            <a:r>
+              <a:rPr lang="en-US" altLang="zh-CN" dirty="0"/>
+              <a:t>, </a:t>
+            </a:r>
+            <a:r>
+              <a:rPr lang="en-US" altLang="zh-CN" dirty="0" smtClean="0"/>
+              <a:t>world</a:t>
+            </a:r>
+            <a:r>
+              <a:rPr lang="zh-CN" altLang="en-US" dirty="0" smtClean="0"/>
+              <a:t>！</a:t>
+            </a:r>
+            <a:r>
+              <a:rPr lang="en-US" altLang="zh-CN" dirty="0" smtClean="0"/>
+              <a:t>")</a:t>
+            </a:r>
+          </a:p>
+          <a:p>
+            <a:pPr marL="0" indent="0">
+              <a:buNone/>
+            </a:pPr>
+            <a:endParaRPr kumimoji="1" lang="en-US" altLang="zh-CN" dirty="0"/>
+          </a:p>
+          <a:p>
+            <a:pPr marL="0" indent="0">
+              <a:buNone/>
+            </a:pPr>
+            <a:endParaRPr kumimoji="1" lang="zh-CN" altLang="en-US" dirty="0"/>
+          </a:p>
+        </p:txBody>
+      </p:sp>
+    </p:spTree>
+    <p:extLst>
+      <p:ext uri="{BB962C8B-B14F-4D97-AF65-F5344CB8AC3E}">
+        <p14:creationId xmlns:p14="http://schemas.microsoft.com/office/powerpoint/2010/main" val="2768060986"/>
+      </p:ext>
+    </p:extLst>
+  </p:cSld>
+  <p:clrMapOvr>
+    <a:masterClrMapping/>
+  </p:clrMapOvr>
+  <p:timing>
+    <p:tnLst>
+      <p:par>
+        <p:cTn xmlns:p14="http://schemas.microsoft.com/office/powerpoint/2010/main" id="1" dur="indefinite" restart="never" nodeType="tmRoot"/>
+      </p:par>
+    </p:tnLst>
+  </p:timing>
+</p:sld>
+</file>
+
+<file path=ppt/slides/slide7.xml><?xml version="1.0" encoding="utf-8"?>
+<p:sld xmlns:a="http://schemas.openxmlformats.org/drawingml/2006/main" xmlns:r="http://schemas.openxmlformats.org/officeDocument/2006/relationships" xmlns:p="http://schemas.openxmlformats.org/presentationml/2006/main">
+  <p:cSld>
+    <p:spTree>
+      <p:nvGrpSpPr>
+        <p:cNvPr id="1" name=""/>
+        <p:cNvGrpSpPr/>
+        <p:nvPr/>
+      </p:nvGrpSpPr>
+      <p:grpSpPr>
+        <a:xfrm>
+          <a:off x="0" y="0"/>
+          <a:ext cx="0" cy="0"/>
+          <a:chOff x="0" y="0"/>
+          <a:chExt cx="0" cy="0"/>
+        </a:xfrm>
+      </p:grpSpPr>
+      <p:sp>
+        <p:nvSpPr>
+          <p:cNvPr id="2" name="标题 1"/>
+          <p:cNvSpPr>
+            <a:spLocks noGrp="1"/>
+          </p:cNvSpPr>
+          <p:nvPr>
+            <p:ph type="title"/>
+          </p:nvPr>
+        </p:nvSpPr>
+        <p:spPr/>
+        <p:txBody>
+          <a:bodyPr/>
+          <a:lstStyle/>
+          <a:p>
+            <a:r>
+              <a:rPr lang="zh-CN" altLang="en-US" dirty="0"/>
+              <a:t>简单值</a:t>
+            </a:r>
+            <a:endParaRPr kumimoji="1" lang="zh-CN" altLang="en-US" dirty="0"/>
+          </a:p>
+        </p:txBody>
+      </p:sp>
+      <p:sp>
+        <p:nvSpPr>
+          <p:cNvPr id="3" name="内容占位符 2"/>
+          <p:cNvSpPr>
+            <a:spLocks noGrp="1"/>
+          </p:cNvSpPr>
+          <p:nvPr>
+            <p:ph idx="1"/>
+          </p:nvPr>
+        </p:nvSpPr>
+        <p:spPr/>
+        <p:txBody>
+          <a:bodyPr>
+            <a:normAutofit fontScale="62500" lnSpcReduction="20000"/>
+          </a:bodyPr>
+          <a:lstStyle/>
+          <a:p>
+            <a:pPr marL="0" indent="0">
+              <a:buNone/>
+            </a:pPr>
+            <a:r>
+              <a:rPr lang="zh-CN" altLang="en-US" dirty="0"/>
+              <a:t>使用</a:t>
+            </a:r>
+            <a:r>
+              <a:rPr lang="en-US" altLang="zh-CN" dirty="0"/>
+              <a:t>let</a:t>
+            </a:r>
+            <a:r>
+              <a:rPr lang="zh-CN" altLang="en-US" dirty="0"/>
+              <a:t>来声明常量，使用</a:t>
+            </a:r>
+            <a:r>
+              <a:rPr lang="en-US" altLang="zh-CN" dirty="0" err="1"/>
+              <a:t>var</a:t>
+            </a:r>
+            <a:r>
+              <a:rPr lang="zh-CN" altLang="en-US" dirty="0"/>
+              <a:t>来声明变量</a:t>
+            </a:r>
+            <a:r>
+              <a:rPr lang="zh-CN" altLang="en-US" dirty="0" smtClean="0"/>
+              <a:t>。</a:t>
+            </a:r>
+            <a:r>
+              <a:rPr lang="zh-CN" altLang="en-US" dirty="0"/>
+              <a:t>编译器会自动推断类型。</a:t>
+            </a:r>
+            <a:endParaRPr lang="en-US" altLang="zh-CN" dirty="0" smtClean="0"/>
+          </a:p>
+          <a:p>
+            <a:pPr marL="0" indent="0">
+              <a:buNone/>
+            </a:pPr>
+            <a:r>
+              <a:rPr lang="en-US" altLang="zh-CN" b="1" dirty="0" err="1"/>
+              <a:t>var</a:t>
+            </a:r>
+            <a:r>
+              <a:rPr lang="en-US" altLang="zh-CN" dirty="0"/>
+              <a:t> </a:t>
+            </a:r>
+            <a:r>
+              <a:rPr lang="en-US" altLang="zh-CN" dirty="0" smtClean="0"/>
+              <a:t>  </a:t>
+            </a:r>
+            <a:r>
+              <a:rPr lang="en-US" altLang="zh-CN" dirty="0" err="1" smtClean="0"/>
+              <a:t>myVariable</a:t>
+            </a:r>
+            <a:r>
+              <a:rPr lang="en-US" altLang="zh-CN" dirty="0" smtClean="0"/>
+              <a:t> </a:t>
+            </a:r>
+            <a:r>
+              <a:rPr lang="en-US" altLang="zh-CN" dirty="0"/>
+              <a:t>= 42</a:t>
+            </a:r>
+          </a:p>
+          <a:p>
+            <a:pPr marL="0" indent="0">
+              <a:buNone/>
+            </a:pPr>
+            <a:r>
+              <a:rPr lang="en-US" altLang="zh-CN" dirty="0" smtClean="0"/>
+              <a:t>          </a:t>
+            </a:r>
+            <a:r>
+              <a:rPr lang="en-US" altLang="zh-CN" dirty="0" err="1" smtClean="0"/>
+              <a:t>myVariable</a:t>
+            </a:r>
+            <a:r>
+              <a:rPr lang="en-US" altLang="zh-CN" dirty="0" smtClean="0"/>
+              <a:t> </a:t>
+            </a:r>
+            <a:r>
+              <a:rPr lang="en-US" altLang="zh-CN" dirty="0"/>
+              <a:t>= 50</a:t>
+            </a:r>
+          </a:p>
+          <a:p>
+            <a:pPr marL="0" indent="0">
+              <a:buNone/>
+            </a:pPr>
+            <a:r>
+              <a:rPr lang="en-US" altLang="zh-CN" b="1" dirty="0"/>
+              <a:t>let</a:t>
+            </a:r>
+            <a:r>
+              <a:rPr lang="en-US" altLang="zh-CN" dirty="0"/>
+              <a:t> </a:t>
+            </a:r>
+            <a:r>
+              <a:rPr lang="en-US" altLang="zh-CN" dirty="0" smtClean="0"/>
+              <a:t>   </a:t>
+            </a:r>
+            <a:r>
+              <a:rPr lang="en-US" altLang="zh-CN" dirty="0" err="1" smtClean="0"/>
+              <a:t>myConstant</a:t>
+            </a:r>
+            <a:r>
+              <a:rPr lang="en-US" altLang="zh-CN" dirty="0" smtClean="0"/>
+              <a:t> </a:t>
+            </a:r>
+            <a:r>
+              <a:rPr lang="en-US" altLang="zh-CN" dirty="0"/>
+              <a:t>= </a:t>
+            </a:r>
+            <a:r>
+              <a:rPr lang="en-US" altLang="zh-CN" dirty="0" smtClean="0"/>
+              <a:t>42</a:t>
+            </a:r>
+          </a:p>
+          <a:p>
+            <a:pPr marL="0" indent="0">
+              <a:buNone/>
+            </a:pPr>
+            <a:r>
+              <a:rPr lang="en-US" altLang="zh-CN" b="1" dirty="0"/>
+              <a:t>let</a:t>
+            </a:r>
+            <a:r>
+              <a:rPr lang="en-US" altLang="zh-CN" dirty="0"/>
+              <a:t> </a:t>
+            </a:r>
+            <a:r>
+              <a:rPr lang="en-US" altLang="zh-CN" dirty="0" smtClean="0"/>
+              <a:t>   </a:t>
+            </a:r>
+            <a:r>
+              <a:rPr lang="en-US" altLang="zh-CN" dirty="0" err="1" smtClean="0"/>
+              <a:t>explicitDouble</a:t>
+            </a:r>
+            <a:r>
+              <a:rPr lang="en-US" altLang="zh-CN" dirty="0"/>
+              <a:t>: Double = </a:t>
+            </a:r>
+            <a:r>
+              <a:rPr lang="en-US" altLang="zh-CN" dirty="0" smtClean="0"/>
+              <a:t>70</a:t>
+            </a:r>
+            <a:r>
+              <a:rPr lang="zh-CN" altLang="en-US" dirty="0" smtClean="0"/>
+              <a:t>.</a:t>
+            </a:r>
+            <a:r>
+              <a:rPr lang="en-US" altLang="zh-CN" dirty="0" smtClean="0"/>
+              <a:t>0</a:t>
+            </a:r>
+            <a:endParaRPr lang="en-US" altLang="zh-CN" dirty="0" smtClean="0"/>
+          </a:p>
+          <a:p>
+            <a:pPr marL="0" indent="0">
+              <a:buNone/>
+            </a:pPr>
+            <a:endParaRPr lang="en-US" altLang="zh-CN" dirty="0" smtClean="0"/>
+          </a:p>
+          <a:p>
+            <a:pPr marL="0" indent="0">
+              <a:buNone/>
+            </a:pPr>
+            <a:r>
+              <a:rPr lang="en-US" altLang="zh-CN" b="1" dirty="0" smtClean="0"/>
+              <a:t>let</a:t>
+            </a:r>
+            <a:r>
+              <a:rPr lang="en-US" altLang="zh-CN" b="1" dirty="0" smtClean="0"/>
+              <a:t> </a:t>
+            </a:r>
+            <a:r>
+              <a:rPr lang="en-US" altLang="zh-CN" dirty="0" smtClean="0"/>
+              <a:t> </a:t>
+            </a:r>
+            <a:r>
+              <a:rPr lang="en-US" altLang="zh-CN" dirty="0" smtClean="0"/>
+              <a:t>  </a:t>
+            </a:r>
+            <a:r>
+              <a:rPr lang="en-US" altLang="zh-CN" dirty="0" smtClean="0"/>
+              <a:t>label </a:t>
+            </a:r>
+            <a:r>
+              <a:rPr lang="en-US" altLang="zh-CN" dirty="0"/>
+              <a:t>= "The width is"</a:t>
+            </a:r>
+          </a:p>
+          <a:p>
+            <a:pPr marL="0" indent="0">
+              <a:buNone/>
+            </a:pPr>
+            <a:r>
+              <a:rPr lang="en-US" altLang="zh-CN" b="1" dirty="0"/>
+              <a:t>let</a:t>
+            </a:r>
+            <a:r>
+              <a:rPr lang="en-US" altLang="zh-CN" dirty="0"/>
+              <a:t> </a:t>
+            </a:r>
+            <a:r>
+              <a:rPr lang="en-US" altLang="zh-CN" dirty="0" smtClean="0"/>
+              <a:t>   </a:t>
+            </a:r>
+            <a:r>
+              <a:rPr lang="en-US" altLang="zh-CN" dirty="0" smtClean="0"/>
+              <a:t>width </a:t>
+            </a:r>
+            <a:r>
+              <a:rPr lang="en-US" altLang="zh-CN" dirty="0"/>
+              <a:t>= 94</a:t>
+            </a:r>
+          </a:p>
+          <a:p>
+            <a:pPr marL="0" indent="0">
+              <a:buNone/>
+            </a:pPr>
+            <a:r>
+              <a:rPr lang="en-US" altLang="zh-CN" b="1" dirty="0"/>
+              <a:t>let</a:t>
+            </a:r>
+            <a:r>
+              <a:rPr lang="en-US" altLang="zh-CN" dirty="0"/>
+              <a:t> </a:t>
+            </a:r>
+            <a:r>
+              <a:rPr lang="en-US" altLang="zh-CN" dirty="0" smtClean="0"/>
+              <a:t>   </a:t>
+            </a:r>
+            <a:r>
+              <a:rPr lang="en-US" altLang="zh-CN" dirty="0" err="1" smtClean="0"/>
+              <a:t>widthLabel</a:t>
+            </a:r>
+            <a:r>
+              <a:rPr lang="en-US" altLang="zh-CN" dirty="0" smtClean="0"/>
+              <a:t> </a:t>
+            </a:r>
+            <a:r>
+              <a:rPr lang="en-US" altLang="zh-CN" dirty="0"/>
+              <a:t>= label + String(width)</a:t>
+            </a:r>
+            <a:endParaRPr lang="en-US" altLang="zh-CN" dirty="0" smtClean="0"/>
+          </a:p>
+          <a:p>
+            <a:pPr marL="0" indent="0">
+              <a:buNone/>
+            </a:pPr>
+            <a:endParaRPr kumimoji="1" lang="en-US" altLang="zh-CN" dirty="0"/>
+          </a:p>
+        </p:txBody>
+      </p:sp>
+    </p:spTree>
+    <p:extLst>
+      <p:ext uri="{BB962C8B-B14F-4D97-AF65-F5344CB8AC3E}">
+        <p14:creationId xmlns:p14="http://schemas.microsoft.com/office/powerpoint/2010/main" val="1881507153"/>
+      </p:ext>
+    </p:extLst>
+  </p:cSld>
+  <p:clrMapOvr>
+    <a:masterClrMapping/>
+  </p:clrMapOvr>
+  <p:timing>
+    <p:tnLst>
+      <p:par>
+        <p:cTn xmlns:p14="http://schemas.microsoft.com/office/powerpoint/2010/main" id="1" dur="indefinite" restart="never" nodeType="tmRoot"/>
+      </p:par>
+    </p:tnLst>
+  </p:timing>
+</p:sld>
+</file>
+
+<file path=ppt/slides/slide8.xml><?xml version="1.0" encoding="utf-8"?>
+<p:sld xmlns:a="http://schemas.openxmlformats.org/drawingml/2006/main" xmlns:r="http://schemas.openxmlformats.org/officeDocument/2006/relationships" xmlns:p="http://schemas.openxmlformats.org/presentationml/2006/main">
+  <p:cSld>
+    <p:spTree>
+      <p:nvGrpSpPr>
+        <p:cNvPr id="1" name=""/>
+        <p:cNvGrpSpPr/>
+        <p:nvPr/>
+      </p:nvGrpSpPr>
+      <p:grpSpPr>
+        <a:xfrm>
+          <a:off x="0" y="0"/>
+          <a:ext cx="0" cy="0"/>
+          <a:chOff x="0" y="0"/>
+          <a:chExt cx="0" cy="0"/>
+        </a:xfrm>
+      </p:grpSpPr>
+      <p:sp>
+        <p:nvSpPr>
+          <p:cNvPr id="3" name="内容占位符 2"/>
+          <p:cNvSpPr>
+            <a:spLocks noGrp="1"/>
+          </p:cNvSpPr>
+          <p:nvPr>
+            <p:ph idx="1"/>
+          </p:nvPr>
+        </p:nvSpPr>
+        <p:spPr>
+          <a:xfrm>
+            <a:off x="457200" y="541649"/>
+            <a:ext cx="8229600" cy="5836668"/>
+          </a:xfrm>
+        </p:spPr>
+        <p:txBody>
+          <a:bodyPr>
+            <a:normAutofit fontScale="62500" lnSpcReduction="20000"/>
+          </a:bodyPr>
+          <a:lstStyle/>
+          <a:p>
+            <a:pPr marL="0" indent="0">
+              <a:buNone/>
+            </a:pPr>
+            <a:r>
+              <a:rPr lang="zh-CN" altLang="en-US" dirty="0"/>
+              <a:t>使用方括号</a:t>
+            </a:r>
+            <a:r>
+              <a:rPr lang="en-US" altLang="zh-CN" dirty="0" smtClean="0"/>
+              <a:t>[</a:t>
+            </a:r>
+            <a:r>
+              <a:rPr lang="zh-CN" altLang="en-US" dirty="0" smtClean="0"/>
+              <a:t> </a:t>
+            </a:r>
+            <a:r>
+              <a:rPr lang="en-US" altLang="zh-CN" dirty="0" smtClean="0"/>
+              <a:t>]</a:t>
+            </a:r>
+            <a:r>
+              <a:rPr lang="zh-CN" altLang="en-US" dirty="0" smtClean="0"/>
+              <a:t>来创建数组和字典，并使用下标或者键（</a:t>
+            </a:r>
+            <a:r>
+              <a:rPr lang="en-US" altLang="zh-CN" dirty="0" smtClean="0"/>
+              <a:t>key</a:t>
+            </a:r>
+            <a:r>
+              <a:rPr lang="zh-CN" altLang="en-US" dirty="0" smtClean="0"/>
+              <a:t>）来访问元素。</a:t>
+            </a:r>
+          </a:p>
+          <a:p>
+            <a:pPr marL="0" indent="0">
+              <a:buNone/>
+            </a:pPr>
+            <a:r>
+              <a:rPr lang="en-US" altLang="zh-CN" b="1" dirty="0" err="1" smtClean="0"/>
+              <a:t>var</a:t>
+            </a:r>
+            <a:r>
+              <a:rPr lang="en-US" altLang="zh-CN" dirty="0" smtClean="0"/>
+              <a:t> </a:t>
+            </a:r>
+            <a:r>
+              <a:rPr lang="zh-CN" altLang="en-US" dirty="0" smtClean="0"/>
+              <a:t>  </a:t>
+            </a:r>
+            <a:r>
+              <a:rPr lang="en-US" altLang="zh-CN" dirty="0" err="1" smtClean="0"/>
+              <a:t>shoppingList</a:t>
+            </a:r>
+            <a:r>
+              <a:rPr lang="en-US" altLang="zh-CN" dirty="0" smtClean="0"/>
+              <a:t> = ["catfish", "water", "tulips", "blue paint"]</a:t>
+            </a:r>
+          </a:p>
+          <a:p>
+            <a:pPr marL="0" indent="0">
+              <a:buNone/>
+            </a:pPr>
+            <a:r>
+              <a:rPr lang="zh-CN" altLang="en-US" dirty="0" smtClean="0"/>
+              <a:t>         </a:t>
+            </a:r>
+            <a:r>
+              <a:rPr lang="en-US" altLang="zh-CN" dirty="0" err="1" smtClean="0"/>
+              <a:t>shoppingList</a:t>
+            </a:r>
+            <a:r>
+              <a:rPr lang="en-US" altLang="zh-CN" dirty="0"/>
+              <a:t>[1] = "bottle of water"</a:t>
+            </a:r>
+          </a:p>
+          <a:p>
+            <a:pPr marL="0" indent="0">
+              <a:buNone/>
+            </a:pPr>
+            <a:r>
+              <a:rPr lang="en-US" altLang="zh-CN" b="1" dirty="0" err="1"/>
+              <a:t>var</a:t>
+            </a:r>
+            <a:r>
+              <a:rPr lang="en-US" altLang="zh-CN" dirty="0"/>
+              <a:t> </a:t>
+            </a:r>
+            <a:r>
+              <a:rPr lang="zh-CN" altLang="en-US" dirty="0" smtClean="0"/>
+              <a:t> </a:t>
+            </a:r>
+            <a:r>
+              <a:rPr lang="en-US" altLang="zh-CN" dirty="0" smtClean="0"/>
+              <a:t>occupations = [</a:t>
+            </a:r>
+          </a:p>
+          <a:p>
+            <a:pPr marL="0" indent="0">
+              <a:buNone/>
+            </a:pPr>
+            <a:r>
+              <a:rPr lang="en-US" altLang="zh-CN" dirty="0" smtClean="0"/>
+              <a:t>    "Malcolm": "Captain",</a:t>
+            </a:r>
+          </a:p>
+          <a:p>
+            <a:pPr marL="0" indent="0">
+              <a:buNone/>
+            </a:pPr>
+            <a:r>
+              <a:rPr lang="en-US" altLang="zh-CN" dirty="0" smtClean="0"/>
+              <a:t>    </a:t>
+            </a:r>
+            <a:r>
+              <a:rPr lang="en-US" altLang="zh-CN" dirty="0"/>
+              <a:t>"</a:t>
+            </a:r>
+            <a:r>
+              <a:rPr lang="en-US" altLang="zh-CN" dirty="0" err="1"/>
+              <a:t>Kaylee</a:t>
+            </a:r>
+            <a:r>
+              <a:rPr lang="en-US" altLang="zh-CN" dirty="0"/>
+              <a:t>": "Mechanic",</a:t>
+            </a:r>
+          </a:p>
+          <a:p>
+            <a:pPr marL="0" indent="0">
+              <a:buNone/>
+            </a:pPr>
+            <a:r>
+              <a:rPr lang="en-US" altLang="zh-CN" dirty="0"/>
+              <a:t>]</a:t>
+            </a:r>
+          </a:p>
+          <a:p>
+            <a:pPr marL="0" indent="0">
+              <a:buNone/>
+            </a:pPr>
+            <a:r>
+              <a:rPr lang="en-US" altLang="zh-CN" dirty="0"/>
+              <a:t>occupations["Jayne"] = "Public </a:t>
+            </a:r>
+            <a:r>
+              <a:rPr lang="en-US" altLang="zh-CN" dirty="0" smtClean="0"/>
+              <a:t>Relations”</a:t>
+            </a:r>
+          </a:p>
+          <a:p>
+            <a:pPr marL="0" indent="0">
+              <a:buNone/>
+            </a:pPr>
+            <a:endParaRPr lang="en-US" altLang="zh-CN" dirty="0"/>
+          </a:p>
+          <a:p>
+            <a:pPr marL="0" indent="0">
+              <a:buNone/>
+            </a:pPr>
+            <a:r>
+              <a:rPr lang="zh-CN" altLang="en-US" dirty="0"/>
+              <a:t>要创建一个空数组或者字典，使用初始化语法。</a:t>
+            </a:r>
+          </a:p>
+          <a:p>
+            <a:pPr marL="0" indent="0">
+              <a:buNone/>
+            </a:pPr>
+            <a:r>
+              <a:rPr lang="en-US" altLang="zh-CN" dirty="0"/>
+              <a:t>let </a:t>
+            </a:r>
+            <a:r>
+              <a:rPr lang="zh-CN" altLang="en-US" dirty="0" smtClean="0"/>
+              <a:t> </a:t>
+            </a:r>
+            <a:r>
+              <a:rPr lang="en-US" altLang="zh-CN" dirty="0" err="1" smtClean="0"/>
+              <a:t>emptyArray</a:t>
+            </a:r>
+            <a:r>
+              <a:rPr lang="en-US" altLang="zh-CN" dirty="0" smtClean="0"/>
+              <a:t> = [String]()</a:t>
+            </a:r>
+          </a:p>
+          <a:p>
+            <a:pPr marL="0" indent="0">
+              <a:buNone/>
+            </a:pPr>
+            <a:r>
+              <a:rPr lang="en-US" altLang="zh-CN" dirty="0" smtClean="0"/>
+              <a:t>let </a:t>
+            </a:r>
+            <a:r>
+              <a:rPr lang="zh-CN" altLang="en-US" dirty="0" smtClean="0"/>
+              <a:t> </a:t>
+            </a:r>
+            <a:r>
+              <a:rPr lang="en-US" altLang="zh-CN" dirty="0" err="1" smtClean="0"/>
+              <a:t>emptyDictionary</a:t>
+            </a:r>
+            <a:r>
+              <a:rPr lang="en-US" altLang="zh-CN" dirty="0" smtClean="0"/>
+              <a:t> = [String: Float]()</a:t>
+            </a:r>
+            <a:endParaRPr kumimoji="1" lang="zh-CN" altLang="en-US" dirty="0"/>
+          </a:p>
+        </p:txBody>
+      </p:sp>
+      <p:sp>
+        <p:nvSpPr>
+          <p:cNvPr id="4" name="文本框 3"/>
+          <p:cNvSpPr txBox="1"/>
+          <p:nvPr/>
+        </p:nvSpPr>
+        <p:spPr>
+          <a:xfrm>
+            <a:off x="6471067" y="2157206"/>
+            <a:ext cx="2110334" cy="646331"/>
+          </a:xfrm>
+          <a:prstGeom prst="rect">
+            <a:avLst/>
+          </a:prstGeom>
+        </p:spPr>
+        <p:style>
+          <a:lnRef idx="1">
+            <a:schemeClr val="dk1"/>
+          </a:lnRef>
+          <a:fillRef idx="2">
+            <a:schemeClr val="dk1"/>
+          </a:fillRef>
+          <a:effectRef idx="1">
+            <a:schemeClr val="dk1"/>
+          </a:effectRef>
+          <a:fontRef idx="minor">
+            <a:schemeClr val="dk1"/>
+          </a:fontRef>
+        </p:style>
+        <p:txBody>
+          <a:bodyPr wrap="square" rtlCol="0">
+            <a:spAutoFit/>
+          </a:bodyPr>
+          <a:lstStyle/>
+          <a:p>
+            <a:r>
+              <a:rPr kumimoji="1" lang="en-US" altLang="zh-CN" dirty="0" err="1"/>
+              <a:t>shoppingList</a:t>
+            </a:r>
+            <a:r>
+              <a:rPr kumimoji="1" lang="en-US" altLang="zh-CN" dirty="0"/>
+              <a:t> = []</a:t>
+            </a:r>
+          </a:p>
+          <a:p>
+            <a:r>
+              <a:rPr kumimoji="1" lang="en-US" altLang="zh-CN" dirty="0"/>
+              <a:t>occupations = [:]</a:t>
+            </a:r>
+            <a:endParaRPr kumimoji="1" lang="zh-CN" altLang="en-US" dirty="0"/>
+          </a:p>
+        </p:txBody>
+      </p:sp>
+    </p:spTree>
+    <p:extLst>
+      <p:ext uri="{BB962C8B-B14F-4D97-AF65-F5344CB8AC3E}">
+        <p14:creationId xmlns:p14="http://schemas.microsoft.com/office/powerpoint/2010/main" val="3824109173"/>
+      </p:ext>
+    </p:extLst>
+  </p:cSld>
+  <p:clrMapOvr>
+    <a:masterClrMapping/>
+  </p:clrMapOvr>
+  <p:timing>
+    <p:tnLst>
+      <p:par>
+        <p:cTn xmlns:p14="http://schemas.microsoft.com/office/powerpoint/2010/main" id="1" dur="indefinite" restart="never" nodeType="tmRoot"/>
+      </p:par>
+    </p:tnLst>
+  </p:timing>
+</p:sld>
+</file>
+
+<file path=ppt/slides/slide9.xml><?xml version="1.0" encoding="utf-8"?>
+<p:sld xmlns:a="http://schemas.openxmlformats.org/drawingml/2006/main" xmlns:r="http://schemas.openxmlformats.org/officeDocument/2006/relationships" xmlns:p="http://schemas.openxmlformats.org/presentationml/2006/main">
+  <p:cSld>
+    <p:spTree>
+      <p:nvGrpSpPr>
+        <p:cNvPr id="1" name=""/>
+        <p:cNvGrpSpPr/>
+        <p:nvPr/>
+      </p:nvGrpSpPr>
+      <p:grpSpPr>
+        <a:xfrm>
+          <a:off x="0" y="0"/>
+          <a:ext cx="0" cy="0"/>
+          <a:chOff x="0" y="0"/>
+          <a:chExt cx="0" cy="0"/>
+        </a:xfrm>
+      </p:grpSpPr>
+      <p:sp>
+        <p:nvSpPr>
+          <p:cNvPr id="2" name="标题 1"/>
+          <p:cNvSpPr>
+            <a:spLocks noGrp="1"/>
+          </p:cNvSpPr>
+          <p:nvPr>
+            <p:ph type="title"/>
+          </p:nvPr>
+        </p:nvSpPr>
+        <p:spPr/>
+        <p:txBody>
+          <a:bodyPr/>
+          <a:lstStyle/>
+          <a:p>
+            <a:r>
+              <a:rPr kumimoji="1" lang="zh-CN" altLang="en-US" dirty="0" smtClean="0"/>
+              <a:t>学习参考</a:t>
+            </a:r>
+            <a:endParaRPr kumimoji="1" lang="zh-CN" altLang="en-US" dirty="0"/>
+          </a:p>
+        </p:txBody>
+      </p:sp>
+      <p:sp>
+        <p:nvSpPr>
+          <p:cNvPr id="3" name="竖排文本占位符 2"/>
+          <p:cNvSpPr>
+            <a:spLocks noGrp="1"/>
+          </p:cNvSpPr>
+          <p:nvPr>
+            <p:ph type="body" orient="vert" idx="1"/>
+          </p:nvPr>
+        </p:nvSpPr>
+        <p:spPr/>
+        <p:txBody>
+          <a:bodyPr vert="horz">
+            <a:normAutofit/>
+          </a:bodyPr>
+          <a:lstStyle/>
+          <a:p>
+            <a:pPr>
+              <a:buFont typeface="Wingdings" charset="2"/>
+              <a:buChar char="l"/>
+            </a:pPr>
+            <a:r>
+              <a:rPr kumimoji="1" lang="zh-CN" altLang="en-US" sz="2400" dirty="0" smtClean="0"/>
+              <a:t>官网：</a:t>
+            </a:r>
+            <a:r>
+              <a:rPr kumimoji="1" lang="en-US" altLang="zh-CN" sz="2400" dirty="0">
+                <a:hlinkClick r:id="rId2"/>
+              </a:rPr>
+              <a:t>https://developer.apple.com/swift</a:t>
+            </a:r>
+            <a:r>
+              <a:rPr kumimoji="1" lang="en-US" altLang="zh-CN" sz="2400" dirty="0" smtClean="0">
+                <a:hlinkClick r:id="rId2"/>
+              </a:rPr>
+              <a:t>/</a:t>
+            </a:r>
+            <a:endParaRPr kumimoji="1" lang="en-US" altLang="zh-CN" sz="2400" dirty="0" smtClean="0"/>
+          </a:p>
+          <a:p>
+            <a:pPr>
+              <a:buFont typeface="Wingdings" charset="2"/>
+              <a:buChar char="l"/>
+            </a:pPr>
+            <a:r>
+              <a:rPr kumimoji="1" lang="en-US" altLang="zh-CN" sz="2400" dirty="0" smtClean="0">
+                <a:hlinkClick r:id="rId3"/>
+              </a:rPr>
+              <a:t>《</a:t>
+            </a:r>
+            <a:r>
+              <a:rPr lang="en-US" altLang="zh-CN" sz="2400" dirty="0">
+                <a:hlinkClick r:id="rId3"/>
+              </a:rPr>
+              <a:t>The Swift Programming Language </a:t>
+            </a:r>
+            <a:r>
+              <a:rPr lang="zh-CN" altLang="en-US" sz="2400" dirty="0">
+                <a:hlinkClick r:id="rId3"/>
+              </a:rPr>
+              <a:t>中文版</a:t>
+            </a:r>
+            <a:r>
+              <a:rPr kumimoji="1" lang="en-US" altLang="zh-CN" sz="2400" dirty="0" smtClean="0">
+                <a:hlinkClick r:id="rId3"/>
+              </a:rPr>
+              <a:t>》</a:t>
+            </a:r>
+            <a:endParaRPr kumimoji="1" lang="en-US" altLang="zh-CN" sz="2400" dirty="0" smtClean="0"/>
+          </a:p>
+          <a:p>
+            <a:pPr>
+              <a:buFont typeface="Wingdings" charset="2"/>
+              <a:buChar char="l"/>
+            </a:pPr>
+            <a:r>
+              <a:rPr kumimoji="1" lang="en-US" altLang="zh-CN" sz="2400" dirty="0" err="1" smtClean="0">
+                <a:hlinkClick r:id="rId4"/>
+              </a:rPr>
+              <a:t>Cocos</a:t>
+            </a:r>
+            <a:r>
+              <a:rPr kumimoji="1" lang="zh-CN" altLang="en-US" sz="2400" dirty="0" smtClean="0">
+                <a:hlinkClick r:id="rId4"/>
+              </a:rPr>
+              <a:t> </a:t>
+            </a:r>
+            <a:r>
+              <a:rPr kumimoji="1" lang="en-US" altLang="zh-CN" sz="2400" dirty="0" smtClean="0">
+                <a:hlinkClick r:id="rId4"/>
+              </a:rPr>
+              <a:t>China</a:t>
+            </a:r>
+            <a:r>
+              <a:rPr kumimoji="1" lang="zh-CN" altLang="en-US" sz="2400" dirty="0" smtClean="0">
+                <a:hlinkClick r:id="rId4"/>
+              </a:rPr>
+              <a:t> </a:t>
+            </a:r>
+            <a:r>
+              <a:rPr kumimoji="1" lang="en-US" altLang="zh-CN" sz="2400" dirty="0" smtClean="0">
+                <a:hlinkClick r:id="rId4"/>
+              </a:rPr>
+              <a:t>Swift</a:t>
+            </a:r>
+            <a:r>
+              <a:rPr kumimoji="1" lang="zh-CN" altLang="en-US" sz="2400" dirty="0" smtClean="0">
+                <a:hlinkClick r:id="rId4"/>
+              </a:rPr>
+              <a:t> 专栏</a:t>
+            </a:r>
+            <a:endParaRPr kumimoji="1" lang="en-US" altLang="zh-CN" sz="2400" dirty="0" smtClean="0"/>
+          </a:p>
+          <a:p>
+            <a:pPr>
+              <a:buFont typeface="Wingdings" charset="2"/>
+              <a:buChar char="l"/>
+            </a:pPr>
+            <a:r>
+              <a:rPr kumimoji="1" lang="en-US" altLang="zh-CN" sz="2400" dirty="0" smtClean="0">
+                <a:hlinkClick r:id="rId5"/>
+              </a:rPr>
+              <a:t>Swift</a:t>
+            </a:r>
+            <a:r>
+              <a:rPr kumimoji="1" lang="zh-CN" altLang="en-US" sz="2400" dirty="0" smtClean="0">
+                <a:hlinkClick r:id="rId5"/>
+              </a:rPr>
+              <a:t>课堂</a:t>
+            </a:r>
+            <a:endParaRPr kumimoji="1" lang="en-US" altLang="zh-CN" sz="2400" dirty="0" smtClean="0"/>
+          </a:p>
+          <a:p>
+            <a:pPr>
+              <a:buFont typeface="Wingdings" charset="2"/>
+              <a:buChar char="l"/>
+            </a:pPr>
+            <a:r>
+              <a:rPr kumimoji="1" lang="en-US" altLang="zh-CN" sz="2400" dirty="0" smtClean="0">
+                <a:hlinkClick r:id="rId6"/>
+              </a:rPr>
+              <a:t>Swift</a:t>
+            </a:r>
+            <a:r>
+              <a:rPr kumimoji="1" lang="zh-CN" altLang="en-US" sz="2400" dirty="0" smtClean="0">
+                <a:hlinkClick r:id="rId6"/>
+              </a:rPr>
+              <a:t>中文网</a:t>
+            </a:r>
+            <a:endParaRPr kumimoji="1" lang="en-US" altLang="zh-CN" sz="2400" dirty="0" smtClean="0"/>
+          </a:p>
+          <a:p>
+            <a:pPr>
+              <a:buFont typeface="Wingdings" charset="2"/>
+              <a:buChar char="l"/>
+            </a:pPr>
+            <a:r>
+              <a:rPr kumimoji="1" lang="zh-CN" altLang="en-US" sz="2400" dirty="0" smtClean="0">
+                <a:hlinkClick r:id="rId7"/>
+              </a:rPr>
+              <a:t>极客学院</a:t>
+            </a:r>
+            <a:endParaRPr kumimoji="1" lang="en-US" altLang="zh-CN" sz="2400" dirty="0" smtClean="0"/>
+          </a:p>
+          <a:p>
+            <a:pPr marL="0" indent="0">
+              <a:buNone/>
+            </a:pPr>
+            <a:endParaRPr kumimoji="1" lang="zh-CN" altLang="en-US" sz="2400" dirty="0"/>
+          </a:p>
+        </p:txBody>
+      </p:sp>
+    </p:spTree>
+    <p:extLst>
+      <p:ext uri="{BB962C8B-B14F-4D97-AF65-F5344CB8AC3E}">
+        <p14:creationId xmlns:p14="http://schemas.microsoft.com/office/powerpoint/2010/main" val="478851738"/>
+      </p:ext>
+    </p:extLst>
+  </p:cSld>
+  <p:clrMapOvr>
+    <a:masterClrMapping/>
+  </p:clrMapOvr>
+  <p:timing>
+    <p:tnLst>
+      <p:par>
+        <p:cTn xmlns:p14="http://schemas.microsoft.com/office/powerpoint/2010/main" id="1" dur="indefinite" restart="never" nodeType="tmRoot"/>
+      </p:par>
+    </p:tnLst>
+  </p:timing>
 </p:sld>
 </file>
 

--- a/swift.pptx
+++ b/swift.pptx
@@ -4,16 +4,45 @@
   <p:sldMasterIdLst>
     <p:sldMasterId id="2147483660" r:id="rId1"/>
   </p:sldMasterIdLst>
+  <p:notesMasterIdLst>
+    <p:notesMasterId r:id="rId37"/>
+  </p:notesMasterIdLst>
   <p:sldIdLst>
     <p:sldId id="256" r:id="rId2"/>
     <p:sldId id="259" r:id="rId3"/>
     <p:sldId id="260" r:id="rId4"/>
     <p:sldId id="258" r:id="rId5"/>
     <p:sldId id="262" r:id="rId6"/>
-    <p:sldId id="261" r:id="rId7"/>
-    <p:sldId id="263" r:id="rId8"/>
-    <p:sldId id="264" r:id="rId9"/>
-    <p:sldId id="257" r:id="rId10"/>
+    <p:sldId id="266" r:id="rId7"/>
+    <p:sldId id="261" r:id="rId8"/>
+    <p:sldId id="263" r:id="rId9"/>
+    <p:sldId id="264" r:id="rId10"/>
+    <p:sldId id="267" r:id="rId11"/>
+    <p:sldId id="276" r:id="rId12"/>
+    <p:sldId id="272" r:id="rId13"/>
+    <p:sldId id="274" r:id="rId14"/>
+    <p:sldId id="273" r:id="rId15"/>
+    <p:sldId id="275" r:id="rId16"/>
+    <p:sldId id="265" r:id="rId17"/>
+    <p:sldId id="278" r:id="rId18"/>
+    <p:sldId id="277" r:id="rId19"/>
+    <p:sldId id="279" r:id="rId20"/>
+    <p:sldId id="280" r:id="rId21"/>
+    <p:sldId id="281" r:id="rId22"/>
+    <p:sldId id="268" r:id="rId23"/>
+    <p:sldId id="282" r:id="rId24"/>
+    <p:sldId id="283" r:id="rId25"/>
+    <p:sldId id="269" r:id="rId26"/>
+    <p:sldId id="284" r:id="rId27"/>
+    <p:sldId id="285" r:id="rId28"/>
+    <p:sldId id="270" r:id="rId29"/>
+    <p:sldId id="286" r:id="rId30"/>
+    <p:sldId id="287" r:id="rId31"/>
+    <p:sldId id="271" r:id="rId32"/>
+    <p:sldId id="288" r:id="rId33"/>
+    <p:sldId id="289" r:id="rId34"/>
+    <p:sldId id="290" r:id="rId35"/>
+    <p:sldId id="257" r:id="rId36"/>
   </p:sldIdLst>
   <p:sldSz cx="9144000" cy="6858000" type="screen4x3"/>
   <p:notesSz cx="6858000" cy="9144000"/>
@@ -115,6 +144,1892 @@
 </p:presentation>
 </file>
 
+<file path=ppt/notesMasters/notesMaster1.xml><?xml version="1.0" encoding="utf-8"?>
+<p:notesMaster xmlns:a="http://schemas.openxmlformats.org/drawingml/2006/main" xmlns:r="http://schemas.openxmlformats.org/officeDocument/2006/relationships" xmlns:p="http://schemas.openxmlformats.org/presentationml/2006/main">
+  <p:cSld>
+    <p:bg>
+      <p:bgRef idx="1001">
+        <a:schemeClr val="bg1"/>
+      </p:bgRef>
+    </p:bg>
+    <p:spTree>
+      <p:nvGrpSpPr>
+        <p:cNvPr id="1" name=""/>
+        <p:cNvGrpSpPr/>
+        <p:nvPr/>
+      </p:nvGrpSpPr>
+      <p:grpSpPr>
+        <a:xfrm>
+          <a:off x="0" y="0"/>
+          <a:ext cx="0" cy="0"/>
+          <a:chOff x="0" y="0"/>
+          <a:chExt cx="0" cy="0"/>
+        </a:xfrm>
+      </p:grpSpPr>
+      <p:sp>
+        <p:nvSpPr>
+          <p:cNvPr id="2" name="页眉占位符 1"/>
+          <p:cNvSpPr>
+            <a:spLocks noGrp="1"/>
+          </p:cNvSpPr>
+          <p:nvPr>
+            <p:ph type="hdr" sz="quarter"/>
+          </p:nvPr>
+        </p:nvSpPr>
+        <p:spPr>
+          <a:xfrm>
+            <a:off x="0" y="0"/>
+            <a:ext cx="2971800" cy="457200"/>
+          </a:xfrm>
+          <a:prstGeom prst="rect">
+            <a:avLst/>
+          </a:prstGeom>
+        </p:spPr>
+        <p:txBody>
+          <a:bodyPr vert="horz" lIns="91440" tIns="45720" rIns="91440" bIns="45720" rtlCol="0"/>
+          <a:lstStyle>
+            <a:lvl1pPr algn="l">
+              <a:defRPr sz="1200"/>
+            </a:lvl1pPr>
+          </a:lstStyle>
+          <a:p>
+            <a:endParaRPr lang="zh-CN" altLang="en-US"/>
+          </a:p>
+        </p:txBody>
+      </p:sp>
+      <p:sp>
+        <p:nvSpPr>
+          <p:cNvPr id="3" name="日期占位符 2"/>
+          <p:cNvSpPr>
+            <a:spLocks noGrp="1"/>
+          </p:cNvSpPr>
+          <p:nvPr>
+            <p:ph type="dt" idx="1"/>
+          </p:nvPr>
+        </p:nvSpPr>
+        <p:spPr>
+          <a:xfrm>
+            <a:off x="3884613" y="0"/>
+            <a:ext cx="2971800" cy="457200"/>
+          </a:xfrm>
+          <a:prstGeom prst="rect">
+            <a:avLst/>
+          </a:prstGeom>
+        </p:spPr>
+        <p:txBody>
+          <a:bodyPr vert="horz" lIns="91440" tIns="45720" rIns="91440" bIns="45720" rtlCol="0"/>
+          <a:lstStyle>
+            <a:lvl1pPr algn="r">
+              <a:defRPr sz="1200"/>
+            </a:lvl1pPr>
+          </a:lstStyle>
+          <a:p>
+            <a:fld id="{2789FFD0-FC95-4AC8-B5F2-740283205221}" type="datetimeFigureOut">
+              <a:rPr lang="zh-CN" altLang="en-US" smtClean="0"/>
+              <a:t>2015/9/5</a:t>
+            </a:fld>
+            <a:endParaRPr lang="zh-CN" altLang="en-US"/>
+          </a:p>
+        </p:txBody>
+      </p:sp>
+      <p:sp>
+        <p:nvSpPr>
+          <p:cNvPr id="4" name="幻灯片图像占位符 3"/>
+          <p:cNvSpPr>
+            <a:spLocks noGrp="1" noRot="1" noChangeAspect="1"/>
+          </p:cNvSpPr>
+          <p:nvPr>
+            <p:ph type="sldImg" idx="2"/>
+          </p:nvPr>
+        </p:nvSpPr>
+        <p:spPr>
+          <a:xfrm>
+            <a:off x="1143000" y="685800"/>
+            <a:ext cx="4572000" cy="3429000"/>
+          </a:xfrm>
+          <a:prstGeom prst="rect">
+            <a:avLst/>
+          </a:prstGeom>
+          <a:noFill/>
+          <a:ln w="12700">
+            <a:solidFill>
+              <a:prstClr val="black"/>
+            </a:solidFill>
+          </a:ln>
+        </p:spPr>
+        <p:txBody>
+          <a:bodyPr vert="horz" lIns="91440" tIns="45720" rIns="91440" bIns="45720" rtlCol="0" anchor="ctr"/>
+          <a:lstStyle/>
+          <a:p>
+            <a:endParaRPr lang="zh-CN" altLang="en-US"/>
+          </a:p>
+        </p:txBody>
+      </p:sp>
+      <p:sp>
+        <p:nvSpPr>
+          <p:cNvPr id="5" name="备注占位符 4"/>
+          <p:cNvSpPr>
+            <a:spLocks noGrp="1"/>
+          </p:cNvSpPr>
+          <p:nvPr>
+            <p:ph type="body" sz="quarter" idx="3"/>
+          </p:nvPr>
+        </p:nvSpPr>
+        <p:spPr>
+          <a:xfrm>
+            <a:off x="685800" y="4343400"/>
+            <a:ext cx="5486400" cy="4114800"/>
+          </a:xfrm>
+          <a:prstGeom prst="rect">
+            <a:avLst/>
+          </a:prstGeom>
+        </p:spPr>
+        <p:txBody>
+          <a:bodyPr vert="horz" lIns="91440" tIns="45720" rIns="91440" bIns="45720" rtlCol="0"/>
+          <a:lstStyle/>
+          <a:p>
+            <a:pPr lvl="0"/>
+            <a:r>
+              <a:rPr lang="zh-CN" altLang="en-US" smtClean="0"/>
+              <a:t>单击此处编辑母版文本样式</a:t>
+            </a:r>
+          </a:p>
+          <a:p>
+            <a:pPr lvl="1"/>
+            <a:r>
+              <a:rPr lang="zh-CN" altLang="en-US" smtClean="0"/>
+              <a:t>第二级</a:t>
+            </a:r>
+          </a:p>
+          <a:p>
+            <a:pPr lvl="2"/>
+            <a:r>
+              <a:rPr lang="zh-CN" altLang="en-US" smtClean="0"/>
+              <a:t>第三级</a:t>
+            </a:r>
+          </a:p>
+          <a:p>
+            <a:pPr lvl="3"/>
+            <a:r>
+              <a:rPr lang="zh-CN" altLang="en-US" smtClean="0"/>
+              <a:t>第四级</a:t>
+            </a:r>
+          </a:p>
+          <a:p>
+            <a:pPr lvl="4"/>
+            <a:r>
+              <a:rPr lang="zh-CN" altLang="en-US" smtClean="0"/>
+              <a:t>第五级</a:t>
+            </a:r>
+            <a:endParaRPr lang="zh-CN" altLang="en-US"/>
+          </a:p>
+        </p:txBody>
+      </p:sp>
+      <p:sp>
+        <p:nvSpPr>
+          <p:cNvPr id="6" name="页脚占位符 5"/>
+          <p:cNvSpPr>
+            <a:spLocks noGrp="1"/>
+          </p:cNvSpPr>
+          <p:nvPr>
+            <p:ph type="ftr" sz="quarter" idx="4"/>
+          </p:nvPr>
+        </p:nvSpPr>
+        <p:spPr>
+          <a:xfrm>
+            <a:off x="0" y="8685213"/>
+            <a:ext cx="2971800" cy="457200"/>
+          </a:xfrm>
+          <a:prstGeom prst="rect">
+            <a:avLst/>
+          </a:prstGeom>
+        </p:spPr>
+        <p:txBody>
+          <a:bodyPr vert="horz" lIns="91440" tIns="45720" rIns="91440" bIns="45720" rtlCol="0" anchor="b"/>
+          <a:lstStyle>
+            <a:lvl1pPr algn="l">
+              <a:defRPr sz="1200"/>
+            </a:lvl1pPr>
+          </a:lstStyle>
+          <a:p>
+            <a:endParaRPr lang="zh-CN" altLang="en-US"/>
+          </a:p>
+        </p:txBody>
+      </p:sp>
+      <p:sp>
+        <p:nvSpPr>
+          <p:cNvPr id="7" name="灯片编号占位符 6"/>
+          <p:cNvSpPr>
+            <a:spLocks noGrp="1"/>
+          </p:cNvSpPr>
+          <p:nvPr>
+            <p:ph type="sldNum" sz="quarter" idx="5"/>
+          </p:nvPr>
+        </p:nvSpPr>
+        <p:spPr>
+          <a:xfrm>
+            <a:off x="3884613" y="8685213"/>
+            <a:ext cx="2971800" cy="457200"/>
+          </a:xfrm>
+          <a:prstGeom prst="rect">
+            <a:avLst/>
+          </a:prstGeom>
+        </p:spPr>
+        <p:txBody>
+          <a:bodyPr vert="horz" lIns="91440" tIns="45720" rIns="91440" bIns="45720" rtlCol="0" anchor="b"/>
+          <a:lstStyle>
+            <a:lvl1pPr algn="r">
+              <a:defRPr sz="1200"/>
+            </a:lvl1pPr>
+          </a:lstStyle>
+          <a:p>
+            <a:fld id="{0BB3CC5D-C06A-4792-A873-A1428889D746}" type="slidenum">
+              <a:rPr lang="zh-CN" altLang="en-US" smtClean="0"/>
+              <a:t>‹#›</a:t>
+            </a:fld>
+            <a:endParaRPr lang="zh-CN" altLang="en-US"/>
+          </a:p>
+        </p:txBody>
+      </p:sp>
+    </p:spTree>
+    <p:extLst>
+      <p:ext uri="{BB962C8B-B14F-4D97-AF65-F5344CB8AC3E}">
+        <p14:creationId xmlns:p14="http://schemas.microsoft.com/office/powerpoint/2010/main" val="3113100697"/>
+      </p:ext>
+    </p:extLst>
+  </p:cSld>
+  <p:clrMap bg1="lt1" tx1="dk1" bg2="lt2" tx2="dk2" accent1="accent1" accent2="accent2" accent3="accent3" accent4="accent4" accent5="accent5" accent6="accent6" hlink="hlink" folHlink="folHlink"/>
+  <p:notesStyle>
+    <a:lvl1pPr marL="0" algn="l" defTabSz="914400" rtl="0" eaLnBrk="1" latinLnBrk="0" hangingPunct="1">
+      <a:defRPr sz="1200" kern="1200">
+        <a:solidFill>
+          <a:schemeClr val="tx1"/>
+        </a:solidFill>
+        <a:latin typeface="+mn-lt"/>
+        <a:ea typeface="+mn-ea"/>
+        <a:cs typeface="+mn-cs"/>
+      </a:defRPr>
+    </a:lvl1pPr>
+    <a:lvl2pPr marL="457200" algn="l" defTabSz="914400" rtl="0" eaLnBrk="1" latinLnBrk="0" hangingPunct="1">
+      <a:defRPr sz="1200" kern="1200">
+        <a:solidFill>
+          <a:schemeClr val="tx1"/>
+        </a:solidFill>
+        <a:latin typeface="+mn-lt"/>
+        <a:ea typeface="+mn-ea"/>
+        <a:cs typeface="+mn-cs"/>
+      </a:defRPr>
+    </a:lvl2pPr>
+    <a:lvl3pPr marL="914400" algn="l" defTabSz="914400" rtl="0" eaLnBrk="1" latinLnBrk="0" hangingPunct="1">
+      <a:defRPr sz="1200" kern="1200">
+        <a:solidFill>
+          <a:schemeClr val="tx1"/>
+        </a:solidFill>
+        <a:latin typeface="+mn-lt"/>
+        <a:ea typeface="+mn-ea"/>
+        <a:cs typeface="+mn-cs"/>
+      </a:defRPr>
+    </a:lvl3pPr>
+    <a:lvl4pPr marL="1371600" algn="l" defTabSz="914400" rtl="0" eaLnBrk="1" latinLnBrk="0" hangingPunct="1">
+      <a:defRPr sz="1200" kern="1200">
+        <a:solidFill>
+          <a:schemeClr val="tx1"/>
+        </a:solidFill>
+        <a:latin typeface="+mn-lt"/>
+        <a:ea typeface="+mn-ea"/>
+        <a:cs typeface="+mn-cs"/>
+      </a:defRPr>
+    </a:lvl4pPr>
+    <a:lvl5pPr marL="1828800" algn="l" defTabSz="914400" rtl="0" eaLnBrk="1" latinLnBrk="0" hangingPunct="1">
+      <a:defRPr sz="1200" kern="1200">
+        <a:solidFill>
+          <a:schemeClr val="tx1"/>
+        </a:solidFill>
+        <a:latin typeface="+mn-lt"/>
+        <a:ea typeface="+mn-ea"/>
+        <a:cs typeface="+mn-cs"/>
+      </a:defRPr>
+    </a:lvl5pPr>
+    <a:lvl6pPr marL="2286000" algn="l" defTabSz="914400" rtl="0" eaLnBrk="1" latinLnBrk="0" hangingPunct="1">
+      <a:defRPr sz="1200" kern="1200">
+        <a:solidFill>
+          <a:schemeClr val="tx1"/>
+        </a:solidFill>
+        <a:latin typeface="+mn-lt"/>
+        <a:ea typeface="+mn-ea"/>
+        <a:cs typeface="+mn-cs"/>
+      </a:defRPr>
+    </a:lvl6pPr>
+    <a:lvl7pPr marL="2743200" algn="l" defTabSz="914400" rtl="0" eaLnBrk="1" latinLnBrk="0" hangingPunct="1">
+      <a:defRPr sz="1200" kern="1200">
+        <a:solidFill>
+          <a:schemeClr val="tx1"/>
+        </a:solidFill>
+        <a:latin typeface="+mn-lt"/>
+        <a:ea typeface="+mn-ea"/>
+        <a:cs typeface="+mn-cs"/>
+      </a:defRPr>
+    </a:lvl7pPr>
+    <a:lvl8pPr marL="3200400" algn="l" defTabSz="914400" rtl="0" eaLnBrk="1" latinLnBrk="0" hangingPunct="1">
+      <a:defRPr sz="1200" kern="1200">
+        <a:solidFill>
+          <a:schemeClr val="tx1"/>
+        </a:solidFill>
+        <a:latin typeface="+mn-lt"/>
+        <a:ea typeface="+mn-ea"/>
+        <a:cs typeface="+mn-cs"/>
+      </a:defRPr>
+    </a:lvl8pPr>
+    <a:lvl9pPr marL="3657600" algn="l" defTabSz="914400" rtl="0" eaLnBrk="1" latinLnBrk="0" hangingPunct="1">
+      <a:defRPr sz="1200" kern="1200">
+        <a:solidFill>
+          <a:schemeClr val="tx1"/>
+        </a:solidFill>
+        <a:latin typeface="+mn-lt"/>
+        <a:ea typeface="+mn-ea"/>
+        <a:cs typeface="+mn-cs"/>
+      </a:defRPr>
+    </a:lvl9pPr>
+  </p:notesStyle>
+</p:notesMaster>
+</file>
+
+<file path=ppt/notesSlides/notesSlide1.xml><?xml version="1.0" encoding="utf-8"?>
+<p:notes xmlns:a="http://schemas.openxmlformats.org/drawingml/2006/main" xmlns:r="http://schemas.openxmlformats.org/officeDocument/2006/relationships" xmlns:p="http://schemas.openxmlformats.org/presentationml/2006/main">
+  <p:cSld>
+    <p:spTree>
+      <p:nvGrpSpPr>
+        <p:cNvPr id="1" name=""/>
+        <p:cNvGrpSpPr/>
+        <p:nvPr/>
+      </p:nvGrpSpPr>
+      <p:grpSpPr>
+        <a:xfrm>
+          <a:off x="0" y="0"/>
+          <a:ext cx="0" cy="0"/>
+          <a:chOff x="0" y="0"/>
+          <a:chExt cx="0" cy="0"/>
+        </a:xfrm>
+      </p:grpSpPr>
+      <p:sp>
+        <p:nvSpPr>
+          <p:cNvPr id="2" name="幻灯片图像占位符 1"/>
+          <p:cNvSpPr>
+            <a:spLocks noGrp="1" noRot="1" noChangeAspect="1"/>
+          </p:cNvSpPr>
+          <p:nvPr>
+            <p:ph type="sldImg"/>
+          </p:nvPr>
+        </p:nvSpPr>
+        <p:spPr/>
+      </p:sp>
+      <p:sp>
+        <p:nvSpPr>
+          <p:cNvPr id="3" name="备注占位符 2"/>
+          <p:cNvSpPr>
+            <a:spLocks noGrp="1"/>
+          </p:cNvSpPr>
+          <p:nvPr>
+            <p:ph type="body" idx="1"/>
+          </p:nvPr>
+        </p:nvSpPr>
+        <p:spPr/>
+        <p:txBody>
+          <a:bodyPr/>
+          <a:lstStyle/>
+          <a:p>
+            <a:r>
+              <a:rPr lang="zh-CN" altLang="en-US" smtClean="0"/>
+              <a:t>。。。   表示包含进去</a:t>
+            </a:r>
+            <a:r>
+              <a:rPr lang="en-US" altLang="zh-CN" smtClean="0"/>
+              <a:t>&lt;=</a:t>
+            </a:r>
+            <a:endParaRPr lang="zh-CN" altLang="en-US"/>
+          </a:p>
+        </p:txBody>
+      </p:sp>
+      <p:sp>
+        <p:nvSpPr>
+          <p:cNvPr id="4" name="灯片编号占位符 3"/>
+          <p:cNvSpPr>
+            <a:spLocks noGrp="1"/>
+          </p:cNvSpPr>
+          <p:nvPr>
+            <p:ph type="sldNum" sz="quarter" idx="10"/>
+          </p:nvPr>
+        </p:nvSpPr>
+        <p:spPr/>
+        <p:txBody>
+          <a:bodyPr/>
+          <a:lstStyle/>
+          <a:p>
+            <a:fld id="{0BB3CC5D-C06A-4792-A873-A1428889D746}" type="slidenum">
+              <a:rPr lang="zh-CN" altLang="en-US" smtClean="0"/>
+              <a:t>11</a:t>
+            </a:fld>
+            <a:endParaRPr lang="zh-CN" altLang="en-US"/>
+          </a:p>
+        </p:txBody>
+      </p:sp>
+    </p:spTree>
+    <p:extLst>
+      <p:ext uri="{BB962C8B-B14F-4D97-AF65-F5344CB8AC3E}">
+        <p14:creationId xmlns:p14="http://schemas.microsoft.com/office/powerpoint/2010/main" val="2015090190"/>
+      </p:ext>
+    </p:extLst>
+  </p:cSld>
+  <p:clrMapOvr>
+    <a:masterClrMapping/>
+  </p:clrMapOvr>
+</p:notes>
+</file>
+
+<file path=ppt/notesSlides/notesSlide10.xml><?xml version="1.0" encoding="utf-8"?>
+<p:notes xmlns:a="http://schemas.openxmlformats.org/drawingml/2006/main" xmlns:r="http://schemas.openxmlformats.org/officeDocument/2006/relationships" xmlns:p="http://schemas.openxmlformats.org/presentationml/2006/main">
+  <p:cSld>
+    <p:spTree>
+      <p:nvGrpSpPr>
+        <p:cNvPr id="1" name=""/>
+        <p:cNvGrpSpPr/>
+        <p:nvPr/>
+      </p:nvGrpSpPr>
+      <p:grpSpPr>
+        <a:xfrm>
+          <a:off x="0" y="0"/>
+          <a:ext cx="0" cy="0"/>
+          <a:chOff x="0" y="0"/>
+          <a:chExt cx="0" cy="0"/>
+        </a:xfrm>
+      </p:grpSpPr>
+      <p:sp>
+        <p:nvSpPr>
+          <p:cNvPr id="2" name="幻灯片图像占位符 1"/>
+          <p:cNvSpPr>
+            <a:spLocks noGrp="1" noRot="1" noChangeAspect="1"/>
+          </p:cNvSpPr>
+          <p:nvPr>
+            <p:ph type="sldImg"/>
+          </p:nvPr>
+        </p:nvSpPr>
+        <p:spPr/>
+      </p:sp>
+      <p:sp>
+        <p:nvSpPr>
+          <p:cNvPr id="3" name="备注占位符 2"/>
+          <p:cNvSpPr>
+            <a:spLocks noGrp="1"/>
+          </p:cNvSpPr>
+          <p:nvPr>
+            <p:ph type="body" idx="1"/>
+          </p:nvPr>
+        </p:nvSpPr>
+        <p:spPr/>
+        <p:txBody>
+          <a:bodyPr/>
+          <a:lstStyle/>
+          <a:p>
+            <a:pPr marL="0" marR="0" indent="0" algn="l" defTabSz="914400" rtl="0" eaLnBrk="1" fontAlgn="auto" latinLnBrk="0" hangingPunct="1">
+              <a:lnSpc>
+                <a:spcPct val="100000"/>
+              </a:lnSpc>
+              <a:spcBef>
+                <a:spcPts val="0"/>
+              </a:spcBef>
+              <a:spcAft>
+                <a:spcPts val="0"/>
+              </a:spcAft>
+              <a:buClrTx/>
+              <a:buSzTx/>
+              <a:buFontTx/>
+              <a:buNone/>
+              <a:tabLst/>
+              <a:defRPr/>
+            </a:pPr>
+            <a:r>
+              <a:rPr lang="zh-CN" altLang="en-US" sz="1200" b="0" i="0" kern="1200" smtClean="0">
+                <a:solidFill>
+                  <a:schemeClr val="tx1"/>
+                </a:solidFill>
+                <a:effectLst/>
+                <a:latin typeface="+mn-lt"/>
+                <a:ea typeface="+mn-ea"/>
+                <a:cs typeface="+mn-cs"/>
+              </a:rPr>
+              <a:t>注意声明</a:t>
+            </a:r>
+            <a:r>
+              <a:rPr lang="en-US" altLang="zh-CN" smtClean="0"/>
+              <a:t>SimpleStructure</a:t>
+            </a:r>
+            <a:r>
+              <a:rPr lang="zh-CN" altLang="en-US" sz="1200" b="0" i="0" kern="1200" smtClean="0">
+                <a:solidFill>
+                  <a:schemeClr val="tx1"/>
+                </a:solidFill>
+                <a:effectLst/>
+                <a:latin typeface="+mn-lt"/>
+                <a:ea typeface="+mn-ea"/>
+                <a:cs typeface="+mn-cs"/>
+              </a:rPr>
+              <a:t>时候</a:t>
+            </a:r>
+            <a:r>
+              <a:rPr lang="en-US" altLang="zh-CN" smtClean="0"/>
+              <a:t>mutating</a:t>
+            </a:r>
+            <a:r>
+              <a:rPr lang="zh-CN" altLang="en-US" sz="1200" b="0" i="0" kern="1200" smtClean="0">
+                <a:solidFill>
+                  <a:schemeClr val="tx1"/>
+                </a:solidFill>
+                <a:effectLst/>
+                <a:latin typeface="+mn-lt"/>
+                <a:ea typeface="+mn-ea"/>
+                <a:cs typeface="+mn-cs"/>
+              </a:rPr>
+              <a:t>关键字用来标记一个会修改结构体的方法。</a:t>
+            </a:r>
+            <a:endParaRPr lang="zh-CN" altLang="en-US" smtClean="0"/>
+          </a:p>
+          <a:p>
+            <a:endParaRPr lang="zh-CN" altLang="en-US"/>
+          </a:p>
+        </p:txBody>
+      </p:sp>
+      <p:sp>
+        <p:nvSpPr>
+          <p:cNvPr id="4" name="灯片编号占位符 3"/>
+          <p:cNvSpPr>
+            <a:spLocks noGrp="1"/>
+          </p:cNvSpPr>
+          <p:nvPr>
+            <p:ph type="sldNum" sz="quarter" idx="10"/>
+          </p:nvPr>
+        </p:nvSpPr>
+        <p:spPr/>
+        <p:txBody>
+          <a:bodyPr/>
+          <a:lstStyle/>
+          <a:p>
+            <a:fld id="{0BB3CC5D-C06A-4792-A873-A1428889D746}" type="slidenum">
+              <a:rPr lang="zh-CN" altLang="en-US" smtClean="0"/>
+              <a:t>29</a:t>
+            </a:fld>
+            <a:endParaRPr lang="zh-CN" altLang="en-US"/>
+          </a:p>
+        </p:txBody>
+      </p:sp>
+    </p:spTree>
+    <p:extLst>
+      <p:ext uri="{BB962C8B-B14F-4D97-AF65-F5344CB8AC3E}">
+        <p14:creationId xmlns:p14="http://schemas.microsoft.com/office/powerpoint/2010/main" val="4091756582"/>
+      </p:ext>
+    </p:extLst>
+  </p:cSld>
+  <p:clrMapOvr>
+    <a:masterClrMapping/>
+  </p:clrMapOvr>
+</p:notes>
+</file>
+
+<file path=ppt/notesSlides/notesSlide11.xml><?xml version="1.0" encoding="utf-8"?>
+<p:notes xmlns:a="http://schemas.openxmlformats.org/drawingml/2006/main" xmlns:r="http://schemas.openxmlformats.org/officeDocument/2006/relationships" xmlns:p="http://schemas.openxmlformats.org/presentationml/2006/main">
+  <p:cSld>
+    <p:spTree>
+      <p:nvGrpSpPr>
+        <p:cNvPr id="1" name=""/>
+        <p:cNvGrpSpPr/>
+        <p:nvPr/>
+      </p:nvGrpSpPr>
+      <p:grpSpPr>
+        <a:xfrm>
+          <a:off x="0" y="0"/>
+          <a:ext cx="0" cy="0"/>
+          <a:chOff x="0" y="0"/>
+          <a:chExt cx="0" cy="0"/>
+        </a:xfrm>
+      </p:grpSpPr>
+      <p:sp>
+        <p:nvSpPr>
+          <p:cNvPr id="2" name="幻灯片图像占位符 1"/>
+          <p:cNvSpPr>
+            <a:spLocks noGrp="1" noRot="1" noChangeAspect="1"/>
+          </p:cNvSpPr>
+          <p:nvPr>
+            <p:ph type="sldImg"/>
+          </p:nvPr>
+        </p:nvSpPr>
+        <p:spPr/>
+      </p:sp>
+      <p:sp>
+        <p:nvSpPr>
+          <p:cNvPr id="3" name="备注占位符 2"/>
+          <p:cNvSpPr>
+            <a:spLocks noGrp="1"/>
+          </p:cNvSpPr>
+          <p:nvPr>
+            <p:ph type="body" idx="1"/>
+          </p:nvPr>
+        </p:nvSpPr>
+        <p:spPr/>
+        <p:txBody>
+          <a:bodyPr/>
+          <a:lstStyle/>
+          <a:p>
+            <a:r>
+              <a:rPr lang="zh-CN" altLang="en-US" sz="1200" b="0" i="0" kern="1200" smtClean="0">
+                <a:solidFill>
+                  <a:schemeClr val="tx1"/>
+                </a:solidFill>
+                <a:effectLst/>
+                <a:latin typeface="+mn-lt"/>
+                <a:ea typeface="+mn-ea"/>
+                <a:cs typeface="+mn-cs"/>
+              </a:rPr>
+              <a:t>简单起见，你可以忽略</a:t>
+            </a:r>
+            <a:r>
+              <a:rPr lang="en-US" altLang="zh-CN" smtClean="0"/>
+              <a:t>where</a:t>
+            </a:r>
+            <a:r>
+              <a:rPr lang="zh-CN" altLang="en-US" sz="1200" b="0" i="0" kern="1200" smtClean="0">
+                <a:solidFill>
+                  <a:schemeClr val="tx1"/>
+                </a:solidFill>
+                <a:effectLst/>
+                <a:latin typeface="+mn-lt"/>
+                <a:ea typeface="+mn-ea"/>
+                <a:cs typeface="+mn-cs"/>
+              </a:rPr>
+              <a:t>，只在冒号后面写协议或者类名。</a:t>
+            </a:r>
+            <a:r>
+              <a:rPr lang="en-US" altLang="zh-CN" smtClean="0"/>
+              <a:t>&lt;T: Equatable&gt;</a:t>
+            </a:r>
+            <a:r>
+              <a:rPr lang="zh-CN" altLang="en-US" sz="1200" b="0" i="0" kern="1200" smtClean="0">
+                <a:solidFill>
+                  <a:schemeClr val="tx1"/>
+                </a:solidFill>
+                <a:effectLst/>
+                <a:latin typeface="+mn-lt"/>
+                <a:ea typeface="+mn-ea"/>
+                <a:cs typeface="+mn-cs"/>
+              </a:rPr>
+              <a:t>和</a:t>
+            </a:r>
+            <a:r>
+              <a:rPr lang="en-US" altLang="zh-CN" smtClean="0"/>
+              <a:t>&lt;T where T: Equatable&gt;</a:t>
+            </a:r>
+            <a:r>
+              <a:rPr lang="zh-CN" altLang="en-US" sz="1200" b="0" i="0" kern="1200" smtClean="0">
+                <a:solidFill>
+                  <a:schemeClr val="tx1"/>
+                </a:solidFill>
+                <a:effectLst/>
+                <a:latin typeface="+mn-lt"/>
+                <a:ea typeface="+mn-ea"/>
+                <a:cs typeface="+mn-cs"/>
+              </a:rPr>
+              <a:t>是等价的。</a:t>
+            </a:r>
+            <a:endParaRPr lang="zh-CN" altLang="en-US"/>
+          </a:p>
+        </p:txBody>
+      </p:sp>
+      <p:sp>
+        <p:nvSpPr>
+          <p:cNvPr id="4" name="灯片编号占位符 3"/>
+          <p:cNvSpPr>
+            <a:spLocks noGrp="1"/>
+          </p:cNvSpPr>
+          <p:nvPr>
+            <p:ph type="sldNum" sz="quarter" idx="10"/>
+          </p:nvPr>
+        </p:nvSpPr>
+        <p:spPr/>
+        <p:txBody>
+          <a:bodyPr/>
+          <a:lstStyle/>
+          <a:p>
+            <a:fld id="{0BB3CC5D-C06A-4792-A873-A1428889D746}" type="slidenum">
+              <a:rPr lang="zh-CN" altLang="en-US" smtClean="0"/>
+              <a:t>34</a:t>
+            </a:fld>
+            <a:endParaRPr lang="zh-CN" altLang="en-US"/>
+          </a:p>
+        </p:txBody>
+      </p:sp>
+    </p:spTree>
+    <p:extLst>
+      <p:ext uri="{BB962C8B-B14F-4D97-AF65-F5344CB8AC3E}">
+        <p14:creationId xmlns:p14="http://schemas.microsoft.com/office/powerpoint/2010/main" val="2673166530"/>
+      </p:ext>
+    </p:extLst>
+  </p:cSld>
+  <p:clrMapOvr>
+    <a:masterClrMapping/>
+  </p:clrMapOvr>
+</p:notes>
+</file>
+
+<file path=ppt/notesSlides/notesSlide2.xml><?xml version="1.0" encoding="utf-8"?>
+<p:notes xmlns:a="http://schemas.openxmlformats.org/drawingml/2006/main" xmlns:r="http://schemas.openxmlformats.org/officeDocument/2006/relationships" xmlns:p="http://schemas.openxmlformats.org/presentationml/2006/main">
+  <p:cSld>
+    <p:spTree>
+      <p:nvGrpSpPr>
+        <p:cNvPr id="1" name=""/>
+        <p:cNvGrpSpPr/>
+        <p:nvPr/>
+      </p:nvGrpSpPr>
+      <p:grpSpPr>
+        <a:xfrm>
+          <a:off x="0" y="0"/>
+          <a:ext cx="0" cy="0"/>
+          <a:chOff x="0" y="0"/>
+          <a:chExt cx="0" cy="0"/>
+        </a:xfrm>
+      </p:grpSpPr>
+      <p:sp>
+        <p:nvSpPr>
+          <p:cNvPr id="2" name="幻灯片图像占位符 1"/>
+          <p:cNvSpPr>
+            <a:spLocks noGrp="1" noRot="1" noChangeAspect="1"/>
+          </p:cNvSpPr>
+          <p:nvPr>
+            <p:ph type="sldImg"/>
+          </p:nvPr>
+        </p:nvSpPr>
+        <p:spPr/>
+      </p:sp>
+      <p:sp>
+        <p:nvSpPr>
+          <p:cNvPr id="3" name="备注占位符 2"/>
+          <p:cNvSpPr>
+            <a:spLocks noGrp="1"/>
+          </p:cNvSpPr>
+          <p:nvPr>
+            <p:ph type="body" idx="1"/>
+          </p:nvPr>
+        </p:nvSpPr>
+        <p:spPr/>
+        <p:txBody>
+          <a:bodyPr/>
+          <a:lstStyle/>
+          <a:p>
+            <a:r>
+              <a:rPr lang="zh-CN" altLang="en-US" sz="1200" b="0" i="0" kern="1200" smtClean="0">
+                <a:solidFill>
+                  <a:schemeClr val="tx1"/>
+                </a:solidFill>
+                <a:effectLst/>
+                <a:latin typeface="+mn-lt"/>
+                <a:ea typeface="+mn-ea"/>
+                <a:cs typeface="+mn-cs"/>
+              </a:rPr>
+              <a:t>你可以使用</a:t>
+            </a:r>
+            <a:r>
+              <a:rPr lang="en-US" altLang="zh-CN" smtClean="0"/>
+              <a:t>for-in</a:t>
+            </a:r>
+            <a:r>
+              <a:rPr lang="zh-CN" altLang="en-US" sz="1200" b="0" i="0" kern="1200" smtClean="0">
+                <a:solidFill>
+                  <a:schemeClr val="tx1"/>
+                </a:solidFill>
+                <a:effectLst/>
+                <a:latin typeface="+mn-lt"/>
+                <a:ea typeface="+mn-ea"/>
+                <a:cs typeface="+mn-cs"/>
+              </a:rPr>
+              <a:t>来遍历字典，需要两个变量来表示每个键值对。字典是一个无序的集合，所以他们的键和值以任意顺序迭代结束。</a:t>
+            </a:r>
+            <a:endParaRPr lang="zh-CN" altLang="en-US"/>
+          </a:p>
+        </p:txBody>
+      </p:sp>
+      <p:sp>
+        <p:nvSpPr>
+          <p:cNvPr id="4" name="灯片编号占位符 3"/>
+          <p:cNvSpPr>
+            <a:spLocks noGrp="1"/>
+          </p:cNvSpPr>
+          <p:nvPr>
+            <p:ph type="sldNum" sz="quarter" idx="10"/>
+          </p:nvPr>
+        </p:nvSpPr>
+        <p:spPr/>
+        <p:txBody>
+          <a:bodyPr/>
+          <a:lstStyle/>
+          <a:p>
+            <a:fld id="{0BB3CC5D-C06A-4792-A873-A1428889D746}" type="slidenum">
+              <a:rPr lang="zh-CN" altLang="en-US" smtClean="0"/>
+              <a:t>13</a:t>
+            </a:fld>
+            <a:endParaRPr lang="zh-CN" altLang="en-US"/>
+          </a:p>
+        </p:txBody>
+      </p:sp>
+    </p:spTree>
+    <p:extLst>
+      <p:ext uri="{BB962C8B-B14F-4D97-AF65-F5344CB8AC3E}">
+        <p14:creationId xmlns:p14="http://schemas.microsoft.com/office/powerpoint/2010/main" val="93354368"/>
+      </p:ext>
+    </p:extLst>
+  </p:cSld>
+  <p:clrMapOvr>
+    <a:masterClrMapping/>
+  </p:clrMapOvr>
+</p:notes>
+</file>
+
+<file path=ppt/notesSlides/notesSlide3.xml><?xml version="1.0" encoding="utf-8"?>
+<p:notes xmlns:a="http://schemas.openxmlformats.org/drawingml/2006/main" xmlns:r="http://schemas.openxmlformats.org/officeDocument/2006/relationships" xmlns:p="http://schemas.openxmlformats.org/presentationml/2006/main">
+  <p:cSld>
+    <p:spTree>
+      <p:nvGrpSpPr>
+        <p:cNvPr id="1" name=""/>
+        <p:cNvGrpSpPr/>
+        <p:nvPr/>
+      </p:nvGrpSpPr>
+      <p:grpSpPr>
+        <a:xfrm>
+          <a:off x="0" y="0"/>
+          <a:ext cx="0" cy="0"/>
+          <a:chOff x="0" y="0"/>
+          <a:chExt cx="0" cy="0"/>
+        </a:xfrm>
+      </p:grpSpPr>
+      <p:sp>
+        <p:nvSpPr>
+          <p:cNvPr id="2" name="幻灯片图像占位符 1"/>
+          <p:cNvSpPr>
+            <a:spLocks noGrp="1" noRot="1" noChangeAspect="1"/>
+          </p:cNvSpPr>
+          <p:nvPr>
+            <p:ph type="sldImg"/>
+          </p:nvPr>
+        </p:nvSpPr>
+        <p:spPr/>
+      </p:sp>
+      <p:sp>
+        <p:nvSpPr>
+          <p:cNvPr id="3" name="备注占位符 2"/>
+          <p:cNvSpPr>
+            <a:spLocks noGrp="1"/>
+          </p:cNvSpPr>
+          <p:nvPr>
+            <p:ph type="body" idx="1"/>
+          </p:nvPr>
+        </p:nvSpPr>
+        <p:spPr/>
+        <p:txBody>
+          <a:bodyPr/>
+          <a:lstStyle/>
+          <a:p>
+            <a:r>
+              <a:rPr lang="zh-CN" altLang="en-US" sz="1200" b="0" i="0" kern="1200" smtClean="0">
+                <a:solidFill>
+                  <a:schemeClr val="tx1"/>
+                </a:solidFill>
+                <a:effectLst/>
+                <a:latin typeface="+mn-lt"/>
+                <a:ea typeface="+mn-ea"/>
+                <a:cs typeface="+mn-cs"/>
+              </a:rPr>
+              <a:t>声明</a:t>
+            </a:r>
+            <a:r>
+              <a:rPr lang="en-US" altLang="zh-CN" sz="1200" b="0" i="0" kern="1200" smtClean="0">
+                <a:solidFill>
+                  <a:schemeClr val="tx1"/>
+                </a:solidFill>
+                <a:effectLst/>
+                <a:latin typeface="+mn-lt"/>
+                <a:ea typeface="+mn-ea"/>
+                <a:cs typeface="+mn-cs"/>
+              </a:rPr>
+              <a:t>let</a:t>
+            </a:r>
+            <a:r>
+              <a:rPr lang="zh-CN" altLang="en-US" sz="1200" b="0" i="0" kern="1200" smtClean="0">
+                <a:solidFill>
+                  <a:schemeClr val="tx1"/>
+                </a:solidFill>
+                <a:effectLst/>
+                <a:latin typeface="+mn-lt"/>
+                <a:ea typeface="+mn-ea"/>
+                <a:cs typeface="+mn-cs"/>
+              </a:rPr>
+              <a:t>可用于匹配某部分固定值的模式</a:t>
+            </a:r>
+          </a:p>
+          <a:p>
+            <a:r>
+              <a:rPr lang="zh-CN" altLang="en-US" sz="1200" b="0" i="0" kern="1200" smtClean="0">
+                <a:solidFill>
+                  <a:schemeClr val="tx1"/>
+                </a:solidFill>
+                <a:effectLst/>
+                <a:latin typeface="+mn-lt"/>
+                <a:ea typeface="+mn-ea"/>
+                <a:cs typeface="+mn-cs"/>
+              </a:rPr>
+              <a:t>运行</a:t>
+            </a:r>
+            <a:r>
+              <a:rPr lang="en-US" altLang="zh-CN" sz="1200" b="0" i="0" kern="1200" smtClean="0">
+                <a:solidFill>
+                  <a:schemeClr val="tx1"/>
+                </a:solidFill>
+                <a:effectLst/>
+                <a:latin typeface="+mn-lt"/>
+                <a:ea typeface="+mn-ea"/>
+                <a:cs typeface="+mn-cs"/>
+              </a:rPr>
+              <a:t>switch</a:t>
+            </a:r>
+            <a:r>
+              <a:rPr lang="zh-CN" altLang="en-US" sz="1200" b="0" i="0" kern="1200" smtClean="0">
+                <a:solidFill>
+                  <a:schemeClr val="tx1"/>
+                </a:solidFill>
+                <a:effectLst/>
+                <a:latin typeface="+mn-lt"/>
+                <a:ea typeface="+mn-ea"/>
+                <a:cs typeface="+mn-cs"/>
+              </a:rPr>
+              <a:t>中匹配到的子句之后，程序会退出</a:t>
+            </a:r>
+            <a:r>
+              <a:rPr lang="en-US" altLang="zh-CN" sz="1200" b="0" i="0" kern="1200" smtClean="0">
+                <a:solidFill>
+                  <a:schemeClr val="tx1"/>
+                </a:solidFill>
+                <a:effectLst/>
+                <a:latin typeface="+mn-lt"/>
+                <a:ea typeface="+mn-ea"/>
+                <a:cs typeface="+mn-cs"/>
+              </a:rPr>
+              <a:t>switch</a:t>
+            </a:r>
+            <a:r>
+              <a:rPr lang="zh-CN" altLang="en-US" sz="1200" b="0" i="0" kern="1200" smtClean="0">
+                <a:solidFill>
+                  <a:schemeClr val="tx1"/>
+                </a:solidFill>
+                <a:effectLst/>
+                <a:latin typeface="+mn-lt"/>
+                <a:ea typeface="+mn-ea"/>
+                <a:cs typeface="+mn-cs"/>
+              </a:rPr>
+              <a:t>语句，并不会继续向下运行，所以不需要在每个子句结尾写</a:t>
+            </a:r>
+            <a:r>
+              <a:rPr lang="en-US" altLang="zh-CN" sz="1200" b="0" i="0" kern="1200" smtClean="0">
+                <a:solidFill>
+                  <a:schemeClr val="tx1"/>
+                </a:solidFill>
+                <a:effectLst/>
+                <a:latin typeface="+mn-lt"/>
+                <a:ea typeface="+mn-ea"/>
+                <a:cs typeface="+mn-cs"/>
+              </a:rPr>
+              <a:t>break</a:t>
+            </a:r>
+            <a:r>
+              <a:rPr lang="zh-CN" altLang="en-US" sz="1200" b="0" i="0" kern="1200" smtClean="0">
+                <a:solidFill>
+                  <a:schemeClr val="tx1"/>
+                </a:solidFill>
+                <a:effectLst/>
+                <a:latin typeface="+mn-lt"/>
+                <a:ea typeface="+mn-ea"/>
+                <a:cs typeface="+mn-cs"/>
+              </a:rPr>
+              <a:t>。</a:t>
+            </a:r>
+          </a:p>
+          <a:p>
+            <a:endParaRPr lang="zh-CN" altLang="en-US"/>
+          </a:p>
+        </p:txBody>
+      </p:sp>
+      <p:sp>
+        <p:nvSpPr>
+          <p:cNvPr id="4" name="灯片编号占位符 3"/>
+          <p:cNvSpPr>
+            <a:spLocks noGrp="1"/>
+          </p:cNvSpPr>
+          <p:nvPr>
+            <p:ph type="sldNum" sz="quarter" idx="10"/>
+          </p:nvPr>
+        </p:nvSpPr>
+        <p:spPr/>
+        <p:txBody>
+          <a:bodyPr/>
+          <a:lstStyle/>
+          <a:p>
+            <a:fld id="{0BB3CC5D-C06A-4792-A873-A1428889D746}" type="slidenum">
+              <a:rPr lang="zh-CN" altLang="en-US" smtClean="0"/>
+              <a:t>14</a:t>
+            </a:fld>
+            <a:endParaRPr lang="zh-CN" altLang="en-US"/>
+          </a:p>
+        </p:txBody>
+      </p:sp>
+    </p:spTree>
+    <p:extLst>
+      <p:ext uri="{BB962C8B-B14F-4D97-AF65-F5344CB8AC3E}">
+        <p14:creationId xmlns:p14="http://schemas.microsoft.com/office/powerpoint/2010/main" val="2366323334"/>
+      </p:ext>
+    </p:extLst>
+  </p:cSld>
+  <p:clrMapOvr>
+    <a:masterClrMapping/>
+  </p:clrMapOvr>
+</p:notes>
+</file>
+
+<file path=ppt/notesSlides/notesSlide4.xml><?xml version="1.0" encoding="utf-8"?>
+<p:notes xmlns:a="http://schemas.openxmlformats.org/drawingml/2006/main" xmlns:r="http://schemas.openxmlformats.org/officeDocument/2006/relationships" xmlns:p="http://schemas.openxmlformats.org/presentationml/2006/main">
+  <p:cSld>
+    <p:spTree>
+      <p:nvGrpSpPr>
+        <p:cNvPr id="1" name=""/>
+        <p:cNvGrpSpPr/>
+        <p:nvPr/>
+      </p:nvGrpSpPr>
+      <p:grpSpPr>
+        <a:xfrm>
+          <a:off x="0" y="0"/>
+          <a:ext cx="0" cy="0"/>
+          <a:chOff x="0" y="0"/>
+          <a:chExt cx="0" cy="0"/>
+        </a:xfrm>
+      </p:grpSpPr>
+      <p:sp>
+        <p:nvSpPr>
+          <p:cNvPr id="2" name="幻灯片图像占位符 1"/>
+          <p:cNvSpPr>
+            <a:spLocks noGrp="1" noRot="1" noChangeAspect="1"/>
+          </p:cNvSpPr>
+          <p:nvPr>
+            <p:ph type="sldImg"/>
+          </p:nvPr>
+        </p:nvSpPr>
+        <p:spPr/>
+      </p:sp>
+      <p:sp>
+        <p:nvSpPr>
+          <p:cNvPr id="3" name="备注占位符 2"/>
+          <p:cNvSpPr>
+            <a:spLocks noGrp="1"/>
+          </p:cNvSpPr>
+          <p:nvPr>
+            <p:ph type="body" idx="1"/>
+          </p:nvPr>
+        </p:nvSpPr>
+        <p:spPr/>
+        <p:txBody>
+          <a:bodyPr/>
+          <a:lstStyle/>
+          <a:p>
+            <a:endParaRPr lang="zh-CN" altLang="en-US"/>
+          </a:p>
+        </p:txBody>
+      </p:sp>
+      <p:sp>
+        <p:nvSpPr>
+          <p:cNvPr id="4" name="灯片编号占位符 3"/>
+          <p:cNvSpPr>
+            <a:spLocks noGrp="1"/>
+          </p:cNvSpPr>
+          <p:nvPr>
+            <p:ph type="sldNum" sz="quarter" idx="10"/>
+          </p:nvPr>
+        </p:nvSpPr>
+        <p:spPr/>
+        <p:txBody>
+          <a:bodyPr/>
+          <a:lstStyle/>
+          <a:p>
+            <a:fld id="{0BB3CC5D-C06A-4792-A873-A1428889D746}" type="slidenum">
+              <a:rPr lang="zh-CN" altLang="en-US" smtClean="0"/>
+              <a:t>15</a:t>
+            </a:fld>
+            <a:endParaRPr lang="zh-CN" altLang="en-US"/>
+          </a:p>
+        </p:txBody>
+      </p:sp>
+    </p:spTree>
+    <p:extLst>
+      <p:ext uri="{BB962C8B-B14F-4D97-AF65-F5344CB8AC3E}">
+        <p14:creationId xmlns:p14="http://schemas.microsoft.com/office/powerpoint/2010/main" val="1447956448"/>
+      </p:ext>
+    </p:extLst>
+  </p:cSld>
+  <p:clrMapOvr>
+    <a:masterClrMapping/>
+  </p:clrMapOvr>
+</p:notes>
+</file>
+
+<file path=ppt/notesSlides/notesSlide5.xml><?xml version="1.0" encoding="utf-8"?>
+<p:notes xmlns:a="http://schemas.openxmlformats.org/drawingml/2006/main" xmlns:r="http://schemas.openxmlformats.org/officeDocument/2006/relationships" xmlns:p="http://schemas.openxmlformats.org/presentationml/2006/main">
+  <p:cSld>
+    <p:spTree>
+      <p:nvGrpSpPr>
+        <p:cNvPr id="1" name=""/>
+        <p:cNvGrpSpPr/>
+        <p:nvPr/>
+      </p:nvGrpSpPr>
+      <p:grpSpPr>
+        <a:xfrm>
+          <a:off x="0" y="0"/>
+          <a:ext cx="0" cy="0"/>
+          <a:chOff x="0" y="0"/>
+          <a:chExt cx="0" cy="0"/>
+        </a:xfrm>
+      </p:grpSpPr>
+      <p:sp>
+        <p:nvSpPr>
+          <p:cNvPr id="2" name="幻灯片图像占位符 1"/>
+          <p:cNvSpPr>
+            <a:spLocks noGrp="1" noRot="1" noChangeAspect="1"/>
+          </p:cNvSpPr>
+          <p:nvPr>
+            <p:ph type="sldImg"/>
+          </p:nvPr>
+        </p:nvSpPr>
+        <p:spPr/>
+      </p:sp>
+      <p:sp>
+        <p:nvSpPr>
+          <p:cNvPr id="3" name="备注占位符 2"/>
+          <p:cNvSpPr>
+            <a:spLocks noGrp="1"/>
+          </p:cNvSpPr>
+          <p:nvPr>
+            <p:ph type="body" idx="1"/>
+          </p:nvPr>
+        </p:nvSpPr>
+        <p:spPr/>
+        <p:txBody>
+          <a:bodyPr/>
+          <a:lstStyle/>
+          <a:p>
+            <a:r>
+              <a:rPr lang="zh-CN" altLang="en-US" sz="1200" b="0" i="0" kern="1200" smtClean="0">
+                <a:solidFill>
+                  <a:schemeClr val="tx1"/>
+                </a:solidFill>
+                <a:effectLst/>
+                <a:latin typeface="+mn-lt"/>
+                <a:ea typeface="+mn-ea"/>
+                <a:cs typeface="+mn-cs"/>
+              </a:rPr>
+              <a:t>使用元组来让一个函数返回多个值。该元组的元素可以用名称或数字来表示。</a:t>
+            </a:r>
+            <a:endParaRPr lang="zh-CN" altLang="en-US"/>
+          </a:p>
+        </p:txBody>
+      </p:sp>
+      <p:sp>
+        <p:nvSpPr>
+          <p:cNvPr id="4" name="灯片编号占位符 3"/>
+          <p:cNvSpPr>
+            <a:spLocks noGrp="1"/>
+          </p:cNvSpPr>
+          <p:nvPr>
+            <p:ph type="sldNum" sz="quarter" idx="10"/>
+          </p:nvPr>
+        </p:nvSpPr>
+        <p:spPr/>
+        <p:txBody>
+          <a:bodyPr/>
+          <a:lstStyle/>
+          <a:p>
+            <a:fld id="{0BB3CC5D-C06A-4792-A873-A1428889D746}" type="slidenum">
+              <a:rPr lang="zh-CN" altLang="en-US" smtClean="0"/>
+              <a:t>17</a:t>
+            </a:fld>
+            <a:endParaRPr lang="zh-CN" altLang="en-US"/>
+          </a:p>
+        </p:txBody>
+      </p:sp>
+    </p:spTree>
+    <p:extLst>
+      <p:ext uri="{BB962C8B-B14F-4D97-AF65-F5344CB8AC3E}">
+        <p14:creationId xmlns:p14="http://schemas.microsoft.com/office/powerpoint/2010/main" val="1165436884"/>
+      </p:ext>
+    </p:extLst>
+  </p:cSld>
+  <p:clrMapOvr>
+    <a:masterClrMapping/>
+  </p:clrMapOvr>
+</p:notes>
+</file>
+
+<file path=ppt/notesSlides/notesSlide6.xml><?xml version="1.0" encoding="utf-8"?>
+<p:notes xmlns:a="http://schemas.openxmlformats.org/drawingml/2006/main" xmlns:r="http://schemas.openxmlformats.org/officeDocument/2006/relationships" xmlns:p="http://schemas.openxmlformats.org/presentationml/2006/main">
+  <p:cSld>
+    <p:spTree>
+      <p:nvGrpSpPr>
+        <p:cNvPr id="1" name=""/>
+        <p:cNvGrpSpPr/>
+        <p:nvPr/>
+      </p:nvGrpSpPr>
+      <p:grpSpPr>
+        <a:xfrm>
+          <a:off x="0" y="0"/>
+          <a:ext cx="0" cy="0"/>
+          <a:chOff x="0" y="0"/>
+          <a:chExt cx="0" cy="0"/>
+        </a:xfrm>
+      </p:grpSpPr>
+      <p:sp>
+        <p:nvSpPr>
+          <p:cNvPr id="2" name="幻灯片图像占位符 1"/>
+          <p:cNvSpPr>
+            <a:spLocks noGrp="1" noRot="1" noChangeAspect="1"/>
+          </p:cNvSpPr>
+          <p:nvPr>
+            <p:ph type="sldImg"/>
+          </p:nvPr>
+        </p:nvSpPr>
+        <p:spPr/>
+      </p:sp>
+      <p:sp>
+        <p:nvSpPr>
+          <p:cNvPr id="3" name="备注占位符 2"/>
+          <p:cNvSpPr>
+            <a:spLocks noGrp="1"/>
+          </p:cNvSpPr>
+          <p:nvPr>
+            <p:ph type="body" idx="1"/>
+          </p:nvPr>
+        </p:nvSpPr>
+        <p:spPr/>
+        <p:txBody>
+          <a:bodyPr/>
+          <a:lstStyle/>
+          <a:p>
+            <a:r>
+              <a:rPr lang="zh-CN" altLang="en-US" sz="1200" b="0" i="0" kern="1200" smtClean="0">
+                <a:solidFill>
+                  <a:schemeClr val="tx1"/>
+                </a:solidFill>
+                <a:effectLst/>
+                <a:latin typeface="+mn-lt"/>
+                <a:ea typeface="+mn-ea"/>
+                <a:cs typeface="+mn-cs"/>
+              </a:rPr>
+              <a:t>函数可以带有可变个数的参数，这些参数在函数内表现为数组的形式：</a:t>
+            </a:r>
+            <a:endParaRPr lang="zh-CN" altLang="en-US"/>
+          </a:p>
+        </p:txBody>
+      </p:sp>
+      <p:sp>
+        <p:nvSpPr>
+          <p:cNvPr id="4" name="灯片编号占位符 3"/>
+          <p:cNvSpPr>
+            <a:spLocks noGrp="1"/>
+          </p:cNvSpPr>
+          <p:nvPr>
+            <p:ph type="sldNum" sz="quarter" idx="10"/>
+          </p:nvPr>
+        </p:nvSpPr>
+        <p:spPr/>
+        <p:txBody>
+          <a:bodyPr/>
+          <a:lstStyle/>
+          <a:p>
+            <a:fld id="{0BB3CC5D-C06A-4792-A873-A1428889D746}" type="slidenum">
+              <a:rPr lang="zh-CN" altLang="en-US" smtClean="0"/>
+              <a:t>18</a:t>
+            </a:fld>
+            <a:endParaRPr lang="zh-CN" altLang="en-US"/>
+          </a:p>
+        </p:txBody>
+      </p:sp>
+    </p:spTree>
+    <p:extLst>
+      <p:ext uri="{BB962C8B-B14F-4D97-AF65-F5344CB8AC3E}">
+        <p14:creationId xmlns:p14="http://schemas.microsoft.com/office/powerpoint/2010/main" val="3324806887"/>
+      </p:ext>
+    </p:extLst>
+  </p:cSld>
+  <p:clrMapOvr>
+    <a:masterClrMapping/>
+  </p:clrMapOvr>
+</p:notes>
+</file>
+
+<file path=ppt/notesSlides/notesSlide7.xml><?xml version="1.0" encoding="utf-8"?>
+<p:notes xmlns:a="http://schemas.openxmlformats.org/drawingml/2006/main" xmlns:r="http://schemas.openxmlformats.org/officeDocument/2006/relationships" xmlns:p="http://schemas.openxmlformats.org/presentationml/2006/main">
+  <p:cSld>
+    <p:spTree>
+      <p:nvGrpSpPr>
+        <p:cNvPr id="1" name=""/>
+        <p:cNvGrpSpPr/>
+        <p:nvPr/>
+      </p:nvGrpSpPr>
+      <p:grpSpPr>
+        <a:xfrm>
+          <a:off x="0" y="0"/>
+          <a:ext cx="0" cy="0"/>
+          <a:chOff x="0" y="0"/>
+          <a:chExt cx="0" cy="0"/>
+        </a:xfrm>
+      </p:grpSpPr>
+      <p:sp>
+        <p:nvSpPr>
+          <p:cNvPr id="2" name="幻灯片图像占位符 1"/>
+          <p:cNvSpPr>
+            <a:spLocks noGrp="1" noRot="1" noChangeAspect="1"/>
+          </p:cNvSpPr>
+          <p:nvPr>
+            <p:ph type="sldImg"/>
+          </p:nvPr>
+        </p:nvSpPr>
+        <p:spPr/>
+      </p:sp>
+      <p:sp>
+        <p:nvSpPr>
+          <p:cNvPr id="3" name="备注占位符 2"/>
+          <p:cNvSpPr>
+            <a:spLocks noGrp="1"/>
+          </p:cNvSpPr>
+          <p:nvPr>
+            <p:ph type="body" idx="1"/>
+          </p:nvPr>
+        </p:nvSpPr>
+        <p:spPr/>
+        <p:txBody>
+          <a:bodyPr/>
+          <a:lstStyle/>
+          <a:p>
+            <a:r>
+              <a:rPr lang="zh-CN" altLang="en-US" sz="1200" b="0" i="0" kern="1200" smtClean="0">
+                <a:solidFill>
+                  <a:schemeClr val="tx1"/>
+                </a:solidFill>
+                <a:effectLst/>
+                <a:latin typeface="+mn-lt"/>
+                <a:ea typeface="+mn-ea"/>
+                <a:cs typeface="+mn-cs"/>
+              </a:rPr>
+              <a:t>一个构造函数来初始化类实例。使用</a:t>
+            </a:r>
+            <a:r>
+              <a:rPr lang="en-US" altLang="zh-CN" smtClean="0"/>
+              <a:t>init</a:t>
+            </a:r>
+            <a:r>
+              <a:rPr lang="zh-CN" altLang="en-US" sz="1200" b="0" i="0" kern="1200" smtClean="0">
+                <a:solidFill>
+                  <a:schemeClr val="tx1"/>
+                </a:solidFill>
+                <a:effectLst/>
+                <a:latin typeface="+mn-lt"/>
+                <a:ea typeface="+mn-ea"/>
+                <a:cs typeface="+mn-cs"/>
+              </a:rPr>
+              <a:t>来创建一个构造器。</a:t>
+            </a:r>
+            <a:endParaRPr lang="en-US" altLang="zh-CN" sz="1200" b="0" i="0" kern="1200" smtClean="0">
+              <a:solidFill>
+                <a:schemeClr val="tx1"/>
+              </a:solidFill>
+              <a:effectLst/>
+              <a:latin typeface="+mn-lt"/>
+              <a:ea typeface="+mn-ea"/>
+              <a:cs typeface="+mn-cs"/>
+            </a:endParaRPr>
+          </a:p>
+          <a:p>
+            <a:r>
+              <a:rPr lang="zh-CN" altLang="en-US" sz="1200" b="0" i="0" kern="1200" smtClean="0">
+                <a:solidFill>
+                  <a:schemeClr val="tx1"/>
+                </a:solidFill>
+                <a:effectLst/>
+                <a:latin typeface="+mn-lt"/>
+                <a:ea typeface="+mn-ea"/>
+                <a:cs typeface="+mn-cs"/>
+              </a:rPr>
+              <a:t>如果你需要在删除对象之前进行一些清理工作，使用</a:t>
+            </a:r>
+            <a:r>
+              <a:rPr lang="en-US" altLang="zh-CN" smtClean="0"/>
+              <a:t>deinit</a:t>
+            </a:r>
+            <a:r>
+              <a:rPr lang="zh-CN" altLang="en-US" sz="1200" b="0" i="0" kern="1200" smtClean="0">
+                <a:solidFill>
+                  <a:schemeClr val="tx1"/>
+                </a:solidFill>
+                <a:effectLst/>
+                <a:latin typeface="+mn-lt"/>
+                <a:ea typeface="+mn-ea"/>
+                <a:cs typeface="+mn-cs"/>
+              </a:rPr>
+              <a:t>创建一个析构函数。</a:t>
+            </a:r>
+            <a:endParaRPr lang="zh-CN" altLang="en-US" smtClean="0"/>
+          </a:p>
+          <a:p>
+            <a:endParaRPr lang="zh-CN" altLang="en-US"/>
+          </a:p>
+        </p:txBody>
+      </p:sp>
+      <p:sp>
+        <p:nvSpPr>
+          <p:cNvPr id="4" name="灯片编号占位符 3"/>
+          <p:cNvSpPr>
+            <a:spLocks noGrp="1"/>
+          </p:cNvSpPr>
+          <p:nvPr>
+            <p:ph type="sldNum" sz="quarter" idx="10"/>
+          </p:nvPr>
+        </p:nvSpPr>
+        <p:spPr/>
+        <p:txBody>
+          <a:bodyPr/>
+          <a:lstStyle/>
+          <a:p>
+            <a:fld id="{0BB3CC5D-C06A-4792-A873-A1428889D746}" type="slidenum">
+              <a:rPr lang="zh-CN" altLang="en-US" smtClean="0"/>
+              <a:t>23</a:t>
+            </a:fld>
+            <a:endParaRPr lang="zh-CN" altLang="en-US"/>
+          </a:p>
+        </p:txBody>
+      </p:sp>
+    </p:spTree>
+    <p:extLst>
+      <p:ext uri="{BB962C8B-B14F-4D97-AF65-F5344CB8AC3E}">
+        <p14:creationId xmlns:p14="http://schemas.microsoft.com/office/powerpoint/2010/main" val="431442942"/>
+      </p:ext>
+    </p:extLst>
+  </p:cSld>
+  <p:clrMapOvr>
+    <a:masterClrMapping/>
+  </p:clrMapOvr>
+</p:notes>
+</file>
+
+<file path=ppt/notesSlides/notesSlide8.xml><?xml version="1.0" encoding="utf-8"?>
+<p:notes xmlns:a="http://schemas.openxmlformats.org/drawingml/2006/main" xmlns:r="http://schemas.openxmlformats.org/officeDocument/2006/relationships" xmlns:p="http://schemas.openxmlformats.org/presentationml/2006/main">
+  <p:cSld>
+    <p:spTree>
+      <p:nvGrpSpPr>
+        <p:cNvPr id="1" name=""/>
+        <p:cNvGrpSpPr/>
+        <p:nvPr/>
+      </p:nvGrpSpPr>
+      <p:grpSpPr>
+        <a:xfrm>
+          <a:off x="0" y="0"/>
+          <a:ext cx="0" cy="0"/>
+          <a:chOff x="0" y="0"/>
+          <a:chExt cx="0" cy="0"/>
+        </a:xfrm>
+      </p:grpSpPr>
+      <p:sp>
+        <p:nvSpPr>
+          <p:cNvPr id="2" name="幻灯片图像占位符 1"/>
+          <p:cNvSpPr>
+            <a:spLocks noGrp="1" noRot="1" noChangeAspect="1"/>
+          </p:cNvSpPr>
+          <p:nvPr>
+            <p:ph type="sldImg"/>
+          </p:nvPr>
+        </p:nvSpPr>
+        <p:spPr/>
+      </p:sp>
+      <p:sp>
+        <p:nvSpPr>
+          <p:cNvPr id="3" name="备注占位符 2"/>
+          <p:cNvSpPr>
+            <a:spLocks noGrp="1"/>
+          </p:cNvSpPr>
+          <p:nvPr>
+            <p:ph type="body" idx="1"/>
+          </p:nvPr>
+        </p:nvSpPr>
+        <p:spPr/>
+        <p:txBody>
+          <a:bodyPr/>
+          <a:lstStyle/>
+          <a:p>
+            <a:r>
+              <a:rPr lang="zh-CN" altLang="en-US" sz="1200" b="0" i="0" kern="1200" smtClean="0">
+                <a:solidFill>
+                  <a:schemeClr val="tx1"/>
+                </a:solidFill>
+                <a:effectLst/>
+                <a:latin typeface="+mn-lt"/>
+                <a:ea typeface="+mn-ea"/>
+                <a:cs typeface="+mn-cs"/>
+              </a:rPr>
+              <a:t>一个构造函数来初始化类实例。使用</a:t>
+            </a:r>
+            <a:r>
+              <a:rPr lang="en-US" altLang="zh-CN" smtClean="0"/>
+              <a:t>init</a:t>
+            </a:r>
+            <a:r>
+              <a:rPr lang="zh-CN" altLang="en-US" sz="1200" b="0" i="0" kern="1200" smtClean="0">
+                <a:solidFill>
+                  <a:schemeClr val="tx1"/>
+                </a:solidFill>
+                <a:effectLst/>
+                <a:latin typeface="+mn-lt"/>
+                <a:ea typeface="+mn-ea"/>
+                <a:cs typeface="+mn-cs"/>
+              </a:rPr>
+              <a:t>来创建一个构造器。</a:t>
+            </a:r>
+            <a:endParaRPr lang="en-US" altLang="zh-CN" sz="1200" b="0" i="0" kern="1200" smtClean="0">
+              <a:solidFill>
+                <a:schemeClr val="tx1"/>
+              </a:solidFill>
+              <a:effectLst/>
+              <a:latin typeface="+mn-lt"/>
+              <a:ea typeface="+mn-ea"/>
+              <a:cs typeface="+mn-cs"/>
+            </a:endParaRPr>
+          </a:p>
+          <a:p>
+            <a:r>
+              <a:rPr lang="zh-CN" altLang="en-US" sz="1200" b="0" i="0" kern="1200" smtClean="0">
+                <a:solidFill>
+                  <a:schemeClr val="tx1"/>
+                </a:solidFill>
+                <a:effectLst/>
+                <a:latin typeface="+mn-lt"/>
+                <a:ea typeface="+mn-ea"/>
+                <a:cs typeface="+mn-cs"/>
+              </a:rPr>
+              <a:t>如果你需要在删除对象之前进行一些清理工作，使用</a:t>
+            </a:r>
+            <a:r>
+              <a:rPr lang="en-US" altLang="zh-CN" smtClean="0"/>
+              <a:t>deinit</a:t>
+            </a:r>
+            <a:r>
+              <a:rPr lang="zh-CN" altLang="en-US" sz="1200" b="0" i="0" kern="1200" smtClean="0">
+                <a:solidFill>
+                  <a:schemeClr val="tx1"/>
+                </a:solidFill>
+                <a:effectLst/>
+                <a:latin typeface="+mn-lt"/>
+                <a:ea typeface="+mn-ea"/>
+                <a:cs typeface="+mn-cs"/>
+              </a:rPr>
+              <a:t>创建一个析构函数。</a:t>
+            </a:r>
+            <a:endParaRPr lang="en-US" altLang="zh-CN" sz="1200" b="0" i="0" kern="1200" smtClean="0">
+              <a:solidFill>
+                <a:schemeClr val="tx1"/>
+              </a:solidFill>
+              <a:effectLst/>
+              <a:latin typeface="+mn-lt"/>
+              <a:ea typeface="+mn-ea"/>
+              <a:cs typeface="+mn-cs"/>
+            </a:endParaRPr>
+          </a:p>
+          <a:p>
+            <a:endParaRPr lang="en-US" altLang="zh-CN" sz="1200" b="0" i="0" kern="1200" smtClean="0">
+              <a:solidFill>
+                <a:schemeClr val="tx1"/>
+              </a:solidFill>
+              <a:effectLst/>
+              <a:latin typeface="+mn-lt"/>
+              <a:ea typeface="+mn-ea"/>
+              <a:cs typeface="+mn-cs"/>
+            </a:endParaRPr>
+          </a:p>
+          <a:p>
+            <a:r>
+              <a:rPr lang="zh-CN" altLang="en-US" sz="1200" b="0" i="0" kern="1200" smtClean="0">
+                <a:solidFill>
+                  <a:schemeClr val="tx1"/>
+                </a:solidFill>
+                <a:effectLst/>
+                <a:latin typeface="+mn-lt"/>
+                <a:ea typeface="+mn-ea"/>
+                <a:cs typeface="+mn-cs"/>
+              </a:rPr>
+              <a:t>构造函数调用顺序：</a:t>
+            </a:r>
+            <a:endParaRPr lang="en-US" altLang="zh-CN" sz="1200" b="0" i="0" kern="1200" smtClean="0">
+              <a:solidFill>
+                <a:schemeClr val="tx1"/>
+              </a:solidFill>
+              <a:effectLst/>
+              <a:latin typeface="+mn-lt"/>
+              <a:ea typeface="+mn-ea"/>
+              <a:cs typeface="+mn-cs"/>
+            </a:endParaRPr>
+          </a:p>
+          <a:p>
+            <a:r>
+              <a:rPr lang="en-US" altLang="zh-CN" sz="1200" b="0" i="0" kern="1200" smtClean="0">
+                <a:solidFill>
+                  <a:schemeClr val="tx1"/>
+                </a:solidFill>
+                <a:effectLst/>
+                <a:latin typeface="+mn-lt"/>
+                <a:ea typeface="+mn-ea"/>
+                <a:cs typeface="+mn-cs"/>
+              </a:rPr>
+              <a:t>1</a:t>
+            </a:r>
+            <a:r>
+              <a:rPr lang="zh-CN" altLang="en-US" sz="1200" b="0" i="0" kern="1200" smtClean="0">
+                <a:solidFill>
+                  <a:schemeClr val="tx1"/>
+                </a:solidFill>
+                <a:effectLst/>
+                <a:latin typeface="+mn-lt"/>
+                <a:ea typeface="+mn-ea"/>
+                <a:cs typeface="+mn-cs"/>
+              </a:rPr>
+              <a:t>、设置子类声明的属性值</a:t>
+            </a:r>
+          </a:p>
+          <a:p>
+            <a:r>
+              <a:rPr lang="en-US" altLang="zh-CN" sz="1200" b="0" i="0" kern="1200" smtClean="0">
+                <a:solidFill>
+                  <a:schemeClr val="tx1"/>
+                </a:solidFill>
+                <a:effectLst/>
+                <a:latin typeface="+mn-lt"/>
+                <a:ea typeface="+mn-ea"/>
+                <a:cs typeface="+mn-cs"/>
+              </a:rPr>
+              <a:t>2</a:t>
+            </a:r>
+            <a:r>
+              <a:rPr lang="zh-CN" altLang="en-US" sz="1200" b="0" i="0" kern="1200" smtClean="0">
+                <a:solidFill>
+                  <a:schemeClr val="tx1"/>
+                </a:solidFill>
+                <a:effectLst/>
+                <a:latin typeface="+mn-lt"/>
+                <a:ea typeface="+mn-ea"/>
+                <a:cs typeface="+mn-cs"/>
+              </a:rPr>
+              <a:t>、调用父类的构造器</a:t>
+            </a:r>
+          </a:p>
+          <a:p>
+            <a:r>
+              <a:rPr lang="en-US" altLang="zh-CN" sz="1200" b="0" i="0" kern="1200" smtClean="0">
+                <a:solidFill>
+                  <a:schemeClr val="tx1"/>
+                </a:solidFill>
+                <a:effectLst/>
+                <a:latin typeface="+mn-lt"/>
+                <a:ea typeface="+mn-ea"/>
+                <a:cs typeface="+mn-cs"/>
+              </a:rPr>
+              <a:t>3</a:t>
+            </a:r>
+            <a:r>
+              <a:rPr lang="zh-CN" altLang="en-US" sz="1200" b="0" i="0" kern="1200" smtClean="0">
+                <a:solidFill>
+                  <a:schemeClr val="tx1"/>
+                </a:solidFill>
+                <a:effectLst/>
+                <a:latin typeface="+mn-lt"/>
+                <a:ea typeface="+mn-ea"/>
+                <a:cs typeface="+mn-cs"/>
+              </a:rPr>
+              <a:t>、改变父类定义的属性值</a:t>
+            </a:r>
+          </a:p>
+          <a:p>
+            <a:endParaRPr lang="zh-CN" altLang="en-US"/>
+          </a:p>
+        </p:txBody>
+      </p:sp>
+      <p:sp>
+        <p:nvSpPr>
+          <p:cNvPr id="4" name="灯片编号占位符 3"/>
+          <p:cNvSpPr>
+            <a:spLocks noGrp="1"/>
+          </p:cNvSpPr>
+          <p:nvPr>
+            <p:ph type="sldNum" sz="quarter" idx="10"/>
+          </p:nvPr>
+        </p:nvSpPr>
+        <p:spPr/>
+        <p:txBody>
+          <a:bodyPr/>
+          <a:lstStyle/>
+          <a:p>
+            <a:fld id="{0BB3CC5D-C06A-4792-A873-A1428889D746}" type="slidenum">
+              <a:rPr lang="zh-CN" altLang="en-US" smtClean="0"/>
+              <a:t>24</a:t>
+            </a:fld>
+            <a:endParaRPr lang="zh-CN" altLang="en-US"/>
+          </a:p>
+        </p:txBody>
+      </p:sp>
+    </p:spTree>
+    <p:extLst>
+      <p:ext uri="{BB962C8B-B14F-4D97-AF65-F5344CB8AC3E}">
+        <p14:creationId xmlns:p14="http://schemas.microsoft.com/office/powerpoint/2010/main" val="648288357"/>
+      </p:ext>
+    </p:extLst>
+  </p:cSld>
+  <p:clrMapOvr>
+    <a:masterClrMapping/>
+  </p:clrMapOvr>
+</p:notes>
+</file>
+
+<file path=ppt/notesSlides/notesSlide9.xml><?xml version="1.0" encoding="utf-8"?>
+<p:notes xmlns:a="http://schemas.openxmlformats.org/drawingml/2006/main" xmlns:r="http://schemas.openxmlformats.org/officeDocument/2006/relationships" xmlns:p="http://schemas.openxmlformats.org/presentationml/2006/main">
+  <p:cSld>
+    <p:spTree>
+      <p:nvGrpSpPr>
+        <p:cNvPr id="1" name=""/>
+        <p:cNvGrpSpPr/>
+        <p:nvPr/>
+      </p:nvGrpSpPr>
+      <p:grpSpPr>
+        <a:xfrm>
+          <a:off x="0" y="0"/>
+          <a:ext cx="0" cy="0"/>
+          <a:chOff x="0" y="0"/>
+          <a:chExt cx="0" cy="0"/>
+        </a:xfrm>
+      </p:grpSpPr>
+      <p:sp>
+        <p:nvSpPr>
+          <p:cNvPr id="2" name="幻灯片图像占位符 1"/>
+          <p:cNvSpPr>
+            <a:spLocks noGrp="1" noRot="1" noChangeAspect="1"/>
+          </p:cNvSpPr>
+          <p:nvPr>
+            <p:ph type="sldImg"/>
+          </p:nvPr>
+        </p:nvSpPr>
+        <p:spPr/>
+      </p:sp>
+      <p:sp>
+        <p:nvSpPr>
+          <p:cNvPr id="3" name="备注占位符 2"/>
+          <p:cNvSpPr>
+            <a:spLocks noGrp="1"/>
+          </p:cNvSpPr>
+          <p:nvPr>
+            <p:ph type="body" idx="1"/>
+          </p:nvPr>
+        </p:nvSpPr>
+        <p:spPr/>
+        <p:txBody>
+          <a:bodyPr/>
+          <a:lstStyle/>
+          <a:p>
+            <a:r>
+              <a:rPr lang="zh-CN" altLang="en-US" sz="1200" b="0" i="0" kern="1200" smtClean="0">
+                <a:solidFill>
+                  <a:schemeClr val="tx1"/>
+                </a:solidFill>
+                <a:effectLst/>
+                <a:latin typeface="+mn-lt"/>
+                <a:ea typeface="+mn-ea"/>
+                <a:cs typeface="+mn-cs"/>
+              </a:rPr>
+              <a:t>注意声明</a:t>
+            </a:r>
+            <a:r>
+              <a:rPr lang="en-US" altLang="zh-CN" smtClean="0"/>
+              <a:t>SimpleStructure</a:t>
+            </a:r>
+            <a:r>
+              <a:rPr lang="zh-CN" altLang="en-US" sz="1200" b="0" i="0" kern="1200" smtClean="0">
+                <a:solidFill>
+                  <a:schemeClr val="tx1"/>
+                </a:solidFill>
+                <a:effectLst/>
+                <a:latin typeface="+mn-lt"/>
+                <a:ea typeface="+mn-ea"/>
+                <a:cs typeface="+mn-cs"/>
+              </a:rPr>
+              <a:t>时候</a:t>
+            </a:r>
+            <a:r>
+              <a:rPr lang="en-US" altLang="zh-CN" smtClean="0"/>
+              <a:t>mutating</a:t>
+            </a:r>
+            <a:r>
+              <a:rPr lang="zh-CN" altLang="en-US" sz="1200" b="0" i="0" kern="1200" smtClean="0">
+                <a:solidFill>
+                  <a:schemeClr val="tx1"/>
+                </a:solidFill>
+                <a:effectLst/>
+                <a:latin typeface="+mn-lt"/>
+                <a:ea typeface="+mn-ea"/>
+                <a:cs typeface="+mn-cs"/>
+              </a:rPr>
+              <a:t>关键字用来标记一个会修改结构体的方法。</a:t>
+            </a:r>
+            <a:endParaRPr lang="zh-CN" altLang="en-US"/>
+          </a:p>
+        </p:txBody>
+      </p:sp>
+      <p:sp>
+        <p:nvSpPr>
+          <p:cNvPr id="4" name="灯片编号占位符 3"/>
+          <p:cNvSpPr>
+            <a:spLocks noGrp="1"/>
+          </p:cNvSpPr>
+          <p:nvPr>
+            <p:ph type="sldNum" sz="quarter" idx="10"/>
+          </p:nvPr>
+        </p:nvSpPr>
+        <p:spPr/>
+        <p:txBody>
+          <a:bodyPr/>
+          <a:lstStyle/>
+          <a:p>
+            <a:fld id="{0BB3CC5D-C06A-4792-A873-A1428889D746}" type="slidenum">
+              <a:rPr lang="zh-CN" altLang="en-US" smtClean="0"/>
+              <a:t>28</a:t>
+            </a:fld>
+            <a:endParaRPr lang="zh-CN" altLang="en-US"/>
+          </a:p>
+        </p:txBody>
+      </p:sp>
+    </p:spTree>
+    <p:extLst>
+      <p:ext uri="{BB962C8B-B14F-4D97-AF65-F5344CB8AC3E}">
+        <p14:creationId xmlns:p14="http://schemas.microsoft.com/office/powerpoint/2010/main" val="4075032440"/>
+      </p:ext>
+    </p:extLst>
+  </p:cSld>
+  <p:clrMapOvr>
+    <a:masterClrMapping/>
+  </p:clrMapOvr>
+</p:notes>
+</file>
+
 <file path=ppt/slideLayouts/slideLayout1.xml><?xml version="1.0" encoding="utf-8"?>
 <p:sldLayout xmlns:a="http://schemas.openxmlformats.org/drawingml/2006/main" xmlns:r="http://schemas.openxmlformats.org/officeDocument/2006/relationships" xmlns:p="http://schemas.openxmlformats.org/presentationml/2006/main" type="title" preserve="1">
   <p:cSld name="标题幻灯片">
@@ -301,7 +2216,7 @@
             <a:fld id="{8E36636D-D922-432D-A958-524484B5923D}" type="datetimeFigureOut">
               <a:rPr lang="en-US" smtClean="0"/>
               <a:pPr/>
-              <a:t>15/9/1</a:t>
+              <a:t>9/5/2015</a:t>
             </a:fld>
             <a:endParaRPr lang="en-US"/>
           </a:p>
@@ -468,7 +2383,7 @@
             <a:fld id="{8E36636D-D922-432D-A958-524484B5923D}" type="datetimeFigureOut">
               <a:rPr lang="en-US" smtClean="0"/>
               <a:pPr/>
-              <a:t>15/9/1</a:t>
+              <a:t>9/5/2015</a:t>
             </a:fld>
             <a:endParaRPr lang="en-US"/>
           </a:p>
@@ -645,7 +2560,7 @@
             <a:fld id="{8E36636D-D922-432D-A958-524484B5923D}" type="datetimeFigureOut">
               <a:rPr lang="en-US" smtClean="0"/>
               <a:pPr/>
-              <a:t>15/9/1</a:t>
+              <a:t>9/5/2015</a:t>
             </a:fld>
             <a:endParaRPr lang="en-US"/>
           </a:p>
@@ -812,7 +2727,7 @@
             <a:fld id="{8E36636D-D922-432D-A958-524484B5923D}" type="datetimeFigureOut">
               <a:rPr lang="en-US" smtClean="0"/>
               <a:pPr/>
-              <a:t>15/9/1</a:t>
+              <a:t>9/5/2015</a:t>
             </a:fld>
             <a:endParaRPr lang="en-US"/>
           </a:p>
@@ -1053,7 +2968,7 @@
             <a:fld id="{8E36636D-D922-432D-A958-524484B5923D}" type="datetimeFigureOut">
               <a:rPr lang="en-US" smtClean="0"/>
               <a:pPr/>
-              <a:t>15/9/1</a:t>
+              <a:t>9/5/2015</a:t>
             </a:fld>
             <a:endParaRPr lang="en-US"/>
           </a:p>
@@ -1338,7 +3253,7 @@
             <a:fld id="{8E36636D-D922-432D-A958-524484B5923D}" type="datetimeFigureOut">
               <a:rPr lang="en-US" smtClean="0"/>
               <a:pPr/>
-              <a:t>15/9/1</a:t>
+              <a:t>9/5/2015</a:t>
             </a:fld>
             <a:endParaRPr lang="en-US"/>
           </a:p>
@@ -1757,7 +3672,7 @@
             <a:fld id="{8E36636D-D922-432D-A958-524484B5923D}" type="datetimeFigureOut">
               <a:rPr lang="en-US" smtClean="0"/>
               <a:pPr/>
-              <a:t>15/9/1</a:t>
+              <a:t>9/5/2015</a:t>
             </a:fld>
             <a:endParaRPr lang="en-US"/>
           </a:p>
@@ -1872,7 +3787,7 @@
             <a:fld id="{8E36636D-D922-432D-A958-524484B5923D}" type="datetimeFigureOut">
               <a:rPr lang="en-US" smtClean="0"/>
               <a:pPr/>
-              <a:t>15/9/1</a:t>
+              <a:t>9/5/2015</a:t>
             </a:fld>
             <a:endParaRPr lang="en-US"/>
           </a:p>
@@ -1964,7 +3879,7 @@
             <a:fld id="{8E36636D-D922-432D-A958-524484B5923D}" type="datetimeFigureOut">
               <a:rPr lang="en-US" smtClean="0"/>
               <a:pPr/>
-              <a:t>15/9/1</a:t>
+              <a:t>9/5/2015</a:t>
             </a:fld>
             <a:endParaRPr lang="en-US"/>
           </a:p>
@@ -2245,7 +4160,7 @@
             <a:fld id="{8E36636D-D922-432D-A958-524484B5923D}" type="datetimeFigureOut">
               <a:rPr lang="en-US" smtClean="0"/>
               <a:pPr/>
-              <a:t>15/9/1</a:t>
+              <a:t>9/5/2015</a:t>
             </a:fld>
             <a:endParaRPr lang="en-US"/>
           </a:p>
@@ -2506,7 +4421,7 @@
             <a:fld id="{8E36636D-D922-432D-A958-524484B5923D}" type="datetimeFigureOut">
               <a:rPr lang="en-US" smtClean="0"/>
               <a:pPr/>
-              <a:t>15/9/1</a:t>
+              <a:t>9/5/2015</a:t>
             </a:fld>
             <a:endParaRPr lang="en-US"/>
           </a:p>
@@ -2716,7 +4631,7 @@
             <a:fld id="{8E36636D-D922-432D-A958-524484B5923D}" type="datetimeFigureOut">
               <a:rPr lang="en-US" smtClean="0"/>
               <a:pPr/>
-              <a:t>15/9/1</a:t>
+              <a:t>9/5/2015</a:t>
             </a:fld>
             <a:endParaRPr lang="en-US"/>
           </a:p>
@@ -3238,6 +5153,1355 @@
   <p:clrMapOvr>
     <a:masterClrMapping/>
   </p:clrMapOvr>
+  <p:timing>
+    <p:tnLst>
+      <p:par>
+        <p:cTn id="1" dur="indefinite" restart="never" nodeType="tmRoot"/>
+      </p:par>
+    </p:tnLst>
+  </p:timing>
+</p:sld>
+</file>
+
+<file path=ppt/slides/slide10.xml><?xml version="1.0" encoding="utf-8"?>
+<p:sld xmlns:a="http://schemas.openxmlformats.org/drawingml/2006/main" xmlns:r="http://schemas.openxmlformats.org/officeDocument/2006/relationships" xmlns:p="http://schemas.openxmlformats.org/presentationml/2006/main">
+  <p:cSld>
+    <p:spTree>
+      <p:nvGrpSpPr>
+        <p:cNvPr id="1" name=""/>
+        <p:cNvGrpSpPr/>
+        <p:nvPr/>
+      </p:nvGrpSpPr>
+      <p:grpSpPr>
+        <a:xfrm>
+          <a:off x="0" y="0"/>
+          <a:ext cx="0" cy="0"/>
+          <a:chOff x="0" y="0"/>
+          <a:chExt cx="0" cy="0"/>
+        </a:xfrm>
+      </p:grpSpPr>
+      <p:sp>
+        <p:nvSpPr>
+          <p:cNvPr id="2" name="标题 1"/>
+          <p:cNvSpPr>
+            <a:spLocks noGrp="1"/>
+          </p:cNvSpPr>
+          <p:nvPr>
+            <p:ph type="title"/>
+          </p:nvPr>
+        </p:nvSpPr>
+        <p:spPr/>
+        <p:txBody>
+          <a:bodyPr/>
+          <a:lstStyle/>
+          <a:p>
+            <a:r>
+              <a:rPr lang="zh-CN" altLang="en-US" smtClean="0"/>
+              <a:t>控制流</a:t>
+            </a:r>
+            <a:endParaRPr lang="zh-CN" altLang="en-US"/>
+          </a:p>
+        </p:txBody>
+      </p:sp>
+      <p:sp>
+        <p:nvSpPr>
+          <p:cNvPr id="3" name="内容占位符 2"/>
+          <p:cNvSpPr>
+            <a:spLocks noGrp="1"/>
+          </p:cNvSpPr>
+          <p:nvPr>
+            <p:ph idx="1"/>
+          </p:nvPr>
+        </p:nvSpPr>
+        <p:spPr>
+          <a:xfrm>
+            <a:off x="457200" y="1600201"/>
+            <a:ext cx="8229600" cy="2557462"/>
+          </a:xfrm>
+        </p:spPr>
+        <p:txBody>
+          <a:bodyPr>
+            <a:normAutofit fontScale="92500" lnSpcReduction="20000"/>
+          </a:bodyPr>
+          <a:lstStyle/>
+          <a:p>
+            <a:pPr marL="0" indent="0">
+              <a:buNone/>
+            </a:pPr>
+            <a:r>
+              <a:rPr lang="zh-CN" altLang="en-US"/>
+              <a:t>使用</a:t>
+            </a:r>
+            <a:r>
+              <a:rPr lang="en-US" altLang="zh-CN"/>
+              <a:t>if</a:t>
+            </a:r>
+            <a:r>
+              <a:rPr lang="zh-CN" altLang="en-US"/>
+              <a:t>和</a:t>
+            </a:r>
+            <a:r>
+              <a:rPr lang="en-US" altLang="zh-CN"/>
+              <a:t>switch</a:t>
+            </a:r>
+            <a:r>
+              <a:rPr lang="zh-CN" altLang="en-US"/>
+              <a:t>来进行条件操作，使用</a:t>
+            </a:r>
+            <a:r>
+              <a:rPr lang="en-US" altLang="zh-CN"/>
+              <a:t>for-in</a:t>
+            </a:r>
+            <a:r>
+              <a:rPr lang="zh-CN" altLang="en-US"/>
+              <a:t>、</a:t>
+            </a:r>
+            <a:r>
+              <a:rPr lang="en-US" altLang="zh-CN"/>
+              <a:t>for</a:t>
+            </a:r>
+            <a:r>
+              <a:rPr lang="zh-CN" altLang="en-US"/>
+              <a:t>、</a:t>
+            </a:r>
+            <a:r>
+              <a:rPr lang="en-US" altLang="zh-CN"/>
+              <a:t>while</a:t>
+            </a:r>
+            <a:r>
+              <a:rPr lang="zh-CN" altLang="en-US"/>
+              <a:t>和</a:t>
+            </a:r>
+            <a:r>
+              <a:rPr lang="en-US" altLang="zh-CN"/>
+              <a:t>repeat-while</a:t>
+            </a:r>
+            <a:r>
+              <a:rPr lang="zh-CN" altLang="en-US"/>
+              <a:t>来进行循环。包裹条件和循环变量括号可以省略，但是语句体的大括号是必须的。</a:t>
+            </a:r>
+          </a:p>
+        </p:txBody>
+      </p:sp>
+    </p:spTree>
+    <p:extLst>
+      <p:ext uri="{BB962C8B-B14F-4D97-AF65-F5344CB8AC3E}">
+        <p14:creationId xmlns:p14="http://schemas.microsoft.com/office/powerpoint/2010/main" val="1220289665"/>
+      </p:ext>
+    </p:extLst>
+  </p:cSld>
+  <p:clrMapOvr>
+    <a:masterClrMapping/>
+  </p:clrMapOvr>
+  <p:timing>
+    <p:tnLst>
+      <p:par>
+        <p:cTn id="1" dur="indefinite" restart="never" nodeType="tmRoot"/>
+      </p:par>
+    </p:tnLst>
+  </p:timing>
+</p:sld>
+</file>
+
+<file path=ppt/slides/slide11.xml><?xml version="1.0" encoding="utf-8"?>
+<p:sld xmlns:a="http://schemas.openxmlformats.org/drawingml/2006/main" xmlns:r="http://schemas.openxmlformats.org/officeDocument/2006/relationships" xmlns:p="http://schemas.openxmlformats.org/presentationml/2006/main">
+  <p:cSld>
+    <p:spTree>
+      <p:nvGrpSpPr>
+        <p:cNvPr id="1" name=""/>
+        <p:cNvGrpSpPr/>
+        <p:nvPr/>
+      </p:nvGrpSpPr>
+      <p:grpSpPr>
+        <a:xfrm>
+          <a:off x="0" y="0"/>
+          <a:ext cx="0" cy="0"/>
+          <a:chOff x="0" y="0"/>
+          <a:chExt cx="0" cy="0"/>
+        </a:xfrm>
+      </p:grpSpPr>
+      <p:pic>
+        <p:nvPicPr>
+          <p:cNvPr id="5122" name="Picture 2"/>
+          <p:cNvPicPr>
+            <a:picLocks noChangeAspect="1" noChangeArrowheads="1"/>
+          </p:cNvPicPr>
+          <p:nvPr/>
+        </p:nvPicPr>
+        <p:blipFill>
+          <a:blip r:embed="rId3">
+            <a:extLst>
+              <a:ext uri="{28A0092B-C50C-407E-A947-70E740481C1C}">
+                <a14:useLocalDpi xmlns:a14="http://schemas.microsoft.com/office/drawing/2010/main" val="0"/>
+              </a:ext>
+            </a:extLst>
+          </a:blip>
+          <a:srcRect/>
+          <a:stretch>
+            <a:fillRect/>
+          </a:stretch>
+        </p:blipFill>
+        <p:spPr bwMode="auto">
+          <a:xfrm>
+            <a:off x="1879022" y="276917"/>
+            <a:ext cx="5535930" cy="6437852"/>
+          </a:xfrm>
+          <a:prstGeom prst="rect">
+            <a:avLst/>
+          </a:prstGeom>
+          <a:noFill/>
+          <a:ln>
+            <a:noFill/>
+          </a:ln>
+          <a:extLst>
+            <a:ext uri="{909E8E84-426E-40DD-AFC4-6F175D3DCCD1}">
+              <a14:hiddenFill xmlns:a14="http://schemas.microsoft.com/office/drawing/2010/main">
+                <a:solidFill>
+                  <a:schemeClr val="accent1"/>
+                </a:solidFill>
+              </a14:hiddenFill>
+            </a:ext>
+            <a:ext uri="{91240B29-F687-4F45-9708-019B960494DF}">
+              <a14:hiddenLine xmlns:a14="http://schemas.microsoft.com/office/drawing/2010/main" w="9525">
+                <a:solidFill>
+                  <a:schemeClr val="tx1"/>
+                </a:solidFill>
+                <a:miter lim="800000"/>
+                <a:headEnd/>
+                <a:tailEnd/>
+              </a14:hiddenLine>
+            </a:ext>
+          </a:extLst>
+        </p:spPr>
+      </p:pic>
+    </p:spTree>
+    <p:extLst>
+      <p:ext uri="{BB962C8B-B14F-4D97-AF65-F5344CB8AC3E}">
+        <p14:creationId xmlns:p14="http://schemas.microsoft.com/office/powerpoint/2010/main" val="867820192"/>
+      </p:ext>
+    </p:extLst>
+  </p:cSld>
+  <p:clrMapOvr>
+    <a:masterClrMapping/>
+  </p:clrMapOvr>
+  <p:timing>
+    <p:tnLst>
+      <p:par>
+        <p:cTn id="1" dur="indefinite" restart="never" nodeType="tmRoot"/>
+      </p:par>
+    </p:tnLst>
+  </p:timing>
+</p:sld>
+</file>
+
+<file path=ppt/slides/slide12.xml><?xml version="1.0" encoding="utf-8"?>
+<p:sld xmlns:a="http://schemas.openxmlformats.org/drawingml/2006/main" xmlns:r="http://schemas.openxmlformats.org/officeDocument/2006/relationships" xmlns:p="http://schemas.openxmlformats.org/presentationml/2006/main">
+  <p:cSld>
+    <p:spTree>
+      <p:nvGrpSpPr>
+        <p:cNvPr id="1" name=""/>
+        <p:cNvGrpSpPr/>
+        <p:nvPr/>
+      </p:nvGrpSpPr>
+      <p:grpSpPr>
+        <a:xfrm>
+          <a:off x="0" y="0"/>
+          <a:ext cx="0" cy="0"/>
+          <a:chOff x="0" y="0"/>
+          <a:chExt cx="0" cy="0"/>
+        </a:xfrm>
+      </p:grpSpPr>
+      <p:sp>
+        <p:nvSpPr>
+          <p:cNvPr id="2" name="TextBox 1"/>
+          <p:cNvSpPr txBox="1"/>
+          <p:nvPr/>
+        </p:nvSpPr>
+        <p:spPr>
+          <a:xfrm>
+            <a:off x="728663" y="1300162"/>
+            <a:ext cx="7786687" cy="4524315"/>
+          </a:xfrm>
+          <a:prstGeom prst="rect">
+            <a:avLst/>
+          </a:prstGeom>
+          <a:noFill/>
+        </p:spPr>
+        <p:txBody>
+          <a:bodyPr wrap="square" rtlCol="0">
+            <a:spAutoFit/>
+          </a:bodyPr>
+          <a:lstStyle/>
+          <a:p>
+            <a:r>
+              <a:rPr lang="en-US" altLang="zh-CN" sz="2400">
+                <a:latin typeface="Adobe 仿宋 Std R" pitchFamily="18" charset="-122"/>
+                <a:ea typeface="Adobe 仿宋 Std R" pitchFamily="18" charset="-122"/>
+              </a:rPr>
+              <a:t>let individualScores = [75, 43, 103, 87, 12]</a:t>
+            </a:r>
+          </a:p>
+          <a:p>
+            <a:r>
+              <a:rPr lang="en-US" altLang="zh-CN" sz="2400">
+                <a:latin typeface="Adobe 仿宋 Std R" pitchFamily="18" charset="-122"/>
+                <a:ea typeface="Adobe 仿宋 Std R" pitchFamily="18" charset="-122"/>
+              </a:rPr>
+              <a:t>var teamScore = </a:t>
+            </a:r>
+            <a:r>
+              <a:rPr lang="en-US" altLang="zh-CN" sz="2400" smtClean="0">
+                <a:latin typeface="Adobe 仿宋 Std R" pitchFamily="18" charset="-122"/>
+                <a:ea typeface="Adobe 仿宋 Std R" pitchFamily="18" charset="-122"/>
+              </a:rPr>
+              <a:t>0</a:t>
+            </a:r>
+          </a:p>
+          <a:p>
+            <a:endParaRPr lang="en-US" altLang="zh-CN" sz="2400">
+              <a:latin typeface="Adobe 仿宋 Std R" pitchFamily="18" charset="-122"/>
+              <a:ea typeface="Adobe 仿宋 Std R" pitchFamily="18" charset="-122"/>
+            </a:endParaRPr>
+          </a:p>
+          <a:p>
+            <a:r>
+              <a:rPr lang="en-US" altLang="zh-CN" sz="2400">
+                <a:latin typeface="Adobe 仿宋 Std R" pitchFamily="18" charset="-122"/>
+                <a:ea typeface="Adobe 仿宋 Std R" pitchFamily="18" charset="-122"/>
+              </a:rPr>
+              <a:t>for score in individualScores {</a:t>
+            </a:r>
+          </a:p>
+          <a:p>
+            <a:r>
+              <a:rPr lang="en-US" altLang="zh-CN" sz="2400">
+                <a:latin typeface="Adobe 仿宋 Std R" pitchFamily="18" charset="-122"/>
+                <a:ea typeface="Adobe 仿宋 Std R" pitchFamily="18" charset="-122"/>
+              </a:rPr>
+              <a:t>    if score &gt; 50 {</a:t>
+            </a:r>
+          </a:p>
+          <a:p>
+            <a:r>
+              <a:rPr lang="en-US" altLang="zh-CN" sz="2400">
+                <a:latin typeface="Adobe 仿宋 Std R" pitchFamily="18" charset="-122"/>
+                <a:ea typeface="Adobe 仿宋 Std R" pitchFamily="18" charset="-122"/>
+              </a:rPr>
+              <a:t>        teamScore += 3</a:t>
+            </a:r>
+          </a:p>
+          <a:p>
+            <a:r>
+              <a:rPr lang="en-US" altLang="zh-CN" sz="2400">
+                <a:latin typeface="Adobe 仿宋 Std R" pitchFamily="18" charset="-122"/>
+                <a:ea typeface="Adobe 仿宋 Std R" pitchFamily="18" charset="-122"/>
+              </a:rPr>
+              <a:t>    } else {</a:t>
+            </a:r>
+          </a:p>
+          <a:p>
+            <a:r>
+              <a:rPr lang="en-US" altLang="zh-CN" sz="2400">
+                <a:latin typeface="Adobe 仿宋 Std R" pitchFamily="18" charset="-122"/>
+                <a:ea typeface="Adobe 仿宋 Std R" pitchFamily="18" charset="-122"/>
+              </a:rPr>
+              <a:t>        teamScore += 1</a:t>
+            </a:r>
+          </a:p>
+          <a:p>
+            <a:r>
+              <a:rPr lang="en-US" altLang="zh-CN" sz="2400">
+                <a:latin typeface="Adobe 仿宋 Std R" pitchFamily="18" charset="-122"/>
+                <a:ea typeface="Adobe 仿宋 Std R" pitchFamily="18" charset="-122"/>
+              </a:rPr>
+              <a:t>    }</a:t>
+            </a:r>
+          </a:p>
+          <a:p>
+            <a:r>
+              <a:rPr lang="en-US" altLang="zh-CN" sz="2400" smtClean="0">
+                <a:latin typeface="Adobe 仿宋 Std R" pitchFamily="18" charset="-122"/>
+                <a:ea typeface="Adobe 仿宋 Std R" pitchFamily="18" charset="-122"/>
+              </a:rPr>
+              <a:t>}</a:t>
+            </a:r>
+          </a:p>
+          <a:p>
+            <a:endParaRPr lang="en-US" altLang="zh-CN" sz="2400">
+              <a:latin typeface="Adobe 仿宋 Std R" pitchFamily="18" charset="-122"/>
+              <a:ea typeface="Adobe 仿宋 Std R" pitchFamily="18" charset="-122"/>
+            </a:endParaRPr>
+          </a:p>
+          <a:p>
+            <a:r>
+              <a:rPr lang="en-US" altLang="zh-CN" sz="2400">
+                <a:latin typeface="Adobe 仿宋 Std R" pitchFamily="18" charset="-122"/>
+                <a:ea typeface="Adobe 仿宋 Std R" pitchFamily="18" charset="-122"/>
+              </a:rPr>
+              <a:t>print(teamScore)</a:t>
+            </a:r>
+            <a:endParaRPr lang="zh-CN" altLang="en-US" sz="2400">
+              <a:latin typeface="Adobe 仿宋 Std R" pitchFamily="18" charset="-122"/>
+              <a:ea typeface="Adobe 仿宋 Std R" pitchFamily="18" charset="-122"/>
+            </a:endParaRPr>
+          </a:p>
+        </p:txBody>
+      </p:sp>
+      <p:pic>
+        <p:nvPicPr>
+          <p:cNvPr id="2051" name="Picture 3"/>
+          <p:cNvPicPr>
+            <a:picLocks noChangeAspect="1" noChangeArrowheads="1"/>
+          </p:cNvPicPr>
+          <p:nvPr/>
+        </p:nvPicPr>
+        <p:blipFill>
+          <a:blip r:embed="rId2">
+            <a:extLst>
+              <a:ext uri="{28A0092B-C50C-407E-A947-70E740481C1C}">
+                <a14:useLocalDpi xmlns:a14="http://schemas.microsoft.com/office/drawing/2010/main" val="0"/>
+              </a:ext>
+            </a:extLst>
+          </a:blip>
+          <a:srcRect/>
+          <a:stretch>
+            <a:fillRect/>
+          </a:stretch>
+        </p:blipFill>
+        <p:spPr bwMode="auto">
+          <a:xfrm>
+            <a:off x="628650" y="504764"/>
+            <a:ext cx="7886700" cy="5837400"/>
+          </a:xfrm>
+          <a:prstGeom prst="rect">
+            <a:avLst/>
+          </a:prstGeom>
+          <a:noFill/>
+          <a:ln>
+            <a:noFill/>
+          </a:ln>
+          <a:extLst>
+            <a:ext uri="{909E8E84-426E-40DD-AFC4-6F175D3DCCD1}">
+              <a14:hiddenFill xmlns:a14="http://schemas.microsoft.com/office/drawing/2010/main">
+                <a:solidFill>
+                  <a:schemeClr val="accent1"/>
+                </a:solidFill>
+              </a14:hiddenFill>
+            </a:ext>
+            <a:ext uri="{91240B29-F687-4F45-9708-019B960494DF}">
+              <a14:hiddenLine xmlns:a14="http://schemas.microsoft.com/office/drawing/2010/main" w="9525">
+                <a:solidFill>
+                  <a:schemeClr val="tx1"/>
+                </a:solidFill>
+                <a:miter lim="800000"/>
+                <a:headEnd/>
+                <a:tailEnd/>
+              </a14:hiddenLine>
+            </a:ext>
+          </a:extLst>
+        </p:spPr>
+      </p:pic>
+    </p:spTree>
+    <p:extLst>
+      <p:ext uri="{BB962C8B-B14F-4D97-AF65-F5344CB8AC3E}">
+        <p14:creationId xmlns:p14="http://schemas.microsoft.com/office/powerpoint/2010/main" val="3967938927"/>
+      </p:ext>
+    </p:extLst>
+  </p:cSld>
+  <p:clrMapOvr>
+    <a:masterClrMapping/>
+  </p:clrMapOvr>
+  <p:timing>
+    <p:tnLst>
+      <p:par>
+        <p:cTn id="1" dur="indefinite" restart="never" nodeType="tmRoot"/>
+      </p:par>
+    </p:tnLst>
+  </p:timing>
+</p:sld>
+</file>
+
+<file path=ppt/slides/slide13.xml><?xml version="1.0" encoding="utf-8"?>
+<p:sld xmlns:a="http://schemas.openxmlformats.org/drawingml/2006/main" xmlns:r="http://schemas.openxmlformats.org/officeDocument/2006/relationships" xmlns:p="http://schemas.openxmlformats.org/presentationml/2006/main">
+  <p:cSld>
+    <p:spTree>
+      <p:nvGrpSpPr>
+        <p:cNvPr id="1" name=""/>
+        <p:cNvGrpSpPr/>
+        <p:nvPr/>
+      </p:nvGrpSpPr>
+      <p:grpSpPr>
+        <a:xfrm>
+          <a:off x="0" y="0"/>
+          <a:ext cx="0" cy="0"/>
+          <a:chOff x="0" y="0"/>
+          <a:chExt cx="0" cy="0"/>
+        </a:xfrm>
+      </p:grpSpPr>
+      <p:pic>
+        <p:nvPicPr>
+          <p:cNvPr id="3074" name="Picture 2"/>
+          <p:cNvPicPr>
+            <a:picLocks noChangeAspect="1" noChangeArrowheads="1"/>
+          </p:cNvPicPr>
+          <p:nvPr/>
+        </p:nvPicPr>
+        <p:blipFill>
+          <a:blip r:embed="rId3">
+            <a:extLst>
+              <a:ext uri="{28A0092B-C50C-407E-A947-70E740481C1C}">
+                <a14:useLocalDpi xmlns:a14="http://schemas.microsoft.com/office/drawing/2010/main" val="0"/>
+              </a:ext>
+            </a:extLst>
+          </a:blip>
+          <a:srcRect/>
+          <a:stretch>
+            <a:fillRect/>
+          </a:stretch>
+        </p:blipFill>
+        <p:spPr bwMode="auto">
+          <a:xfrm>
+            <a:off x="1271499" y="108068"/>
+            <a:ext cx="6541780" cy="6683432"/>
+          </a:xfrm>
+          <a:prstGeom prst="rect">
+            <a:avLst/>
+          </a:prstGeom>
+          <a:noFill/>
+          <a:ln>
+            <a:noFill/>
+          </a:ln>
+          <a:extLst>
+            <a:ext uri="{909E8E84-426E-40DD-AFC4-6F175D3DCCD1}">
+              <a14:hiddenFill xmlns:a14="http://schemas.microsoft.com/office/drawing/2010/main">
+                <a:solidFill>
+                  <a:schemeClr val="accent1"/>
+                </a:solidFill>
+              </a14:hiddenFill>
+            </a:ext>
+            <a:ext uri="{91240B29-F687-4F45-9708-019B960494DF}">
+              <a14:hiddenLine xmlns:a14="http://schemas.microsoft.com/office/drawing/2010/main" w="9525">
+                <a:solidFill>
+                  <a:schemeClr val="tx1"/>
+                </a:solidFill>
+                <a:miter lim="800000"/>
+                <a:headEnd/>
+                <a:tailEnd/>
+              </a14:hiddenLine>
+            </a:ext>
+          </a:extLst>
+        </p:spPr>
+      </p:pic>
+    </p:spTree>
+    <p:extLst>
+      <p:ext uri="{BB962C8B-B14F-4D97-AF65-F5344CB8AC3E}">
+        <p14:creationId xmlns:p14="http://schemas.microsoft.com/office/powerpoint/2010/main" val="2738136726"/>
+      </p:ext>
+    </p:extLst>
+  </p:cSld>
+  <p:clrMapOvr>
+    <a:masterClrMapping/>
+  </p:clrMapOvr>
+  <p:timing>
+    <p:tnLst>
+      <p:par>
+        <p:cTn id="1" dur="indefinite" restart="never" nodeType="tmRoot"/>
+      </p:par>
+    </p:tnLst>
+  </p:timing>
+</p:sld>
+</file>
+
+<file path=ppt/slides/slide14.xml><?xml version="1.0" encoding="utf-8"?>
+<p:sld xmlns:a="http://schemas.openxmlformats.org/drawingml/2006/main" xmlns:r="http://schemas.openxmlformats.org/officeDocument/2006/relationships" xmlns:p="http://schemas.openxmlformats.org/presentationml/2006/main">
+  <p:cSld>
+    <p:spTree>
+      <p:nvGrpSpPr>
+        <p:cNvPr id="1" name=""/>
+        <p:cNvGrpSpPr/>
+        <p:nvPr/>
+      </p:nvGrpSpPr>
+      <p:grpSpPr>
+        <a:xfrm>
+          <a:off x="0" y="0"/>
+          <a:ext cx="0" cy="0"/>
+          <a:chOff x="0" y="0"/>
+          <a:chExt cx="0" cy="0"/>
+        </a:xfrm>
+      </p:grpSpPr>
+      <p:pic>
+        <p:nvPicPr>
+          <p:cNvPr id="1027" name="Picture 3"/>
+          <p:cNvPicPr>
+            <a:picLocks noChangeAspect="1" noChangeArrowheads="1"/>
+          </p:cNvPicPr>
+          <p:nvPr/>
+        </p:nvPicPr>
+        <p:blipFill>
+          <a:blip r:embed="rId3">
+            <a:extLst>
+              <a:ext uri="{28A0092B-C50C-407E-A947-70E740481C1C}">
+                <a14:useLocalDpi xmlns:a14="http://schemas.microsoft.com/office/drawing/2010/main" val="0"/>
+              </a:ext>
+            </a:extLst>
+          </a:blip>
+          <a:srcRect/>
+          <a:stretch>
+            <a:fillRect/>
+          </a:stretch>
+        </p:blipFill>
+        <p:spPr bwMode="auto">
+          <a:xfrm>
+            <a:off x="-117988" y="341210"/>
+            <a:ext cx="9261987" cy="6139969"/>
+          </a:xfrm>
+          <a:prstGeom prst="rect">
+            <a:avLst/>
+          </a:prstGeom>
+          <a:noFill/>
+          <a:ln>
+            <a:noFill/>
+          </a:ln>
+          <a:extLst>
+            <a:ext uri="{909E8E84-426E-40DD-AFC4-6F175D3DCCD1}">
+              <a14:hiddenFill xmlns:a14="http://schemas.microsoft.com/office/drawing/2010/main">
+                <a:solidFill>
+                  <a:schemeClr val="accent1"/>
+                </a:solidFill>
+              </a14:hiddenFill>
+            </a:ext>
+            <a:ext uri="{91240B29-F687-4F45-9708-019B960494DF}">
+              <a14:hiddenLine xmlns:a14="http://schemas.microsoft.com/office/drawing/2010/main" w="9525">
+                <a:solidFill>
+                  <a:schemeClr val="tx1"/>
+                </a:solidFill>
+                <a:miter lim="800000"/>
+                <a:headEnd/>
+                <a:tailEnd/>
+              </a14:hiddenLine>
+            </a:ext>
+          </a:extLst>
+        </p:spPr>
+      </p:pic>
+    </p:spTree>
+    <p:extLst>
+      <p:ext uri="{BB962C8B-B14F-4D97-AF65-F5344CB8AC3E}">
+        <p14:creationId xmlns:p14="http://schemas.microsoft.com/office/powerpoint/2010/main" val="2259170996"/>
+      </p:ext>
+    </p:extLst>
+  </p:cSld>
+  <p:clrMapOvr>
+    <a:masterClrMapping/>
+  </p:clrMapOvr>
+  <p:timing>
+    <p:tnLst>
+      <p:par>
+        <p:cTn id="1" dur="indefinite" restart="never" nodeType="tmRoot"/>
+      </p:par>
+    </p:tnLst>
+  </p:timing>
+</p:sld>
+</file>
+
+<file path=ppt/slides/slide15.xml><?xml version="1.0" encoding="utf-8"?>
+<p:sld xmlns:a="http://schemas.openxmlformats.org/drawingml/2006/main" xmlns:r="http://schemas.openxmlformats.org/officeDocument/2006/relationships" xmlns:p="http://schemas.openxmlformats.org/presentationml/2006/main">
+  <p:cSld>
+    <p:spTree>
+      <p:nvGrpSpPr>
+        <p:cNvPr id="1" name=""/>
+        <p:cNvGrpSpPr/>
+        <p:nvPr/>
+      </p:nvGrpSpPr>
+      <p:grpSpPr>
+        <a:xfrm>
+          <a:off x="0" y="0"/>
+          <a:ext cx="0" cy="0"/>
+          <a:chOff x="0" y="0"/>
+          <a:chExt cx="0" cy="0"/>
+        </a:xfrm>
+      </p:grpSpPr>
+      <p:pic>
+        <p:nvPicPr>
+          <p:cNvPr id="4098" name="Picture 2"/>
+          <p:cNvPicPr>
+            <a:picLocks noChangeAspect="1" noChangeArrowheads="1"/>
+          </p:cNvPicPr>
+          <p:nvPr/>
+        </p:nvPicPr>
+        <p:blipFill>
+          <a:blip r:embed="rId3">
+            <a:extLst>
+              <a:ext uri="{28A0092B-C50C-407E-A947-70E740481C1C}">
+                <a14:useLocalDpi xmlns:a14="http://schemas.microsoft.com/office/drawing/2010/main" val="0"/>
+              </a:ext>
+            </a:extLst>
+          </a:blip>
+          <a:srcRect/>
+          <a:stretch>
+            <a:fillRect/>
+          </a:stretch>
+        </p:blipFill>
+        <p:spPr bwMode="auto">
+          <a:xfrm>
+            <a:off x="2378392" y="614275"/>
+            <a:ext cx="4454669" cy="5891191"/>
+          </a:xfrm>
+          <a:prstGeom prst="rect">
+            <a:avLst/>
+          </a:prstGeom>
+          <a:noFill/>
+          <a:ln>
+            <a:noFill/>
+          </a:ln>
+          <a:extLst>
+            <a:ext uri="{909E8E84-426E-40DD-AFC4-6F175D3DCCD1}">
+              <a14:hiddenFill xmlns:a14="http://schemas.microsoft.com/office/drawing/2010/main">
+                <a:solidFill>
+                  <a:schemeClr val="accent1"/>
+                </a:solidFill>
+              </a14:hiddenFill>
+            </a:ext>
+            <a:ext uri="{91240B29-F687-4F45-9708-019B960494DF}">
+              <a14:hiddenLine xmlns:a14="http://schemas.microsoft.com/office/drawing/2010/main" w="9525">
+                <a:solidFill>
+                  <a:schemeClr val="tx1"/>
+                </a:solidFill>
+                <a:miter lim="800000"/>
+                <a:headEnd/>
+                <a:tailEnd/>
+              </a14:hiddenLine>
+            </a:ext>
+          </a:extLst>
+        </p:spPr>
+      </p:pic>
+    </p:spTree>
+    <p:extLst>
+      <p:ext uri="{BB962C8B-B14F-4D97-AF65-F5344CB8AC3E}">
+        <p14:creationId xmlns:p14="http://schemas.microsoft.com/office/powerpoint/2010/main" val="856011318"/>
+      </p:ext>
+    </p:extLst>
+  </p:cSld>
+  <p:clrMapOvr>
+    <a:masterClrMapping/>
+  </p:clrMapOvr>
+  <p:timing>
+    <p:tnLst>
+      <p:par>
+        <p:cTn id="1" dur="indefinite" restart="never" nodeType="tmRoot"/>
+      </p:par>
+    </p:tnLst>
+  </p:timing>
+</p:sld>
+</file>
+
+<file path=ppt/slides/slide16.xml><?xml version="1.0" encoding="utf-8"?>
+<p:sld xmlns:a="http://schemas.openxmlformats.org/drawingml/2006/main" xmlns:r="http://schemas.openxmlformats.org/officeDocument/2006/relationships" xmlns:p="http://schemas.openxmlformats.org/presentationml/2006/main">
+  <p:cSld>
+    <p:spTree>
+      <p:nvGrpSpPr>
+        <p:cNvPr id="1" name=""/>
+        <p:cNvGrpSpPr/>
+        <p:nvPr/>
+      </p:nvGrpSpPr>
+      <p:grpSpPr>
+        <a:xfrm>
+          <a:off x="0" y="0"/>
+          <a:ext cx="0" cy="0"/>
+          <a:chOff x="0" y="0"/>
+          <a:chExt cx="0" cy="0"/>
+        </a:xfrm>
+      </p:grpSpPr>
+      <p:sp>
+        <p:nvSpPr>
+          <p:cNvPr id="2" name="标题 1"/>
+          <p:cNvSpPr>
+            <a:spLocks noGrp="1"/>
+          </p:cNvSpPr>
+          <p:nvPr>
+            <p:ph type="title"/>
+          </p:nvPr>
+        </p:nvSpPr>
+        <p:spPr/>
+        <p:txBody>
+          <a:bodyPr/>
+          <a:lstStyle/>
+          <a:p>
+            <a:r>
+              <a:rPr lang="zh-CN" altLang="en-US"/>
+              <a:t>函数和闭包</a:t>
+            </a:r>
+          </a:p>
+        </p:txBody>
+      </p:sp>
+      <p:sp>
+        <p:nvSpPr>
+          <p:cNvPr id="3" name="内容占位符 2"/>
+          <p:cNvSpPr>
+            <a:spLocks noGrp="1"/>
+          </p:cNvSpPr>
+          <p:nvPr>
+            <p:ph idx="1"/>
+          </p:nvPr>
+        </p:nvSpPr>
+        <p:spPr>
+          <a:xfrm>
+            <a:off x="457200" y="1600201"/>
+            <a:ext cx="8229600" cy="2589414"/>
+          </a:xfrm>
+        </p:spPr>
+        <p:txBody>
+          <a:bodyPr/>
+          <a:lstStyle/>
+          <a:p>
+            <a:pPr marL="0" indent="0">
+              <a:buNone/>
+            </a:pPr>
+            <a:r>
+              <a:rPr lang="zh-CN" altLang="en-US"/>
+              <a:t>使用</a:t>
+            </a:r>
+            <a:r>
+              <a:rPr lang="en-US" altLang="zh-CN"/>
+              <a:t>func</a:t>
+            </a:r>
+            <a:r>
+              <a:rPr lang="zh-CN" altLang="en-US"/>
+              <a:t>来声明一个函数，使用名字和参数来调用函数。使用</a:t>
+            </a:r>
+            <a:r>
+              <a:rPr lang="en-US" altLang="zh-CN"/>
+              <a:t>-&gt;</a:t>
+            </a:r>
+            <a:r>
+              <a:rPr lang="zh-CN" altLang="en-US"/>
+              <a:t>来指定函数返回值的类型</a:t>
+            </a:r>
+            <a:r>
+              <a:rPr lang="zh-CN" altLang="en-US" smtClean="0"/>
+              <a:t>。</a:t>
+            </a:r>
+            <a:endParaRPr lang="en-US" altLang="zh-CN" smtClean="0"/>
+          </a:p>
+        </p:txBody>
+      </p:sp>
+      <p:pic>
+        <p:nvPicPr>
+          <p:cNvPr id="6146" name="Picture 2"/>
+          <p:cNvPicPr>
+            <a:picLocks noChangeAspect="1" noChangeArrowheads="1"/>
+          </p:cNvPicPr>
+          <p:nvPr/>
+        </p:nvPicPr>
+        <p:blipFill>
+          <a:blip r:embed="rId2">
+            <a:extLst>
+              <a:ext uri="{28A0092B-C50C-407E-A947-70E740481C1C}">
+                <a14:useLocalDpi xmlns:a14="http://schemas.microsoft.com/office/drawing/2010/main" val="0"/>
+              </a:ext>
+            </a:extLst>
+          </a:blip>
+          <a:srcRect/>
+          <a:stretch>
+            <a:fillRect/>
+          </a:stretch>
+        </p:blipFill>
+        <p:spPr bwMode="auto">
+          <a:xfrm>
+            <a:off x="1329258" y="3478718"/>
+            <a:ext cx="7357542" cy="2601562"/>
+          </a:xfrm>
+          <a:prstGeom prst="rect">
+            <a:avLst/>
+          </a:prstGeom>
+          <a:noFill/>
+          <a:ln>
+            <a:noFill/>
+          </a:ln>
+          <a:extLst>
+            <a:ext uri="{909E8E84-426E-40DD-AFC4-6F175D3DCCD1}">
+              <a14:hiddenFill xmlns:a14="http://schemas.microsoft.com/office/drawing/2010/main">
+                <a:solidFill>
+                  <a:schemeClr val="accent1"/>
+                </a:solidFill>
+              </a14:hiddenFill>
+            </a:ext>
+            <a:ext uri="{91240B29-F687-4F45-9708-019B960494DF}">
+              <a14:hiddenLine xmlns:a14="http://schemas.microsoft.com/office/drawing/2010/main" w="9525">
+                <a:solidFill>
+                  <a:schemeClr val="tx1"/>
+                </a:solidFill>
+                <a:miter lim="800000"/>
+                <a:headEnd/>
+                <a:tailEnd/>
+              </a14:hiddenLine>
+            </a:ext>
+          </a:extLst>
+        </p:spPr>
+      </p:pic>
+    </p:spTree>
+    <p:extLst>
+      <p:ext uri="{BB962C8B-B14F-4D97-AF65-F5344CB8AC3E}">
+        <p14:creationId xmlns:p14="http://schemas.microsoft.com/office/powerpoint/2010/main" val="2543327240"/>
+      </p:ext>
+    </p:extLst>
+  </p:cSld>
+  <p:clrMapOvr>
+    <a:masterClrMapping/>
+  </p:clrMapOvr>
+  <p:timing>
+    <p:tnLst>
+      <p:par>
+        <p:cTn id="1" dur="indefinite" restart="never" nodeType="tmRoot">
+          <p:childTnLst>
+            <p:seq concurrent="1" nextAc="seek">
+              <p:cTn id="2" dur="indefinite" nodeType="mainSeq">
+                <p:childTnLst>
+                  <p:par>
+                    <p:cTn id="3" fill="hold">
+                      <p:stCondLst>
+                        <p:cond delay="indefinite"/>
+                      </p:stCondLst>
+                      <p:childTnLst>
+                        <p:par>
+                          <p:cTn id="4" fill="hold">
+                            <p:stCondLst>
+                              <p:cond delay="0"/>
+                            </p:stCondLst>
+                            <p:childTnLst>
+                              <p:par>
+                                <p:cTn id="5" presetID="10" presetClass="entr" presetSubtype="0" fill="hold" nodeType="clickEffect">
+                                  <p:stCondLst>
+                                    <p:cond delay="0"/>
+                                  </p:stCondLst>
+                                  <p:childTnLst>
+                                    <p:set>
+                                      <p:cBhvr>
+                                        <p:cTn id="6" dur="1" fill="hold">
+                                          <p:stCondLst>
+                                            <p:cond delay="0"/>
+                                          </p:stCondLst>
+                                        </p:cTn>
+                                        <p:tgtEl>
+                                          <p:spTgt spid="6146"/>
+                                        </p:tgtEl>
+                                        <p:attrNameLst>
+                                          <p:attrName>style.visibility</p:attrName>
+                                        </p:attrNameLst>
+                                      </p:cBhvr>
+                                      <p:to>
+                                        <p:strVal val="visible"/>
+                                      </p:to>
+                                    </p:set>
+                                    <p:animEffect transition="in" filter="fade">
+                                      <p:cBhvr>
+                                        <p:cTn id="7" dur="500"/>
+                                        <p:tgtEl>
+                                          <p:spTgt spid="6146"/>
+                                        </p:tgtEl>
+                                      </p:cBhvr>
+                                    </p:animEffect>
+                                  </p:childTnLst>
+                                </p:cTn>
+                              </p:par>
+                            </p:childTnLst>
+                          </p:cTn>
+                        </p:par>
+                      </p:childTnLst>
+                    </p:cTn>
+                  </p:par>
+                </p:childTnLst>
+              </p:cTn>
+              <p:prevCondLst>
+                <p:cond evt="onPrev" delay="0">
+                  <p:tgtEl>
+                    <p:sldTgt/>
+                  </p:tgtEl>
+                </p:cond>
+              </p:prevCondLst>
+              <p:nextCondLst>
+                <p:cond evt="onNext" delay="0">
+                  <p:tgtEl>
+                    <p:sldTgt/>
+                  </p:tgtEl>
+                </p:cond>
+              </p:nextCondLst>
+            </p:seq>
+          </p:childTnLst>
+        </p:cTn>
+      </p:par>
+    </p:tnLst>
+  </p:timing>
+</p:sld>
+</file>
+
+<file path=ppt/slides/slide17.xml><?xml version="1.0" encoding="utf-8"?>
+<p:sld xmlns:a="http://schemas.openxmlformats.org/drawingml/2006/main" xmlns:r="http://schemas.openxmlformats.org/officeDocument/2006/relationships" xmlns:p="http://schemas.openxmlformats.org/presentationml/2006/main">
+  <p:cSld>
+    <p:spTree>
+      <p:nvGrpSpPr>
+        <p:cNvPr id="1" name=""/>
+        <p:cNvGrpSpPr/>
+        <p:nvPr/>
+      </p:nvGrpSpPr>
+      <p:grpSpPr>
+        <a:xfrm>
+          <a:off x="0" y="0"/>
+          <a:ext cx="0" cy="0"/>
+          <a:chOff x="0" y="0"/>
+          <a:chExt cx="0" cy="0"/>
+        </a:xfrm>
+      </p:grpSpPr>
+      <p:pic>
+        <p:nvPicPr>
+          <p:cNvPr id="1026" name="Picture 2"/>
+          <p:cNvPicPr>
+            <a:picLocks noChangeAspect="1" noChangeArrowheads="1"/>
+          </p:cNvPicPr>
+          <p:nvPr/>
+        </p:nvPicPr>
+        <p:blipFill>
+          <a:blip r:embed="rId3">
+            <a:extLst>
+              <a:ext uri="{28A0092B-C50C-407E-A947-70E740481C1C}">
+                <a14:useLocalDpi xmlns:a14="http://schemas.microsoft.com/office/drawing/2010/main" val="0"/>
+              </a:ext>
+            </a:extLst>
+          </a:blip>
+          <a:srcRect/>
+          <a:stretch>
+            <a:fillRect/>
+          </a:stretch>
+        </p:blipFill>
+        <p:spPr bwMode="auto">
+          <a:xfrm>
+            <a:off x="631766" y="-83126"/>
+            <a:ext cx="8046721" cy="7087021"/>
+          </a:xfrm>
+          <a:prstGeom prst="rect">
+            <a:avLst/>
+          </a:prstGeom>
+          <a:noFill/>
+          <a:ln>
+            <a:noFill/>
+          </a:ln>
+          <a:extLst>
+            <a:ext uri="{909E8E84-426E-40DD-AFC4-6F175D3DCCD1}">
+              <a14:hiddenFill xmlns:a14="http://schemas.microsoft.com/office/drawing/2010/main">
+                <a:solidFill>
+                  <a:schemeClr val="accent1"/>
+                </a:solidFill>
+              </a14:hiddenFill>
+            </a:ext>
+            <a:ext uri="{91240B29-F687-4F45-9708-019B960494DF}">
+              <a14:hiddenLine xmlns:a14="http://schemas.microsoft.com/office/drawing/2010/main" w="9525">
+                <a:solidFill>
+                  <a:schemeClr val="tx1"/>
+                </a:solidFill>
+                <a:miter lim="800000"/>
+                <a:headEnd/>
+                <a:tailEnd/>
+              </a14:hiddenLine>
+            </a:ext>
+          </a:extLst>
+        </p:spPr>
+      </p:pic>
+      <p:sp>
+        <p:nvSpPr>
+          <p:cNvPr id="4" name="TextBox 3"/>
+          <p:cNvSpPr txBox="1"/>
+          <p:nvPr/>
+        </p:nvSpPr>
+        <p:spPr>
+          <a:xfrm>
+            <a:off x="5453150" y="783458"/>
+            <a:ext cx="2826326" cy="830997"/>
+          </a:xfrm>
+          <a:prstGeom prst="rect">
+            <a:avLst/>
+          </a:prstGeom>
+          <a:noFill/>
+        </p:spPr>
+        <p:txBody>
+          <a:bodyPr wrap="square" rtlCol="0">
+            <a:spAutoFit/>
+          </a:bodyPr>
+          <a:lstStyle/>
+          <a:p>
+            <a:r>
+              <a:rPr lang="zh-CN" altLang="en-US" sz="2400">
+                <a:solidFill>
+                  <a:schemeClr val="bg1"/>
+                </a:solidFill>
+              </a:rPr>
+              <a:t>使用元组来让一个函数返回多个值。</a:t>
+            </a:r>
+            <a:endParaRPr lang="zh-CN" altLang="en-US" sz="2400">
+              <a:solidFill>
+                <a:schemeClr val="bg1"/>
+              </a:solidFill>
+            </a:endParaRPr>
+          </a:p>
+        </p:txBody>
+      </p:sp>
+    </p:spTree>
+    <p:extLst>
+      <p:ext uri="{BB962C8B-B14F-4D97-AF65-F5344CB8AC3E}">
+        <p14:creationId xmlns:p14="http://schemas.microsoft.com/office/powerpoint/2010/main" val="3727402449"/>
+      </p:ext>
+    </p:extLst>
+  </p:cSld>
+  <p:clrMapOvr>
+    <a:masterClrMapping/>
+  </p:clrMapOvr>
+  <p:timing>
+    <p:tnLst>
+      <p:par>
+        <p:cTn id="1" dur="indefinite" restart="never" nodeType="tmRoot"/>
+      </p:par>
+    </p:tnLst>
+  </p:timing>
+</p:sld>
+</file>
+
+<file path=ppt/slides/slide18.xml><?xml version="1.0" encoding="utf-8"?>
+<p:sld xmlns:a="http://schemas.openxmlformats.org/drawingml/2006/main" xmlns:r="http://schemas.openxmlformats.org/officeDocument/2006/relationships" xmlns:p="http://schemas.openxmlformats.org/presentationml/2006/main">
+  <p:cSld>
+    <p:spTree>
+      <p:nvGrpSpPr>
+        <p:cNvPr id="1" name=""/>
+        <p:cNvGrpSpPr/>
+        <p:nvPr/>
+      </p:nvGrpSpPr>
+      <p:grpSpPr>
+        <a:xfrm>
+          <a:off x="0" y="0"/>
+          <a:ext cx="0" cy="0"/>
+          <a:chOff x="0" y="0"/>
+          <a:chExt cx="0" cy="0"/>
+        </a:xfrm>
+      </p:grpSpPr>
+      <p:pic>
+        <p:nvPicPr>
+          <p:cNvPr id="2050" name="Picture 2"/>
+          <p:cNvPicPr>
+            <a:picLocks noChangeAspect="1" noChangeArrowheads="1"/>
+          </p:cNvPicPr>
+          <p:nvPr/>
+        </p:nvPicPr>
+        <p:blipFill>
+          <a:blip r:embed="rId3">
+            <a:extLst>
+              <a:ext uri="{28A0092B-C50C-407E-A947-70E740481C1C}">
+                <a14:useLocalDpi xmlns:a14="http://schemas.microsoft.com/office/drawing/2010/main" val="0"/>
+              </a:ext>
+            </a:extLst>
+          </a:blip>
+          <a:srcRect/>
+          <a:stretch>
+            <a:fillRect/>
+          </a:stretch>
+        </p:blipFill>
+        <p:spPr bwMode="auto">
+          <a:xfrm>
+            <a:off x="1621935" y="1899294"/>
+            <a:ext cx="6458036" cy="4647222"/>
+          </a:xfrm>
+          <a:prstGeom prst="rect">
+            <a:avLst/>
+          </a:prstGeom>
+          <a:noFill/>
+          <a:ln>
+            <a:noFill/>
+          </a:ln>
+          <a:extLst>
+            <a:ext uri="{909E8E84-426E-40DD-AFC4-6F175D3DCCD1}">
+              <a14:hiddenFill xmlns:a14="http://schemas.microsoft.com/office/drawing/2010/main">
+                <a:solidFill>
+                  <a:schemeClr val="accent1"/>
+                </a:solidFill>
+              </a14:hiddenFill>
+            </a:ext>
+            <a:ext uri="{91240B29-F687-4F45-9708-019B960494DF}">
+              <a14:hiddenLine xmlns:a14="http://schemas.microsoft.com/office/drawing/2010/main" w="9525">
+                <a:solidFill>
+                  <a:schemeClr val="tx1"/>
+                </a:solidFill>
+                <a:miter lim="800000"/>
+                <a:headEnd/>
+                <a:tailEnd/>
+              </a14:hiddenLine>
+            </a:ext>
+          </a:extLst>
+        </p:spPr>
+      </p:pic>
+      <p:sp>
+        <p:nvSpPr>
+          <p:cNvPr id="4" name="TextBox 3"/>
+          <p:cNvSpPr txBox="1"/>
+          <p:nvPr/>
+        </p:nvSpPr>
+        <p:spPr>
+          <a:xfrm>
+            <a:off x="1101913" y="629982"/>
+            <a:ext cx="7498080" cy="954107"/>
+          </a:xfrm>
+          <a:prstGeom prst="rect">
+            <a:avLst/>
+          </a:prstGeom>
+          <a:noFill/>
+        </p:spPr>
+        <p:txBody>
+          <a:bodyPr wrap="square" rtlCol="0">
+            <a:spAutoFit/>
+          </a:bodyPr>
+          <a:lstStyle/>
+          <a:p>
+            <a:r>
+              <a:rPr lang="zh-CN" altLang="en-US" sz="2800"/>
+              <a:t>函数可以带有可变个数的参数，这些参数在函数内表现为数组的形式：</a:t>
+            </a:r>
+            <a:endParaRPr lang="zh-CN" altLang="en-US" sz="2800"/>
+          </a:p>
+        </p:txBody>
+      </p:sp>
+    </p:spTree>
+    <p:extLst>
+      <p:ext uri="{BB962C8B-B14F-4D97-AF65-F5344CB8AC3E}">
+        <p14:creationId xmlns:p14="http://schemas.microsoft.com/office/powerpoint/2010/main" val="3122180774"/>
+      </p:ext>
+    </p:extLst>
+  </p:cSld>
+  <p:clrMapOvr>
+    <a:masterClrMapping/>
+  </p:clrMapOvr>
+  <p:timing>
+    <p:tnLst>
+      <p:par>
+        <p:cTn id="1" dur="indefinite" restart="never" nodeType="tmRoot"/>
+      </p:par>
+    </p:tnLst>
+  </p:timing>
+</p:sld>
+</file>
+
+<file path=ppt/slides/slide19.xml><?xml version="1.0" encoding="utf-8"?>
+<p:sld xmlns:a="http://schemas.openxmlformats.org/drawingml/2006/main" xmlns:r="http://schemas.openxmlformats.org/officeDocument/2006/relationships" xmlns:p="http://schemas.openxmlformats.org/presentationml/2006/main">
+  <p:cSld>
+    <p:spTree>
+      <p:nvGrpSpPr>
+        <p:cNvPr id="1" name=""/>
+        <p:cNvGrpSpPr/>
+        <p:nvPr/>
+      </p:nvGrpSpPr>
+      <p:grpSpPr>
+        <a:xfrm>
+          <a:off x="0" y="0"/>
+          <a:ext cx="0" cy="0"/>
+          <a:chOff x="0" y="0"/>
+          <a:chExt cx="0" cy="0"/>
+        </a:xfrm>
+      </p:grpSpPr>
+      <p:sp>
+        <p:nvSpPr>
+          <p:cNvPr id="2" name="TextBox 1"/>
+          <p:cNvSpPr txBox="1"/>
+          <p:nvPr/>
+        </p:nvSpPr>
+        <p:spPr>
+          <a:xfrm>
+            <a:off x="2244436" y="581891"/>
+            <a:ext cx="2339102" cy="523220"/>
+          </a:xfrm>
+          <a:prstGeom prst="rect">
+            <a:avLst/>
+          </a:prstGeom>
+          <a:noFill/>
+        </p:spPr>
+        <p:txBody>
+          <a:bodyPr wrap="none" rtlCol="0">
+            <a:spAutoFit/>
+          </a:bodyPr>
+          <a:lstStyle/>
+          <a:p>
+            <a:r>
+              <a:rPr lang="zh-CN" altLang="en-US" sz="2800" smtClean="0"/>
+              <a:t>函数嵌套使用</a:t>
+            </a:r>
+            <a:endParaRPr lang="zh-CN" altLang="en-US" sz="2800"/>
+          </a:p>
+        </p:txBody>
+      </p:sp>
+      <p:pic>
+        <p:nvPicPr>
+          <p:cNvPr id="3074" name="Picture 2"/>
+          <p:cNvPicPr>
+            <a:picLocks noChangeAspect="1" noChangeArrowheads="1"/>
+          </p:cNvPicPr>
+          <p:nvPr/>
+        </p:nvPicPr>
+        <p:blipFill>
+          <a:blip r:embed="rId2">
+            <a:extLst>
+              <a:ext uri="{28A0092B-C50C-407E-A947-70E740481C1C}">
+                <a14:useLocalDpi xmlns:a14="http://schemas.microsoft.com/office/drawing/2010/main" val="0"/>
+              </a:ext>
+            </a:extLst>
+          </a:blip>
+          <a:srcRect/>
+          <a:stretch>
+            <a:fillRect/>
+          </a:stretch>
+        </p:blipFill>
+        <p:spPr bwMode="auto">
+          <a:xfrm>
+            <a:off x="1792502" y="1679171"/>
+            <a:ext cx="5887899" cy="4555374"/>
+          </a:xfrm>
+          <a:prstGeom prst="rect">
+            <a:avLst/>
+          </a:prstGeom>
+          <a:noFill/>
+          <a:ln>
+            <a:noFill/>
+          </a:ln>
+          <a:extLst>
+            <a:ext uri="{909E8E84-426E-40DD-AFC4-6F175D3DCCD1}">
+              <a14:hiddenFill xmlns:a14="http://schemas.microsoft.com/office/drawing/2010/main">
+                <a:solidFill>
+                  <a:schemeClr val="accent1"/>
+                </a:solidFill>
+              </a14:hiddenFill>
+            </a:ext>
+            <a:ext uri="{91240B29-F687-4F45-9708-019B960494DF}">
+              <a14:hiddenLine xmlns:a14="http://schemas.microsoft.com/office/drawing/2010/main" w="9525">
+                <a:solidFill>
+                  <a:schemeClr val="tx1"/>
+                </a:solidFill>
+                <a:miter lim="800000"/>
+                <a:headEnd/>
+                <a:tailEnd/>
+              </a14:hiddenLine>
+            </a:ext>
+          </a:extLst>
+        </p:spPr>
+      </p:pic>
+    </p:spTree>
+    <p:extLst>
+      <p:ext uri="{BB962C8B-B14F-4D97-AF65-F5344CB8AC3E}">
+        <p14:creationId xmlns:p14="http://schemas.microsoft.com/office/powerpoint/2010/main" val="4153412684"/>
+      </p:ext>
+    </p:extLst>
+  </p:cSld>
+  <p:clrMapOvr>
+    <a:masterClrMapping/>
+  </p:clrMapOvr>
+  <p:timing>
+    <p:tnLst>
+      <p:par>
+        <p:cTn id="1" dur="indefinite" restart="never" nodeType="tmRoot"/>
+      </p:par>
+    </p:tnLst>
+  </p:timing>
 </p:sld>
 </file>
 
@@ -3315,15 +6579,7 @@
             </a:r>
             <a:r>
               <a:rPr lang="zh-CN" altLang="en-US" dirty="0" smtClean="0"/>
-              <a:t>是一种</a:t>
-            </a:r>
-            <a:r>
-              <a:rPr lang="zh-CN" altLang="en-US" dirty="0" smtClean="0"/>
-              <a:t>全</a:t>
-            </a:r>
-            <a:r>
-              <a:rPr lang="zh-CN" altLang="en-US" dirty="0" smtClean="0"/>
-              <a:t>新的编程语</a:t>
+              <a:t>是一种全新的编程语</a:t>
             </a:r>
             <a:r>
               <a:rPr lang="zh-CN" altLang="en-US" dirty="0"/>
@@ -3403,11 +6659,7 @@
             </a:r>
             <a:r>
               <a:rPr lang="zh-CN" altLang="en-US" dirty="0" smtClean="0"/>
-              <a:t>基于</a:t>
-            </a:r>
-            <a:r>
-              <a:rPr lang="zh-CN" altLang="en-US" dirty="0" smtClean="0"/>
-              <a:t> </a:t>
+              <a:t>基于 </a:t>
             </a:r>
             <a:r>
               <a:rPr lang="en-US" altLang="zh-CN" dirty="0" smtClean="0"/>
@@ -3439,6 +6691,1791 @@
   <p:clrMapOvr>
     <a:masterClrMapping/>
   </p:clrMapOvr>
+  <p:timing>
+    <p:tnLst>
+      <p:par>
+        <p:cTn id="1" dur="indefinite" restart="never" nodeType="tmRoot"/>
+      </p:par>
+    </p:tnLst>
+  </p:timing>
+</p:sld>
+</file>
+
+<file path=ppt/slides/slide20.xml><?xml version="1.0" encoding="utf-8"?>
+<p:sld xmlns:a="http://schemas.openxmlformats.org/drawingml/2006/main" xmlns:r="http://schemas.openxmlformats.org/officeDocument/2006/relationships" xmlns:p="http://schemas.openxmlformats.org/presentationml/2006/main">
+  <p:cSld>
+    <p:spTree>
+      <p:nvGrpSpPr>
+        <p:cNvPr id="1" name=""/>
+        <p:cNvGrpSpPr/>
+        <p:nvPr/>
+      </p:nvGrpSpPr>
+      <p:grpSpPr>
+        <a:xfrm>
+          <a:off x="0" y="0"/>
+          <a:ext cx="0" cy="0"/>
+          <a:chOff x="0" y="0"/>
+          <a:chExt cx="0" cy="0"/>
+        </a:xfrm>
+      </p:grpSpPr>
+      <p:pic>
+        <p:nvPicPr>
+          <p:cNvPr id="4098" name="Picture 2"/>
+          <p:cNvPicPr>
+            <a:picLocks noChangeAspect="1" noChangeArrowheads="1"/>
+          </p:cNvPicPr>
+          <p:nvPr/>
+        </p:nvPicPr>
+        <p:blipFill>
+          <a:blip r:embed="rId2">
+            <a:extLst>
+              <a:ext uri="{28A0092B-C50C-407E-A947-70E740481C1C}">
+                <a14:useLocalDpi xmlns:a14="http://schemas.microsoft.com/office/drawing/2010/main" val="0"/>
+              </a:ext>
+            </a:extLst>
+          </a:blip>
+          <a:srcRect/>
+          <a:stretch>
+            <a:fillRect/>
+          </a:stretch>
+        </p:blipFill>
+        <p:spPr bwMode="auto">
+          <a:xfrm>
+            <a:off x="1393420" y="2010120"/>
+            <a:ext cx="6810133" cy="4141297"/>
+          </a:xfrm>
+          <a:prstGeom prst="rect">
+            <a:avLst/>
+          </a:prstGeom>
+          <a:noFill/>
+          <a:ln>
+            <a:noFill/>
+          </a:ln>
+          <a:extLst>
+            <a:ext uri="{909E8E84-426E-40DD-AFC4-6F175D3DCCD1}">
+              <a14:hiddenFill xmlns:a14="http://schemas.microsoft.com/office/drawing/2010/main">
+                <a:solidFill>
+                  <a:schemeClr val="accent1"/>
+                </a:solidFill>
+              </a14:hiddenFill>
+            </a:ext>
+            <a:ext uri="{91240B29-F687-4F45-9708-019B960494DF}">
+              <a14:hiddenLine xmlns:a14="http://schemas.microsoft.com/office/drawing/2010/main" w="9525">
+                <a:solidFill>
+                  <a:schemeClr val="tx1"/>
+                </a:solidFill>
+                <a:miter lim="800000"/>
+                <a:headEnd/>
+                <a:tailEnd/>
+              </a14:hiddenLine>
+            </a:ext>
+          </a:extLst>
+        </p:spPr>
+      </p:pic>
+      <p:sp>
+        <p:nvSpPr>
+          <p:cNvPr id="3" name="TextBox 2"/>
+          <p:cNvSpPr txBox="1"/>
+          <p:nvPr/>
+        </p:nvSpPr>
+        <p:spPr>
+          <a:xfrm>
+            <a:off x="1712421" y="843501"/>
+            <a:ext cx="3488455" cy="523220"/>
+          </a:xfrm>
+          <a:prstGeom prst="rect">
+            <a:avLst/>
+          </a:prstGeom>
+          <a:noFill/>
+        </p:spPr>
+        <p:txBody>
+          <a:bodyPr wrap="none" rtlCol="0">
+            <a:spAutoFit/>
+          </a:bodyPr>
+          <a:lstStyle/>
+          <a:p>
+            <a:r>
+              <a:rPr lang="zh-CN" altLang="en-US" sz="2800" smtClean="0"/>
+              <a:t>函数可以作为 返回</a:t>
+            </a:r>
+            <a:r>
+              <a:rPr lang="zh-CN" altLang="en-US" sz="2800"/>
+              <a:t>值</a:t>
+            </a:r>
+            <a:endParaRPr lang="zh-CN" altLang="en-US" sz="2800"/>
+          </a:p>
+        </p:txBody>
+      </p:sp>
+    </p:spTree>
+    <p:extLst>
+      <p:ext uri="{BB962C8B-B14F-4D97-AF65-F5344CB8AC3E}">
+        <p14:creationId xmlns:p14="http://schemas.microsoft.com/office/powerpoint/2010/main" val="776555690"/>
+      </p:ext>
+    </p:extLst>
+  </p:cSld>
+  <p:clrMapOvr>
+    <a:masterClrMapping/>
+  </p:clrMapOvr>
+  <p:timing>
+    <p:tnLst>
+      <p:par>
+        <p:cTn id="1" dur="indefinite" restart="never" nodeType="tmRoot"/>
+      </p:par>
+    </p:tnLst>
+  </p:timing>
+</p:sld>
+</file>
+
+<file path=ppt/slides/slide21.xml><?xml version="1.0" encoding="utf-8"?>
+<p:sld xmlns:a="http://schemas.openxmlformats.org/drawingml/2006/main" xmlns:r="http://schemas.openxmlformats.org/officeDocument/2006/relationships" xmlns:p="http://schemas.openxmlformats.org/presentationml/2006/main">
+  <p:cSld>
+    <p:spTree>
+      <p:nvGrpSpPr>
+        <p:cNvPr id="1" name=""/>
+        <p:cNvGrpSpPr/>
+        <p:nvPr/>
+      </p:nvGrpSpPr>
+      <p:grpSpPr>
+        <a:xfrm>
+          <a:off x="0" y="0"/>
+          <a:ext cx="0" cy="0"/>
+          <a:chOff x="0" y="0"/>
+          <a:chExt cx="0" cy="0"/>
+        </a:xfrm>
+      </p:grpSpPr>
+      <p:pic>
+        <p:nvPicPr>
+          <p:cNvPr id="5122" name="Picture 2"/>
+          <p:cNvPicPr>
+            <a:picLocks noChangeAspect="1" noChangeArrowheads="1"/>
+          </p:cNvPicPr>
+          <p:nvPr/>
+        </p:nvPicPr>
+        <p:blipFill>
+          <a:blip r:embed="rId2">
+            <a:extLst>
+              <a:ext uri="{28A0092B-C50C-407E-A947-70E740481C1C}">
+                <a14:useLocalDpi xmlns:a14="http://schemas.microsoft.com/office/drawing/2010/main" val="0"/>
+              </a:ext>
+            </a:extLst>
+          </a:blip>
+          <a:srcRect/>
+          <a:stretch>
+            <a:fillRect/>
+          </a:stretch>
+        </p:blipFill>
+        <p:spPr bwMode="auto">
+          <a:xfrm>
+            <a:off x="1030865" y="1108189"/>
+            <a:ext cx="7398240" cy="5382903"/>
+          </a:xfrm>
+          <a:prstGeom prst="rect">
+            <a:avLst/>
+          </a:prstGeom>
+          <a:noFill/>
+          <a:ln>
+            <a:noFill/>
+          </a:ln>
+          <a:extLst>
+            <a:ext uri="{909E8E84-426E-40DD-AFC4-6F175D3DCCD1}">
+              <a14:hiddenFill xmlns:a14="http://schemas.microsoft.com/office/drawing/2010/main">
+                <a:solidFill>
+                  <a:schemeClr val="accent1"/>
+                </a:solidFill>
+              </a14:hiddenFill>
+            </a:ext>
+            <a:ext uri="{91240B29-F687-4F45-9708-019B960494DF}">
+              <a14:hiddenLine xmlns:a14="http://schemas.microsoft.com/office/drawing/2010/main" w="9525">
+                <a:solidFill>
+                  <a:schemeClr val="tx1"/>
+                </a:solidFill>
+                <a:miter lim="800000"/>
+                <a:headEnd/>
+                <a:tailEnd/>
+              </a14:hiddenLine>
+            </a:ext>
+          </a:extLst>
+        </p:spPr>
+      </p:pic>
+      <p:sp>
+        <p:nvSpPr>
+          <p:cNvPr id="3" name="TextBox 2"/>
+          <p:cNvSpPr txBox="1"/>
+          <p:nvPr/>
+        </p:nvSpPr>
+        <p:spPr>
+          <a:xfrm>
+            <a:off x="1246909" y="320281"/>
+            <a:ext cx="5929828" cy="523220"/>
+          </a:xfrm>
+          <a:prstGeom prst="rect">
+            <a:avLst/>
+          </a:prstGeom>
+          <a:noFill/>
+        </p:spPr>
+        <p:txBody>
+          <a:bodyPr wrap="none" rtlCol="0">
+            <a:spAutoFit/>
+          </a:bodyPr>
+          <a:lstStyle/>
+          <a:p>
+            <a:r>
+              <a:rPr lang="zh-CN" altLang="en-US" sz="2800"/>
+              <a:t>函数也可以当做参数传入另一个函数</a:t>
+            </a:r>
+            <a:endParaRPr lang="zh-CN" altLang="en-US" sz="2800"/>
+          </a:p>
+        </p:txBody>
+      </p:sp>
+    </p:spTree>
+    <p:extLst>
+      <p:ext uri="{BB962C8B-B14F-4D97-AF65-F5344CB8AC3E}">
+        <p14:creationId xmlns:p14="http://schemas.microsoft.com/office/powerpoint/2010/main" val="80208242"/>
+      </p:ext>
+    </p:extLst>
+  </p:cSld>
+  <p:clrMapOvr>
+    <a:masterClrMapping/>
+  </p:clrMapOvr>
+  <p:timing>
+    <p:tnLst>
+      <p:par>
+        <p:cTn id="1" dur="indefinite" restart="never" nodeType="tmRoot"/>
+      </p:par>
+    </p:tnLst>
+  </p:timing>
+</p:sld>
+</file>
+
+<file path=ppt/slides/slide22.xml><?xml version="1.0" encoding="utf-8"?>
+<p:sld xmlns:a="http://schemas.openxmlformats.org/drawingml/2006/main" xmlns:r="http://schemas.openxmlformats.org/officeDocument/2006/relationships" xmlns:p="http://schemas.openxmlformats.org/presentationml/2006/main">
+  <p:cSld>
+    <p:spTree>
+      <p:nvGrpSpPr>
+        <p:cNvPr id="1" name=""/>
+        <p:cNvGrpSpPr/>
+        <p:nvPr/>
+      </p:nvGrpSpPr>
+      <p:grpSpPr>
+        <a:xfrm>
+          <a:off x="0" y="0"/>
+          <a:ext cx="0" cy="0"/>
+          <a:chOff x="0" y="0"/>
+          <a:chExt cx="0" cy="0"/>
+        </a:xfrm>
+      </p:grpSpPr>
+      <p:sp>
+        <p:nvSpPr>
+          <p:cNvPr id="2" name="标题 1"/>
+          <p:cNvSpPr>
+            <a:spLocks noGrp="1"/>
+          </p:cNvSpPr>
+          <p:nvPr>
+            <p:ph type="title"/>
+          </p:nvPr>
+        </p:nvSpPr>
+        <p:spPr/>
+        <p:txBody>
+          <a:bodyPr/>
+          <a:lstStyle/>
+          <a:p>
+            <a:r>
+              <a:rPr lang="zh-CN" altLang="en-US"/>
+              <a:t>对象和类</a:t>
+            </a:r>
+          </a:p>
+        </p:txBody>
+      </p:sp>
+      <p:sp>
+        <p:nvSpPr>
+          <p:cNvPr id="3" name="内容占位符 2"/>
+          <p:cNvSpPr>
+            <a:spLocks noGrp="1"/>
+          </p:cNvSpPr>
+          <p:nvPr>
+            <p:ph idx="1"/>
+          </p:nvPr>
+        </p:nvSpPr>
+        <p:spPr/>
+        <p:txBody>
+          <a:bodyPr/>
+          <a:lstStyle/>
+          <a:p>
+            <a:pPr marL="0" indent="0">
+              <a:buNone/>
+            </a:pPr>
+            <a:r>
+              <a:rPr lang="zh-CN" altLang="en-US" smtClean="0"/>
+              <a:t>         使用</a:t>
+            </a:r>
+            <a:r>
+              <a:rPr lang="en-US" altLang="zh-CN"/>
+              <a:t>class</a:t>
+            </a:r>
+            <a:r>
+              <a:rPr lang="zh-CN" altLang="en-US"/>
+              <a:t>和类名来创建一个类。类中属性的声明和常量、变量声明一样，唯一的区别就是它们的上下文是类。同样，方法和函数声明也一样。</a:t>
+            </a:r>
+            <a:endParaRPr lang="zh-CN" altLang="en-US"/>
+          </a:p>
+        </p:txBody>
+      </p:sp>
+      <p:pic>
+        <p:nvPicPr>
+          <p:cNvPr id="6146" name="Picture 2"/>
+          <p:cNvPicPr>
+            <a:picLocks noChangeAspect="1" noChangeArrowheads="1"/>
+          </p:cNvPicPr>
+          <p:nvPr/>
+        </p:nvPicPr>
+        <p:blipFill>
+          <a:blip r:embed="rId2">
+            <a:extLst>
+              <a:ext uri="{28A0092B-C50C-407E-A947-70E740481C1C}">
+                <a14:useLocalDpi xmlns:a14="http://schemas.microsoft.com/office/drawing/2010/main" val="0"/>
+              </a:ext>
+            </a:extLst>
+          </a:blip>
+          <a:srcRect/>
+          <a:stretch>
+            <a:fillRect/>
+          </a:stretch>
+        </p:blipFill>
+        <p:spPr bwMode="auto">
+          <a:xfrm>
+            <a:off x="893771" y="1306527"/>
+            <a:ext cx="7219452" cy="2931535"/>
+          </a:xfrm>
+          <a:prstGeom prst="rect">
+            <a:avLst/>
+          </a:prstGeom>
+          <a:noFill/>
+          <a:ln>
+            <a:noFill/>
+          </a:ln>
+          <a:extLst>
+            <a:ext uri="{909E8E84-426E-40DD-AFC4-6F175D3DCCD1}">
+              <a14:hiddenFill xmlns:a14="http://schemas.microsoft.com/office/drawing/2010/main">
+                <a:solidFill>
+                  <a:schemeClr val="accent1"/>
+                </a:solidFill>
+              </a14:hiddenFill>
+            </a:ext>
+            <a:ext uri="{91240B29-F687-4F45-9708-019B960494DF}">
+              <a14:hiddenLine xmlns:a14="http://schemas.microsoft.com/office/drawing/2010/main" w="9525">
+                <a:solidFill>
+                  <a:schemeClr val="tx1"/>
+                </a:solidFill>
+                <a:miter lim="800000"/>
+                <a:headEnd/>
+                <a:tailEnd/>
+              </a14:hiddenLine>
+            </a:ext>
+          </a:extLst>
+        </p:spPr>
+      </p:pic>
+      <p:pic>
+        <p:nvPicPr>
+          <p:cNvPr id="6147" name="Picture 3"/>
+          <p:cNvPicPr>
+            <a:picLocks noChangeAspect="1" noChangeArrowheads="1"/>
+          </p:cNvPicPr>
+          <p:nvPr/>
+        </p:nvPicPr>
+        <p:blipFill>
+          <a:blip r:embed="rId3">
+            <a:extLst>
+              <a:ext uri="{28A0092B-C50C-407E-A947-70E740481C1C}">
+                <a14:useLocalDpi xmlns:a14="http://schemas.microsoft.com/office/drawing/2010/main" val="0"/>
+              </a:ext>
+            </a:extLst>
+          </a:blip>
+          <a:srcRect/>
+          <a:stretch>
+            <a:fillRect/>
+          </a:stretch>
+        </p:blipFill>
+        <p:spPr bwMode="auto">
+          <a:xfrm>
+            <a:off x="893771" y="4238061"/>
+            <a:ext cx="7253454" cy="1888101"/>
+          </a:xfrm>
+          <a:prstGeom prst="rect">
+            <a:avLst/>
+          </a:prstGeom>
+          <a:noFill/>
+          <a:ln>
+            <a:noFill/>
+          </a:ln>
+          <a:extLst>
+            <a:ext uri="{909E8E84-426E-40DD-AFC4-6F175D3DCCD1}">
+              <a14:hiddenFill xmlns:a14="http://schemas.microsoft.com/office/drawing/2010/main">
+                <a:solidFill>
+                  <a:schemeClr val="accent1"/>
+                </a:solidFill>
+              </a14:hiddenFill>
+            </a:ext>
+            <a:ext uri="{91240B29-F687-4F45-9708-019B960494DF}">
+              <a14:hiddenLine xmlns:a14="http://schemas.microsoft.com/office/drawing/2010/main" w="9525">
+                <a:solidFill>
+                  <a:schemeClr val="tx1"/>
+                </a:solidFill>
+                <a:miter lim="800000"/>
+                <a:headEnd/>
+                <a:tailEnd/>
+              </a14:hiddenLine>
+            </a:ext>
+          </a:extLst>
+        </p:spPr>
+      </p:pic>
+    </p:spTree>
+    <p:extLst>
+      <p:ext uri="{BB962C8B-B14F-4D97-AF65-F5344CB8AC3E}">
+        <p14:creationId xmlns:p14="http://schemas.microsoft.com/office/powerpoint/2010/main" val="1516816460"/>
+      </p:ext>
+    </p:extLst>
+  </p:cSld>
+  <p:clrMapOvr>
+    <a:masterClrMapping/>
+  </p:clrMapOvr>
+  <p:timing>
+    <p:tnLst>
+      <p:par>
+        <p:cTn id="1" dur="indefinite" restart="never" nodeType="tmRoot">
+          <p:childTnLst>
+            <p:seq concurrent="1" nextAc="seek">
+              <p:cTn id="2" dur="indefinite" nodeType="mainSeq">
+                <p:childTnLst>
+                  <p:par>
+                    <p:cTn id="3" fill="hold">
+                      <p:stCondLst>
+                        <p:cond delay="indefinite"/>
+                      </p:stCondLst>
+                      <p:childTnLst>
+                        <p:par>
+                          <p:cTn id="4" fill="hold">
+                            <p:stCondLst>
+                              <p:cond delay="0"/>
+                            </p:stCondLst>
+                            <p:childTnLst>
+                              <p:par>
+                                <p:cTn id="5" presetID="22" presetClass="entr" presetSubtype="4" fill="hold" nodeType="clickEffect">
+                                  <p:stCondLst>
+                                    <p:cond delay="0"/>
+                                  </p:stCondLst>
+                                  <p:childTnLst>
+                                    <p:set>
+                                      <p:cBhvr>
+                                        <p:cTn id="6" dur="1" fill="hold">
+                                          <p:stCondLst>
+                                            <p:cond delay="0"/>
+                                          </p:stCondLst>
+                                        </p:cTn>
+                                        <p:tgtEl>
+                                          <p:spTgt spid="6146"/>
+                                        </p:tgtEl>
+                                        <p:attrNameLst>
+                                          <p:attrName>style.visibility</p:attrName>
+                                        </p:attrNameLst>
+                                      </p:cBhvr>
+                                      <p:to>
+                                        <p:strVal val="visible"/>
+                                      </p:to>
+                                    </p:set>
+                                    <p:animEffect transition="in" filter="wipe(down)">
+                                      <p:cBhvr>
+                                        <p:cTn id="7" dur="500"/>
+                                        <p:tgtEl>
+                                          <p:spTgt spid="6146"/>
+                                        </p:tgtEl>
+                                      </p:cBhvr>
+                                    </p:animEffect>
+                                  </p:childTnLst>
+                                </p:cTn>
+                              </p:par>
+                            </p:childTnLst>
+                          </p:cTn>
+                        </p:par>
+                      </p:childTnLst>
+                    </p:cTn>
+                  </p:par>
+                  <p:par>
+                    <p:cTn id="8" fill="hold">
+                      <p:stCondLst>
+                        <p:cond delay="indefinite"/>
+                      </p:stCondLst>
+                      <p:childTnLst>
+                        <p:par>
+                          <p:cTn id="9" fill="hold">
+                            <p:stCondLst>
+                              <p:cond delay="0"/>
+                            </p:stCondLst>
+                            <p:childTnLst>
+                              <p:par>
+                                <p:cTn id="10" presetID="16" presetClass="entr" presetSubtype="21" fill="hold" nodeType="clickEffect">
+                                  <p:stCondLst>
+                                    <p:cond delay="0"/>
+                                  </p:stCondLst>
+                                  <p:childTnLst>
+                                    <p:set>
+                                      <p:cBhvr>
+                                        <p:cTn id="11" dur="1" fill="hold">
+                                          <p:stCondLst>
+                                            <p:cond delay="0"/>
+                                          </p:stCondLst>
+                                        </p:cTn>
+                                        <p:tgtEl>
+                                          <p:spTgt spid="6147"/>
+                                        </p:tgtEl>
+                                        <p:attrNameLst>
+                                          <p:attrName>style.visibility</p:attrName>
+                                        </p:attrNameLst>
+                                      </p:cBhvr>
+                                      <p:to>
+                                        <p:strVal val="visible"/>
+                                      </p:to>
+                                    </p:set>
+                                    <p:animEffect transition="in" filter="barn(inVertical)">
+                                      <p:cBhvr>
+                                        <p:cTn id="12" dur="500"/>
+                                        <p:tgtEl>
+                                          <p:spTgt spid="6147"/>
+                                        </p:tgtEl>
+                                      </p:cBhvr>
+                                    </p:animEffect>
+                                  </p:childTnLst>
+                                </p:cTn>
+                              </p:par>
+                            </p:childTnLst>
+                          </p:cTn>
+                        </p:par>
+                      </p:childTnLst>
+                    </p:cTn>
+                  </p:par>
+                </p:childTnLst>
+              </p:cTn>
+              <p:prevCondLst>
+                <p:cond evt="onPrev" delay="0">
+                  <p:tgtEl>
+                    <p:sldTgt/>
+                  </p:tgtEl>
+                </p:cond>
+              </p:prevCondLst>
+              <p:nextCondLst>
+                <p:cond evt="onNext" delay="0">
+                  <p:tgtEl>
+                    <p:sldTgt/>
+                  </p:tgtEl>
+                </p:cond>
+              </p:nextCondLst>
+            </p:seq>
+          </p:childTnLst>
+        </p:cTn>
+      </p:par>
+    </p:tnLst>
+  </p:timing>
+</p:sld>
+</file>
+
+<file path=ppt/slides/slide23.xml><?xml version="1.0" encoding="utf-8"?>
+<p:sld xmlns:a="http://schemas.openxmlformats.org/drawingml/2006/main" xmlns:r="http://schemas.openxmlformats.org/officeDocument/2006/relationships" xmlns:p="http://schemas.openxmlformats.org/presentationml/2006/main">
+  <p:cSld>
+    <p:spTree>
+      <p:nvGrpSpPr>
+        <p:cNvPr id="1" name=""/>
+        <p:cNvGrpSpPr/>
+        <p:nvPr/>
+      </p:nvGrpSpPr>
+      <p:grpSpPr>
+        <a:xfrm>
+          <a:off x="0" y="0"/>
+          <a:ext cx="0" cy="0"/>
+          <a:chOff x="0" y="0"/>
+          <a:chExt cx="0" cy="0"/>
+        </a:xfrm>
+      </p:grpSpPr>
+      <p:sp>
+        <p:nvSpPr>
+          <p:cNvPr id="3" name="内容占位符 2"/>
+          <p:cNvSpPr>
+            <a:spLocks noGrp="1"/>
+          </p:cNvSpPr>
+          <p:nvPr>
+            <p:ph idx="1"/>
+          </p:nvPr>
+        </p:nvSpPr>
+        <p:spPr>
+          <a:xfrm>
+            <a:off x="457200" y="785552"/>
+            <a:ext cx="8229600" cy="5000106"/>
+          </a:xfrm>
+        </p:spPr>
+        <p:txBody>
+          <a:bodyPr/>
+          <a:lstStyle/>
+          <a:p>
+            <a:r>
+              <a:rPr lang="en-US" altLang="zh-CN" smtClean="0"/>
+              <a:t>init      </a:t>
+            </a:r>
+            <a:r>
+              <a:rPr lang="zh-CN" altLang="en-US" smtClean="0"/>
+              <a:t>构造函数</a:t>
+            </a:r>
+            <a:endParaRPr lang="en-US" altLang="zh-CN" smtClean="0"/>
+          </a:p>
+          <a:p>
+            <a:r>
+              <a:rPr lang="en-US" altLang="zh-CN"/>
+              <a:t>d</a:t>
+            </a:r>
+            <a:r>
+              <a:rPr lang="en-US" altLang="zh-CN" smtClean="0"/>
+              <a:t>einit     </a:t>
+            </a:r>
+            <a:r>
+              <a:rPr lang="zh-CN" altLang="en-US" smtClean="0"/>
+              <a:t>析构函数</a:t>
+            </a:r>
+            <a:endParaRPr lang="en-US" altLang="zh-CN" smtClean="0"/>
+          </a:p>
+          <a:p>
+            <a:r>
+              <a:rPr lang="en-US" altLang="zh-CN" smtClean="0"/>
+              <a:t>override     </a:t>
+            </a:r>
+            <a:r>
+              <a:rPr lang="zh-CN" altLang="en-US" smtClean="0"/>
+              <a:t>重写</a:t>
+            </a:r>
+            <a:r>
+              <a:rPr lang="zh-CN" altLang="en-US"/>
+              <a:t>父类的方法</a:t>
+            </a:r>
+            <a:endParaRPr lang="en-US" altLang="zh-CN" smtClean="0"/>
+          </a:p>
+          <a:p>
+            <a:r>
+              <a:rPr lang="en-US" altLang="zh-CN"/>
+              <a:t>getter </a:t>
+            </a:r>
+            <a:r>
+              <a:rPr lang="zh-CN" altLang="en-US"/>
+              <a:t>和 </a:t>
+            </a:r>
+            <a:r>
+              <a:rPr lang="en-US" altLang="zh-CN"/>
+              <a:t>setter </a:t>
+            </a:r>
+            <a:endParaRPr lang="en-US" altLang="zh-CN" smtClean="0"/>
+          </a:p>
+          <a:p>
+            <a:r>
+              <a:rPr lang="en-US" altLang="zh-CN" smtClean="0"/>
+              <a:t>willSet </a:t>
+            </a:r>
+            <a:r>
+              <a:rPr lang="zh-CN" altLang="en-US" smtClean="0"/>
+              <a:t>和 </a:t>
+            </a:r>
+            <a:r>
+              <a:rPr lang="en-US" altLang="zh-CN" smtClean="0"/>
+              <a:t>didSet</a:t>
+            </a:r>
+            <a:endParaRPr lang="zh-CN" altLang="en-US"/>
+          </a:p>
+        </p:txBody>
+      </p:sp>
+    </p:spTree>
+    <p:extLst>
+      <p:ext uri="{BB962C8B-B14F-4D97-AF65-F5344CB8AC3E}">
+        <p14:creationId xmlns:p14="http://schemas.microsoft.com/office/powerpoint/2010/main" val="3601146920"/>
+      </p:ext>
+    </p:extLst>
+  </p:cSld>
+  <p:clrMapOvr>
+    <a:masterClrMapping/>
+  </p:clrMapOvr>
+  <p:timing>
+    <p:tnLst>
+      <p:par>
+        <p:cTn id="1" dur="indefinite" restart="never" nodeType="tmRoot"/>
+      </p:par>
+    </p:tnLst>
+  </p:timing>
+</p:sld>
+</file>
+
+<file path=ppt/slides/slide24.xml><?xml version="1.0" encoding="utf-8"?>
+<p:sld xmlns:a="http://schemas.openxmlformats.org/drawingml/2006/main" xmlns:r="http://schemas.openxmlformats.org/officeDocument/2006/relationships" xmlns:p="http://schemas.openxmlformats.org/presentationml/2006/main">
+  <p:cSld>
+    <p:spTree>
+      <p:nvGrpSpPr>
+        <p:cNvPr id="1" name=""/>
+        <p:cNvGrpSpPr/>
+        <p:nvPr/>
+      </p:nvGrpSpPr>
+      <p:grpSpPr>
+        <a:xfrm>
+          <a:off x="0" y="0"/>
+          <a:ext cx="0" cy="0"/>
+          <a:chOff x="0" y="0"/>
+          <a:chExt cx="0" cy="0"/>
+        </a:xfrm>
+      </p:grpSpPr>
+      <p:pic>
+        <p:nvPicPr>
+          <p:cNvPr id="7171" name="Picture 3"/>
+          <p:cNvPicPr>
+            <a:picLocks noChangeAspect="1" noChangeArrowheads="1"/>
+          </p:cNvPicPr>
+          <p:nvPr/>
+        </p:nvPicPr>
+        <p:blipFill>
+          <a:blip r:embed="rId3">
+            <a:extLst>
+              <a:ext uri="{28A0092B-C50C-407E-A947-70E740481C1C}">
+                <a14:useLocalDpi xmlns:a14="http://schemas.microsoft.com/office/drawing/2010/main" val="0"/>
+              </a:ext>
+            </a:extLst>
+          </a:blip>
+          <a:srcRect/>
+          <a:stretch>
+            <a:fillRect/>
+          </a:stretch>
+        </p:blipFill>
+        <p:spPr bwMode="auto">
+          <a:xfrm>
+            <a:off x="254749" y="260725"/>
+            <a:ext cx="8683099" cy="6256453"/>
+          </a:xfrm>
+          <a:prstGeom prst="rect">
+            <a:avLst/>
+          </a:prstGeom>
+          <a:noFill/>
+          <a:ln>
+            <a:noFill/>
+          </a:ln>
+          <a:extLst>
+            <a:ext uri="{909E8E84-426E-40DD-AFC4-6F175D3DCCD1}">
+              <a14:hiddenFill xmlns:a14="http://schemas.microsoft.com/office/drawing/2010/main">
+                <a:solidFill>
+                  <a:schemeClr val="accent1"/>
+                </a:solidFill>
+              </a14:hiddenFill>
+            </a:ext>
+            <a:ext uri="{91240B29-F687-4F45-9708-019B960494DF}">
+              <a14:hiddenLine xmlns:a14="http://schemas.microsoft.com/office/drawing/2010/main" w="9525">
+                <a:solidFill>
+                  <a:schemeClr val="tx1"/>
+                </a:solidFill>
+                <a:miter lim="800000"/>
+                <a:headEnd/>
+                <a:tailEnd/>
+              </a14:hiddenLine>
+            </a:ext>
+          </a:extLst>
+        </p:spPr>
+      </p:pic>
+      <p:pic>
+        <p:nvPicPr>
+          <p:cNvPr id="7172" name="Picture 4"/>
+          <p:cNvPicPr>
+            <a:picLocks noChangeAspect="1" noChangeArrowheads="1"/>
+          </p:cNvPicPr>
+          <p:nvPr/>
+        </p:nvPicPr>
+        <p:blipFill>
+          <a:blip r:embed="rId4">
+            <a:extLst>
+              <a:ext uri="{28A0092B-C50C-407E-A947-70E740481C1C}">
+                <a14:useLocalDpi xmlns:a14="http://schemas.microsoft.com/office/drawing/2010/main" val="0"/>
+              </a:ext>
+            </a:extLst>
+          </a:blip>
+          <a:srcRect/>
+          <a:stretch>
+            <a:fillRect/>
+          </a:stretch>
+        </p:blipFill>
+        <p:spPr bwMode="auto">
+          <a:xfrm>
+            <a:off x="493082" y="-83125"/>
+            <a:ext cx="7474909" cy="7106855"/>
+          </a:xfrm>
+          <a:prstGeom prst="rect">
+            <a:avLst/>
+          </a:prstGeom>
+          <a:noFill/>
+          <a:ln>
+            <a:noFill/>
+          </a:ln>
+          <a:extLst>
+            <a:ext uri="{909E8E84-426E-40DD-AFC4-6F175D3DCCD1}">
+              <a14:hiddenFill xmlns:a14="http://schemas.microsoft.com/office/drawing/2010/main">
+                <a:solidFill>
+                  <a:schemeClr val="accent1"/>
+                </a:solidFill>
+              </a14:hiddenFill>
+            </a:ext>
+            <a:ext uri="{91240B29-F687-4F45-9708-019B960494DF}">
+              <a14:hiddenLine xmlns:a14="http://schemas.microsoft.com/office/drawing/2010/main" w="9525">
+                <a:solidFill>
+                  <a:schemeClr val="tx1"/>
+                </a:solidFill>
+                <a:miter lim="800000"/>
+                <a:headEnd/>
+                <a:tailEnd/>
+              </a14:hiddenLine>
+            </a:ext>
+          </a:extLst>
+        </p:spPr>
+      </p:pic>
+      <p:pic>
+        <p:nvPicPr>
+          <p:cNvPr id="7175" name="Picture 7"/>
+          <p:cNvPicPr>
+            <a:picLocks noChangeAspect="1" noChangeArrowheads="1"/>
+          </p:cNvPicPr>
+          <p:nvPr/>
+        </p:nvPicPr>
+        <p:blipFill>
+          <a:blip r:embed="rId5">
+            <a:extLst>
+              <a:ext uri="{28A0092B-C50C-407E-A947-70E740481C1C}">
+                <a14:useLocalDpi xmlns:a14="http://schemas.microsoft.com/office/drawing/2010/main" val="0"/>
+              </a:ext>
+            </a:extLst>
+          </a:blip>
+          <a:srcRect/>
+          <a:stretch>
+            <a:fillRect/>
+          </a:stretch>
+        </p:blipFill>
+        <p:spPr bwMode="auto">
+          <a:xfrm>
+            <a:off x="1423034" y="2959332"/>
+            <a:ext cx="7006071" cy="3092424"/>
+          </a:xfrm>
+          <a:prstGeom prst="rect">
+            <a:avLst/>
+          </a:prstGeom>
+          <a:noFill/>
+          <a:ln>
+            <a:noFill/>
+          </a:ln>
+          <a:extLst>
+            <a:ext uri="{909E8E84-426E-40DD-AFC4-6F175D3DCCD1}">
+              <a14:hiddenFill xmlns:a14="http://schemas.microsoft.com/office/drawing/2010/main">
+                <a:solidFill>
+                  <a:schemeClr val="accent1"/>
+                </a:solidFill>
+              </a14:hiddenFill>
+            </a:ext>
+            <a:ext uri="{91240B29-F687-4F45-9708-019B960494DF}">
+              <a14:hiddenLine xmlns:a14="http://schemas.microsoft.com/office/drawing/2010/main" w="9525">
+                <a:solidFill>
+                  <a:schemeClr val="tx1"/>
+                </a:solidFill>
+                <a:miter lim="800000"/>
+                <a:headEnd/>
+                <a:tailEnd/>
+              </a14:hiddenLine>
+            </a:ext>
+          </a:extLst>
+        </p:spPr>
+      </p:pic>
+    </p:spTree>
+    <p:extLst>
+      <p:ext uri="{BB962C8B-B14F-4D97-AF65-F5344CB8AC3E}">
+        <p14:creationId xmlns:p14="http://schemas.microsoft.com/office/powerpoint/2010/main" val="587061793"/>
+      </p:ext>
+    </p:extLst>
+  </p:cSld>
+  <p:clrMapOvr>
+    <a:masterClrMapping/>
+  </p:clrMapOvr>
+  <p:timing>
+    <p:tnLst>
+      <p:par>
+        <p:cTn id="1" dur="indefinite" restart="never" nodeType="tmRoot">
+          <p:childTnLst>
+            <p:seq concurrent="1" nextAc="seek">
+              <p:cTn id="2" dur="indefinite" nodeType="mainSeq">
+                <p:childTnLst>
+                  <p:par>
+                    <p:cTn id="3" fill="hold">
+                      <p:stCondLst>
+                        <p:cond delay="indefinite"/>
+                      </p:stCondLst>
+                      <p:childTnLst>
+                        <p:par>
+                          <p:cTn id="4" fill="hold">
+                            <p:stCondLst>
+                              <p:cond delay="0"/>
+                            </p:stCondLst>
+                            <p:childTnLst>
+                              <p:par>
+                                <p:cTn id="5" presetID="10" presetClass="entr" presetSubtype="0" fill="hold" nodeType="clickEffect">
+                                  <p:stCondLst>
+                                    <p:cond delay="0"/>
+                                  </p:stCondLst>
+                                  <p:childTnLst>
+                                    <p:set>
+                                      <p:cBhvr>
+                                        <p:cTn id="6" dur="1" fill="hold">
+                                          <p:stCondLst>
+                                            <p:cond delay="0"/>
+                                          </p:stCondLst>
+                                        </p:cTn>
+                                        <p:tgtEl>
+                                          <p:spTgt spid="7172"/>
+                                        </p:tgtEl>
+                                        <p:attrNameLst>
+                                          <p:attrName>style.visibility</p:attrName>
+                                        </p:attrNameLst>
+                                      </p:cBhvr>
+                                      <p:to>
+                                        <p:strVal val="visible"/>
+                                      </p:to>
+                                    </p:set>
+                                    <p:animEffect transition="in" filter="fade">
+                                      <p:cBhvr>
+                                        <p:cTn id="7" dur="500"/>
+                                        <p:tgtEl>
+                                          <p:spTgt spid="7172"/>
+                                        </p:tgtEl>
+                                      </p:cBhvr>
+                                    </p:animEffect>
+                                  </p:childTnLst>
+                                </p:cTn>
+                              </p:par>
+                            </p:childTnLst>
+                          </p:cTn>
+                        </p:par>
+                      </p:childTnLst>
+                    </p:cTn>
+                  </p:par>
+                  <p:par>
+                    <p:cTn id="8" fill="hold">
+                      <p:stCondLst>
+                        <p:cond delay="indefinite"/>
+                      </p:stCondLst>
+                      <p:childTnLst>
+                        <p:par>
+                          <p:cTn id="9" fill="hold">
+                            <p:stCondLst>
+                              <p:cond delay="0"/>
+                            </p:stCondLst>
+                            <p:childTnLst>
+                              <p:par>
+                                <p:cTn id="10" presetID="16" presetClass="entr" presetSubtype="21" fill="hold" nodeType="clickEffect">
+                                  <p:stCondLst>
+                                    <p:cond delay="0"/>
+                                  </p:stCondLst>
+                                  <p:childTnLst>
+                                    <p:set>
+                                      <p:cBhvr>
+                                        <p:cTn id="11" dur="1" fill="hold">
+                                          <p:stCondLst>
+                                            <p:cond delay="0"/>
+                                          </p:stCondLst>
+                                        </p:cTn>
+                                        <p:tgtEl>
+                                          <p:spTgt spid="7175"/>
+                                        </p:tgtEl>
+                                        <p:attrNameLst>
+                                          <p:attrName>style.visibility</p:attrName>
+                                        </p:attrNameLst>
+                                      </p:cBhvr>
+                                      <p:to>
+                                        <p:strVal val="visible"/>
+                                      </p:to>
+                                    </p:set>
+                                    <p:animEffect transition="in" filter="barn(inVertical)">
+                                      <p:cBhvr>
+                                        <p:cTn id="12" dur="500"/>
+                                        <p:tgtEl>
+                                          <p:spTgt spid="7175"/>
+                                        </p:tgtEl>
+                                      </p:cBhvr>
+                                    </p:animEffect>
+                                  </p:childTnLst>
+                                </p:cTn>
+                              </p:par>
+                            </p:childTnLst>
+                          </p:cTn>
+                        </p:par>
+                      </p:childTnLst>
+                    </p:cTn>
+                  </p:par>
+                </p:childTnLst>
+              </p:cTn>
+              <p:prevCondLst>
+                <p:cond evt="onPrev" delay="0">
+                  <p:tgtEl>
+                    <p:sldTgt/>
+                  </p:tgtEl>
+                </p:cond>
+              </p:prevCondLst>
+              <p:nextCondLst>
+                <p:cond evt="onNext" delay="0">
+                  <p:tgtEl>
+                    <p:sldTgt/>
+                  </p:tgtEl>
+                </p:cond>
+              </p:nextCondLst>
+            </p:seq>
+          </p:childTnLst>
+        </p:cTn>
+      </p:par>
+    </p:tnLst>
+  </p:timing>
+</p:sld>
+</file>
+
+<file path=ppt/slides/slide25.xml><?xml version="1.0" encoding="utf-8"?>
+<p:sld xmlns:a="http://schemas.openxmlformats.org/drawingml/2006/main" xmlns:r="http://schemas.openxmlformats.org/officeDocument/2006/relationships" xmlns:p="http://schemas.openxmlformats.org/presentationml/2006/main">
+  <p:cSld>
+    <p:spTree>
+      <p:nvGrpSpPr>
+        <p:cNvPr id="1" name=""/>
+        <p:cNvGrpSpPr/>
+        <p:nvPr/>
+      </p:nvGrpSpPr>
+      <p:grpSpPr>
+        <a:xfrm>
+          <a:off x="0" y="0"/>
+          <a:ext cx="0" cy="0"/>
+          <a:chOff x="0" y="0"/>
+          <a:chExt cx="0" cy="0"/>
+        </a:xfrm>
+      </p:grpSpPr>
+      <p:sp>
+        <p:nvSpPr>
+          <p:cNvPr id="2" name="标题 1"/>
+          <p:cNvSpPr>
+            <a:spLocks noGrp="1"/>
+          </p:cNvSpPr>
+          <p:nvPr>
+            <p:ph type="title"/>
+          </p:nvPr>
+        </p:nvSpPr>
+        <p:spPr/>
+        <p:txBody>
+          <a:bodyPr/>
+          <a:lstStyle/>
+          <a:p>
+            <a:r>
+              <a:rPr lang="zh-CN" altLang="en-US"/>
+              <a:t>枚举和结构体</a:t>
+            </a:r>
+          </a:p>
+        </p:txBody>
+      </p:sp>
+      <p:sp>
+        <p:nvSpPr>
+          <p:cNvPr id="3" name="内容占位符 2"/>
+          <p:cNvSpPr>
+            <a:spLocks noGrp="1"/>
+          </p:cNvSpPr>
+          <p:nvPr>
+            <p:ph idx="1"/>
+          </p:nvPr>
+        </p:nvSpPr>
+        <p:spPr>
+          <a:xfrm>
+            <a:off x="457200" y="1600200"/>
+            <a:ext cx="8229600" cy="3670069"/>
+          </a:xfrm>
+        </p:spPr>
+        <p:txBody>
+          <a:bodyPr>
+            <a:normAutofit fontScale="85000" lnSpcReduction="10000"/>
+          </a:bodyPr>
+          <a:lstStyle/>
+          <a:p>
+            <a:pPr marL="0" indent="0">
+              <a:buNone/>
+            </a:pPr>
+            <a:r>
+              <a:rPr lang="zh-CN" altLang="en-US" smtClean="0"/>
+              <a:t>        使用</a:t>
+            </a:r>
+            <a:r>
+              <a:rPr lang="en-US" altLang="zh-CN"/>
+              <a:t>enum</a:t>
+            </a:r>
+            <a:r>
+              <a:rPr lang="zh-CN" altLang="en-US"/>
+              <a:t>来创建一个枚举。就像类和其他所有命名类型一样，枚举可以包含</a:t>
+            </a:r>
+            <a:r>
+              <a:rPr lang="zh-CN" altLang="en-US"/>
+              <a:t>方法</a:t>
+            </a:r>
+            <a:r>
+              <a:rPr lang="zh-CN" altLang="en-US" smtClean="0"/>
+              <a:t>。</a:t>
+            </a:r>
+            <a:endParaRPr lang="en-US" altLang="zh-CN" smtClean="0"/>
+          </a:p>
+          <a:p>
+            <a:pPr marL="0" indent="0">
+              <a:buNone/>
+            </a:pPr>
+            <a:r>
+              <a:rPr lang="zh-CN" altLang="en-US" smtClean="0"/>
+              <a:t>         使用</a:t>
+            </a:r>
+            <a:r>
+              <a:rPr lang="en-US" altLang="zh-CN"/>
+              <a:t>struct</a:t>
+            </a:r>
+            <a:r>
+              <a:rPr lang="zh-CN" altLang="en-US"/>
+              <a:t>来创建一个结构体。结构体和类有很多相同的地方，比如方法和构造器。它们之间最大的一个区别就是结构体是</a:t>
+            </a:r>
+            <a:r>
+              <a:rPr lang="zh-CN" altLang="en-US">
+                <a:solidFill>
+                  <a:srgbClr val="FF0000"/>
+                </a:solidFill>
+              </a:rPr>
+              <a:t>传值</a:t>
+            </a:r>
+            <a:r>
+              <a:rPr lang="zh-CN" altLang="en-US"/>
+              <a:t>，类是</a:t>
+            </a:r>
+            <a:r>
+              <a:rPr lang="zh-CN" altLang="en-US">
+                <a:solidFill>
+                  <a:srgbClr val="FF0000"/>
+                </a:solidFill>
+              </a:rPr>
+              <a:t>传引用</a:t>
+            </a:r>
+            <a:r>
+              <a:rPr lang="zh-CN" altLang="en-US"/>
+              <a:t>。</a:t>
+            </a:r>
+            <a:endParaRPr lang="en-US" altLang="zh-CN"/>
+          </a:p>
+        </p:txBody>
+      </p:sp>
+    </p:spTree>
+    <p:extLst>
+      <p:ext uri="{BB962C8B-B14F-4D97-AF65-F5344CB8AC3E}">
+        <p14:creationId xmlns:p14="http://schemas.microsoft.com/office/powerpoint/2010/main" val="1390291762"/>
+      </p:ext>
+    </p:extLst>
+  </p:cSld>
+  <p:clrMapOvr>
+    <a:masterClrMapping/>
+  </p:clrMapOvr>
+  <p:timing>
+    <p:tnLst>
+      <p:par>
+        <p:cTn id="1" dur="indefinite" restart="never" nodeType="tmRoot"/>
+      </p:par>
+    </p:tnLst>
+  </p:timing>
+</p:sld>
+</file>
+
+<file path=ppt/slides/slide26.xml><?xml version="1.0" encoding="utf-8"?>
+<p:sld xmlns:a="http://schemas.openxmlformats.org/drawingml/2006/main" xmlns:r="http://schemas.openxmlformats.org/officeDocument/2006/relationships" xmlns:p="http://schemas.openxmlformats.org/presentationml/2006/main">
+  <p:cSld>
+    <p:spTree>
+      <p:nvGrpSpPr>
+        <p:cNvPr id="1" name=""/>
+        <p:cNvGrpSpPr/>
+        <p:nvPr/>
+      </p:nvGrpSpPr>
+      <p:grpSpPr>
+        <a:xfrm>
+          <a:off x="0" y="0"/>
+          <a:ext cx="0" cy="0"/>
+          <a:chOff x="0" y="0"/>
+          <a:chExt cx="0" cy="0"/>
+        </a:xfrm>
+      </p:grpSpPr>
+      <p:pic>
+        <p:nvPicPr>
+          <p:cNvPr id="8194" name="Picture 2"/>
+          <p:cNvPicPr>
+            <a:picLocks noChangeAspect="1" noChangeArrowheads="1"/>
+          </p:cNvPicPr>
+          <p:nvPr/>
+        </p:nvPicPr>
+        <p:blipFill>
+          <a:blip r:embed="rId2">
+            <a:extLst>
+              <a:ext uri="{28A0092B-C50C-407E-A947-70E740481C1C}">
+                <a14:useLocalDpi xmlns:a14="http://schemas.microsoft.com/office/drawing/2010/main" val="0"/>
+              </a:ext>
+            </a:extLst>
+          </a:blip>
+          <a:srcRect/>
+          <a:stretch>
+            <a:fillRect/>
+          </a:stretch>
+        </p:blipFill>
+        <p:spPr bwMode="auto">
+          <a:xfrm>
+            <a:off x="974582" y="0"/>
+            <a:ext cx="6556750" cy="6928855"/>
+          </a:xfrm>
+          <a:prstGeom prst="rect">
+            <a:avLst/>
+          </a:prstGeom>
+          <a:noFill/>
+          <a:ln>
+            <a:noFill/>
+          </a:ln>
+          <a:extLst>
+            <a:ext uri="{909E8E84-426E-40DD-AFC4-6F175D3DCCD1}">
+              <a14:hiddenFill xmlns:a14="http://schemas.microsoft.com/office/drawing/2010/main">
+                <a:solidFill>
+                  <a:schemeClr val="accent1"/>
+                </a:solidFill>
+              </a14:hiddenFill>
+            </a:ext>
+            <a:ext uri="{91240B29-F687-4F45-9708-019B960494DF}">
+              <a14:hiddenLine xmlns:a14="http://schemas.microsoft.com/office/drawing/2010/main" w="9525">
+                <a:solidFill>
+                  <a:schemeClr val="tx1"/>
+                </a:solidFill>
+                <a:miter lim="800000"/>
+                <a:headEnd/>
+                <a:tailEnd/>
+              </a14:hiddenLine>
+            </a:ext>
+          </a:extLst>
+        </p:spPr>
+      </p:pic>
+    </p:spTree>
+    <p:extLst>
+      <p:ext uri="{BB962C8B-B14F-4D97-AF65-F5344CB8AC3E}">
+        <p14:creationId xmlns:p14="http://schemas.microsoft.com/office/powerpoint/2010/main" val="1132084840"/>
+      </p:ext>
+    </p:extLst>
+  </p:cSld>
+  <p:clrMapOvr>
+    <a:masterClrMapping/>
+  </p:clrMapOvr>
+  <p:timing>
+    <p:tnLst>
+      <p:par>
+        <p:cTn id="1" dur="indefinite" restart="never" nodeType="tmRoot"/>
+      </p:par>
+    </p:tnLst>
+  </p:timing>
+</p:sld>
+</file>
+
+<file path=ppt/slides/slide27.xml><?xml version="1.0" encoding="utf-8"?>
+<p:sld xmlns:a="http://schemas.openxmlformats.org/drawingml/2006/main" xmlns:r="http://schemas.openxmlformats.org/officeDocument/2006/relationships" xmlns:p="http://schemas.openxmlformats.org/presentationml/2006/main">
+  <p:cSld>
+    <p:spTree>
+      <p:nvGrpSpPr>
+        <p:cNvPr id="1" name=""/>
+        <p:cNvGrpSpPr/>
+        <p:nvPr/>
+      </p:nvGrpSpPr>
+      <p:grpSpPr>
+        <a:xfrm>
+          <a:off x="0" y="0"/>
+          <a:ext cx="0" cy="0"/>
+          <a:chOff x="0" y="0"/>
+          <a:chExt cx="0" cy="0"/>
+        </a:xfrm>
+      </p:grpSpPr>
+      <p:pic>
+        <p:nvPicPr>
+          <p:cNvPr id="9218" name="Picture 2"/>
+          <p:cNvPicPr>
+            <a:picLocks noChangeAspect="1" noChangeArrowheads="1"/>
+          </p:cNvPicPr>
+          <p:nvPr/>
+        </p:nvPicPr>
+        <p:blipFill>
+          <a:blip r:embed="rId2">
+            <a:extLst>
+              <a:ext uri="{28A0092B-C50C-407E-A947-70E740481C1C}">
+                <a14:useLocalDpi xmlns:a14="http://schemas.microsoft.com/office/drawing/2010/main" val="0"/>
+              </a:ext>
+            </a:extLst>
+          </a:blip>
+          <a:srcRect/>
+          <a:stretch>
+            <a:fillRect/>
+          </a:stretch>
+        </p:blipFill>
+        <p:spPr bwMode="auto">
+          <a:xfrm>
+            <a:off x="-49875" y="914920"/>
+            <a:ext cx="9334205" cy="4006214"/>
+          </a:xfrm>
+          <a:prstGeom prst="rect">
+            <a:avLst/>
+          </a:prstGeom>
+          <a:noFill/>
+          <a:ln>
+            <a:noFill/>
+          </a:ln>
+          <a:extLst>
+            <a:ext uri="{909E8E84-426E-40DD-AFC4-6F175D3DCCD1}">
+              <a14:hiddenFill xmlns:a14="http://schemas.microsoft.com/office/drawing/2010/main">
+                <a:solidFill>
+                  <a:schemeClr val="accent1"/>
+                </a:solidFill>
+              </a14:hiddenFill>
+            </a:ext>
+            <a:ext uri="{91240B29-F687-4F45-9708-019B960494DF}">
+              <a14:hiddenLine xmlns:a14="http://schemas.microsoft.com/office/drawing/2010/main" w="9525">
+                <a:solidFill>
+                  <a:schemeClr val="tx1"/>
+                </a:solidFill>
+                <a:miter lim="800000"/>
+                <a:headEnd/>
+                <a:tailEnd/>
+              </a14:hiddenLine>
+            </a:ext>
+          </a:extLst>
+        </p:spPr>
+      </p:pic>
+    </p:spTree>
+    <p:extLst>
+      <p:ext uri="{BB962C8B-B14F-4D97-AF65-F5344CB8AC3E}">
+        <p14:creationId xmlns:p14="http://schemas.microsoft.com/office/powerpoint/2010/main" val="206420368"/>
+      </p:ext>
+    </p:extLst>
+  </p:cSld>
+  <p:clrMapOvr>
+    <a:masterClrMapping/>
+  </p:clrMapOvr>
+  <p:timing>
+    <p:tnLst>
+      <p:par>
+        <p:cTn id="1" dur="indefinite" restart="never" nodeType="tmRoot"/>
+      </p:par>
+    </p:tnLst>
+  </p:timing>
+</p:sld>
+</file>
+
+<file path=ppt/slides/slide28.xml><?xml version="1.0" encoding="utf-8"?>
+<p:sld xmlns:a="http://schemas.openxmlformats.org/drawingml/2006/main" xmlns:r="http://schemas.openxmlformats.org/officeDocument/2006/relationships" xmlns:p="http://schemas.openxmlformats.org/presentationml/2006/main">
+  <p:cSld>
+    <p:spTree>
+      <p:nvGrpSpPr>
+        <p:cNvPr id="1" name=""/>
+        <p:cNvGrpSpPr/>
+        <p:nvPr/>
+      </p:nvGrpSpPr>
+      <p:grpSpPr>
+        <a:xfrm>
+          <a:off x="0" y="0"/>
+          <a:ext cx="0" cy="0"/>
+          <a:chOff x="0" y="0"/>
+          <a:chExt cx="0" cy="0"/>
+        </a:xfrm>
+      </p:grpSpPr>
+      <p:sp>
+        <p:nvSpPr>
+          <p:cNvPr id="2" name="标题 1"/>
+          <p:cNvSpPr>
+            <a:spLocks noGrp="1"/>
+          </p:cNvSpPr>
+          <p:nvPr>
+            <p:ph type="title"/>
+          </p:nvPr>
+        </p:nvSpPr>
+        <p:spPr/>
+        <p:txBody>
+          <a:bodyPr/>
+          <a:lstStyle/>
+          <a:p>
+            <a:r>
+              <a:rPr lang="zh-CN" altLang="en-US"/>
+              <a:t>协议和扩展</a:t>
+            </a:r>
+          </a:p>
+        </p:txBody>
+      </p:sp>
+      <p:sp>
+        <p:nvSpPr>
+          <p:cNvPr id="3" name="内容占位符 2"/>
+          <p:cNvSpPr>
+            <a:spLocks noGrp="1"/>
+          </p:cNvSpPr>
+          <p:nvPr>
+            <p:ph idx="1"/>
+          </p:nvPr>
+        </p:nvSpPr>
+        <p:spPr>
+          <a:xfrm>
+            <a:off x="457200" y="1600201"/>
+            <a:ext cx="8229600" cy="1375755"/>
+          </a:xfrm>
+        </p:spPr>
+        <p:txBody>
+          <a:bodyPr/>
+          <a:lstStyle/>
+          <a:p>
+            <a:pPr marL="0" indent="0">
+              <a:buNone/>
+            </a:pPr>
+            <a:r>
+              <a:rPr lang="zh-CN" altLang="en-US" smtClean="0"/>
+              <a:t>   使用</a:t>
+            </a:r>
+            <a:r>
+              <a:rPr lang="en-US" altLang="zh-CN"/>
+              <a:t>protocol</a:t>
+            </a:r>
+            <a:r>
+              <a:rPr lang="zh-CN" altLang="en-US"/>
+              <a:t>来声明一个协议。</a:t>
+            </a:r>
+            <a:endParaRPr lang="zh-CN" altLang="en-US"/>
+          </a:p>
+        </p:txBody>
+      </p:sp>
+      <p:pic>
+        <p:nvPicPr>
+          <p:cNvPr id="10242" name="Picture 2"/>
+          <p:cNvPicPr>
+            <a:picLocks noChangeAspect="1" noChangeArrowheads="1"/>
+          </p:cNvPicPr>
+          <p:nvPr/>
+        </p:nvPicPr>
+        <p:blipFill>
+          <a:blip r:embed="rId3">
+            <a:extLst>
+              <a:ext uri="{28A0092B-C50C-407E-A947-70E740481C1C}">
+                <a14:useLocalDpi xmlns:a14="http://schemas.microsoft.com/office/drawing/2010/main" val="0"/>
+              </a:ext>
+            </a:extLst>
+          </a:blip>
+          <a:srcRect/>
+          <a:stretch>
+            <a:fillRect/>
+          </a:stretch>
+        </p:blipFill>
+        <p:spPr bwMode="auto">
+          <a:xfrm>
+            <a:off x="380753" y="2975956"/>
+            <a:ext cx="8306047" cy="2907117"/>
+          </a:xfrm>
+          <a:prstGeom prst="rect">
+            <a:avLst/>
+          </a:prstGeom>
+          <a:noFill/>
+          <a:ln>
+            <a:noFill/>
+          </a:ln>
+          <a:extLst>
+            <a:ext uri="{909E8E84-426E-40DD-AFC4-6F175D3DCCD1}">
+              <a14:hiddenFill xmlns:a14="http://schemas.microsoft.com/office/drawing/2010/main">
+                <a:solidFill>
+                  <a:schemeClr val="accent1"/>
+                </a:solidFill>
+              </a14:hiddenFill>
+            </a:ext>
+            <a:ext uri="{91240B29-F687-4F45-9708-019B960494DF}">
+              <a14:hiddenLine xmlns:a14="http://schemas.microsoft.com/office/drawing/2010/main" w="9525">
+                <a:solidFill>
+                  <a:schemeClr val="tx1"/>
+                </a:solidFill>
+                <a:miter lim="800000"/>
+                <a:headEnd/>
+                <a:tailEnd/>
+              </a14:hiddenLine>
+            </a:ext>
+          </a:extLst>
+        </p:spPr>
+      </p:pic>
+    </p:spTree>
+    <p:extLst>
+      <p:ext uri="{BB962C8B-B14F-4D97-AF65-F5344CB8AC3E}">
+        <p14:creationId xmlns:p14="http://schemas.microsoft.com/office/powerpoint/2010/main" val="114605629"/>
+      </p:ext>
+    </p:extLst>
+  </p:cSld>
+  <p:clrMapOvr>
+    <a:masterClrMapping/>
+  </p:clrMapOvr>
+  <p:timing>
+    <p:tnLst>
+      <p:par>
+        <p:cTn id="1" dur="indefinite" restart="never" nodeType="tmRoot"/>
+      </p:par>
+    </p:tnLst>
+  </p:timing>
+</p:sld>
+</file>
+
+<file path=ppt/slides/slide29.xml><?xml version="1.0" encoding="utf-8"?>
+<p:sld xmlns:a="http://schemas.openxmlformats.org/drawingml/2006/main" xmlns:r="http://schemas.openxmlformats.org/officeDocument/2006/relationships" xmlns:p="http://schemas.openxmlformats.org/presentationml/2006/main">
+  <p:cSld>
+    <p:spTree>
+      <p:nvGrpSpPr>
+        <p:cNvPr id="1" name=""/>
+        <p:cNvGrpSpPr/>
+        <p:nvPr/>
+      </p:nvGrpSpPr>
+      <p:grpSpPr>
+        <a:xfrm>
+          <a:off x="0" y="0"/>
+          <a:ext cx="0" cy="0"/>
+          <a:chOff x="0" y="0"/>
+          <a:chExt cx="0" cy="0"/>
+        </a:xfrm>
+      </p:grpSpPr>
+      <p:sp>
+        <p:nvSpPr>
+          <p:cNvPr id="2" name="TextBox 1"/>
+          <p:cNvSpPr txBox="1"/>
+          <p:nvPr/>
+        </p:nvSpPr>
+        <p:spPr>
+          <a:xfrm>
+            <a:off x="598515" y="304343"/>
+            <a:ext cx="8113221" cy="523220"/>
+          </a:xfrm>
+          <a:prstGeom prst="rect">
+            <a:avLst/>
+          </a:prstGeom>
+          <a:noFill/>
+        </p:spPr>
+        <p:txBody>
+          <a:bodyPr wrap="square" rtlCol="0">
+            <a:spAutoFit/>
+          </a:bodyPr>
+          <a:lstStyle/>
+          <a:p>
+            <a:r>
+              <a:rPr lang="zh-CN" altLang="en-US" sz="2800"/>
+              <a:t>类、枚举和结构体都可以实现协议。</a:t>
+            </a:r>
+            <a:endParaRPr lang="zh-CN" altLang="en-US" sz="2800"/>
+          </a:p>
+        </p:txBody>
+      </p:sp>
+      <p:pic>
+        <p:nvPicPr>
+          <p:cNvPr id="11267" name="Picture 3"/>
+          <p:cNvPicPr>
+            <a:picLocks noChangeAspect="1" noChangeArrowheads="1"/>
+          </p:cNvPicPr>
+          <p:nvPr/>
+        </p:nvPicPr>
+        <p:blipFill>
+          <a:blip r:embed="rId3">
+            <a:extLst>
+              <a:ext uri="{28A0092B-C50C-407E-A947-70E740481C1C}">
+                <a14:useLocalDpi xmlns:a14="http://schemas.microsoft.com/office/drawing/2010/main" val="0"/>
+              </a:ext>
+            </a:extLst>
+          </a:blip>
+          <a:srcRect/>
+          <a:stretch>
+            <a:fillRect/>
+          </a:stretch>
+        </p:blipFill>
+        <p:spPr bwMode="auto">
+          <a:xfrm>
+            <a:off x="178811" y="827563"/>
+            <a:ext cx="8350045" cy="4455494"/>
+          </a:xfrm>
+          <a:prstGeom prst="rect">
+            <a:avLst/>
+          </a:prstGeom>
+          <a:noFill/>
+          <a:ln>
+            <a:noFill/>
+          </a:ln>
+          <a:extLst>
+            <a:ext uri="{909E8E84-426E-40DD-AFC4-6F175D3DCCD1}">
+              <a14:hiddenFill xmlns:a14="http://schemas.microsoft.com/office/drawing/2010/main">
+                <a:solidFill>
+                  <a:schemeClr val="accent1"/>
+                </a:solidFill>
+              </a14:hiddenFill>
+            </a:ext>
+            <a:ext uri="{91240B29-F687-4F45-9708-019B960494DF}">
+              <a14:hiddenLine xmlns:a14="http://schemas.microsoft.com/office/drawing/2010/main" w="9525">
+                <a:solidFill>
+                  <a:schemeClr val="tx1"/>
+                </a:solidFill>
+                <a:miter lim="800000"/>
+                <a:headEnd/>
+                <a:tailEnd/>
+              </a14:hiddenLine>
+            </a:ext>
+          </a:extLst>
+        </p:spPr>
+      </p:pic>
+      <p:pic>
+        <p:nvPicPr>
+          <p:cNvPr id="11268" name="Picture 4"/>
+          <p:cNvPicPr>
+            <a:picLocks noChangeAspect="1" noChangeArrowheads="1"/>
+          </p:cNvPicPr>
+          <p:nvPr/>
+        </p:nvPicPr>
+        <p:blipFill>
+          <a:blip r:embed="rId4">
+            <a:extLst>
+              <a:ext uri="{28A0092B-C50C-407E-A947-70E740481C1C}">
+                <a14:useLocalDpi xmlns:a14="http://schemas.microsoft.com/office/drawing/2010/main" val="0"/>
+              </a:ext>
+            </a:extLst>
+          </a:blip>
+          <a:srcRect/>
+          <a:stretch>
+            <a:fillRect/>
+          </a:stretch>
+        </p:blipFill>
+        <p:spPr bwMode="auto">
+          <a:xfrm>
+            <a:off x="440858" y="2412942"/>
+            <a:ext cx="8694533" cy="4445058"/>
+          </a:xfrm>
+          <a:prstGeom prst="rect">
+            <a:avLst/>
+          </a:prstGeom>
+          <a:ln w="38100" cap="sq">
+            <a:solidFill>
+              <a:srgbClr val="000000"/>
+            </a:solidFill>
+            <a:prstDash val="solid"/>
+            <a:miter lim="800000"/>
+          </a:ln>
+          <a:effectLst>
+            <a:outerShdw blurRad="50800" dist="38100" dir="2700000" algn="tl" rotWithShape="0">
+              <a:srgbClr val="000000">
+                <a:alpha val="43000"/>
+              </a:srgbClr>
+            </a:outerShdw>
+          </a:effectLst>
+          <a:extLst>
+            <a:ext uri="{909E8E84-426E-40DD-AFC4-6F175D3DCCD1}">
+              <a14:hiddenFill xmlns:a14="http://schemas.microsoft.com/office/drawing/2010/main">
+                <a:solidFill>
+                  <a:schemeClr val="accent1"/>
+                </a:solidFill>
+              </a14:hiddenFill>
+            </a:ext>
+            <a:ext uri="{91240B29-F687-4F45-9708-019B960494DF}">
+              <a14:hiddenLine xmlns:a14="http://schemas.microsoft.com/office/drawing/2010/main" w="9525">
+                <a:solidFill>
+                  <a:schemeClr val="tx1"/>
+                </a:solidFill>
+                <a:miter lim="800000"/>
+                <a:headEnd/>
+                <a:tailEnd/>
+              </a14:hiddenLine>
+            </a:ext>
+          </a:extLst>
+        </p:spPr>
+      </p:pic>
+    </p:spTree>
+    <p:extLst>
+      <p:ext uri="{BB962C8B-B14F-4D97-AF65-F5344CB8AC3E}">
+        <p14:creationId xmlns:p14="http://schemas.microsoft.com/office/powerpoint/2010/main" val="1439361575"/>
+      </p:ext>
+    </p:extLst>
+  </p:cSld>
+  <p:clrMapOvr>
+    <a:masterClrMapping/>
+  </p:clrMapOvr>
+  <p:timing>
+    <p:tnLst>
+      <p:par>
+        <p:cTn id="1" dur="indefinite" restart="never" nodeType="tmRoot">
+          <p:childTnLst>
+            <p:seq concurrent="1" nextAc="seek">
+              <p:cTn id="2" dur="indefinite" nodeType="mainSeq">
+                <p:childTnLst>
+                  <p:par>
+                    <p:cTn id="3" fill="hold">
+                      <p:stCondLst>
+                        <p:cond delay="indefinite"/>
+                      </p:stCondLst>
+                      <p:childTnLst>
+                        <p:par>
+                          <p:cTn id="4" fill="hold">
+                            <p:stCondLst>
+                              <p:cond delay="0"/>
+                            </p:stCondLst>
+                            <p:childTnLst>
+                              <p:par>
+                                <p:cTn id="5" presetID="16" presetClass="entr" presetSubtype="21" fill="hold" nodeType="clickEffect">
+                                  <p:stCondLst>
+                                    <p:cond delay="0"/>
+                                  </p:stCondLst>
+                                  <p:childTnLst>
+                                    <p:set>
+                                      <p:cBhvr>
+                                        <p:cTn id="6" dur="1" fill="hold">
+                                          <p:stCondLst>
+                                            <p:cond delay="0"/>
+                                          </p:stCondLst>
+                                        </p:cTn>
+                                        <p:tgtEl>
+                                          <p:spTgt spid="11268"/>
+                                        </p:tgtEl>
+                                        <p:attrNameLst>
+                                          <p:attrName>style.visibility</p:attrName>
+                                        </p:attrNameLst>
+                                      </p:cBhvr>
+                                      <p:to>
+                                        <p:strVal val="visible"/>
+                                      </p:to>
+                                    </p:set>
+                                    <p:animEffect transition="in" filter="barn(inVertical)">
+                                      <p:cBhvr>
+                                        <p:cTn id="7" dur="500"/>
+                                        <p:tgtEl>
+                                          <p:spTgt spid="11268"/>
+                                        </p:tgtEl>
+                                      </p:cBhvr>
+                                    </p:animEffect>
+                                  </p:childTnLst>
+                                </p:cTn>
+                              </p:par>
+                            </p:childTnLst>
+                          </p:cTn>
+                        </p:par>
+                      </p:childTnLst>
+                    </p:cTn>
+                  </p:par>
+                </p:childTnLst>
+              </p:cTn>
+              <p:prevCondLst>
+                <p:cond evt="onPrev" delay="0">
+                  <p:tgtEl>
+                    <p:sldTgt/>
+                  </p:tgtEl>
+                </p:cond>
+              </p:prevCondLst>
+              <p:nextCondLst>
+                <p:cond evt="onNext" delay="0">
+                  <p:tgtEl>
+                    <p:sldTgt/>
+                  </p:tgtEl>
+                </p:cond>
+              </p:nextCondLst>
+            </p:seq>
+          </p:childTnLst>
+        </p:cTn>
+      </p:par>
+    </p:tnLst>
+  </p:timing>
 </p:sld>
 </file>
 
@@ -3480,15 +8517,7 @@
             </a:r>
             <a:r>
               <a:rPr lang="zh-CN" altLang="en-US" dirty="0" smtClean="0"/>
-              <a:t>创造者</a:t>
-            </a:r>
-            <a:r>
-              <a:rPr lang="zh-CN" altLang="en-US" dirty="0" smtClean="0"/>
-              <a:t>  </a:t>
-            </a:r>
-            <a:r>
-              <a:rPr lang="zh-CN" altLang="en-US" dirty="0" smtClean="0"/>
-              <a:t>克里斯</a:t>
+              <a:t>创造者  克里斯</a:t>
             </a:r>
             <a:r>
               <a:rPr lang="en-US" altLang="zh-CN" dirty="0"/>
@@ -3610,6 +8639,960 @@
   <p:clrMapOvr>
     <a:masterClrMapping/>
   </p:clrMapOvr>
+  <p:timing>
+    <p:tnLst>
+      <p:par>
+        <p:cTn id="1" dur="indefinite" restart="never" nodeType="tmRoot"/>
+      </p:par>
+    </p:tnLst>
+  </p:timing>
+</p:sld>
+</file>
+
+<file path=ppt/slides/slide30.xml><?xml version="1.0" encoding="utf-8"?>
+<p:sld xmlns:a="http://schemas.openxmlformats.org/drawingml/2006/main" xmlns:r="http://schemas.openxmlformats.org/officeDocument/2006/relationships" xmlns:p="http://schemas.openxmlformats.org/presentationml/2006/main">
+  <p:cSld>
+    <p:spTree>
+      <p:nvGrpSpPr>
+        <p:cNvPr id="1" name=""/>
+        <p:cNvGrpSpPr/>
+        <p:nvPr/>
+      </p:nvGrpSpPr>
+      <p:grpSpPr>
+        <a:xfrm>
+          <a:off x="0" y="0"/>
+          <a:ext cx="0" cy="0"/>
+          <a:chOff x="0" y="0"/>
+          <a:chExt cx="0" cy="0"/>
+        </a:xfrm>
+      </p:grpSpPr>
+      <p:sp>
+        <p:nvSpPr>
+          <p:cNvPr id="3" name="TextBox 2"/>
+          <p:cNvSpPr txBox="1"/>
+          <p:nvPr/>
+        </p:nvSpPr>
+        <p:spPr>
+          <a:xfrm>
+            <a:off x="532014" y="349132"/>
+            <a:ext cx="7747462" cy="2246769"/>
+          </a:xfrm>
+          <a:prstGeom prst="rect">
+            <a:avLst/>
+          </a:prstGeom>
+          <a:noFill/>
+        </p:spPr>
+        <p:txBody>
+          <a:bodyPr wrap="square" rtlCol="0">
+            <a:spAutoFit/>
+          </a:bodyPr>
+          <a:lstStyle/>
+          <a:p>
+            <a:r>
+              <a:rPr lang="zh-CN" altLang="en-US" sz="2800" smtClean="0"/>
+              <a:t>         使用</a:t>
+            </a:r>
+            <a:r>
+              <a:rPr lang="en-US" altLang="zh-CN" sz="2800"/>
+              <a:t>extension</a:t>
+            </a:r>
+            <a:r>
+              <a:rPr lang="zh-CN" altLang="en-US" sz="2800"/>
+              <a:t>来为现有的类型添加功能，比如新的方法和</a:t>
+            </a:r>
+            <a:r>
+              <a:rPr lang="zh-CN" altLang="en-US" sz="2800"/>
+              <a:t>参数</a:t>
+            </a:r>
+            <a:r>
+              <a:rPr lang="zh-CN" altLang="en-US" sz="2800" smtClean="0"/>
+              <a:t>。</a:t>
+            </a:r>
+            <a:endParaRPr lang="en-US" altLang="zh-CN" sz="2800" smtClean="0"/>
+          </a:p>
+          <a:p>
+            <a:r>
+              <a:rPr lang="zh-CN" altLang="en-US" sz="2800" smtClean="0"/>
+              <a:t>         你</a:t>
+            </a:r>
+            <a:r>
+              <a:rPr lang="zh-CN" altLang="en-US" sz="2800"/>
+              <a:t>可以使用扩展在别处修改定义，甚至是从外部库或者框架引入的一个类型，使得这个类型遵循某个协议。</a:t>
+            </a:r>
+            <a:endParaRPr lang="zh-CN" altLang="en-US" sz="2800"/>
+          </a:p>
+        </p:txBody>
+      </p:sp>
+      <p:pic>
+        <p:nvPicPr>
+          <p:cNvPr id="12290" name="Picture 2"/>
+          <p:cNvPicPr>
+            <a:picLocks noChangeAspect="1" noChangeArrowheads="1"/>
+          </p:cNvPicPr>
+          <p:nvPr/>
+        </p:nvPicPr>
+        <p:blipFill>
+          <a:blip r:embed="rId2">
+            <a:extLst>
+              <a:ext uri="{28A0092B-C50C-407E-A947-70E740481C1C}">
+                <a14:useLocalDpi xmlns:a14="http://schemas.microsoft.com/office/drawing/2010/main" val="0"/>
+              </a:ext>
+            </a:extLst>
+          </a:blip>
+          <a:srcRect/>
+          <a:stretch>
+            <a:fillRect/>
+          </a:stretch>
+        </p:blipFill>
+        <p:spPr bwMode="auto">
+          <a:xfrm>
+            <a:off x="1403031" y="2275776"/>
+            <a:ext cx="6627062" cy="4539919"/>
+          </a:xfrm>
+          <a:prstGeom prst="rect">
+            <a:avLst/>
+          </a:prstGeom>
+          <a:noFill/>
+          <a:ln>
+            <a:noFill/>
+          </a:ln>
+          <a:extLst>
+            <a:ext uri="{909E8E84-426E-40DD-AFC4-6F175D3DCCD1}">
+              <a14:hiddenFill xmlns:a14="http://schemas.microsoft.com/office/drawing/2010/main">
+                <a:solidFill>
+                  <a:schemeClr val="accent1"/>
+                </a:solidFill>
+              </a14:hiddenFill>
+            </a:ext>
+            <a:ext uri="{91240B29-F687-4F45-9708-019B960494DF}">
+              <a14:hiddenLine xmlns:a14="http://schemas.microsoft.com/office/drawing/2010/main" w="9525">
+                <a:solidFill>
+                  <a:schemeClr val="tx1"/>
+                </a:solidFill>
+                <a:miter lim="800000"/>
+                <a:headEnd/>
+                <a:tailEnd/>
+              </a14:hiddenLine>
+            </a:ext>
+          </a:extLst>
+        </p:spPr>
+      </p:pic>
+    </p:spTree>
+    <p:extLst>
+      <p:ext uri="{BB962C8B-B14F-4D97-AF65-F5344CB8AC3E}">
+        <p14:creationId xmlns:p14="http://schemas.microsoft.com/office/powerpoint/2010/main" val="1731045137"/>
+      </p:ext>
+    </p:extLst>
+  </p:cSld>
+  <p:clrMapOvr>
+    <a:masterClrMapping/>
+  </p:clrMapOvr>
+  <p:timing>
+    <p:tnLst>
+      <p:par>
+        <p:cTn id="1" dur="indefinite" restart="never" nodeType="tmRoot">
+          <p:childTnLst>
+            <p:seq concurrent="1" nextAc="seek">
+              <p:cTn id="2" dur="indefinite" nodeType="mainSeq">
+                <p:childTnLst>
+                  <p:par>
+                    <p:cTn id="3" fill="hold">
+                      <p:stCondLst>
+                        <p:cond delay="indefinite"/>
+                      </p:stCondLst>
+                      <p:childTnLst>
+                        <p:par>
+                          <p:cTn id="4" fill="hold">
+                            <p:stCondLst>
+                              <p:cond delay="0"/>
+                            </p:stCondLst>
+                            <p:childTnLst>
+                              <p:par>
+                                <p:cTn id="5" presetID="42" presetClass="entr" presetSubtype="0" fill="hold" nodeType="clickEffect">
+                                  <p:stCondLst>
+                                    <p:cond delay="0"/>
+                                  </p:stCondLst>
+                                  <p:childTnLst>
+                                    <p:set>
+                                      <p:cBhvr>
+                                        <p:cTn id="6" dur="1" fill="hold">
+                                          <p:stCondLst>
+                                            <p:cond delay="0"/>
+                                          </p:stCondLst>
+                                        </p:cTn>
+                                        <p:tgtEl>
+                                          <p:spTgt spid="12290"/>
+                                        </p:tgtEl>
+                                        <p:attrNameLst>
+                                          <p:attrName>style.visibility</p:attrName>
+                                        </p:attrNameLst>
+                                      </p:cBhvr>
+                                      <p:to>
+                                        <p:strVal val="visible"/>
+                                      </p:to>
+                                    </p:set>
+                                    <p:animEffect transition="in" filter="fade">
+                                      <p:cBhvr>
+                                        <p:cTn id="7" dur="1000"/>
+                                        <p:tgtEl>
+                                          <p:spTgt spid="12290"/>
+                                        </p:tgtEl>
+                                      </p:cBhvr>
+                                    </p:animEffect>
+                                    <p:anim calcmode="lin" valueType="num">
+                                      <p:cBhvr>
+                                        <p:cTn id="8" dur="1000" fill="hold"/>
+                                        <p:tgtEl>
+                                          <p:spTgt spid="12290"/>
+                                        </p:tgtEl>
+                                        <p:attrNameLst>
+                                          <p:attrName>ppt_x</p:attrName>
+                                        </p:attrNameLst>
+                                      </p:cBhvr>
+                                      <p:tavLst>
+                                        <p:tav tm="0">
+                                          <p:val>
+                                            <p:strVal val="#ppt_x"/>
+                                          </p:val>
+                                        </p:tav>
+                                        <p:tav tm="100000">
+                                          <p:val>
+                                            <p:strVal val="#ppt_x"/>
+                                          </p:val>
+                                        </p:tav>
+                                      </p:tavLst>
+                                    </p:anim>
+                                    <p:anim calcmode="lin" valueType="num">
+                                      <p:cBhvr>
+                                        <p:cTn id="9" dur="1000" fill="hold"/>
+                                        <p:tgtEl>
+                                          <p:spTgt spid="12290"/>
+                                        </p:tgtEl>
+                                        <p:attrNameLst>
+                                          <p:attrName>ppt_y</p:attrName>
+                                        </p:attrNameLst>
+                                      </p:cBhvr>
+                                      <p:tavLst>
+                                        <p:tav tm="0">
+                                          <p:val>
+                                            <p:strVal val="#ppt_y+.1"/>
+                                          </p:val>
+                                        </p:tav>
+                                        <p:tav tm="100000">
+                                          <p:val>
+                                            <p:strVal val="#ppt_y"/>
+                                          </p:val>
+                                        </p:tav>
+                                      </p:tavLst>
+                                    </p:anim>
+                                  </p:childTnLst>
+                                </p:cTn>
+                              </p:par>
+                            </p:childTnLst>
+                          </p:cTn>
+                        </p:par>
+                      </p:childTnLst>
+                    </p:cTn>
+                  </p:par>
+                </p:childTnLst>
+              </p:cTn>
+              <p:prevCondLst>
+                <p:cond evt="onPrev" delay="0">
+                  <p:tgtEl>
+                    <p:sldTgt/>
+                  </p:tgtEl>
+                </p:cond>
+              </p:prevCondLst>
+              <p:nextCondLst>
+                <p:cond evt="onNext" delay="0">
+                  <p:tgtEl>
+                    <p:sldTgt/>
+                  </p:tgtEl>
+                </p:cond>
+              </p:nextCondLst>
+            </p:seq>
+          </p:childTnLst>
+        </p:cTn>
+      </p:par>
+    </p:tnLst>
+  </p:timing>
+</p:sld>
+</file>
+
+<file path=ppt/slides/slide31.xml><?xml version="1.0" encoding="utf-8"?>
+<p:sld xmlns:a="http://schemas.openxmlformats.org/drawingml/2006/main" xmlns:r="http://schemas.openxmlformats.org/officeDocument/2006/relationships" xmlns:p="http://schemas.openxmlformats.org/presentationml/2006/main">
+  <p:cSld>
+    <p:spTree>
+      <p:nvGrpSpPr>
+        <p:cNvPr id="1" name=""/>
+        <p:cNvGrpSpPr/>
+        <p:nvPr/>
+      </p:nvGrpSpPr>
+      <p:grpSpPr>
+        <a:xfrm>
+          <a:off x="0" y="0"/>
+          <a:ext cx="0" cy="0"/>
+          <a:chOff x="0" y="0"/>
+          <a:chExt cx="0" cy="0"/>
+        </a:xfrm>
+      </p:grpSpPr>
+      <p:sp>
+        <p:nvSpPr>
+          <p:cNvPr id="2" name="标题 1"/>
+          <p:cNvSpPr>
+            <a:spLocks noGrp="1"/>
+          </p:cNvSpPr>
+          <p:nvPr>
+            <p:ph type="title"/>
+          </p:nvPr>
+        </p:nvSpPr>
+        <p:spPr/>
+        <p:txBody>
+          <a:bodyPr/>
+          <a:lstStyle/>
+          <a:p>
+            <a:r>
+              <a:rPr lang="zh-CN" altLang="en-US"/>
+              <a:t>泛型</a:t>
+            </a:r>
+          </a:p>
+        </p:txBody>
+      </p:sp>
+      <p:sp>
+        <p:nvSpPr>
+          <p:cNvPr id="3" name="内容占位符 2"/>
+          <p:cNvSpPr>
+            <a:spLocks noGrp="1"/>
+          </p:cNvSpPr>
+          <p:nvPr>
+            <p:ph idx="1"/>
+          </p:nvPr>
+        </p:nvSpPr>
+        <p:spPr/>
+        <p:txBody>
+          <a:bodyPr/>
+          <a:lstStyle/>
+          <a:p>
+            <a:pPr marL="0" indent="0">
+              <a:buNone/>
+            </a:pPr>
+            <a:r>
+              <a:rPr lang="en-US" altLang="zh-CN" smtClean="0"/>
+              <a:t>         Swift </a:t>
+            </a:r>
+            <a:r>
+              <a:rPr lang="zh-CN" altLang="en-US" smtClean="0"/>
+              <a:t>的另一个亮点是泛型，对于</a:t>
+            </a:r>
+            <a:r>
+              <a:rPr lang="en-US" altLang="zh-CN" smtClean="0"/>
+              <a:t>C++ </a:t>
+            </a:r>
+            <a:r>
+              <a:rPr lang="zh-CN" altLang="en-US" smtClean="0"/>
+              <a:t>程序员，你也可以把它看成模版。由于</a:t>
+            </a:r>
+            <a:r>
+              <a:rPr lang="en-US" altLang="zh-CN" smtClean="0"/>
+              <a:t>Swift</a:t>
+            </a:r>
+            <a:r>
+              <a:rPr lang="zh-CN" altLang="en-US" smtClean="0"/>
+              <a:t>是强类型的，因此声明方法时，必须指定参数的类型。但某些时候，你可能会定义一堆同名方法，它们仅仅是在参数类型上有所区别。这个时候你需要泛型来解决。</a:t>
+            </a:r>
+            <a:endParaRPr lang="zh-CN" altLang="en-US"/>
+          </a:p>
+        </p:txBody>
+      </p:sp>
+    </p:spTree>
+    <p:extLst>
+      <p:ext uri="{BB962C8B-B14F-4D97-AF65-F5344CB8AC3E}">
+        <p14:creationId xmlns:p14="http://schemas.microsoft.com/office/powerpoint/2010/main" val="824850735"/>
+      </p:ext>
+    </p:extLst>
+  </p:cSld>
+  <p:clrMapOvr>
+    <a:masterClrMapping/>
+  </p:clrMapOvr>
+  <p:timing>
+    <p:tnLst>
+      <p:par>
+        <p:cTn id="1" dur="indefinite" restart="never" nodeType="tmRoot"/>
+      </p:par>
+    </p:tnLst>
+  </p:timing>
+</p:sld>
+</file>
+
+<file path=ppt/slides/slide32.xml><?xml version="1.0" encoding="utf-8"?>
+<p:sld xmlns:a="http://schemas.openxmlformats.org/drawingml/2006/main" xmlns:r="http://schemas.openxmlformats.org/officeDocument/2006/relationships" xmlns:p="http://schemas.openxmlformats.org/presentationml/2006/main">
+  <p:cSld>
+    <p:spTree>
+      <p:nvGrpSpPr>
+        <p:cNvPr id="1" name=""/>
+        <p:cNvGrpSpPr/>
+        <p:nvPr/>
+      </p:nvGrpSpPr>
+      <p:grpSpPr>
+        <a:xfrm>
+          <a:off x="0" y="0"/>
+          <a:ext cx="0" cy="0"/>
+          <a:chOff x="0" y="0"/>
+          <a:chExt cx="0" cy="0"/>
+        </a:xfrm>
+      </p:grpSpPr>
+      <p:pic>
+        <p:nvPicPr>
+          <p:cNvPr id="13314" name="Picture 2"/>
+          <p:cNvPicPr>
+            <a:picLocks noChangeAspect="1" noChangeArrowheads="1"/>
+          </p:cNvPicPr>
+          <p:nvPr/>
+        </p:nvPicPr>
+        <p:blipFill>
+          <a:blip r:embed="rId2">
+            <a:extLst>
+              <a:ext uri="{28A0092B-C50C-407E-A947-70E740481C1C}">
+                <a14:useLocalDpi xmlns:a14="http://schemas.microsoft.com/office/drawing/2010/main" val="0"/>
+              </a:ext>
+            </a:extLst>
+          </a:blip>
+          <a:srcRect/>
+          <a:stretch>
+            <a:fillRect/>
+          </a:stretch>
+        </p:blipFill>
+        <p:spPr bwMode="auto">
+          <a:xfrm>
+            <a:off x="-425507" y="1043503"/>
+            <a:ext cx="10197072" cy="4492769"/>
+          </a:xfrm>
+          <a:prstGeom prst="rect">
+            <a:avLst/>
+          </a:prstGeom>
+          <a:noFill/>
+          <a:ln>
+            <a:noFill/>
+          </a:ln>
+          <a:extLst>
+            <a:ext uri="{909E8E84-426E-40DD-AFC4-6F175D3DCCD1}">
+              <a14:hiddenFill xmlns:a14="http://schemas.microsoft.com/office/drawing/2010/main">
+                <a:solidFill>
+                  <a:schemeClr val="accent1"/>
+                </a:solidFill>
+              </a14:hiddenFill>
+            </a:ext>
+            <a:ext uri="{91240B29-F687-4F45-9708-019B960494DF}">
+              <a14:hiddenLine xmlns:a14="http://schemas.microsoft.com/office/drawing/2010/main" w="9525">
+                <a:solidFill>
+                  <a:schemeClr val="tx1"/>
+                </a:solidFill>
+                <a:miter lim="800000"/>
+                <a:headEnd/>
+                <a:tailEnd/>
+              </a14:hiddenLine>
+            </a:ext>
+          </a:extLst>
+        </p:spPr>
+      </p:pic>
+    </p:spTree>
+    <p:extLst>
+      <p:ext uri="{BB962C8B-B14F-4D97-AF65-F5344CB8AC3E}">
+        <p14:creationId xmlns:p14="http://schemas.microsoft.com/office/powerpoint/2010/main" val="3349315244"/>
+      </p:ext>
+    </p:extLst>
+  </p:cSld>
+  <p:clrMapOvr>
+    <a:masterClrMapping/>
+  </p:clrMapOvr>
+  <p:timing>
+    <p:tnLst>
+      <p:par>
+        <p:cTn id="1" dur="indefinite" restart="never" nodeType="tmRoot"/>
+      </p:par>
+    </p:tnLst>
+  </p:timing>
+</p:sld>
+</file>
+
+<file path=ppt/slides/slide33.xml><?xml version="1.0" encoding="utf-8"?>
+<p:sld xmlns:a="http://schemas.openxmlformats.org/drawingml/2006/main" xmlns:r="http://schemas.openxmlformats.org/officeDocument/2006/relationships" xmlns:p="http://schemas.openxmlformats.org/presentationml/2006/main">
+  <p:cSld>
+    <p:spTree>
+      <p:nvGrpSpPr>
+        <p:cNvPr id="1" name=""/>
+        <p:cNvGrpSpPr/>
+        <p:nvPr/>
+      </p:nvGrpSpPr>
+      <p:grpSpPr>
+        <a:xfrm>
+          <a:off x="0" y="0"/>
+          <a:ext cx="0" cy="0"/>
+          <a:chOff x="0" y="0"/>
+          <a:chExt cx="0" cy="0"/>
+        </a:xfrm>
+      </p:grpSpPr>
+      <p:sp>
+        <p:nvSpPr>
+          <p:cNvPr id="2" name="矩形 1"/>
+          <p:cNvSpPr/>
+          <p:nvPr/>
+        </p:nvSpPr>
+        <p:spPr>
+          <a:xfrm>
+            <a:off x="507076" y="630601"/>
+            <a:ext cx="8154786" cy="523220"/>
+          </a:xfrm>
+          <a:prstGeom prst="rect">
+            <a:avLst/>
+          </a:prstGeom>
+        </p:spPr>
+        <p:txBody>
+          <a:bodyPr wrap="square">
+            <a:spAutoFit/>
+          </a:bodyPr>
+          <a:lstStyle/>
+          <a:p>
+            <a:r>
+              <a:rPr lang="zh-CN" altLang="en-US" sz="2800"/>
+              <a:t>你也可以创建泛型函数、方法、类、枚举和结构体。</a:t>
+            </a:r>
+            <a:endParaRPr lang="zh-CN" altLang="en-US" sz="2800"/>
+          </a:p>
+        </p:txBody>
+      </p:sp>
+      <p:pic>
+        <p:nvPicPr>
+          <p:cNvPr id="14338" name="Picture 2"/>
+          <p:cNvPicPr>
+            <a:picLocks noChangeAspect="1" noChangeArrowheads="1"/>
+          </p:cNvPicPr>
+          <p:nvPr/>
+        </p:nvPicPr>
+        <p:blipFill>
+          <a:blip r:embed="rId2">
+            <a:extLst>
+              <a:ext uri="{28A0092B-C50C-407E-A947-70E740481C1C}">
+                <a14:useLocalDpi xmlns:a14="http://schemas.microsoft.com/office/drawing/2010/main" val="0"/>
+              </a:ext>
+            </a:extLst>
+          </a:blip>
+          <a:srcRect/>
+          <a:stretch>
+            <a:fillRect/>
+          </a:stretch>
+        </p:blipFill>
+        <p:spPr bwMode="auto">
+          <a:xfrm>
+            <a:off x="756458" y="1806893"/>
+            <a:ext cx="7656022" cy="3119120"/>
+          </a:xfrm>
+          <a:prstGeom prst="rect">
+            <a:avLst/>
+          </a:prstGeom>
+          <a:noFill/>
+          <a:ln>
+            <a:noFill/>
+          </a:ln>
+          <a:extLst>
+            <a:ext uri="{909E8E84-426E-40DD-AFC4-6F175D3DCCD1}">
+              <a14:hiddenFill xmlns:a14="http://schemas.microsoft.com/office/drawing/2010/main">
+                <a:solidFill>
+                  <a:schemeClr val="accent1"/>
+                </a:solidFill>
+              </a14:hiddenFill>
+            </a:ext>
+            <a:ext uri="{91240B29-F687-4F45-9708-019B960494DF}">
+              <a14:hiddenLine xmlns:a14="http://schemas.microsoft.com/office/drawing/2010/main" w="9525">
+                <a:solidFill>
+                  <a:schemeClr val="tx1"/>
+                </a:solidFill>
+                <a:miter lim="800000"/>
+                <a:headEnd/>
+                <a:tailEnd/>
+              </a14:hiddenLine>
+            </a:ext>
+          </a:extLst>
+        </p:spPr>
+      </p:pic>
+    </p:spTree>
+    <p:extLst>
+      <p:ext uri="{BB962C8B-B14F-4D97-AF65-F5344CB8AC3E}">
+        <p14:creationId xmlns:p14="http://schemas.microsoft.com/office/powerpoint/2010/main" val="3342581949"/>
+      </p:ext>
+    </p:extLst>
+  </p:cSld>
+  <p:clrMapOvr>
+    <a:masterClrMapping/>
+  </p:clrMapOvr>
+  <p:timing>
+    <p:tnLst>
+      <p:par>
+        <p:cTn id="1" dur="indefinite" restart="never" nodeType="tmRoot"/>
+      </p:par>
+    </p:tnLst>
+  </p:timing>
+</p:sld>
+</file>
+
+<file path=ppt/slides/slide34.xml><?xml version="1.0" encoding="utf-8"?>
+<p:sld xmlns:a="http://schemas.openxmlformats.org/drawingml/2006/main" xmlns:r="http://schemas.openxmlformats.org/officeDocument/2006/relationships" xmlns:p="http://schemas.openxmlformats.org/presentationml/2006/main">
+  <p:cSld>
+    <p:spTree>
+      <p:nvGrpSpPr>
+        <p:cNvPr id="1" name=""/>
+        <p:cNvGrpSpPr/>
+        <p:nvPr/>
+      </p:nvGrpSpPr>
+      <p:grpSpPr>
+        <a:xfrm>
+          <a:off x="0" y="0"/>
+          <a:ext cx="0" cy="0"/>
+          <a:chOff x="0" y="0"/>
+          <a:chExt cx="0" cy="0"/>
+        </a:xfrm>
+      </p:grpSpPr>
+      <p:sp>
+        <p:nvSpPr>
+          <p:cNvPr id="3" name="TextBox 2"/>
+          <p:cNvSpPr txBox="1"/>
+          <p:nvPr/>
+        </p:nvSpPr>
+        <p:spPr>
+          <a:xfrm>
+            <a:off x="498763" y="315884"/>
+            <a:ext cx="8063346" cy="1384995"/>
+          </a:xfrm>
+          <a:prstGeom prst="rect">
+            <a:avLst/>
+          </a:prstGeom>
+          <a:noFill/>
+        </p:spPr>
+        <p:txBody>
+          <a:bodyPr wrap="square" rtlCol="0">
+            <a:spAutoFit/>
+          </a:bodyPr>
+          <a:lstStyle/>
+          <a:p>
+            <a:r>
+              <a:rPr lang="zh-CN" altLang="en-US" sz="2800"/>
+              <a:t>在类型名后面使用</a:t>
+            </a:r>
+            <a:r>
+              <a:rPr lang="en-US" altLang="zh-CN" sz="2800"/>
+              <a:t>where</a:t>
+            </a:r>
+            <a:r>
+              <a:rPr lang="zh-CN" altLang="en-US" sz="2800"/>
+              <a:t>来指定对类型的需求，比如，限定类型实现某一个协议，限定两个类型是相同的，或者限定某个类必须有一个特定的父类</a:t>
+            </a:r>
+            <a:endParaRPr lang="zh-CN" altLang="en-US" sz="2800"/>
+          </a:p>
+        </p:txBody>
+      </p:sp>
+      <p:pic>
+        <p:nvPicPr>
+          <p:cNvPr id="15362" name="Picture 2"/>
+          <p:cNvPicPr>
+            <a:picLocks noChangeAspect="1" noChangeArrowheads="1"/>
+          </p:cNvPicPr>
+          <p:nvPr/>
+        </p:nvPicPr>
+        <p:blipFill>
+          <a:blip r:embed="rId3">
+            <a:extLst>
+              <a:ext uri="{28A0092B-C50C-407E-A947-70E740481C1C}">
+                <a14:useLocalDpi xmlns:a14="http://schemas.microsoft.com/office/drawing/2010/main" val="0"/>
+              </a:ext>
+            </a:extLst>
+          </a:blip>
+          <a:srcRect/>
+          <a:stretch>
+            <a:fillRect/>
+          </a:stretch>
+        </p:blipFill>
+        <p:spPr bwMode="auto">
+          <a:xfrm>
+            <a:off x="-108067" y="1700879"/>
+            <a:ext cx="12954669" cy="6154648"/>
+          </a:xfrm>
+          <a:prstGeom prst="rect">
+            <a:avLst/>
+          </a:prstGeom>
+          <a:noFill/>
+          <a:ln>
+            <a:noFill/>
+          </a:ln>
+          <a:extLst>
+            <a:ext uri="{909E8E84-426E-40DD-AFC4-6F175D3DCCD1}">
+              <a14:hiddenFill xmlns:a14="http://schemas.microsoft.com/office/drawing/2010/main">
+                <a:solidFill>
+                  <a:schemeClr val="accent1"/>
+                </a:solidFill>
+              </a14:hiddenFill>
+            </a:ext>
+            <a:ext uri="{91240B29-F687-4F45-9708-019B960494DF}">
+              <a14:hiddenLine xmlns:a14="http://schemas.microsoft.com/office/drawing/2010/main" w="9525">
+                <a:solidFill>
+                  <a:schemeClr val="tx1"/>
+                </a:solidFill>
+                <a:miter lim="800000"/>
+                <a:headEnd/>
+                <a:tailEnd/>
+              </a14:hiddenLine>
+            </a:ext>
+          </a:extLst>
+        </p:spPr>
+      </p:pic>
+    </p:spTree>
+    <p:extLst>
+      <p:ext uri="{BB962C8B-B14F-4D97-AF65-F5344CB8AC3E}">
+        <p14:creationId xmlns:p14="http://schemas.microsoft.com/office/powerpoint/2010/main" val="2373833082"/>
+      </p:ext>
+    </p:extLst>
+  </p:cSld>
+  <p:clrMapOvr>
+    <a:masterClrMapping/>
+  </p:clrMapOvr>
+  <p:timing>
+    <p:tnLst>
+      <p:par>
+        <p:cTn id="1" dur="indefinite" restart="never" nodeType="tmRoot"/>
+      </p:par>
+    </p:tnLst>
+  </p:timing>
+</p:sld>
+</file>
+
+<file path=ppt/slides/slide35.xml><?xml version="1.0" encoding="utf-8"?>
+<p:sld xmlns:a="http://schemas.openxmlformats.org/drawingml/2006/main" xmlns:r="http://schemas.openxmlformats.org/officeDocument/2006/relationships" xmlns:p="http://schemas.openxmlformats.org/presentationml/2006/main">
+  <p:cSld>
+    <p:spTree>
+      <p:nvGrpSpPr>
+        <p:cNvPr id="1" name=""/>
+        <p:cNvGrpSpPr/>
+        <p:nvPr/>
+      </p:nvGrpSpPr>
+      <p:grpSpPr>
+        <a:xfrm>
+          <a:off x="0" y="0"/>
+          <a:ext cx="0" cy="0"/>
+          <a:chOff x="0" y="0"/>
+          <a:chExt cx="0" cy="0"/>
+        </a:xfrm>
+      </p:grpSpPr>
+      <p:sp>
+        <p:nvSpPr>
+          <p:cNvPr id="2" name="标题 1"/>
+          <p:cNvSpPr>
+            <a:spLocks noGrp="1"/>
+          </p:cNvSpPr>
+          <p:nvPr>
+            <p:ph type="title"/>
+          </p:nvPr>
+        </p:nvSpPr>
+        <p:spPr/>
+        <p:txBody>
+          <a:bodyPr/>
+          <a:lstStyle/>
+          <a:p>
+            <a:r>
+              <a:rPr kumimoji="1" lang="zh-CN" altLang="en-US" dirty="0" smtClean="0"/>
+              <a:t>学习参考</a:t>
+            </a:r>
+            <a:endParaRPr kumimoji="1" lang="zh-CN" altLang="en-US" dirty="0"/>
+          </a:p>
+        </p:txBody>
+      </p:sp>
+      <p:sp>
+        <p:nvSpPr>
+          <p:cNvPr id="3" name="竖排文本占位符 2"/>
+          <p:cNvSpPr>
+            <a:spLocks noGrp="1"/>
+          </p:cNvSpPr>
+          <p:nvPr>
+            <p:ph type="body" orient="vert" idx="1"/>
+          </p:nvPr>
+        </p:nvSpPr>
+        <p:spPr/>
+        <p:txBody>
+          <a:bodyPr vert="horz">
+            <a:normAutofit/>
+          </a:bodyPr>
+          <a:lstStyle/>
+          <a:p>
+            <a:pPr>
+              <a:buFont typeface="Wingdings" charset="2"/>
+              <a:buChar char="l"/>
+            </a:pPr>
+            <a:r>
+              <a:rPr kumimoji="1" lang="zh-CN" altLang="en-US" sz="2400" dirty="0" smtClean="0"/>
+              <a:t>官网：</a:t>
+            </a:r>
+            <a:r>
+              <a:rPr kumimoji="1" lang="en-US" altLang="zh-CN" sz="2400" dirty="0">
+                <a:hlinkClick r:id="rId2"/>
+              </a:rPr>
+              <a:t>https://developer.apple.com/swift</a:t>
+            </a:r>
+            <a:r>
+              <a:rPr kumimoji="1" lang="en-US" altLang="zh-CN" sz="2400" dirty="0" smtClean="0">
+                <a:hlinkClick r:id="rId2"/>
+              </a:rPr>
+              <a:t>/</a:t>
+            </a:r>
+            <a:endParaRPr kumimoji="1" lang="en-US" altLang="zh-CN" sz="2400" dirty="0" smtClean="0"/>
+          </a:p>
+          <a:p>
+            <a:pPr>
+              <a:buFont typeface="Wingdings" charset="2"/>
+              <a:buChar char="l"/>
+            </a:pPr>
+            <a:r>
+              <a:rPr kumimoji="1" lang="en-US" altLang="zh-CN" sz="2400" dirty="0" smtClean="0">
+                <a:hlinkClick r:id="rId3"/>
+              </a:rPr>
+              <a:t>《</a:t>
+            </a:r>
+            <a:r>
+              <a:rPr lang="en-US" altLang="zh-CN" sz="2400" dirty="0">
+                <a:hlinkClick r:id="rId3"/>
+              </a:rPr>
+              <a:t>The Swift Programming Language </a:t>
+            </a:r>
+            <a:r>
+              <a:rPr lang="zh-CN" altLang="en-US" sz="2400" dirty="0">
+                <a:hlinkClick r:id="rId3"/>
+              </a:rPr>
+              <a:t>中文版</a:t>
+            </a:r>
+            <a:r>
+              <a:rPr kumimoji="1" lang="en-US" altLang="zh-CN" sz="2400" dirty="0" smtClean="0">
+                <a:hlinkClick r:id="rId3"/>
+              </a:rPr>
+              <a:t>》</a:t>
+            </a:r>
+            <a:endParaRPr kumimoji="1" lang="en-US" altLang="zh-CN" sz="2400" dirty="0" smtClean="0"/>
+          </a:p>
+          <a:p>
+            <a:pPr>
+              <a:buFont typeface="Wingdings" charset="2"/>
+              <a:buChar char="l"/>
+            </a:pPr>
+            <a:r>
+              <a:rPr kumimoji="1" lang="en-US" altLang="zh-CN" sz="2400" dirty="0" err="1" smtClean="0">
+                <a:hlinkClick r:id="rId4"/>
+              </a:rPr>
+              <a:t>Cocos</a:t>
+            </a:r>
+            <a:r>
+              <a:rPr kumimoji="1" lang="zh-CN" altLang="en-US" sz="2400" dirty="0" smtClean="0">
+                <a:hlinkClick r:id="rId4"/>
+              </a:rPr>
+              <a:t> </a:t>
+            </a:r>
+            <a:r>
+              <a:rPr kumimoji="1" lang="en-US" altLang="zh-CN" sz="2400" dirty="0" smtClean="0">
+                <a:hlinkClick r:id="rId4"/>
+              </a:rPr>
+              <a:t>China</a:t>
+            </a:r>
+            <a:r>
+              <a:rPr kumimoji="1" lang="zh-CN" altLang="en-US" sz="2400" dirty="0" smtClean="0">
+                <a:hlinkClick r:id="rId4"/>
+              </a:rPr>
+              <a:t> </a:t>
+            </a:r>
+            <a:r>
+              <a:rPr kumimoji="1" lang="en-US" altLang="zh-CN" sz="2400" dirty="0" smtClean="0">
+                <a:hlinkClick r:id="rId4"/>
+              </a:rPr>
+              <a:t>Swift</a:t>
+            </a:r>
+            <a:r>
+              <a:rPr kumimoji="1" lang="zh-CN" altLang="en-US" sz="2400" dirty="0" smtClean="0">
+                <a:hlinkClick r:id="rId4"/>
+              </a:rPr>
+              <a:t> 专栏</a:t>
+            </a:r>
+            <a:endParaRPr kumimoji="1" lang="en-US" altLang="zh-CN" sz="2400" dirty="0" smtClean="0"/>
+          </a:p>
+          <a:p>
+            <a:pPr>
+              <a:buFont typeface="Wingdings" charset="2"/>
+              <a:buChar char="l"/>
+            </a:pPr>
+            <a:r>
+              <a:rPr kumimoji="1" lang="en-US" altLang="zh-CN" sz="2400" dirty="0" smtClean="0">
+                <a:hlinkClick r:id="rId5"/>
+              </a:rPr>
+              <a:t>Swift</a:t>
+            </a:r>
+            <a:r>
+              <a:rPr kumimoji="1" lang="zh-CN" altLang="en-US" sz="2400" dirty="0" smtClean="0">
+                <a:hlinkClick r:id="rId5"/>
+              </a:rPr>
+              <a:t>课堂</a:t>
+            </a:r>
+            <a:endParaRPr kumimoji="1" lang="en-US" altLang="zh-CN" sz="2400" dirty="0" smtClean="0"/>
+          </a:p>
+          <a:p>
+            <a:pPr>
+              <a:buFont typeface="Wingdings" charset="2"/>
+              <a:buChar char="l"/>
+            </a:pPr>
+            <a:r>
+              <a:rPr kumimoji="1" lang="en-US" altLang="zh-CN" sz="2400" dirty="0" smtClean="0">
+                <a:hlinkClick r:id="rId6"/>
+              </a:rPr>
+              <a:t>Swift</a:t>
+            </a:r>
+            <a:r>
+              <a:rPr kumimoji="1" lang="zh-CN" altLang="en-US" sz="2400" dirty="0" smtClean="0">
+                <a:hlinkClick r:id="rId6"/>
+              </a:rPr>
+              <a:t>中文网</a:t>
+            </a:r>
+            <a:endParaRPr kumimoji="1" lang="en-US" altLang="zh-CN" sz="2400" dirty="0" smtClean="0"/>
+          </a:p>
+          <a:p>
+            <a:pPr>
+              <a:buFont typeface="Wingdings" charset="2"/>
+              <a:buChar char="l"/>
+            </a:pPr>
+            <a:r>
+              <a:rPr kumimoji="1" lang="zh-CN" altLang="en-US" sz="2400" dirty="0" smtClean="0">
+                <a:hlinkClick r:id="rId7"/>
+              </a:rPr>
+              <a:t>极客学院</a:t>
+            </a:r>
+            <a:endParaRPr kumimoji="1" lang="en-US" altLang="zh-CN" sz="2400" dirty="0" smtClean="0"/>
+          </a:p>
+          <a:p>
+            <a:pPr marL="0" indent="0">
+              <a:buNone/>
+            </a:pPr>
+            <a:endParaRPr kumimoji="1" lang="zh-CN" altLang="en-US" sz="2400" dirty="0"/>
+          </a:p>
+        </p:txBody>
+      </p:sp>
+    </p:spTree>
+    <p:extLst>
+      <p:ext uri="{BB962C8B-B14F-4D97-AF65-F5344CB8AC3E}">
+        <p14:creationId xmlns:p14="http://schemas.microsoft.com/office/powerpoint/2010/main" val="478851738"/>
+      </p:ext>
+    </p:extLst>
+  </p:cSld>
+  <p:clrMapOvr>
+    <a:masterClrMapping/>
+  </p:clrMapOvr>
+  <p:timing>
+    <p:tnLst>
+      <p:par>
+        <p:cTn id="1" dur="indefinite" restart="never" nodeType="tmRoot"/>
+      </p:par>
+    </p:tnLst>
+  </p:timing>
 </p:sld>
 </file>
 
@@ -3722,11 +9705,7 @@
             </a:r>
             <a:r>
               <a:rPr lang="zh-TW" altLang="en-US" sz="1200" dirty="0" smtClean="0"/>
-              <a:t>         </a:t>
-            </a:r>
-            <a:r>
-              <a:rPr lang="zh-TW" altLang="en-US" sz="1200" dirty="0" smtClean="0"/>
-              <a:t>   </a:t>
+              <a:t>            </a:t>
             </a:r>
             <a:r>
               <a:rPr lang="en-US" altLang="zh-CN" sz="1200" dirty="0"/>
@@ -3750,11 +9729,7 @@
             </a:r>
             <a:r>
               <a:rPr lang="zh-TW" altLang="en-US" sz="1200" dirty="0" smtClean="0"/>
-              <a:t>          </a:t>
-            </a:r>
-            <a:r>
-              <a:rPr lang="zh-TW" altLang="en-US" sz="1200" dirty="0" smtClean="0"/>
-              <a:t>  </a:t>
+              <a:t>            </a:t>
             </a:r>
             <a:r>
               <a:rPr lang="en-US" altLang="zh-CN" sz="1200" dirty="0"/>
@@ -3854,15 +9829,7 @@
             </a:r>
             <a:r>
               <a:rPr lang="zh-TW" altLang="en-US" sz="1200" dirty="0" smtClean="0"/>
-              <a:t>     </a:t>
-            </a:r>
-            <a:r>
-              <a:rPr lang="zh-TW" altLang="en-US" sz="1200" dirty="0" smtClean="0"/>
-              <a:t>  </a:t>
-            </a:r>
-            <a:r>
-              <a:rPr lang="zh-TW" altLang="en-US" sz="1200" dirty="0" smtClean="0"/>
-              <a:t>   </a:t>
+              <a:t>          </a:t>
             </a:r>
             <a:r>
               <a:rPr lang="en-US" altLang="zh-CN" sz="1200" dirty="0" smtClean="0"/>
@@ -4334,11 +10301,7 @@
           <a:p>
             <a:r>
               <a:rPr lang="en-US" altLang="zh-CN" sz="1200" dirty="0" smtClean="0"/>
-              <a:t>XCode</a:t>
-            </a:r>
-            <a:r>
-              <a:rPr lang="en-US" altLang="zh-CN" sz="1200" dirty="0" smtClean="0"/>
-              <a:t>7</a:t>
+              <a:t>XCode7</a:t>
             </a:r>
             <a:r>
               <a:rPr lang="zh-CN" altLang="en-US" sz="1200" dirty="0" smtClean="0"/>
@@ -4346,11 +10309,7 @@
             </a:r>
             <a:r>
               <a:rPr lang="en-US" altLang="zh-CN" sz="1200" dirty="0" smtClean="0"/>
-              <a:t>Beta</a:t>
-            </a:r>
-            <a:r>
-              <a:rPr lang="en-US" altLang="zh-CN" sz="1200" dirty="0" smtClean="0"/>
-              <a:t>6</a:t>
+              <a:t>Beta6</a:t>
             </a:r>
             <a:r>
               <a:rPr lang="zh-CN" altLang="en-US" sz="1200" dirty="0" smtClean="0"/>
@@ -4385,11 +10344,7 @@
             </a:r>
             <a:r>
               <a:rPr lang="en-US" altLang="zh-CN" sz="1200" dirty="0" smtClean="0"/>
-              <a:t>Beta</a:t>
-            </a:r>
-            <a:r>
-              <a:rPr lang="en-US" altLang="zh-CN" sz="1200" dirty="0" smtClean="0"/>
-              <a:t>5</a:t>
+              <a:t>Beta5</a:t>
             </a:r>
             <a:r>
               <a:rPr lang="en-US" altLang="zh-TW" sz="1200" dirty="0" smtClean="0"/>
@@ -4549,6 +10504,13 @@
   <p:clrMapOvr>
     <a:masterClrMapping/>
   </p:clrMapOvr>
+  <p:timing>
+    <p:tnLst>
+      <p:par>
+        <p:cTn id="1" dur="indefinite" restart="never" nodeType="tmRoot"/>
+      </p:par>
+    </p:tnLst>
+  </p:timing>
 </p:sld>
 </file>
 
@@ -4608,110 +10570,185 @@
         </p:nvSpPr>
         <p:spPr>
           <a:xfrm>
-            <a:off x="756008" y="1600200"/>
-            <a:ext cx="3586049" cy="4525963"/>
+            <a:off x="756008" y="1228726"/>
+            <a:ext cx="3586049" cy="5400674"/>
           </a:xfrm>
         </p:spPr>
         <p:txBody>
           <a:bodyPr>
-            <a:normAutofit fontScale="47500" lnSpcReduction="20000"/>
+            <a:noAutofit/>
           </a:bodyPr>
           <a:lstStyle/>
           <a:p>
-            <a:r>
-              <a:rPr kumimoji="1" lang="zh-CN" altLang="en-US" dirty="0"/>
+            <a:pPr>
+              <a:lnSpc>
+                <a:spcPct val="100000"/>
+              </a:lnSpc>
+            </a:pPr>
+            <a:r>
+              <a:rPr kumimoji="1" lang="zh-CN" altLang="en-US" sz="1800" dirty="0"/>
               <a:t>基础部分</a:t>
             </a:r>
           </a:p>
           <a:p>
-            <a:r>
-              <a:rPr kumimoji="1" lang="zh-CN" altLang="en-US" dirty="0"/>
+            <a:pPr>
+              <a:lnSpc>
+                <a:spcPct val="100000"/>
+              </a:lnSpc>
+            </a:pPr>
+            <a:r>
+              <a:rPr kumimoji="1" lang="zh-CN" altLang="en-US" sz="1800" dirty="0"/>
               <a:t>基本运算符</a:t>
             </a:r>
           </a:p>
           <a:p>
-            <a:r>
-              <a:rPr kumimoji="1" lang="zh-CN" altLang="en-US" dirty="0"/>
+            <a:pPr>
+              <a:lnSpc>
+                <a:spcPct val="100000"/>
+              </a:lnSpc>
+            </a:pPr>
+            <a:r>
+              <a:rPr kumimoji="1" lang="zh-CN" altLang="en-US" sz="1800" dirty="0"/>
               <a:t>字符串和字符</a:t>
             </a:r>
           </a:p>
           <a:p>
-            <a:r>
-              <a:rPr kumimoji="1" lang="zh-CN" altLang="en-US" dirty="0"/>
+            <a:pPr>
+              <a:lnSpc>
+                <a:spcPct val="100000"/>
+              </a:lnSpc>
+            </a:pPr>
+            <a:r>
+              <a:rPr kumimoji="1" lang="zh-CN" altLang="en-US" sz="1800" dirty="0"/>
               <a:t>集合类型</a:t>
             </a:r>
           </a:p>
           <a:p>
-            <a:r>
-              <a:rPr kumimoji="1" lang="zh-CN" altLang="en-US" dirty="0"/>
+            <a:pPr>
+              <a:lnSpc>
+                <a:spcPct val="100000"/>
+              </a:lnSpc>
+            </a:pPr>
+            <a:r>
+              <a:rPr kumimoji="1" lang="zh-CN" altLang="en-US" sz="1800" dirty="0"/>
               <a:t>控制流</a:t>
             </a:r>
           </a:p>
           <a:p>
-            <a:r>
-              <a:rPr kumimoji="1" lang="zh-CN" altLang="en-US" dirty="0"/>
+            <a:pPr>
+              <a:lnSpc>
+                <a:spcPct val="100000"/>
+              </a:lnSpc>
+            </a:pPr>
+            <a:r>
+              <a:rPr kumimoji="1" lang="zh-CN" altLang="en-US" sz="1800" dirty="0"/>
               <a:t>函数</a:t>
             </a:r>
           </a:p>
           <a:p>
-            <a:r>
-              <a:rPr kumimoji="1" lang="zh-CN" altLang="en-US" dirty="0"/>
+            <a:pPr>
+              <a:lnSpc>
+                <a:spcPct val="100000"/>
+              </a:lnSpc>
+            </a:pPr>
+            <a:r>
+              <a:rPr kumimoji="1" lang="zh-CN" altLang="en-US" sz="1800" dirty="0"/>
               <a:t>闭包</a:t>
             </a:r>
           </a:p>
           <a:p>
-            <a:r>
-              <a:rPr kumimoji="1" lang="zh-CN" altLang="en-US" dirty="0"/>
+            <a:pPr>
+              <a:lnSpc>
+                <a:spcPct val="100000"/>
+              </a:lnSpc>
+            </a:pPr>
+            <a:r>
+              <a:rPr kumimoji="1" lang="zh-CN" altLang="en-US" sz="1800" dirty="0"/>
               <a:t>枚举</a:t>
             </a:r>
           </a:p>
           <a:p>
-            <a:r>
-              <a:rPr kumimoji="1" lang="zh-CN" altLang="en-US" dirty="0"/>
+            <a:pPr>
+              <a:lnSpc>
+                <a:spcPct val="100000"/>
+              </a:lnSpc>
+            </a:pPr>
+            <a:r>
+              <a:rPr kumimoji="1" lang="zh-CN" altLang="en-US" sz="1800" dirty="0"/>
               <a:t>类和结构体</a:t>
             </a:r>
           </a:p>
           <a:p>
-            <a:r>
-              <a:rPr kumimoji="1" lang="zh-CN" altLang="en-US" dirty="0"/>
+            <a:pPr>
+              <a:lnSpc>
+                <a:spcPct val="100000"/>
+              </a:lnSpc>
+            </a:pPr>
+            <a:r>
+              <a:rPr kumimoji="1" lang="zh-CN" altLang="en-US" sz="1800" dirty="0"/>
               <a:t>属性</a:t>
             </a:r>
           </a:p>
           <a:p>
-            <a:r>
-              <a:rPr kumimoji="1" lang="zh-CN" altLang="en-US" dirty="0"/>
+            <a:pPr>
+              <a:lnSpc>
+                <a:spcPct val="100000"/>
+              </a:lnSpc>
+            </a:pPr>
+            <a:r>
+              <a:rPr kumimoji="1" lang="zh-CN" altLang="en-US" sz="1800" dirty="0"/>
               <a:t>方法</a:t>
             </a:r>
           </a:p>
           <a:p>
-            <a:r>
-              <a:rPr kumimoji="1" lang="zh-CN" altLang="en-US" dirty="0"/>
+            <a:pPr>
+              <a:lnSpc>
+                <a:spcPct val="100000"/>
+              </a:lnSpc>
+            </a:pPr>
+            <a:r>
+              <a:rPr kumimoji="1" lang="zh-CN" altLang="en-US" sz="1800" dirty="0"/>
               <a:t>下标脚本</a:t>
             </a:r>
           </a:p>
           <a:p>
-            <a:r>
-              <a:rPr kumimoji="1" lang="zh-CN" altLang="en-US" dirty="0" smtClean="0"/>
+            <a:pPr>
+              <a:lnSpc>
+                <a:spcPct val="100000"/>
+              </a:lnSpc>
+            </a:pPr>
+            <a:r>
+              <a:rPr kumimoji="1" lang="zh-CN" altLang="en-US" sz="1800" dirty="0" smtClean="0"/>
               <a:t>继承</a:t>
             </a:r>
-            <a:endParaRPr kumimoji="1" lang="en-US" altLang="zh-CN" dirty="0" smtClean="0"/>
-          </a:p>
-          <a:p>
-            <a:r>
-              <a:rPr kumimoji="1" lang="zh-CN" altLang="en-US" dirty="0"/>
+            <a:endParaRPr kumimoji="1" lang="en-US" altLang="zh-CN" sz="1800" dirty="0" smtClean="0"/>
+          </a:p>
+          <a:p>
+            <a:pPr>
+              <a:lnSpc>
+                <a:spcPct val="100000"/>
+              </a:lnSpc>
+            </a:pPr>
+            <a:r>
+              <a:rPr kumimoji="1" lang="zh-CN" altLang="en-US" sz="1800" dirty="0"/>
               <a:t>基础部分</a:t>
             </a:r>
           </a:p>
           <a:p>
-            <a:r>
-              <a:rPr kumimoji="1" lang="zh-CN" altLang="en-US" dirty="0"/>
+            <a:pPr>
+              <a:lnSpc>
+                <a:spcPct val="100000"/>
+              </a:lnSpc>
+            </a:pPr>
+            <a:r>
+              <a:rPr kumimoji="1" lang="zh-CN" altLang="en-US" sz="1800" dirty="0"/>
               <a:t>基本运算</a:t>
             </a:r>
             <a:r>
-              <a:rPr kumimoji="1" lang="zh-CN" altLang="en-US" dirty="0" smtClean="0"/>
+              <a:rPr kumimoji="1" lang="zh-CN" altLang="en-US" sz="1800" dirty="0" smtClean="0"/>
               <a:t>符</a:t>
             </a:r>
-            <a:endParaRPr kumimoji="1" lang="zh-CN" altLang="en-US" dirty="0"/>
+            <a:endParaRPr kumimoji="1" lang="zh-CN" altLang="en-US" sz="1800" dirty="0"/>
           </a:p>
         </p:txBody>
       </p:sp>
@@ -4725,104 +10762,178 @@
             <p:ph sz="half" idx="2"/>
           </p:nvPr>
         </p:nvSpPr>
-        <p:spPr/>
+        <p:spPr>
+          <a:xfrm>
+            <a:off x="4648200" y="1457325"/>
+            <a:ext cx="4038600" cy="4572000"/>
+          </a:xfrm>
+        </p:spPr>
         <p:txBody>
           <a:bodyPr>
-            <a:normAutofit fontScale="47500" lnSpcReduction="20000"/>
+            <a:noAutofit/>
           </a:bodyPr>
           <a:lstStyle/>
           <a:p>
-            <a:r>
-              <a:rPr kumimoji="1" lang="zh-CN" altLang="en-US" dirty="0" smtClean="0"/>
+            <a:pPr>
+              <a:lnSpc>
+                <a:spcPct val="100000"/>
+              </a:lnSpc>
+            </a:pPr>
+            <a:r>
+              <a:rPr kumimoji="1" lang="zh-CN" altLang="en-US" sz="1800" dirty="0" smtClean="0"/>
               <a:t>字</a:t>
             </a:r>
             <a:r>
-              <a:rPr kumimoji="1" lang="zh-CN" altLang="en-US" dirty="0"/>
+              <a:rPr kumimoji="1" lang="zh-CN" altLang="en-US" sz="1800" dirty="0"/>
               <a:t>符串和字符</a:t>
             </a:r>
           </a:p>
           <a:p>
-            <a:r>
-              <a:rPr kumimoji="1" lang="zh-CN" altLang="en-US" dirty="0"/>
+            <a:pPr>
+              <a:lnSpc>
+                <a:spcPct val="100000"/>
+              </a:lnSpc>
+            </a:pPr>
+            <a:r>
+              <a:rPr kumimoji="1" lang="zh-CN" altLang="en-US" sz="1800" dirty="0"/>
               <a:t>集合类型</a:t>
             </a:r>
           </a:p>
           <a:p>
-            <a:r>
-              <a:rPr kumimoji="1" lang="zh-CN" altLang="en-US" dirty="0" smtClean="0"/>
+            <a:pPr>
+              <a:lnSpc>
+                <a:spcPct val="100000"/>
+              </a:lnSpc>
+            </a:pPr>
+            <a:r>
+              <a:rPr kumimoji="1" lang="zh-CN" altLang="en-US" sz="1800" dirty="0" smtClean="0"/>
               <a:t>控制流</a:t>
             </a:r>
             <a:r>
-              <a:rPr kumimoji="1" lang="zh-CN" altLang="en-US" dirty="0"/>
+              <a:rPr kumimoji="1" lang="zh-CN" altLang="en-US" sz="1800" dirty="0"/>
               <a:t>构造过程</a:t>
             </a:r>
           </a:p>
           <a:p>
-            <a:r>
-              <a:rPr kumimoji="1" lang="zh-CN" altLang="en-US" dirty="0"/>
+            <a:pPr>
+              <a:lnSpc>
+                <a:spcPct val="100000"/>
+              </a:lnSpc>
+            </a:pPr>
+            <a:r>
+              <a:rPr kumimoji="1" lang="zh-CN" altLang="en-US" sz="1800" dirty="0"/>
               <a:t>析构过程</a:t>
             </a:r>
           </a:p>
           <a:p>
-            <a:r>
-              <a:rPr kumimoji="1" lang="zh-CN" altLang="en-US" dirty="0"/>
+            <a:pPr>
+              <a:lnSpc>
+                <a:spcPct val="100000"/>
+              </a:lnSpc>
+            </a:pPr>
+            <a:r>
+              <a:rPr kumimoji="1" lang="zh-CN" altLang="en-US" sz="1800" dirty="0"/>
               <a:t>自动引用计数</a:t>
             </a:r>
           </a:p>
           <a:p>
-            <a:r>
-              <a:rPr kumimoji="1" lang="zh-CN" altLang="en-US" dirty="0"/>
+            <a:pPr>
+              <a:lnSpc>
+                <a:spcPct val="100000"/>
+              </a:lnSpc>
+            </a:pPr>
+            <a:r>
+              <a:rPr kumimoji="1" lang="zh-CN" altLang="en-US" sz="1800" dirty="0"/>
               <a:t>可选链</a:t>
             </a:r>
           </a:p>
           <a:p>
-            <a:r>
-              <a:rPr kumimoji="1" lang="zh-CN" altLang="en-US" dirty="0"/>
+            <a:pPr>
+              <a:lnSpc>
+                <a:spcPct val="100000"/>
+              </a:lnSpc>
+            </a:pPr>
+            <a:r>
+              <a:rPr kumimoji="1" lang="zh-CN" altLang="en-US" sz="1800" dirty="0"/>
               <a:t>错误处理</a:t>
             </a:r>
           </a:p>
           <a:p>
-            <a:r>
-              <a:rPr kumimoji="1" lang="zh-CN" altLang="en-US" dirty="0"/>
+            <a:pPr>
+              <a:lnSpc>
+                <a:spcPct val="100000"/>
+              </a:lnSpc>
+            </a:pPr>
+            <a:r>
+              <a:rPr kumimoji="1" lang="zh-CN" altLang="en-US" sz="1800" dirty="0"/>
               <a:t>类型转换</a:t>
             </a:r>
           </a:p>
           <a:p>
-            <a:r>
-              <a:rPr kumimoji="1" lang="zh-CN" altLang="en-US" dirty="0"/>
+            <a:pPr>
+              <a:lnSpc>
+                <a:spcPct val="100000"/>
+              </a:lnSpc>
+            </a:pPr>
+            <a:r>
+              <a:rPr kumimoji="1" lang="zh-CN" altLang="en-US" sz="1800" dirty="0"/>
               <a:t>嵌套类型</a:t>
             </a:r>
           </a:p>
           <a:p>
-            <a:r>
-              <a:rPr kumimoji="1" lang="zh-CN" altLang="en-US" dirty="0"/>
+            <a:pPr>
+              <a:lnSpc>
+                <a:spcPct val="100000"/>
+              </a:lnSpc>
+            </a:pPr>
+            <a:r>
+              <a:rPr kumimoji="1" lang="zh-CN" altLang="en-US" sz="1800" dirty="0"/>
               <a:t>扩展</a:t>
             </a:r>
           </a:p>
           <a:p>
-            <a:r>
-              <a:rPr kumimoji="1" lang="zh-CN" altLang="en-US" dirty="0"/>
+            <a:pPr>
+              <a:lnSpc>
+                <a:spcPct val="100000"/>
+              </a:lnSpc>
+            </a:pPr>
+            <a:r>
+              <a:rPr kumimoji="1" lang="zh-CN" altLang="en-US" sz="1800" dirty="0"/>
               <a:t>协议</a:t>
             </a:r>
           </a:p>
           <a:p>
-            <a:r>
-              <a:rPr kumimoji="1" lang="zh-CN" altLang="en-US" dirty="0"/>
+            <a:pPr>
+              <a:lnSpc>
+                <a:spcPct val="100000"/>
+              </a:lnSpc>
+            </a:pPr>
+            <a:r>
+              <a:rPr kumimoji="1" lang="zh-CN" altLang="en-US" sz="1800" dirty="0"/>
               <a:t>泛型</a:t>
             </a:r>
           </a:p>
           <a:p>
-            <a:r>
-              <a:rPr kumimoji="1" lang="zh-CN" altLang="en-US" dirty="0"/>
+            <a:pPr>
+              <a:lnSpc>
+                <a:spcPct val="100000"/>
+              </a:lnSpc>
+            </a:pPr>
+            <a:r>
+              <a:rPr kumimoji="1" lang="zh-CN" altLang="en-US" sz="1800" dirty="0"/>
               <a:t>权限控制</a:t>
             </a:r>
           </a:p>
           <a:p>
-            <a:r>
-              <a:rPr kumimoji="1" lang="zh-CN" altLang="en-US" dirty="0"/>
+            <a:pPr>
+              <a:lnSpc>
+                <a:spcPct val="100000"/>
+              </a:lnSpc>
+            </a:pPr>
+            <a:r>
+              <a:rPr kumimoji="1" lang="zh-CN" altLang="en-US" sz="1800" dirty="0"/>
               <a:t>高级操作符</a:t>
             </a:r>
-            <a:endParaRPr kumimoji="1" lang="zh-CN" altLang="en-US" dirty="0"/>
           </a:p>
         </p:txBody>
       </p:sp>
@@ -4839,7 +10950,7 @@
   <p:timing>
     <p:tnLst>
       <p:par>
-        <p:cTn xmlns:p14="http://schemas.microsoft.com/office/powerpoint/2010/main" id="1" dur="indefinite" restart="never" nodeType="tmRoot"/>
+        <p:cTn id="1" dur="indefinite" restart="never" nodeType="tmRoot"/>
       </p:par>
     </p:tnLst>
   </p:timing>
@@ -4879,18 +10990,9 @@
           <a:lstStyle/>
           <a:p>
             <a:r>
-              <a:rPr lang="en-US" altLang="zh-CN" dirty="0"/>
-              <a:t>Hello, </a:t>
-            </a:r>
-            <a:r>
-              <a:rPr lang="en-US" altLang="zh-CN" dirty="0" smtClean="0"/>
-              <a:t>world</a:t>
-            </a:r>
-            <a:r>
-              <a:rPr lang="zh-CN" altLang="en-US" dirty="0" smtClean="0"/>
-              <a:t>！</a:t>
-            </a:r>
-            <a:endParaRPr kumimoji="1" lang="zh-CN" altLang="en-US" dirty="0"/>
+              <a:rPr lang="zh-CN" altLang="en-US"/>
+              <a:t>目录</a:t>
+            </a:r>
           </a:p>
         </p:txBody>
       </p:sp>
@@ -4904,61 +11006,194 @@
             <p:ph idx="1"/>
           </p:nvPr>
         </p:nvSpPr>
-        <p:spPr/>
-        <p:txBody>
-          <a:bodyPr/>
+        <p:spPr>
+          <a:xfrm>
+            <a:off x="457200" y="1600200"/>
+            <a:ext cx="8229600" cy="4986338"/>
+          </a:xfrm>
+        </p:spPr>
+        <p:txBody>
+          <a:bodyPr>
+            <a:normAutofit fontScale="70000" lnSpcReduction="20000"/>
+          </a:bodyPr>
           <a:lstStyle/>
           <a:p>
-            <a:pPr marL="0" indent="0">
-              <a:buNone/>
-            </a:pPr>
-            <a:r>
-              <a:rPr lang="zh-CN" altLang="en-US" b="1" dirty="0" smtClean="0"/>
-              <a:t>  </a:t>
-            </a:r>
-            <a:r>
-              <a:rPr lang="en-US" altLang="zh-CN" b="1" dirty="0" smtClean="0"/>
-              <a:t>print</a:t>
-            </a:r>
-            <a:r>
-              <a:rPr lang="en-US" altLang="zh-CN" dirty="0" smtClean="0"/>
-              <a:t>(“Hello</a:t>
-            </a:r>
-            <a:r>
-              <a:rPr lang="en-US" altLang="zh-CN" dirty="0"/>
-              <a:t>, </a:t>
-            </a:r>
-            <a:r>
-              <a:rPr lang="en-US" altLang="zh-CN" dirty="0" smtClean="0"/>
-              <a:t>world</a:t>
-            </a:r>
-            <a:r>
-              <a:rPr lang="zh-CN" altLang="en-US" dirty="0" smtClean="0"/>
-              <a:t>！</a:t>
-            </a:r>
-            <a:r>
-              <a:rPr lang="en-US" altLang="zh-CN" dirty="0" smtClean="0"/>
-              <a:t>")</a:t>
-            </a:r>
-          </a:p>
-          <a:p>
-            <a:pPr marL="0" indent="0">
-              <a:buNone/>
-            </a:pPr>
-            <a:endParaRPr kumimoji="1" lang="en-US" altLang="zh-CN" dirty="0"/>
-          </a:p>
-          <a:p>
-            <a:pPr marL="0" indent="0">
-              <a:buNone/>
-            </a:pPr>
-            <a:endParaRPr kumimoji="1" lang="zh-CN" altLang="en-US" dirty="0"/>
+            <a:r>
+              <a:rPr lang="en-US" altLang="zh-CN" smtClean="0">
+                <a:hlinkClick r:id="rId2" action="ppaction://hlinksldjump"/>
+              </a:rPr>
+              <a:t>Hello,world !</a:t>
+            </a:r>
+            <a:endParaRPr lang="en-US" altLang="zh-CN" smtClean="0"/>
+          </a:p>
+          <a:p>
+            <a:r>
+              <a:rPr lang="zh-CN" altLang="en-US" smtClean="0">
+                <a:hlinkClick r:id="rId3" action="ppaction://hlinksldjump"/>
+              </a:rPr>
+              <a:t>简单</a:t>
+            </a:r>
+            <a:r>
+              <a:rPr lang="zh-CN" altLang="en-US">
+                <a:hlinkClick r:id="rId3" action="ppaction://hlinksldjump"/>
+              </a:rPr>
+              <a:t>值（</a:t>
+            </a:r>
+            <a:r>
+              <a:rPr lang="en-US" altLang="zh-CN">
+                <a:hlinkClick r:id="rId3" action="ppaction://hlinksldjump"/>
+              </a:rPr>
+              <a:t>Simple Values</a:t>
+            </a:r>
+            <a:r>
+              <a:rPr lang="zh-CN" altLang="en-US">
+                <a:hlinkClick r:id="rId3" action="ppaction://hlinksldjump"/>
+              </a:rPr>
+              <a:t>）</a:t>
+            </a:r>
+            <a:endParaRPr lang="zh-CN" altLang="en-US"/>
+          </a:p>
+          <a:p>
+            <a:r>
+              <a:rPr lang="zh-CN" altLang="en-US">
+                <a:hlinkClick r:id="rId4" action="ppaction://hlinksldjump"/>
+              </a:rPr>
+              <a:t>控制流（</a:t>
+            </a:r>
+            <a:r>
+              <a:rPr lang="en-US" altLang="zh-CN">
+                <a:hlinkClick r:id="rId4" action="ppaction://hlinksldjump"/>
+              </a:rPr>
+              <a:t>Control Flow</a:t>
+            </a:r>
+            <a:r>
+              <a:rPr lang="zh-CN" altLang="en-US">
+                <a:hlinkClick r:id="rId4" action="ppaction://hlinksldjump"/>
+              </a:rPr>
+              <a:t>）</a:t>
+            </a:r>
+            <a:endParaRPr lang="zh-CN" altLang="en-US"/>
+          </a:p>
+          <a:p>
+            <a:r>
+              <a:rPr lang="zh-CN" altLang="en-US">
+                <a:hlinkClick r:id="rId5" action="ppaction://hlinksldjump"/>
+              </a:rPr>
+              <a:t>函数和闭包（</a:t>
+            </a:r>
+            <a:r>
+              <a:rPr lang="en-US" altLang="zh-CN">
+                <a:hlinkClick r:id="rId5" action="ppaction://hlinksldjump"/>
+              </a:rPr>
+              <a:t>Functions and Closures</a:t>
+            </a:r>
+            <a:r>
+              <a:rPr lang="zh-CN" altLang="en-US">
+                <a:hlinkClick r:id="rId5" action="ppaction://hlinksldjump"/>
+              </a:rPr>
+              <a:t>）</a:t>
+            </a:r>
+            <a:endParaRPr lang="zh-CN" altLang="en-US"/>
+          </a:p>
+          <a:p>
+            <a:r>
+              <a:rPr lang="zh-CN" altLang="en-US">
+                <a:hlinkClick r:id="rId6" action="ppaction://hlinksldjump"/>
+              </a:rPr>
+              <a:t>对象和类（</a:t>
+            </a:r>
+            <a:r>
+              <a:rPr lang="en-US" altLang="zh-CN">
+                <a:hlinkClick r:id="rId6" action="ppaction://hlinksldjump"/>
+              </a:rPr>
+              <a:t>Objects and Classes</a:t>
+            </a:r>
+            <a:r>
+              <a:rPr lang="zh-CN" altLang="en-US">
+                <a:hlinkClick r:id="rId6" action="ppaction://hlinksldjump"/>
+              </a:rPr>
+              <a:t>）</a:t>
+            </a:r>
+            <a:endParaRPr lang="zh-CN" altLang="en-US"/>
+          </a:p>
+          <a:p>
+            <a:r>
+              <a:rPr lang="zh-CN" altLang="en-US">
+                <a:hlinkClick r:id="rId7" action="ppaction://hlinksldjump"/>
+              </a:rPr>
+              <a:t>枚举和结构体（</a:t>
+            </a:r>
+            <a:r>
+              <a:rPr lang="en-US" altLang="zh-CN">
+                <a:hlinkClick r:id="rId7" action="ppaction://hlinksldjump"/>
+              </a:rPr>
+              <a:t>Enumerations and Structures</a:t>
+            </a:r>
+            <a:r>
+              <a:rPr lang="zh-CN" altLang="en-US">
+                <a:hlinkClick r:id="rId7" action="ppaction://hlinksldjump"/>
+              </a:rPr>
+              <a:t>）</a:t>
+            </a:r>
+            <a:endParaRPr lang="zh-CN" altLang="en-US"/>
+          </a:p>
+          <a:p>
+            <a:r>
+              <a:rPr lang="zh-CN" altLang="en-US">
+                <a:hlinkClick r:id="rId8" action="ppaction://hlinksldjump"/>
+              </a:rPr>
+              <a:t>协议和扩展（</a:t>
+            </a:r>
+            <a:r>
+              <a:rPr lang="en-US" altLang="zh-CN">
+                <a:hlinkClick r:id="rId8" action="ppaction://hlinksldjump"/>
+              </a:rPr>
+              <a:t>Protocols and Extensions</a:t>
+            </a:r>
+            <a:r>
+              <a:rPr lang="zh-CN" altLang="en-US">
+                <a:hlinkClick r:id="rId8" action="ppaction://hlinksldjump"/>
+              </a:rPr>
+              <a:t>）</a:t>
+            </a:r>
+            <a:endParaRPr lang="zh-CN" altLang="en-US"/>
+          </a:p>
+          <a:p>
+            <a:r>
+              <a:rPr lang="zh-CN" altLang="en-US">
+                <a:hlinkClick r:id="rId9" action="ppaction://hlinksldjump"/>
+              </a:rPr>
+              <a:t>泛型（</a:t>
+            </a:r>
+            <a:r>
+              <a:rPr lang="en-US" altLang="zh-CN">
+                <a:hlinkClick r:id="rId9" action="ppaction://hlinksldjump"/>
+              </a:rPr>
+              <a:t>Generics</a:t>
+            </a:r>
+            <a:r>
+              <a:rPr lang="zh-CN" altLang="en-US" smtClean="0">
+                <a:hlinkClick r:id="rId9" action="ppaction://hlinksldjump"/>
+              </a:rPr>
+              <a:t>）</a:t>
+            </a:r>
+            <a:endParaRPr lang="en-US" altLang="zh-CN" smtClean="0"/>
+          </a:p>
+          <a:p>
+            <a:r>
+              <a:rPr lang="zh-CN" altLang="en-US" smtClean="0">
+                <a:hlinkClick r:id="rId10" action="ppaction://hlinksldjump"/>
+              </a:rPr>
+              <a:t>学习参考</a:t>
+            </a:r>
+            <a:endParaRPr lang="zh-CN" altLang="en-US"/>
           </a:p>
         </p:txBody>
       </p:sp>
     </p:spTree>
     <p:extLst>
       <p:ext uri="{BB962C8B-B14F-4D97-AF65-F5344CB8AC3E}">
-        <p14:creationId xmlns:p14="http://schemas.microsoft.com/office/powerpoint/2010/main" val="2768060986"/>
+        <p14:creationId xmlns:p14="http://schemas.microsoft.com/office/powerpoint/2010/main" val="187814056"/>
       </p:ext>
     </p:extLst>
   </p:cSld>
@@ -4968,7 +11203,7 @@
   <p:timing>
     <p:tnLst>
       <p:par>
-        <p:cTn xmlns:p14="http://schemas.microsoft.com/office/powerpoint/2010/main" id="1" dur="indefinite" restart="never" nodeType="tmRoot"/>
+        <p:cTn id="1" dur="indefinite" restart="never" nodeType="tmRoot"/>
       </p:par>
     </p:tnLst>
   </p:timing>
@@ -5008,7 +11243,450 @@
           <a:lstStyle/>
           <a:p>
             <a:r>
-              <a:rPr lang="zh-CN" altLang="en-US" dirty="0"/>
+              <a:rPr lang="en-US" altLang="zh-CN" dirty="0"/>
+              <a:t>Hello, </a:t>
+            </a:r>
+            <a:r>
+              <a:rPr lang="en-US" altLang="zh-CN" dirty="0" smtClean="0"/>
+              <a:t>world</a:t>
+            </a:r>
+            <a:r>
+              <a:rPr lang="zh-CN" altLang="en-US" dirty="0" smtClean="0"/>
+              <a:t>！</a:t>
+            </a:r>
+            <a:endParaRPr kumimoji="1" lang="zh-CN" altLang="en-US" dirty="0"/>
+          </a:p>
+        </p:txBody>
+      </p:sp>
+      <p:sp>
+        <p:nvSpPr>
+          <p:cNvPr id="3" name="内容占位符 2"/>
+          <p:cNvSpPr>
+            <a:spLocks noGrp="1"/>
+          </p:cNvSpPr>
+          <p:nvPr>
+            <p:ph idx="1"/>
+          </p:nvPr>
+        </p:nvSpPr>
+        <p:spPr/>
+        <p:txBody>
+          <a:bodyPr/>
+          <a:lstStyle/>
+          <a:p>
+            <a:pPr marL="0" indent="0">
+              <a:buNone/>
+            </a:pPr>
+            <a:r>
+              <a:rPr lang="zh-CN" altLang="en-US" b="1" dirty="0" smtClean="0"/>
+              <a:t>  </a:t>
+            </a:r>
+            <a:r>
+              <a:rPr lang="en-US" altLang="zh-CN" b="1" dirty="0" smtClean="0"/>
+              <a:t>print</a:t>
+            </a:r>
+            <a:r>
+              <a:rPr lang="en-US" altLang="zh-CN" dirty="0" smtClean="0"/>
+              <a:t>(“Hello</a:t>
+            </a:r>
+            <a:r>
+              <a:rPr lang="en-US" altLang="zh-CN" dirty="0"/>
+              <a:t>, </a:t>
+            </a:r>
+            <a:r>
+              <a:rPr lang="en-US" altLang="zh-CN" dirty="0" smtClean="0"/>
+              <a:t>world</a:t>
+            </a:r>
+            <a:r>
+              <a:rPr lang="zh-CN" altLang="en-US" dirty="0" smtClean="0"/>
+              <a:t>！</a:t>
+            </a:r>
+            <a:r>
+              <a:rPr lang="en-US" altLang="zh-CN" dirty="0" smtClean="0"/>
+              <a:t>")</a:t>
+            </a:r>
+          </a:p>
+          <a:p>
+            <a:pPr marL="0" indent="0">
+              <a:buNone/>
+            </a:pPr>
+            <a:endParaRPr kumimoji="1" lang="en-US" altLang="zh-CN" dirty="0"/>
+          </a:p>
+          <a:p>
+            <a:pPr marL="0" indent="0">
+              <a:buNone/>
+            </a:pPr>
+            <a:endParaRPr kumimoji="1" lang="zh-CN" altLang="en-US" dirty="0"/>
+          </a:p>
+        </p:txBody>
+      </p:sp>
+      <p:sp>
+        <p:nvSpPr>
+          <p:cNvPr id="4" name="TextBox 3"/>
+          <p:cNvSpPr txBox="1"/>
+          <p:nvPr/>
+        </p:nvSpPr>
+        <p:spPr>
+          <a:xfrm>
+            <a:off x="457200" y="4073852"/>
+            <a:ext cx="3829050" cy="2031325"/>
+          </a:xfrm>
+          <a:prstGeom prst="rect">
+            <a:avLst/>
+          </a:prstGeom>
+          <a:noFill/>
+        </p:spPr>
+        <p:txBody>
+          <a:bodyPr wrap="square" rtlCol="0">
+            <a:spAutoFit/>
+          </a:bodyPr>
+          <a:lstStyle/>
+          <a:p>
+            <a:r>
+              <a:rPr lang="en-US" altLang="zh-CN" smtClean="0"/>
+              <a:t>C</a:t>
+            </a:r>
+            <a:r>
+              <a:rPr lang="zh-CN" altLang="en-US" smtClean="0"/>
+              <a:t>语言版本</a:t>
+            </a:r>
+            <a:endParaRPr lang="en-US" altLang="zh-CN" smtClean="0"/>
+          </a:p>
+          <a:p>
+            <a:r>
+              <a:rPr lang="en-US" altLang="zh-CN" smtClean="0"/>
+              <a:t>#</a:t>
+            </a:r>
+            <a:r>
+              <a:rPr lang="en-US" altLang="zh-CN"/>
+              <a:t>include&lt;stdio.h&gt;</a:t>
+            </a:r>
+            <a:br>
+              <a:rPr lang="en-US" altLang="zh-CN"/>
+            </a:br>
+            <a:r>
+              <a:rPr lang="en-US" altLang="zh-CN"/>
+              <a:t>int main(void)</a:t>
+            </a:r>
+            <a:br>
+              <a:rPr lang="en-US" altLang="zh-CN"/>
+            </a:br>
+            <a:r>
+              <a:rPr lang="en-US" altLang="zh-CN"/>
+              <a:t>{</a:t>
+            </a:r>
+            <a:br>
+              <a:rPr lang="en-US" altLang="zh-CN"/>
+            </a:br>
+            <a:r>
+              <a:rPr lang="en-US" altLang="zh-CN" smtClean="0"/>
+              <a:t>     printf</a:t>
+            </a:r>
+            <a:r>
+              <a:rPr lang="en-US" altLang="zh-CN"/>
+              <a:t>("hello world\n");</a:t>
+            </a:r>
+            <a:br>
+              <a:rPr lang="en-US" altLang="zh-CN"/>
+            </a:br>
+            <a:r>
+              <a:rPr lang="en-US" altLang="zh-CN" smtClean="0"/>
+              <a:t>     return </a:t>
+            </a:r>
+            <a:r>
+              <a:rPr lang="en-US" altLang="zh-CN"/>
+              <a:t>0</a:t>
+            </a:r>
+            <a:r>
+              <a:rPr lang="en-US" altLang="zh-CN" smtClean="0"/>
+              <a:t>;</a:t>
+            </a:r>
+            <a:r>
+              <a:rPr lang="en-US" altLang="zh-CN"/>
+              <a:t/>
+            </a:r>
+            <a:br>
+              <a:rPr lang="en-US" altLang="zh-CN"/>
+            </a:br>
+            <a:r>
+              <a:rPr lang="en-US" altLang="zh-CN"/>
+              <a:t>}</a:t>
+            </a:r>
+            <a:endParaRPr lang="zh-CN" altLang="en-US"/>
+          </a:p>
+        </p:txBody>
+      </p:sp>
+      <p:sp>
+        <p:nvSpPr>
+          <p:cNvPr id="5" name="TextBox 4"/>
+          <p:cNvSpPr txBox="1"/>
+          <p:nvPr/>
+        </p:nvSpPr>
+        <p:spPr>
+          <a:xfrm>
+            <a:off x="4686300" y="3988265"/>
+            <a:ext cx="3714750" cy="2308324"/>
+          </a:xfrm>
+          <a:prstGeom prst="rect">
+            <a:avLst/>
+          </a:prstGeom>
+          <a:noFill/>
+        </p:spPr>
+        <p:txBody>
+          <a:bodyPr wrap="square" rtlCol="0">
+            <a:spAutoFit/>
+          </a:bodyPr>
+          <a:lstStyle/>
+          <a:p>
+            <a:r>
+              <a:rPr lang="en-US" altLang="zh-CN" smtClean="0"/>
+              <a:t>C++</a:t>
+            </a:r>
+            <a:r>
+              <a:rPr lang="zh-CN" altLang="en-US" smtClean="0"/>
+              <a:t>版本</a:t>
+            </a:r>
+            <a:endParaRPr lang="en-US" altLang="zh-CN" smtClean="0"/>
+          </a:p>
+          <a:p>
+            <a:r>
+              <a:rPr lang="en-US" altLang="zh-CN" smtClean="0"/>
+              <a:t>#</a:t>
+            </a:r>
+            <a:r>
+              <a:rPr lang="en-US" altLang="zh-CN"/>
+              <a:t>include &lt;iostream&gt;</a:t>
+            </a:r>
+            <a:br>
+              <a:rPr lang="en-US" altLang="zh-CN"/>
+            </a:br>
+            <a:r>
+              <a:rPr lang="en-US" altLang="zh-CN"/>
+              <a:t>using namespace std;</a:t>
+            </a:r>
+          </a:p>
+          <a:p>
+            <a:r>
+              <a:rPr lang="en-US" altLang="zh-CN"/>
+              <a:t>int main( void )</a:t>
+            </a:r>
+            <a:br>
+              <a:rPr lang="en-US" altLang="zh-CN"/>
+            </a:br>
+            <a:r>
+              <a:rPr lang="en-US" altLang="zh-CN"/>
+              <a:t>{</a:t>
+            </a:r>
+            <a:br>
+              <a:rPr lang="en-US" altLang="zh-CN"/>
+            </a:br>
+            <a:r>
+              <a:rPr lang="en-US" altLang="zh-CN"/>
+              <a:t>     cout &lt;&lt; "Hello World!" &lt;&lt; endl;</a:t>
+            </a:r>
+            <a:br>
+              <a:rPr lang="en-US" altLang="zh-CN"/>
+            </a:br>
+            <a:r>
+              <a:rPr lang="en-US" altLang="zh-CN"/>
+              <a:t>     return 0;</a:t>
+            </a:r>
+            <a:br>
+              <a:rPr lang="en-US" altLang="zh-CN"/>
+            </a:br>
+            <a:r>
+              <a:rPr lang="en-US" altLang="zh-CN"/>
+              <a:t>}</a:t>
+            </a:r>
+          </a:p>
+        </p:txBody>
+      </p:sp>
+    </p:spTree>
+    <p:extLst>
+      <p:ext uri="{BB962C8B-B14F-4D97-AF65-F5344CB8AC3E}">
+        <p14:creationId xmlns:p14="http://schemas.microsoft.com/office/powerpoint/2010/main" val="2768060986"/>
+      </p:ext>
+    </p:extLst>
+  </p:cSld>
+  <p:clrMapOvr>
+    <a:masterClrMapping/>
+  </p:clrMapOvr>
+  <p:timing>
+    <p:tnLst>
+      <p:par>
+        <p:cTn id="1" dur="indefinite" restart="never" nodeType="tmRoot">
+          <p:childTnLst>
+            <p:seq concurrent="1" nextAc="seek">
+              <p:cTn id="2" dur="indefinite" nodeType="mainSeq">
+                <p:childTnLst>
+                  <p:par>
+                    <p:cTn id="3" fill="hold">
+                      <p:stCondLst>
+                        <p:cond delay="indefinite"/>
+                      </p:stCondLst>
+                      <p:childTnLst>
+                        <p:par>
+                          <p:cTn id="4" fill="hold">
+                            <p:stCondLst>
+                              <p:cond delay="0"/>
+                            </p:stCondLst>
+                            <p:childTnLst>
+                              <p:par>
+                                <p:cTn id="5" presetID="16" presetClass="entr" presetSubtype="21" fill="hold" grpId="0" nodeType="clickEffect">
+                                  <p:stCondLst>
+                                    <p:cond delay="0"/>
+                                  </p:stCondLst>
+                                  <p:childTnLst>
+                                    <p:set>
+                                      <p:cBhvr>
+                                        <p:cTn id="6" dur="1" fill="hold">
+                                          <p:stCondLst>
+                                            <p:cond delay="0"/>
+                                          </p:stCondLst>
+                                        </p:cTn>
+                                        <p:tgtEl>
+                                          <p:spTgt spid="4"/>
+                                        </p:tgtEl>
+                                        <p:attrNameLst>
+                                          <p:attrName>style.visibility</p:attrName>
+                                        </p:attrNameLst>
+                                      </p:cBhvr>
+                                      <p:to>
+                                        <p:strVal val="visible"/>
+                                      </p:to>
+                                    </p:set>
+                                    <p:animEffect transition="in" filter="barn(inVertical)">
+                                      <p:cBhvr>
+                                        <p:cTn id="7" dur="500"/>
+                                        <p:tgtEl>
+                                          <p:spTgt spid="4"/>
+                                        </p:tgtEl>
+                                      </p:cBhvr>
+                                    </p:animEffect>
+                                  </p:childTnLst>
+                                </p:cTn>
+                              </p:par>
+                            </p:childTnLst>
+                          </p:cTn>
+                        </p:par>
+                      </p:childTnLst>
+                    </p:cTn>
+                  </p:par>
+                  <p:par>
+                    <p:cTn id="8" fill="hold">
+                      <p:stCondLst>
+                        <p:cond delay="indefinite"/>
+                      </p:stCondLst>
+                      <p:childTnLst>
+                        <p:par>
+                          <p:cTn id="9" fill="hold">
+                            <p:stCondLst>
+                              <p:cond delay="0"/>
+                            </p:stCondLst>
+                            <p:childTnLst>
+                              <p:par>
+                                <p:cTn id="10" presetID="16" presetClass="entr" presetSubtype="21" fill="hold" grpId="0" nodeType="clickEffect">
+                                  <p:stCondLst>
+                                    <p:cond delay="0"/>
+                                  </p:stCondLst>
+                                  <p:childTnLst>
+                                    <p:set>
+                                      <p:cBhvr>
+                                        <p:cTn id="11" dur="1" fill="hold">
+                                          <p:stCondLst>
+                                            <p:cond delay="0"/>
+                                          </p:stCondLst>
+                                        </p:cTn>
+                                        <p:tgtEl>
+                                          <p:spTgt spid="5"/>
+                                        </p:tgtEl>
+                                        <p:attrNameLst>
+                                          <p:attrName>style.visibility</p:attrName>
+                                        </p:attrNameLst>
+                                      </p:cBhvr>
+                                      <p:to>
+                                        <p:strVal val="visible"/>
+                                      </p:to>
+                                    </p:set>
+                                    <p:animEffect transition="in" filter="barn(inVertical)">
+                                      <p:cBhvr>
+                                        <p:cTn id="12" dur="500"/>
+                                        <p:tgtEl>
+                                          <p:spTgt spid="5"/>
+                                        </p:tgtEl>
+                                      </p:cBhvr>
+                                    </p:animEffect>
+                                  </p:childTnLst>
+                                </p:cTn>
+                              </p:par>
+                            </p:childTnLst>
+                          </p:cTn>
+                        </p:par>
+                      </p:childTnLst>
+                    </p:cTn>
+                  </p:par>
+                </p:childTnLst>
+              </p:cTn>
+              <p:prevCondLst>
+                <p:cond evt="onPrev" delay="0">
+                  <p:tgtEl>
+                    <p:sldTgt/>
+                  </p:tgtEl>
+                </p:cond>
+              </p:prevCondLst>
+              <p:nextCondLst>
+                <p:cond evt="onNext" delay="0">
+                  <p:tgtEl>
+                    <p:sldTgt/>
+                  </p:tgtEl>
+                </p:cond>
+              </p:nextCondLst>
+            </p:seq>
+          </p:childTnLst>
+        </p:cTn>
+      </p:par>
+    </p:tnLst>
+    <p:bldLst>
+      <p:bldP spid="4" grpId="0"/>
+      <p:bldP spid="5" grpId="0"/>
+    </p:bldLst>
+  </p:timing>
+</p:sld>
+</file>
+
+<file path=ppt/slides/slide8.xml><?xml version="1.0" encoding="utf-8"?>
+<p:sld xmlns:a="http://schemas.openxmlformats.org/drawingml/2006/main" xmlns:r="http://schemas.openxmlformats.org/officeDocument/2006/relationships" xmlns:p="http://schemas.openxmlformats.org/presentationml/2006/main">
+  <p:cSld>
+    <p:spTree>
+      <p:nvGrpSpPr>
+        <p:cNvPr id="1" name=""/>
+        <p:cNvGrpSpPr/>
+        <p:nvPr/>
+      </p:nvGrpSpPr>
+      <p:grpSpPr>
+        <a:xfrm>
+          <a:off x="0" y="0"/>
+          <a:ext cx="0" cy="0"/>
+          <a:chOff x="0" y="0"/>
+          <a:chExt cx="0" cy="0"/>
+        </a:xfrm>
+      </p:grpSpPr>
+      <p:sp>
+        <p:nvSpPr>
+          <p:cNvPr id="2" name="标题 1"/>
+          <p:cNvSpPr>
+            <a:spLocks noGrp="1"/>
+          </p:cNvSpPr>
+          <p:nvPr>
+            <p:ph type="title"/>
+          </p:nvPr>
+        </p:nvSpPr>
+        <p:spPr/>
+        <p:txBody>
+          <a:bodyPr/>
+          <a:lstStyle/>
+          <a:p>
+            <a:r>
+              <a:rPr lang="zh-CN" altLang="en-US" smtClean="0"/>
               <a:t>简单值</a:t>
             </a:r>
             <a:endParaRPr kumimoji="1" lang="zh-CN" altLang="en-US" dirty="0"/>
@@ -5184,7 +11862,6 @@
               <a:rPr lang="en-US" altLang="zh-CN" dirty="0" smtClean="0"/>
               <a:t>0</a:t>
             </a:r>
-            <a:endParaRPr lang="en-US" altLang="zh-CN" dirty="0" smtClean="0"/>
           </a:p>
           <a:p>
             <a:pPr marL="0" indent="0">
@@ -5198,23 +11875,11 @@
             </a:pPr>
             <a:r>
               <a:rPr lang="en-US" altLang="zh-CN" b="1" dirty="0" smtClean="0"/>
-              <a:t>let</a:t>
-            </a:r>
-            <a:r>
-              <a:rPr lang="en-US" altLang="zh-CN" b="1" dirty="0" smtClean="0"/>
-              <a:t> </a:t>
+              <a:t>let </a:t>
             </a:r>
             <a:r>
               <a:rPr lang="en-US" altLang="zh-CN" dirty="0" smtClean="0"/>
-              <a:t> </a:t>
-            </a:r>
-            <a:r>
-              <a:rPr lang="en-US" altLang="zh-CN" dirty="0" smtClean="0"/>
-              <a:t>  </a:t>
-            </a:r>
-            <a:r>
-              <a:rPr lang="en-US" altLang="zh-CN" dirty="0" smtClean="0"/>
-              <a:t>label </a:t>
+              <a:t>   label </a:t>
             </a:r>
             <a:r>
               <a:rPr lang="en-US" altLang="zh-CN" dirty="0"/>
@@ -5235,11 +11900,7 @@
             </a:r>
             <a:r>
               <a:rPr lang="en-US" altLang="zh-CN" dirty="0" smtClean="0"/>
-              <a:t>   </a:t>
-            </a:r>
-            <a:r>
-              <a:rPr lang="en-US" altLang="zh-CN" dirty="0" smtClean="0"/>
-              <a:t>width </a:t>
+              <a:t>   width </a:t>
             </a:r>
             <a:r>
               <a:rPr lang="en-US" altLang="zh-CN" dirty="0"/>
@@ -5297,14 +11958,14 @@
   <p:timing>
     <p:tnLst>
       <p:par>
-        <p:cTn xmlns:p14="http://schemas.microsoft.com/office/powerpoint/2010/main" id="1" dur="indefinite" restart="never" nodeType="tmRoot"/>
+        <p:cTn id="1" dur="indefinite" restart="never" nodeType="tmRoot"/>
       </p:par>
     </p:tnLst>
   </p:timing>
 </p:sld>
 </file>
 
-<file path=ppt/slides/slide8.xml><?xml version="1.0" encoding="utf-8"?>
+<file path=ppt/slides/slide9.xml><?xml version="1.0" encoding="utf-8"?>
 <p:sld xmlns:a="http://schemas.openxmlformats.org/drawingml/2006/main" xmlns:r="http://schemas.openxmlformats.org/officeDocument/2006/relationships" xmlns:p="http://schemas.openxmlformats.org/presentationml/2006/main">
   <p:cSld>
     <p:spTree>
@@ -5616,239 +12277,7 @@
   <p:timing>
     <p:tnLst>
       <p:par>
-        <p:cTn xmlns:p14="http://schemas.microsoft.com/office/powerpoint/2010/main" id="1" dur="indefinite" restart="never" nodeType="tmRoot"/>
-      </p:par>
-    </p:tnLst>
-  </p:timing>
-</p:sld>
-</file>
-
-<file path=ppt/slides/slide9.xml><?xml version="1.0" encoding="utf-8"?>
-<p:sld xmlns:a="http://schemas.openxmlformats.org/drawingml/2006/main" xmlns:r="http://schemas.openxmlformats.org/officeDocument/2006/relationships" xmlns:p="http://schemas.openxmlformats.org/presentationml/2006/main">
-  <p:cSld>
-    <p:spTree>
-      <p:nvGrpSpPr>
-        <p:cNvPr id="1" name=""/>
-        <p:cNvGrpSpPr/>
-        <p:nvPr/>
-      </p:nvGrpSpPr>
-      <p:grpSpPr>
-        <a:xfrm>
-          <a:off x="0" y="0"/>
-          <a:ext cx="0" cy="0"/>
-          <a:chOff x="0" y="0"/>
-          <a:chExt cx="0" cy="0"/>
-        </a:xfrm>
-      </p:grpSpPr>
-      <p:sp>
-        <p:nvSpPr>
-          <p:cNvPr id="2" name="标题 1"/>
-          <p:cNvSpPr>
-            <a:spLocks noGrp="1"/>
-          </p:cNvSpPr>
-          <p:nvPr>
-            <p:ph type="title"/>
-          </p:nvPr>
-        </p:nvSpPr>
-        <p:spPr/>
-        <p:txBody>
-          <a:bodyPr/>
-          <a:lstStyle/>
-          <a:p>
-            <a:r>
-              <a:rPr kumimoji="1" lang="zh-CN" altLang="en-US" dirty="0" smtClean="0"/>
-              <a:t>学习参考</a:t>
-            </a:r>
-            <a:endParaRPr kumimoji="1" lang="zh-CN" altLang="en-US" dirty="0"/>
-          </a:p>
-        </p:txBody>
-      </p:sp>
-      <p:sp>
-        <p:nvSpPr>
-          <p:cNvPr id="3" name="竖排文本占位符 2"/>
-          <p:cNvSpPr>
-            <a:spLocks noGrp="1"/>
-          </p:cNvSpPr>
-          <p:nvPr>
-            <p:ph type="body" orient="vert" idx="1"/>
-          </p:nvPr>
-        </p:nvSpPr>
-        <p:spPr/>
-        <p:txBody>
-          <a:bodyPr vert="horz">
-            <a:normAutofit/>
-          </a:bodyPr>
-          <a:lstStyle/>
-          <a:p>
-            <a:pPr>
-              <a:buFont typeface="Wingdings" charset="2"/>
-              <a:buChar char="l"/>
-            </a:pPr>
-            <a:r>
-              <a:rPr kumimoji="1" lang="zh-CN" altLang="en-US" sz="2400" dirty="0" smtClean="0"/>
-              <a:t>官网：</a:t>
-            </a:r>
-            <a:r>
-              <a:rPr kumimoji="1" lang="en-US" altLang="zh-CN" sz="2400" dirty="0">
-                <a:hlinkClick r:id="rId2"/>
-              </a:rPr>
-              <a:t>https://developer.apple.com/swift</a:t>
-            </a:r>
-            <a:r>
-              <a:rPr kumimoji="1" lang="en-US" altLang="zh-CN" sz="2400" dirty="0" smtClean="0">
-                <a:hlinkClick r:id="rId2"/>
-              </a:rPr>
-              <a:t>/</a:t>
-            </a:r>
-            <a:endParaRPr kumimoji="1" lang="en-US" altLang="zh-CN" sz="2400" dirty="0" smtClean="0"/>
-          </a:p>
-          <a:p>
-            <a:pPr>
-              <a:buFont typeface="Wingdings" charset="2"/>
-              <a:buChar char="l"/>
-            </a:pPr>
-            <a:r>
-              <a:rPr kumimoji="1" lang="en-US" altLang="zh-CN" sz="2400" dirty="0" smtClean="0">
-                <a:hlinkClick r:id="rId3"/>
-              </a:rPr>
-              <a:t>《</a:t>
-            </a:r>
-            <a:r>
-              <a:rPr lang="en-US" altLang="zh-CN" sz="2400" dirty="0">
-                <a:hlinkClick r:id="rId3"/>
-              </a:rPr>
-              <a:t>The Swift Programming Language </a:t>
-            </a:r>
-            <a:r>
-              <a:rPr lang="zh-CN" altLang="en-US" sz="2400" dirty="0">
-                <a:hlinkClick r:id="rId3"/>
-              </a:rPr>
-              <a:t>中文版</a:t>
-            </a:r>
-            <a:r>
-              <a:rPr kumimoji="1" lang="en-US" altLang="zh-CN" sz="2400" dirty="0" smtClean="0">
-                <a:hlinkClick r:id="rId3"/>
-              </a:rPr>
-              <a:t>》</a:t>
-            </a:r>
-            <a:endParaRPr kumimoji="1" lang="en-US" altLang="zh-CN" sz="2400" dirty="0" smtClean="0"/>
-          </a:p>
-          <a:p>
-            <a:pPr>
-              <a:buFont typeface="Wingdings" charset="2"/>
-              <a:buChar char="l"/>
-            </a:pPr>
-            <a:r>
-              <a:rPr kumimoji="1" lang="en-US" altLang="zh-CN" sz="2400" dirty="0" err="1" smtClean="0">
-                <a:hlinkClick r:id="rId4"/>
-              </a:rPr>
-              <a:t>Cocos</a:t>
-            </a:r>
-            <a:r>
-              <a:rPr kumimoji="1" lang="zh-CN" altLang="en-US" sz="2400" dirty="0" smtClean="0">
-                <a:hlinkClick r:id="rId4"/>
-              </a:rPr>
-              <a:t> </a:t>
-            </a:r>
-            <a:r>
-              <a:rPr kumimoji="1" lang="en-US" altLang="zh-CN" sz="2400" dirty="0" smtClean="0">
-                <a:hlinkClick r:id="rId4"/>
-              </a:rPr>
-              <a:t>China</a:t>
-            </a:r>
-            <a:r>
-              <a:rPr kumimoji="1" lang="zh-CN" altLang="en-US" sz="2400" dirty="0" smtClean="0">
-                <a:hlinkClick r:id="rId4"/>
-              </a:rPr>
-              <a:t> </a:t>
-            </a:r>
-            <a:r>
-              <a:rPr kumimoji="1" lang="en-US" altLang="zh-CN" sz="2400" dirty="0" smtClean="0">
-                <a:hlinkClick r:id="rId4"/>
-              </a:rPr>
-              <a:t>Swift</a:t>
-            </a:r>
-            <a:r>
-              <a:rPr kumimoji="1" lang="zh-CN" altLang="en-US" sz="2400" dirty="0" smtClean="0">
-                <a:hlinkClick r:id="rId4"/>
-              </a:rPr>
-              <a:t> 专栏</a:t>
-            </a:r>
-            <a:endParaRPr kumimoji="1" lang="en-US" altLang="zh-CN" sz="2400" dirty="0" smtClean="0"/>
-          </a:p>
-          <a:p>
-            <a:pPr>
-              <a:buFont typeface="Wingdings" charset="2"/>
-              <a:buChar char="l"/>
-            </a:pPr>
-            <a:r>
-              <a:rPr kumimoji="1" lang="en-US" altLang="zh-CN" sz="2400" dirty="0" smtClean="0">
-                <a:hlinkClick r:id="rId5"/>
-              </a:rPr>
-              <a:t>Swift</a:t>
-            </a:r>
-            <a:r>
-              <a:rPr kumimoji="1" lang="zh-CN" altLang="en-US" sz="2400" dirty="0" smtClean="0">
-                <a:hlinkClick r:id="rId5"/>
-              </a:rPr>
-              <a:t>课堂</a:t>
-            </a:r>
-            <a:endParaRPr kumimoji="1" lang="en-US" altLang="zh-CN" sz="2400" dirty="0" smtClean="0"/>
-          </a:p>
-          <a:p>
-            <a:pPr>
-              <a:buFont typeface="Wingdings" charset="2"/>
-              <a:buChar char="l"/>
-            </a:pPr>
-            <a:r>
-              <a:rPr kumimoji="1" lang="en-US" altLang="zh-CN" sz="2400" dirty="0" smtClean="0">
-                <a:hlinkClick r:id="rId6"/>
-              </a:rPr>
-              <a:t>Swift</a:t>
-            </a:r>
-            <a:r>
-              <a:rPr kumimoji="1" lang="zh-CN" altLang="en-US" sz="2400" dirty="0" smtClean="0">
-                <a:hlinkClick r:id="rId6"/>
-              </a:rPr>
-              <a:t>中文网</a:t>
-            </a:r>
-            <a:endParaRPr kumimoji="1" lang="en-US" altLang="zh-CN" sz="2400" dirty="0" smtClean="0"/>
-          </a:p>
-          <a:p>
-            <a:pPr>
-              <a:buFont typeface="Wingdings" charset="2"/>
-              <a:buChar char="l"/>
-            </a:pPr>
-            <a:r>
-              <a:rPr kumimoji="1" lang="zh-CN" altLang="en-US" sz="2400" dirty="0" smtClean="0">
-                <a:hlinkClick r:id="rId7"/>
-              </a:rPr>
-              <a:t>极客学院</a:t>
-            </a:r>
-            <a:endParaRPr kumimoji="1" lang="en-US" altLang="zh-CN" sz="2400" dirty="0" smtClean="0"/>
-          </a:p>
-          <a:p>
-            <a:pPr marL="0" indent="0">
-              <a:buNone/>
-            </a:pPr>
-            <a:endParaRPr kumimoji="1" lang="zh-CN" altLang="en-US" sz="2400" dirty="0"/>
-          </a:p>
-        </p:txBody>
-      </p:sp>
-    </p:spTree>
-    <p:extLst>
-      <p:ext uri="{BB962C8B-B14F-4D97-AF65-F5344CB8AC3E}">
-        <p14:creationId xmlns:p14="http://schemas.microsoft.com/office/powerpoint/2010/main" val="478851738"/>
-      </p:ext>
-    </p:extLst>
-  </p:cSld>
-  <p:clrMapOvr>
-    <a:masterClrMapping/>
-  </p:clrMapOvr>
-  <p:timing>
-    <p:tnLst>
-      <p:par>
-        <p:cTn xmlns:p14="http://schemas.microsoft.com/office/powerpoint/2010/main" id="1" dur="indefinite" restart="never" nodeType="tmRoot"/>
+        <p:cTn id="1" dur="indefinite" restart="never" nodeType="tmRoot"/>
       </p:par>
     </p:tnLst>
   </p:timing>
@@ -6148,4 +12577,289 @@
   <a:objectDefaults/>
   <a:extraClrSchemeLst/>
 </a:theme>
+</file>
+
+<file path=ppt/theme/theme2.xml><?xml version="1.0" encoding="utf-8"?>
+<a:theme xmlns:a="http://schemas.openxmlformats.org/drawingml/2006/main" name="Office 主题​​">
+  <a:themeElements>
+    <a:clrScheme name="Office">
+      <a:dk1>
+        <a:sysClr val="windowText" lastClr="000000"/>
+      </a:dk1>
+      <a:lt1>
+        <a:sysClr val="window" lastClr="FFFFFF"/>
+      </a:lt1>
+      <a:dk2>
+        <a:srgbClr val="1F497D"/>
+      </a:dk2>
+      <a:lt2>
+        <a:srgbClr val="EEECE1"/>
+      </a:lt2>
+      <a:accent1>
+        <a:srgbClr val="4F81BD"/>
+      </a:accent1>
+      <a:accent2>
+        <a:srgbClr val="C0504D"/>
+      </a:accent2>
+      <a:accent3>
+        <a:srgbClr val="9BBB59"/>
+      </a:accent3>
+      <a:accent4>
+        <a:srgbClr val="8064A2"/>
+      </a:accent4>
+      <a:accent5>
+        <a:srgbClr val="4BACC6"/>
+      </a:accent5>
+      <a:accent6>
+        <a:srgbClr val="F79646"/>
+      </a:accent6>
+      <a:hlink>
+        <a:srgbClr val="0000FF"/>
+      </a:hlink>
+      <a:folHlink>
+        <a:srgbClr val="800080"/>
+      </a:folHlink>
+    </a:clrScheme>
+    <a:fontScheme name="Office">
+      <a:majorFont>
+        <a:latin typeface="Calibri"/>
+        <a:ea typeface=""/>
+        <a:cs typeface=""/>
+        <a:font script="Jpan" typeface="ＭＳ Ｐゴシック"/>
+        <a:font script="Hang" typeface="맑은 고딕"/>
+        <a:font script="Hans" typeface="宋体"/>
+        <a:font script="Hant" typeface="新細明體"/>
+        <a:font script="Arab" typeface="Times New Roman"/>
+        <a:font script="Hebr" typeface="Times New Roman"/>
+        <a:font script="Thai" typeface="Angsana New"/>
+        <a:font script="Ethi" typeface="Nyala"/>
+        <a:font script="Beng" typeface="Vrinda"/>
+        <a:font script="Gujr" typeface="Shruti"/>
+        <a:font script="Khmr" typeface="MoolBoran"/>
+        <a:font script="Knda" typeface="Tunga"/>
+        <a:font script="Guru" typeface="Raavi"/>
+        <a:font script="Cans" typeface="Euphemia"/>
+        <a:font script="Cher" typeface="Plantagenet Cherokee"/>
+        <a:font script="Yiii" typeface="Microsoft Yi Baiti"/>
+        <a:font script="Tibt" typeface="Microsoft Himalaya"/>
+        <a:font script="Thaa" typeface="MV Boli"/>
+        <a:font script="Deva" typeface="Mangal"/>
+        <a:font script="Telu" typeface="Gautami"/>
+        <a:font script="Taml" typeface="Latha"/>
+        <a:font script="Syrc" typeface="Estrangelo Edessa"/>
+        <a:font script="Orya" typeface="Kalinga"/>
+        <a:font script="Mlym" typeface="Kartika"/>
+        <a:font script="Laoo" typeface="DokChampa"/>
+        <a:font script="Sinh" typeface="Iskoola Pota"/>
+        <a:font script="Mong" typeface="Mongolian Baiti"/>
+        <a:font script="Viet" typeface="Times New Roman"/>
+        <a:font script="Uigh" typeface="Microsoft Uighur"/>
+        <a:font script="Geor" typeface="Sylfaen"/>
+      </a:majorFont>
+      <a:minorFont>
+        <a:latin typeface="Calibri"/>
+        <a:ea typeface=""/>
+        <a:cs typeface=""/>
+        <a:font script="Jpan" typeface="ＭＳ Ｐゴシック"/>
+        <a:font script="Hang" typeface="맑은 고딕"/>
+        <a:font script="Hans" typeface="宋体"/>
+        <a:font script="Hant" typeface="新細明體"/>
+        <a:font script="Arab" typeface="Arial"/>
+        <a:font script="Hebr" typeface="Arial"/>
+        <a:font script="Thai" typeface="Cordia New"/>
+        <a:font script="Ethi" typeface="Nyala"/>
+        <a:font script="Beng" typeface="Vrinda"/>
+        <a:font script="Gujr" typeface="Shruti"/>
+        <a:font script="Khmr" typeface="DaunPenh"/>
+        <a:font script="Knda" typeface="Tunga"/>
+        <a:font script="Guru" typeface="Raavi"/>
+        <a:font script="Cans" typeface="Euphemia"/>
+        <a:font script="Cher" typeface="Plantagenet Cherokee"/>
+        <a:font script="Yiii" typeface="Microsoft Yi Baiti"/>
+        <a:font script="Tibt" typeface="Microsoft Himalaya"/>
+        <a:font script="Thaa" typeface="MV Boli"/>
+        <a:font script="Deva" typeface="Mangal"/>
+        <a:font script="Telu" typeface="Gautami"/>
+        <a:font script="Taml" typeface="Latha"/>
+        <a:font script="Syrc" typeface="Estrangelo Edessa"/>
+        <a:font script="Orya" typeface="Kalinga"/>
+        <a:font script="Mlym" typeface="Kartika"/>
+        <a:font script="Laoo" typeface="DokChampa"/>
+        <a:font script="Sinh" typeface="Iskoola Pota"/>
+        <a:font script="Mong" typeface="Mongolian Baiti"/>
+        <a:font script="Viet" typeface="Arial"/>
+        <a:font script="Uigh" typeface="Microsoft Uighur"/>
+        <a:font script="Geor" typeface="Sylfaen"/>
+      </a:minorFont>
+    </a:fontScheme>
+    <a:fmtScheme name="Office">
+      <a:fillStyleLst>
+        <a:solidFill>
+          <a:schemeClr val="phClr"/>
+        </a:solidFill>
+        <a:gradFill rotWithShape="1">
+          <a:gsLst>
+            <a:gs pos="0">
+              <a:schemeClr val="phClr">
+                <a:tint val="50000"/>
+                <a:satMod val="300000"/>
+              </a:schemeClr>
+            </a:gs>
+            <a:gs pos="35000">
+              <a:schemeClr val="phClr">
+                <a:tint val="37000"/>
+                <a:satMod val="300000"/>
+              </a:schemeClr>
+            </a:gs>
+            <a:gs pos="100000">
+              <a:schemeClr val="phClr">
+                <a:tint val="15000"/>
+                <a:satMod val="350000"/>
+              </a:schemeClr>
+            </a:gs>
+          </a:gsLst>
+          <a:lin ang="16200000" scaled="1"/>
+        </a:gradFill>
+        <a:gradFill rotWithShape="1">
+          <a:gsLst>
+            <a:gs pos="0">
+              <a:schemeClr val="phClr">
+                <a:shade val="51000"/>
+                <a:satMod val="130000"/>
+              </a:schemeClr>
+            </a:gs>
+            <a:gs pos="80000">
+              <a:schemeClr val="phClr">
+                <a:shade val="93000"/>
+                <a:satMod val="130000"/>
+              </a:schemeClr>
+            </a:gs>
+            <a:gs pos="100000">
+              <a:schemeClr val="phClr">
+                <a:shade val="94000"/>
+                <a:satMod val="135000"/>
+              </a:schemeClr>
+            </a:gs>
+          </a:gsLst>
+          <a:lin ang="16200000" scaled="0"/>
+        </a:gradFill>
+      </a:fillStyleLst>
+      <a:lnStyleLst>
+        <a:ln w="9525" cap="flat" cmpd="sng" algn="ctr">
+          <a:solidFill>
+            <a:schemeClr val="phClr">
+              <a:shade val="95000"/>
+              <a:satMod val="105000"/>
+            </a:schemeClr>
+          </a:solidFill>
+          <a:prstDash val="solid"/>
+        </a:ln>
+        <a:ln w="25400" cap="flat" cmpd="sng" algn="ctr">
+          <a:solidFill>
+            <a:schemeClr val="phClr"/>
+          </a:solidFill>
+          <a:prstDash val="solid"/>
+        </a:ln>
+        <a:ln w="38100" cap="flat" cmpd="sng" algn="ctr">
+          <a:solidFill>
+            <a:schemeClr val="phClr"/>
+          </a:solidFill>
+          <a:prstDash val="solid"/>
+        </a:ln>
+      </a:lnStyleLst>
+      <a:effectStyleLst>
+        <a:effectStyle>
+          <a:effectLst>
+            <a:outerShdw blurRad="40000" dist="20000" dir="5400000" rotWithShape="0">
+              <a:srgbClr val="000000">
+                <a:alpha val="38000"/>
+              </a:srgbClr>
+            </a:outerShdw>
+          </a:effectLst>
+        </a:effectStyle>
+        <a:effectStyle>
+          <a:effectLst>
+            <a:outerShdw blurRad="40000" dist="23000" dir="5400000" rotWithShape="0">
+              <a:srgbClr val="000000">
+                <a:alpha val="35000"/>
+              </a:srgbClr>
+            </a:outerShdw>
+          </a:effectLst>
+        </a:effectStyle>
+        <a:effectStyle>
+          <a:effectLst>
+            <a:outerShdw blurRad="40000" dist="23000" dir="5400000" rotWithShape="0">
+              <a:srgbClr val="000000">
+                <a:alpha val="35000"/>
+              </a:srgbClr>
+            </a:outerShdw>
+          </a:effectLst>
+          <a:scene3d>
+            <a:camera prst="orthographicFront">
+              <a:rot lat="0" lon="0" rev="0"/>
+            </a:camera>
+            <a:lightRig rig="threePt" dir="t">
+              <a:rot lat="0" lon="0" rev="1200000"/>
+            </a:lightRig>
+          </a:scene3d>
+          <a:sp3d>
+            <a:bevelT w="63500" h="25400"/>
+          </a:sp3d>
+        </a:effectStyle>
+      </a:effectStyleLst>
+      <a:bgFillStyleLst>
+        <a:solidFill>
+          <a:schemeClr val="phClr"/>
+        </a:solidFill>
+        <a:gradFill rotWithShape="1">
+          <a:gsLst>
+            <a:gs pos="0">
+              <a:schemeClr val="phClr">
+                <a:tint val="40000"/>
+                <a:satMod val="350000"/>
+              </a:schemeClr>
+            </a:gs>
+            <a:gs pos="40000">
+              <a:schemeClr val="phClr">
+                <a:tint val="45000"/>
+                <a:shade val="99000"/>
+                <a:satMod val="350000"/>
+              </a:schemeClr>
+            </a:gs>
+            <a:gs pos="100000">
+              <a:schemeClr val="phClr">
+                <a:shade val="20000"/>
+                <a:satMod val="255000"/>
+              </a:schemeClr>
+            </a:gs>
+          </a:gsLst>
+          <a:path path="circle">
+            <a:fillToRect l="50000" t="-80000" r="50000" b="180000"/>
+          </a:path>
+        </a:gradFill>
+        <a:gradFill rotWithShape="1">
+          <a:gsLst>
+            <a:gs pos="0">
+              <a:schemeClr val="phClr">
+                <a:tint val="80000"/>
+                <a:satMod val="300000"/>
+              </a:schemeClr>
+            </a:gs>
+            <a:gs pos="100000">
+              <a:schemeClr val="phClr">
+                <a:shade val="30000"/>
+                <a:satMod val="200000"/>
+              </a:schemeClr>
+            </a:gs>
+          </a:gsLst>
+          <a:path path="circle">
+            <a:fillToRect l="50000" t="50000" r="50000" b="50000"/>
+          </a:path>
+        </a:gradFill>
+      </a:bgFillStyleLst>
+    </a:fmtScheme>
+  </a:themeElements>
+  <a:objectDefaults/>
+  <a:extraClrSchemeLst/>
+</a:theme>
 </file>